--- a/Appendix for Git-v1.1.pptx
+++ b/Appendix for Git-v1.1.pptx
@@ -5,18 +5,16 @@
     <p:sldMasterId id="2147483707" r:id="rId1"/>
   </p:sldMasterIdLst>
   <p:notesMasterIdLst>
-    <p:notesMasterId r:id="rId11"/>
+    <p:notesMasterId r:id="rId9"/>
   </p:notesMasterIdLst>
   <p:sldIdLst>
     <p:sldId id="256" r:id="rId2"/>
     <p:sldId id="263" r:id="rId3"/>
     <p:sldId id="260" r:id="rId4"/>
-    <p:sldId id="274" r:id="rId5"/>
+    <p:sldId id="276" r:id="rId5"/>
     <p:sldId id="272" r:id="rId6"/>
-    <p:sldId id="275" r:id="rId7"/>
-    <p:sldId id="270" r:id="rId8"/>
-    <p:sldId id="265" r:id="rId9"/>
-    <p:sldId id="269" r:id="rId10"/>
+    <p:sldId id="270" r:id="rId7"/>
+    <p:sldId id="269" r:id="rId8"/>
   </p:sldIdLst>
   <p:sldSz cx="12192000" cy="6858000"/>
   <p:notesSz cx="6858000" cy="9144000"/>
@@ -117,7 +115,7 @@
   </p:defaultTextStyle>
   <p:extLst>
     <p:ext uri="{EFAFB233-063F-42B5-8137-9DF3F51BA10A}">
-      <p15:sldGuideLst xmlns="" xmlns:a="http://schemas.openxmlformats.org/drawingml/2006/main" xmlns:r="http://schemas.openxmlformats.org/officeDocument/2006/relationships" xmlns:p="http://schemas.openxmlformats.org/presentationml/2006/main" xmlns:p15="http://schemas.microsoft.com/office/powerpoint/2012/main" xmlns:mv="urn:schemas-microsoft-com:mac:vml" xmlns:mc="http://schemas.openxmlformats.org/markup-compatibility/2006">
+      <p15:sldGuideLst xmlns:mc="http://schemas.openxmlformats.org/markup-compatibility/2006" xmlns:mv="urn:schemas-microsoft-com:mac:vml" xmlns:p15="http://schemas.microsoft.com/office/powerpoint/2012/main" xmlns:p="http://schemas.openxmlformats.org/presentationml/2006/main" xmlns:r="http://schemas.openxmlformats.org/officeDocument/2006/relationships" xmlns:a="http://schemas.openxmlformats.org/drawingml/2006/main" xmlns="">
         <p15:guide id="1" orient="horz" pos="2160">
           <p15:clr>
             <a:srgbClr val="A4A3A4"/>
@@ -139,28 +137,19 @@
   <p:cmAuthor id="1" name="Joseph Sempa" initials="JS" lastIdx="7" clrIdx="0">
     <p:extLst>
       <p:ext uri="{19B8F6BF-5375-455C-9EA6-DF929625EA0E}">
-        <p15:presenceInfo xmlns="" xmlns:a="http://schemas.openxmlformats.org/drawingml/2006/main" xmlns:r="http://schemas.openxmlformats.org/officeDocument/2006/relationships" xmlns:p="http://schemas.openxmlformats.org/presentationml/2006/main" xmlns:p15="http://schemas.microsoft.com/office/powerpoint/2012/main" xmlns:mv="urn:schemas-microsoft-com:mac:vml" xmlns:mc="http://schemas.openxmlformats.org/markup-compatibility/2006" userId="6a318720dea0050f" providerId="Windows Live"/>
+        <p15:presenceInfo xmlns:mc="http://schemas.openxmlformats.org/markup-compatibility/2006" xmlns:mv="urn:schemas-microsoft-com:mac:vml" xmlns:p15="http://schemas.microsoft.com/office/powerpoint/2012/main" xmlns:p="http://schemas.openxmlformats.org/presentationml/2006/main" xmlns:r="http://schemas.openxmlformats.org/officeDocument/2006/relationships" xmlns:a="http://schemas.openxmlformats.org/drawingml/2006/main" xmlns="" userId="6a318720dea0050f" providerId="Windows Live"/>
       </p:ext>
     </p:extLst>
   </p:cmAuthor>
   <p:cmAuthor id="2" name="Eva" initials="E" lastIdx="5" clrIdx="1">
     <p:extLst>
       <p:ext uri="{19B8F6BF-5375-455C-9EA6-DF929625EA0E}">
-        <p15:presenceInfo xmlns="" xmlns:a="http://schemas.openxmlformats.org/drawingml/2006/main" xmlns:r="http://schemas.openxmlformats.org/officeDocument/2006/relationships" xmlns:p="http://schemas.openxmlformats.org/presentationml/2006/main" xmlns:p15="http://schemas.microsoft.com/office/powerpoint/2012/main" xmlns:mv="urn:schemas-microsoft-com:mac:vml" xmlns:mc="http://schemas.openxmlformats.org/markup-compatibility/2006" userId="Eva" providerId="None"/>
+        <p15:presenceInfo xmlns:mc="http://schemas.openxmlformats.org/markup-compatibility/2006" xmlns:mv="urn:schemas-microsoft-com:mac:vml" xmlns:p15="http://schemas.microsoft.com/office/powerpoint/2012/main" xmlns:p="http://schemas.openxmlformats.org/presentationml/2006/main" xmlns:r="http://schemas.openxmlformats.org/officeDocument/2006/relationships" xmlns:a="http://schemas.openxmlformats.org/drawingml/2006/main" xmlns="" userId="Eva" providerId="None"/>
       </p:ext>
     </p:extLst>
   </p:cmAuthor>
   <p:cmAuthor id="3" name="Roxanne Beauclair" initials="RB" lastIdx="15" clrIdx="2"/>
 </p:cmAuthorLst>
-</file>
-
-<file path=ppt/comments/comment1.xml><?xml version="1.0" encoding="utf-8"?>
-<p:cmLst xmlns:a="http://schemas.openxmlformats.org/drawingml/2006/main" xmlns:r="http://schemas.openxmlformats.org/officeDocument/2006/relationships" xmlns:mc="http://schemas.openxmlformats.org/markup-compatibility/2006" xmlns:mv="urn:schemas-microsoft-com:mac:vml" xmlns:p="http://schemas.openxmlformats.org/presentationml/2006/main" mc:Ignorable="mv" mc:PreserveAttributes="mv:*">
-  <p:cm authorId="3" dt="2015-05-07T15:41:23.122" idx="15">
-    <p:pos x="3213" y="1275"/>
-    <p:text>Update to reflect directions for SmartGit</p:text>
-  </p:cm>
-</p:cmLst>
 </file>
 
 <file path=ppt/notesMasters/notesMaster1.xml><?xml version="1.0" encoding="utf-8"?>
@@ -212,7 +201,7 @@
             </a:lvl1pPr>
           </a:lstStyle>
           <a:p>
-            <a:endParaRPr lang="en-US"/>
+            <a:endParaRPr lang="en-US" dirty="0"/>
           </a:p>
         </p:txBody>
       </p:sp>
@@ -246,9 +235,9 @@
             <a:fld id="{12320EBB-C57D-4679-B90E-3AE205263646}" type="datetimeFigureOut">
               <a:rPr lang="en-US" smtClean="0"/>
               <a:pPr/>
-              <a:t>5/7/15</a:t>
+              <a:t>5/8/15</a:t>
             </a:fld>
-            <a:endParaRPr lang="en-US"/>
+            <a:endParaRPr lang="en-US" dirty="0"/>
           </a:p>
         </p:txBody>
       </p:sp>
@@ -281,7 +270,7 @@
           <a:bodyPr vert="horz" lIns="91440" tIns="45720" rIns="91440" bIns="45720" rtlCol="0" anchor="ctr"/>
           <a:lstStyle/>
           <a:p>
-            <a:endParaRPr lang="en-US"/>
+            <a:endParaRPr lang="en-US" dirty="0"/>
           </a:p>
         </p:txBody>
       </p:sp>
@@ -372,7 +361,7 @@
             </a:lvl1pPr>
           </a:lstStyle>
           <a:p>
-            <a:endParaRPr lang="en-US"/>
+            <a:endParaRPr lang="en-US" dirty="0"/>
           </a:p>
         </p:txBody>
       </p:sp>
@@ -408,14 +397,14 @@
               <a:pPr/>
               <a:t>‹#›</a:t>
             </a:fld>
-            <a:endParaRPr lang="en-US"/>
+            <a:endParaRPr lang="en-US" dirty="0"/>
           </a:p>
         </p:txBody>
       </p:sp>
     </p:spTree>
     <p:extLst>
       <p:ext uri="{BB962C8B-B14F-4D97-AF65-F5344CB8AC3E}">
-        <p14:creationId xmlns="" xmlns:a="http://schemas.openxmlformats.org/drawingml/2006/main" xmlns:r="http://schemas.openxmlformats.org/officeDocument/2006/relationships" xmlns:p="http://schemas.openxmlformats.org/presentationml/2006/main" xmlns:p14="http://schemas.microsoft.com/office/powerpoint/2010/main" xmlns:mv="urn:schemas-microsoft-com:mac:vml" xmlns:mc="http://schemas.openxmlformats.org/markup-compatibility/2006" val="2700682020"/>
+        <p14:creationId xmlns:mc="http://schemas.openxmlformats.org/markup-compatibility/2006" xmlns:mv="urn:schemas-microsoft-com:mac:vml" xmlns:p14="http://schemas.microsoft.com/office/powerpoint/2010/main" xmlns:p="http://schemas.openxmlformats.org/presentationml/2006/main" xmlns:r="http://schemas.openxmlformats.org/officeDocument/2006/relationships" xmlns:a="http://schemas.openxmlformats.org/drawingml/2006/main" xmlns="" val="2700682020"/>
       </p:ext>
     </p:extLst>
   </p:cSld>
@@ -565,15 +554,7 @@
             </a:r>
             <a:r>
               <a:rPr lang="en-US" baseline="0" dirty="0" smtClean="0"/>
-              <a:t> </a:t>
-            </a:r>
-            <a:r>
-              <a:rPr lang="en-US" baseline="0" dirty="0" err="1" smtClean="0"/>
-              <a:t>SmartGit</a:t>
-            </a:r>
-            <a:r>
-              <a:rPr lang="en-US" baseline="0" dirty="0" smtClean="0"/>
-              <a:t> and while there do the following</a:t>
+              <a:t> SmartGit and while there do the following</a:t>
             </a:r>
           </a:p>
           <a:p>
@@ -626,14 +607,14 @@
               <a:pPr/>
               <a:t>5</a:t>
             </a:fld>
-            <a:endParaRPr lang="en-US"/>
+            <a:endParaRPr lang="en-US" dirty="0"/>
           </a:p>
         </p:txBody>
       </p:sp>
     </p:spTree>
     <p:extLst>
       <p:ext uri="{BB962C8B-B14F-4D97-AF65-F5344CB8AC3E}">
-        <p14:creationId xmlns="" xmlns:a="http://schemas.openxmlformats.org/drawingml/2006/main" xmlns:r="http://schemas.openxmlformats.org/officeDocument/2006/relationships" xmlns:p="http://schemas.openxmlformats.org/presentationml/2006/main" xmlns:p14="http://schemas.microsoft.com/office/powerpoint/2010/main" xmlns:mv="urn:schemas-microsoft-com:mac:vml" xmlns:mc="http://schemas.openxmlformats.org/markup-compatibility/2006" val="3125911225"/>
+        <p14:creationId xmlns:mc="http://schemas.openxmlformats.org/markup-compatibility/2006" xmlns:mv="urn:schemas-microsoft-com:mac:vml" xmlns:p14="http://schemas.microsoft.com/office/powerpoint/2010/main" xmlns:p="http://schemas.openxmlformats.org/presentationml/2006/main" xmlns:r="http://schemas.openxmlformats.org/officeDocument/2006/relationships" xmlns:a="http://schemas.openxmlformats.org/drawingml/2006/main" xmlns="" val="3125911225"/>
       </p:ext>
     </p:extLst>
   </p:cSld>
@@ -689,225 +670,8 @@
           <a:p>
             <a:r>
               <a:rPr lang="en-US" dirty="0" smtClean="0"/>
-              <a:t>Ref: https://github.com/GSoft-SharePoint/Dynamite/wiki/Git-step-by-step:-Part-1</a:t>
-            </a:r>
-          </a:p>
-          <a:p>
-            <a:endParaRPr lang="en-US" dirty="0" smtClean="0"/>
-          </a:p>
-          <a:p>
-            <a:r>
-              <a:rPr lang="en-US" dirty="0" smtClean="0"/>
-              <a:t>For Linux:</a:t>
-            </a:r>
-          </a:p>
-          <a:p>
-            <a:r>
-              <a:rPr lang="en-US" dirty="0" err="1" smtClean="0"/>
-              <a:t>git</a:t>
-            </a:r>
-            <a:r>
-              <a:rPr lang="en-US" dirty="0" smtClean="0"/>
-              <a:t> branch –a list all local and remote branches</a:t>
-            </a:r>
-          </a:p>
-          <a:p>
-            <a:pPr marL="0" marR="0" indent="0" algn="l" defTabSz="914400" rtl="0" eaLnBrk="1" fontAlgn="auto" latinLnBrk="0" hangingPunct="1">
-              <a:lnSpc>
-                <a:spcPct val="100000"/>
-              </a:lnSpc>
-              <a:spcBef>
-                <a:spcPts val="0"/>
-              </a:spcBef>
-              <a:spcAft>
-                <a:spcPts val="0"/>
-              </a:spcAft>
-              <a:buClrTx/>
-              <a:buSzTx/>
-              <a:buFontTx/>
-              <a:buNone/>
-              <a:tabLst/>
-              <a:defRPr/>
-            </a:pPr>
-            <a:r>
-              <a:rPr lang="en-US" dirty="0" err="1" smtClean="0"/>
-              <a:t>git</a:t>
-            </a:r>
-            <a:r>
-              <a:rPr lang="en-US" dirty="0" smtClean="0"/>
-              <a:t> branch –r list only remote branches</a:t>
-            </a:r>
-          </a:p>
-          <a:p>
-            <a:pPr marL="0" marR="0" indent="0" algn="l" defTabSz="914400" rtl="0" eaLnBrk="1" fontAlgn="auto" latinLnBrk="0" hangingPunct="1">
-              <a:lnSpc>
-                <a:spcPct val="100000"/>
-              </a:lnSpc>
-              <a:spcBef>
-                <a:spcPts val="0"/>
-              </a:spcBef>
-              <a:spcAft>
-                <a:spcPts val="0"/>
-              </a:spcAft>
-              <a:buClrTx/>
-              <a:buSzTx/>
-              <a:buFontTx/>
-              <a:buNone/>
-              <a:tabLst/>
-              <a:defRPr/>
-            </a:pPr>
-            <a:r>
-              <a:rPr lang="en-US" dirty="0" err="1" smtClean="0"/>
-              <a:t>git</a:t>
-            </a:r>
-            <a:r>
-              <a:rPr lang="en-US" dirty="0" smtClean="0"/>
-              <a:t> branch </a:t>
-            </a:r>
-            <a:r>
-              <a:rPr lang="en-US" baseline="0" dirty="0" smtClean="0"/>
-              <a:t> list only </a:t>
-            </a:r>
-            <a:r>
-              <a:rPr lang="en-US" dirty="0" smtClean="0"/>
-              <a:t>local branches</a:t>
-            </a:r>
-          </a:p>
-          <a:p>
-            <a:pPr marL="0" marR="0" indent="0" algn="l" defTabSz="914400" rtl="0" eaLnBrk="1" fontAlgn="auto" latinLnBrk="0" hangingPunct="1">
-              <a:lnSpc>
-                <a:spcPct val="100000"/>
-              </a:lnSpc>
-              <a:spcBef>
-                <a:spcPts val="0"/>
-              </a:spcBef>
-              <a:spcAft>
-                <a:spcPts val="0"/>
-              </a:spcAft>
-              <a:buClrTx/>
-              <a:buSzTx/>
-              <a:buFontTx/>
-              <a:buNone/>
-              <a:tabLst/>
-              <a:defRPr/>
-            </a:pPr>
-            <a:r>
-              <a:rPr lang="en-US" dirty="0" err="1" smtClean="0"/>
-              <a:t>git</a:t>
-            </a:r>
-            <a:r>
-              <a:rPr lang="en-US" dirty="0" smtClean="0"/>
-              <a:t> show-branch list</a:t>
-            </a:r>
-            <a:r>
-              <a:rPr lang="en-US" baseline="0" dirty="0" smtClean="0"/>
-              <a:t> bra</a:t>
-            </a:r>
-            <a:r>
-              <a:rPr lang="en-US" dirty="0" smtClean="0"/>
-              <a:t>nches with their commits.</a:t>
-            </a:r>
-          </a:p>
-          <a:p>
-            <a:pPr marL="0" marR="0" indent="0" algn="l" defTabSz="914400" rtl="0" eaLnBrk="1" fontAlgn="auto" latinLnBrk="0" hangingPunct="1">
-              <a:lnSpc>
-                <a:spcPct val="100000"/>
-              </a:lnSpc>
-              <a:spcBef>
-                <a:spcPts val="0"/>
-              </a:spcBef>
-              <a:spcAft>
-                <a:spcPts val="0"/>
-              </a:spcAft>
-              <a:buClrTx/>
-              <a:buSzTx/>
-              <a:buFontTx/>
-              <a:buNone/>
-              <a:tabLst/>
-              <a:defRPr/>
-            </a:pPr>
-            <a:r>
-              <a:rPr lang="en-US" dirty="0" err="1" smtClean="0"/>
-              <a:t>git</a:t>
-            </a:r>
-            <a:r>
-              <a:rPr lang="en-US" dirty="0" smtClean="0"/>
-              <a:t> remote</a:t>
-            </a:r>
-            <a:r>
-              <a:rPr lang="en-US" baseline="0" dirty="0" smtClean="0"/>
-              <a:t> list all available remote (-v adds the </a:t>
-            </a:r>
-            <a:r>
-              <a:rPr lang="en-US" baseline="0" dirty="0" err="1" smtClean="0"/>
-              <a:t>url</a:t>
-            </a:r>
-            <a:r>
-              <a:rPr lang="en-US" baseline="0" dirty="0" smtClean="0"/>
-              <a:t> after the name)</a:t>
-            </a:r>
-          </a:p>
-          <a:p>
-            <a:pPr marL="0" marR="0" indent="0" algn="l" defTabSz="914400" rtl="0" eaLnBrk="1" fontAlgn="auto" latinLnBrk="0" hangingPunct="1">
-              <a:lnSpc>
-                <a:spcPct val="100000"/>
-              </a:lnSpc>
-              <a:spcBef>
-                <a:spcPts val="0"/>
-              </a:spcBef>
-              <a:spcAft>
-                <a:spcPts val="0"/>
-              </a:spcAft>
-              <a:buClrTx/>
-              <a:buSzTx/>
-              <a:buFontTx/>
-              <a:buNone/>
-              <a:tabLst/>
-              <a:defRPr/>
-            </a:pPr>
-            <a:endParaRPr lang="en-US" dirty="0" smtClean="0"/>
-          </a:p>
-          <a:p>
-            <a:pPr marL="0" marR="0" indent="0" algn="l" defTabSz="914400" rtl="0" eaLnBrk="1" fontAlgn="auto" latinLnBrk="0" hangingPunct="1">
-              <a:lnSpc>
-                <a:spcPct val="100000"/>
-              </a:lnSpc>
-              <a:spcBef>
-                <a:spcPts val="0"/>
-              </a:spcBef>
-              <a:spcAft>
-                <a:spcPts val="0"/>
-              </a:spcAft>
-              <a:buClrTx/>
-              <a:buSzTx/>
-              <a:buFontTx/>
-              <a:buNone/>
-              <a:tabLst/>
-              <a:defRPr/>
-            </a:pPr>
-            <a:endParaRPr lang="en-US" dirty="0" smtClean="0"/>
-          </a:p>
-          <a:p>
-            <a:pPr marL="0" marR="0" indent="0" algn="l" defTabSz="914400" rtl="0" eaLnBrk="1" fontAlgn="auto" latinLnBrk="0" hangingPunct="1">
-              <a:lnSpc>
-                <a:spcPct val="100000"/>
-              </a:lnSpc>
-              <a:spcBef>
-                <a:spcPts val="0"/>
-              </a:spcBef>
-              <a:spcAft>
-                <a:spcPts val="0"/>
-              </a:spcAft>
-              <a:buClrTx/>
-              <a:buSzTx/>
-              <a:buFontTx/>
-              <a:buNone/>
-              <a:tabLst/>
-              <a:defRPr/>
-            </a:pPr>
-            <a:endParaRPr lang="en-US" dirty="0" smtClean="0"/>
-          </a:p>
-          <a:p>
+              <a:t>Reference: https://github.com/GSoft-SharePoint/Dynamite/wiki/Git-step-by-step:-Part-2</a:t>
+            </a:r>
             <a:endParaRPr lang="en-US" dirty="0"/>
           </a:p>
         </p:txBody>
@@ -932,219 +696,14 @@
               <a:pPr/>
               <a:t>6</a:t>
             </a:fld>
-            <a:endParaRPr lang="en-US"/>
+            <a:endParaRPr lang="en-US" dirty="0"/>
           </a:p>
         </p:txBody>
       </p:sp>
     </p:spTree>
     <p:extLst>
       <p:ext uri="{BB962C8B-B14F-4D97-AF65-F5344CB8AC3E}">
-        <p14:creationId xmlns="" xmlns:a="http://schemas.openxmlformats.org/drawingml/2006/main" xmlns:r="http://schemas.openxmlformats.org/officeDocument/2006/relationships" xmlns:p="http://schemas.openxmlformats.org/presentationml/2006/main" xmlns:p14="http://schemas.microsoft.com/office/powerpoint/2010/main" xmlns:mv="urn:schemas-microsoft-com:mac:vml" xmlns:mc="http://schemas.openxmlformats.org/markup-compatibility/2006" val="978467445"/>
-      </p:ext>
-    </p:extLst>
-  </p:cSld>
-  <p:clrMapOvr>
-    <a:masterClrMapping/>
-  </p:clrMapOvr>
-</p:notes>
-</file>
-
-<file path=ppt/notesSlides/notesSlide3.xml><?xml version="1.0" encoding="utf-8"?>
-<p:notes xmlns:a="http://schemas.openxmlformats.org/drawingml/2006/main" xmlns:r="http://schemas.openxmlformats.org/officeDocument/2006/relationships" xmlns:mc="http://schemas.openxmlformats.org/markup-compatibility/2006" xmlns:mv="urn:schemas-microsoft-com:mac:vml" xmlns:p="http://schemas.openxmlformats.org/presentationml/2006/main" mc:Ignorable="mv" mc:PreserveAttributes="mv:*">
-  <p:cSld>
-    <p:spTree>
-      <p:nvGrpSpPr>
-        <p:cNvPr id="1" name=""/>
-        <p:cNvGrpSpPr/>
-        <p:nvPr/>
-      </p:nvGrpSpPr>
-      <p:grpSpPr>
-        <a:xfrm>
-          <a:off x="0" y="0"/>
-          <a:ext cx="0" cy="0"/>
-          <a:chOff x="0" y="0"/>
-          <a:chExt cx="0" cy="0"/>
-        </a:xfrm>
-      </p:grpSpPr>
-      <p:sp>
-        <p:nvSpPr>
-          <p:cNvPr id="2" name="Slide Image Placeholder 1"/>
-          <p:cNvSpPr>
-            <a:spLocks noGrp="1" noRot="1" noChangeAspect="1"/>
-          </p:cNvSpPr>
-          <p:nvPr>
-            <p:ph type="sldImg"/>
-          </p:nvPr>
-        </p:nvSpPr>
-        <p:spPr/>
-      </p:sp>
-      <p:sp>
-        <p:nvSpPr>
-          <p:cNvPr id="3" name="Notes Placeholder 2"/>
-          <p:cNvSpPr>
-            <a:spLocks noGrp="1"/>
-          </p:cNvSpPr>
-          <p:nvPr>
-            <p:ph type="body" idx="1"/>
-          </p:nvPr>
-        </p:nvSpPr>
-        <p:spPr/>
-        <p:txBody>
-          <a:bodyPr/>
-          <a:lstStyle/>
-          <a:p>
-            <a:r>
-              <a:rPr lang="en-US" dirty="0" smtClean="0"/>
-              <a:t>Reference: https://github.com/GSoft-SharePoint/Dynamite/wiki/Git-step-by-step:-Part-2</a:t>
-            </a:r>
-            <a:endParaRPr lang="en-US" dirty="0"/>
-          </a:p>
-        </p:txBody>
-      </p:sp>
-      <p:sp>
-        <p:nvSpPr>
-          <p:cNvPr id="4" name="Slide Number Placeholder 3"/>
-          <p:cNvSpPr>
-            <a:spLocks noGrp="1"/>
-          </p:cNvSpPr>
-          <p:nvPr>
-            <p:ph type="sldNum" sz="quarter" idx="10"/>
-          </p:nvPr>
-        </p:nvSpPr>
-        <p:spPr/>
-        <p:txBody>
-          <a:bodyPr/>
-          <a:lstStyle/>
-          <a:p>
-            <a:fld id="{41C5CEC6-A28F-42BC-8E33-54F1B3D51C15}" type="slidenum">
-              <a:rPr lang="en-US" smtClean="0"/>
-              <a:pPr/>
-              <a:t>7</a:t>
-            </a:fld>
-            <a:endParaRPr lang="en-US"/>
-          </a:p>
-        </p:txBody>
-      </p:sp>
-    </p:spTree>
-    <p:extLst>
-      <p:ext uri="{BB962C8B-B14F-4D97-AF65-F5344CB8AC3E}">
-        <p14:creationId xmlns="" xmlns:a="http://schemas.openxmlformats.org/drawingml/2006/main" xmlns:r="http://schemas.openxmlformats.org/officeDocument/2006/relationships" xmlns:p="http://schemas.openxmlformats.org/presentationml/2006/main" xmlns:p14="http://schemas.microsoft.com/office/powerpoint/2010/main" xmlns:mv="urn:schemas-microsoft-com:mac:vml" xmlns:mc="http://schemas.openxmlformats.org/markup-compatibility/2006" val="639080925"/>
-      </p:ext>
-    </p:extLst>
-  </p:cSld>
-  <p:clrMapOvr>
-    <a:masterClrMapping/>
-  </p:clrMapOvr>
-</p:notes>
-</file>
-
-<file path=ppt/notesSlides/notesSlide4.xml><?xml version="1.0" encoding="utf-8"?>
-<p:notes xmlns:a="http://schemas.openxmlformats.org/drawingml/2006/main" xmlns:r="http://schemas.openxmlformats.org/officeDocument/2006/relationships" xmlns:mc="http://schemas.openxmlformats.org/markup-compatibility/2006" xmlns:mv="urn:schemas-microsoft-com:mac:vml" xmlns:p="http://schemas.openxmlformats.org/presentationml/2006/main" mc:Ignorable="mv" mc:PreserveAttributes="mv:*">
-  <p:cSld>
-    <p:spTree>
-      <p:nvGrpSpPr>
-        <p:cNvPr id="1" name=""/>
-        <p:cNvGrpSpPr/>
-        <p:nvPr/>
-      </p:nvGrpSpPr>
-      <p:grpSpPr>
-        <a:xfrm>
-          <a:off x="0" y="0"/>
-          <a:ext cx="0" cy="0"/>
-          <a:chOff x="0" y="0"/>
-          <a:chExt cx="0" cy="0"/>
-        </a:xfrm>
-      </p:grpSpPr>
-      <p:sp>
-        <p:nvSpPr>
-          <p:cNvPr id="2" name="Slide Image Placeholder 1"/>
-          <p:cNvSpPr>
-            <a:spLocks noGrp="1" noRot="1" noChangeAspect="1"/>
-          </p:cNvSpPr>
-          <p:nvPr>
-            <p:ph type="sldImg"/>
-          </p:nvPr>
-        </p:nvSpPr>
-        <p:spPr/>
-      </p:sp>
-      <p:sp>
-        <p:nvSpPr>
-          <p:cNvPr id="3" name="Notes Placeholder 2"/>
-          <p:cNvSpPr>
-            <a:spLocks noGrp="1"/>
-          </p:cNvSpPr>
-          <p:nvPr>
-            <p:ph type="body" idx="1"/>
-          </p:nvPr>
-        </p:nvSpPr>
-        <p:spPr/>
-        <p:txBody>
-          <a:bodyPr/>
-          <a:lstStyle/>
-          <a:p>
-            <a:r>
-              <a:rPr lang="en-US" dirty="0" smtClean="0"/>
-              <a:t>Click on</a:t>
-            </a:r>
-            <a:r>
-              <a:rPr lang="en-US" baseline="0" dirty="0" smtClean="0"/>
-              <a:t> Push at the top of the screen</a:t>
-            </a:r>
-            <a:r>
-              <a:rPr lang="en-US" dirty="0" smtClean="0"/>
-              <a:t>. This gives you an option to select which branches you want to push</a:t>
-            </a:r>
-          </a:p>
-          <a:p>
-            <a:r>
-              <a:rPr lang="en-US" dirty="0" smtClean="0"/>
-              <a:t>Checking</a:t>
-            </a:r>
-            <a:r>
-              <a:rPr lang="en-US" baseline="0" dirty="0" smtClean="0"/>
-              <a:t> the develop branch, you want your local development branch to track it remote.</a:t>
-            </a:r>
-          </a:p>
-          <a:p>
-            <a:endParaRPr lang="en-US" baseline="0" dirty="0" smtClean="0"/>
-          </a:p>
-          <a:p>
-            <a:r>
-              <a:rPr lang="en-US" baseline="0" dirty="0" smtClean="0"/>
-              <a:t>Click on ‘OK’ in the bottom right. See the output that follows</a:t>
-            </a:r>
-            <a:endParaRPr lang="en-US" dirty="0"/>
-          </a:p>
-        </p:txBody>
-      </p:sp>
-      <p:sp>
-        <p:nvSpPr>
-          <p:cNvPr id="4" name="Slide Number Placeholder 3"/>
-          <p:cNvSpPr>
-            <a:spLocks noGrp="1"/>
-          </p:cNvSpPr>
-          <p:nvPr>
-            <p:ph type="sldNum" sz="quarter" idx="10"/>
-          </p:nvPr>
-        </p:nvSpPr>
-        <p:spPr/>
-        <p:txBody>
-          <a:bodyPr/>
-          <a:lstStyle/>
-          <a:p>
-            <a:fld id="{41C5CEC6-A28F-42BC-8E33-54F1B3D51C15}" type="slidenum">
-              <a:rPr lang="en-US" smtClean="0"/>
-              <a:pPr/>
-              <a:t>8</a:t>
-            </a:fld>
-            <a:endParaRPr lang="en-US"/>
-          </a:p>
-        </p:txBody>
-      </p:sp>
-    </p:spTree>
-    <p:extLst>
-      <p:ext uri="{BB962C8B-B14F-4D97-AF65-F5344CB8AC3E}">
-        <p14:creationId xmlns="" xmlns:a="http://schemas.openxmlformats.org/drawingml/2006/main" xmlns:r="http://schemas.openxmlformats.org/officeDocument/2006/relationships" xmlns:p="http://schemas.openxmlformats.org/presentationml/2006/main" xmlns:p14="http://schemas.microsoft.com/office/powerpoint/2010/main" xmlns:mv="urn:schemas-microsoft-com:mac:vml" xmlns:mc="http://schemas.openxmlformats.org/markup-compatibility/2006" val="3214889824"/>
+        <p14:creationId xmlns:mc="http://schemas.openxmlformats.org/markup-compatibility/2006" xmlns:mv="urn:schemas-microsoft-com:mac:vml" xmlns:p14="http://schemas.microsoft.com/office/powerpoint/2010/main" xmlns:p="http://schemas.openxmlformats.org/presentationml/2006/main" xmlns:r="http://schemas.openxmlformats.org/officeDocument/2006/relationships" xmlns:a="http://schemas.openxmlformats.org/drawingml/2006/main" xmlns="" val="639080925"/>
       </p:ext>
     </p:extLst>
   </p:cSld>
@@ -1877,9 +1436,9 @@
             <a:fld id="{89585FB9-3804-4F2F-A432-68920AB06FD5}" type="datetimeFigureOut">
               <a:rPr lang="en-US" smtClean="0"/>
               <a:pPr/>
-              <a:t>5/7/15</a:t>
+              <a:t>5/8/15</a:t>
             </a:fld>
-            <a:endParaRPr lang="en-US"/>
+            <a:endParaRPr lang="en-US" dirty="0"/>
           </a:p>
         </p:txBody>
       </p:sp>
@@ -1898,7 +1457,7 @@
           <a:bodyPr/>
           <a:lstStyle/>
           <a:p>
-            <a:endParaRPr lang="en-US"/>
+            <a:endParaRPr lang="en-US" dirty="0"/>
           </a:p>
         </p:txBody>
       </p:sp>
@@ -1922,14 +1481,14 @@
               <a:pPr/>
               <a:t>‹#›</a:t>
             </a:fld>
-            <a:endParaRPr lang="en-US"/>
+            <a:endParaRPr lang="en-US" dirty="0"/>
           </a:p>
         </p:txBody>
       </p:sp>
     </p:spTree>
     <p:extLst>
       <p:ext uri="{BB962C8B-B14F-4D97-AF65-F5344CB8AC3E}">
-        <p14:creationId xmlns="" xmlns:a="http://schemas.openxmlformats.org/drawingml/2006/main" xmlns:r="http://schemas.openxmlformats.org/officeDocument/2006/relationships" xmlns:p="http://schemas.openxmlformats.org/presentationml/2006/main" xmlns:p14="http://schemas.microsoft.com/office/powerpoint/2010/main" xmlns:mv="urn:schemas-microsoft-com:mac:vml" xmlns:mc="http://schemas.openxmlformats.org/markup-compatibility/2006" val="2241209880"/>
+        <p14:creationId xmlns:mc="http://schemas.openxmlformats.org/markup-compatibility/2006" xmlns:mv="urn:schemas-microsoft-com:mac:vml" xmlns:p14="http://schemas.microsoft.com/office/powerpoint/2010/main" xmlns:p="http://schemas.openxmlformats.org/presentationml/2006/main" xmlns:r="http://schemas.openxmlformats.org/officeDocument/2006/relationships" xmlns:a="http://schemas.openxmlformats.org/drawingml/2006/main" xmlns="" val="2241209880"/>
       </p:ext>
     </p:extLst>
   </p:cSld>
@@ -2130,9 +1689,9 @@
             <a:fld id="{89585FB9-3804-4F2F-A432-68920AB06FD5}" type="datetimeFigureOut">
               <a:rPr lang="en-US" smtClean="0"/>
               <a:pPr/>
-              <a:t>5/7/15</a:t>
+              <a:t>5/8/15</a:t>
             </a:fld>
-            <a:endParaRPr lang="en-US"/>
+            <a:endParaRPr lang="en-US" dirty="0"/>
           </a:p>
         </p:txBody>
       </p:sp>
@@ -2151,7 +1710,7 @@
           <a:bodyPr/>
           <a:lstStyle/>
           <a:p>
-            <a:endParaRPr lang="en-US"/>
+            <a:endParaRPr lang="en-US" dirty="0"/>
           </a:p>
         </p:txBody>
       </p:sp>
@@ -2175,14 +1734,14 @@
               <a:pPr/>
               <a:t>‹#›</a:t>
             </a:fld>
-            <a:endParaRPr lang="en-US"/>
+            <a:endParaRPr lang="en-US" dirty="0"/>
           </a:p>
         </p:txBody>
       </p:sp>
     </p:spTree>
     <p:extLst>
       <p:ext uri="{BB962C8B-B14F-4D97-AF65-F5344CB8AC3E}">
-        <p14:creationId xmlns="" xmlns:a="http://schemas.openxmlformats.org/drawingml/2006/main" xmlns:r="http://schemas.openxmlformats.org/officeDocument/2006/relationships" xmlns:p="http://schemas.openxmlformats.org/presentationml/2006/main" xmlns:p14="http://schemas.microsoft.com/office/powerpoint/2010/main" xmlns:mv="urn:schemas-microsoft-com:mac:vml" xmlns:mc="http://schemas.openxmlformats.org/markup-compatibility/2006" val="2131812249"/>
+        <p14:creationId xmlns:mc="http://schemas.openxmlformats.org/markup-compatibility/2006" xmlns:mv="urn:schemas-microsoft-com:mac:vml" xmlns:p14="http://schemas.microsoft.com/office/powerpoint/2010/main" xmlns:p="http://schemas.openxmlformats.org/presentationml/2006/main" xmlns:r="http://schemas.openxmlformats.org/officeDocument/2006/relationships" xmlns:a="http://schemas.openxmlformats.org/drawingml/2006/main" xmlns="" val="2131812249"/>
       </p:ext>
     </p:extLst>
   </p:cSld>
@@ -2446,9 +2005,9 @@
             <a:fld id="{89585FB9-3804-4F2F-A432-68920AB06FD5}" type="datetimeFigureOut">
               <a:rPr lang="en-US" smtClean="0"/>
               <a:pPr/>
-              <a:t>5/7/15</a:t>
+              <a:t>5/8/15</a:t>
             </a:fld>
-            <a:endParaRPr lang="en-US"/>
+            <a:endParaRPr lang="en-US" dirty="0"/>
           </a:p>
         </p:txBody>
       </p:sp>
@@ -2467,7 +2026,7 @@
           <a:bodyPr/>
           <a:lstStyle/>
           <a:p>
-            <a:endParaRPr lang="en-US"/>
+            <a:endParaRPr lang="en-US" dirty="0"/>
           </a:p>
         </p:txBody>
       </p:sp>
@@ -2491,7 +2050,7 @@
               <a:pPr/>
               <a:t>‹#›</a:t>
             </a:fld>
-            <a:endParaRPr lang="en-US"/>
+            <a:endParaRPr lang="en-US" dirty="0"/>
           </a:p>
         </p:txBody>
       </p:sp>
@@ -2588,7 +2147,7 @@
     </p:spTree>
     <p:extLst>
       <p:ext uri="{BB962C8B-B14F-4D97-AF65-F5344CB8AC3E}">
-        <p14:creationId xmlns="" xmlns:a="http://schemas.openxmlformats.org/drawingml/2006/main" xmlns:r="http://schemas.openxmlformats.org/officeDocument/2006/relationships" xmlns:p="http://schemas.openxmlformats.org/presentationml/2006/main" xmlns:p14="http://schemas.microsoft.com/office/powerpoint/2010/main" xmlns:mv="urn:schemas-microsoft-com:mac:vml" xmlns:mc="http://schemas.openxmlformats.org/markup-compatibility/2006" val="2239895635"/>
+        <p14:creationId xmlns:mc="http://schemas.openxmlformats.org/markup-compatibility/2006" xmlns:mv="urn:schemas-microsoft-com:mac:vml" xmlns:p14="http://schemas.microsoft.com/office/powerpoint/2010/main" xmlns:p="http://schemas.openxmlformats.org/presentationml/2006/main" xmlns:r="http://schemas.openxmlformats.org/officeDocument/2006/relationships" xmlns:a="http://schemas.openxmlformats.org/drawingml/2006/main" xmlns="" val="2239895635"/>
       </p:ext>
     </p:extLst>
   </p:cSld>
@@ -2789,9 +2348,9 @@
             <a:fld id="{89585FB9-3804-4F2F-A432-68920AB06FD5}" type="datetimeFigureOut">
               <a:rPr lang="en-US" smtClean="0"/>
               <a:pPr/>
-              <a:t>5/7/15</a:t>
+              <a:t>5/8/15</a:t>
             </a:fld>
-            <a:endParaRPr lang="en-US"/>
+            <a:endParaRPr lang="en-US" dirty="0"/>
           </a:p>
         </p:txBody>
       </p:sp>
@@ -2810,7 +2369,7 @@
           <a:bodyPr/>
           <a:lstStyle/>
           <a:p>
-            <a:endParaRPr lang="en-US"/>
+            <a:endParaRPr lang="en-US" dirty="0"/>
           </a:p>
         </p:txBody>
       </p:sp>
@@ -2834,14 +2393,14 @@
               <a:pPr/>
               <a:t>‹#›</a:t>
             </a:fld>
-            <a:endParaRPr lang="en-US"/>
+            <a:endParaRPr lang="en-US" dirty="0"/>
           </a:p>
         </p:txBody>
       </p:sp>
     </p:spTree>
     <p:extLst>
       <p:ext uri="{BB962C8B-B14F-4D97-AF65-F5344CB8AC3E}">
-        <p14:creationId xmlns="" xmlns:a="http://schemas.openxmlformats.org/drawingml/2006/main" xmlns:r="http://schemas.openxmlformats.org/officeDocument/2006/relationships" xmlns:p="http://schemas.openxmlformats.org/presentationml/2006/main" xmlns:p14="http://schemas.microsoft.com/office/powerpoint/2010/main" xmlns:mv="urn:schemas-microsoft-com:mac:vml" xmlns:mc="http://schemas.openxmlformats.org/markup-compatibility/2006" val="1147813802"/>
+        <p14:creationId xmlns:mc="http://schemas.openxmlformats.org/markup-compatibility/2006" xmlns:mv="urn:schemas-microsoft-com:mac:vml" xmlns:p14="http://schemas.microsoft.com/office/powerpoint/2010/main" xmlns:p="http://schemas.openxmlformats.org/presentationml/2006/main" xmlns:r="http://schemas.openxmlformats.org/officeDocument/2006/relationships" xmlns:a="http://schemas.openxmlformats.org/drawingml/2006/main" xmlns="" val="1147813802"/>
       </p:ext>
     </p:extLst>
   </p:cSld>
@@ -3105,9 +2664,9 @@
             <a:fld id="{89585FB9-3804-4F2F-A432-68920AB06FD5}" type="datetimeFigureOut">
               <a:rPr lang="en-US" smtClean="0"/>
               <a:pPr/>
-              <a:t>5/7/15</a:t>
+              <a:t>5/8/15</a:t>
             </a:fld>
-            <a:endParaRPr lang="en-US"/>
+            <a:endParaRPr lang="en-US" dirty="0"/>
           </a:p>
         </p:txBody>
       </p:sp>
@@ -3126,7 +2685,7 @@
           <a:bodyPr/>
           <a:lstStyle/>
           <a:p>
-            <a:endParaRPr lang="en-US"/>
+            <a:endParaRPr lang="en-US" dirty="0"/>
           </a:p>
         </p:txBody>
       </p:sp>
@@ -3150,7 +2709,7 @@
               <a:pPr/>
               <a:t>‹#›</a:t>
             </a:fld>
-            <a:endParaRPr lang="en-US"/>
+            <a:endParaRPr lang="en-US" dirty="0"/>
           </a:p>
         </p:txBody>
       </p:sp>
@@ -3239,7 +2798,7 @@
     </p:spTree>
     <p:extLst>
       <p:ext uri="{BB962C8B-B14F-4D97-AF65-F5344CB8AC3E}">
-        <p14:creationId xmlns="" xmlns:a="http://schemas.openxmlformats.org/drawingml/2006/main" xmlns:r="http://schemas.openxmlformats.org/officeDocument/2006/relationships" xmlns:p="http://schemas.openxmlformats.org/presentationml/2006/main" xmlns:p14="http://schemas.microsoft.com/office/powerpoint/2010/main" xmlns:mv="urn:schemas-microsoft-com:mac:vml" xmlns:mc="http://schemas.openxmlformats.org/markup-compatibility/2006" val="211510257"/>
+        <p14:creationId xmlns:mc="http://schemas.openxmlformats.org/markup-compatibility/2006" xmlns:mv="urn:schemas-microsoft-com:mac:vml" xmlns:p14="http://schemas.microsoft.com/office/powerpoint/2010/main" xmlns:p="http://schemas.openxmlformats.org/presentationml/2006/main" xmlns:r="http://schemas.openxmlformats.org/officeDocument/2006/relationships" xmlns:a="http://schemas.openxmlformats.org/drawingml/2006/main" xmlns="" val="211510257"/>
       </p:ext>
     </p:extLst>
   </p:cSld>
@@ -3500,9 +3059,9 @@
             <a:fld id="{89585FB9-3804-4F2F-A432-68920AB06FD5}" type="datetimeFigureOut">
               <a:rPr lang="en-US" smtClean="0"/>
               <a:pPr/>
-              <a:t>5/7/15</a:t>
+              <a:t>5/8/15</a:t>
             </a:fld>
-            <a:endParaRPr lang="en-US"/>
+            <a:endParaRPr lang="en-US" dirty="0"/>
           </a:p>
         </p:txBody>
       </p:sp>
@@ -3521,7 +3080,7 @@
           <a:bodyPr/>
           <a:lstStyle/>
           <a:p>
-            <a:endParaRPr lang="en-US"/>
+            <a:endParaRPr lang="en-US" dirty="0"/>
           </a:p>
         </p:txBody>
       </p:sp>
@@ -3545,14 +3104,14 @@
               <a:pPr/>
               <a:t>‹#›</a:t>
             </a:fld>
-            <a:endParaRPr lang="en-US"/>
+            <a:endParaRPr lang="en-US" dirty="0"/>
           </a:p>
         </p:txBody>
       </p:sp>
     </p:spTree>
     <p:extLst>
       <p:ext uri="{BB962C8B-B14F-4D97-AF65-F5344CB8AC3E}">
-        <p14:creationId xmlns="" xmlns:a="http://schemas.openxmlformats.org/drawingml/2006/main" xmlns:r="http://schemas.openxmlformats.org/officeDocument/2006/relationships" xmlns:p="http://schemas.openxmlformats.org/presentationml/2006/main" xmlns:p14="http://schemas.microsoft.com/office/powerpoint/2010/main" xmlns:mv="urn:schemas-microsoft-com:mac:vml" xmlns:mc="http://schemas.openxmlformats.org/markup-compatibility/2006" val="2904196083"/>
+        <p14:creationId xmlns:mc="http://schemas.openxmlformats.org/markup-compatibility/2006" xmlns:mv="urn:schemas-microsoft-com:mac:vml" xmlns:p14="http://schemas.microsoft.com/office/powerpoint/2010/main" xmlns:p="http://schemas.openxmlformats.org/presentationml/2006/main" xmlns:r="http://schemas.openxmlformats.org/officeDocument/2006/relationships" xmlns:a="http://schemas.openxmlformats.org/drawingml/2006/main" xmlns="" val="2904196083"/>
       </p:ext>
     </p:extLst>
   </p:cSld>
@@ -3672,9 +3231,9 @@
             <a:fld id="{89585FB9-3804-4F2F-A432-68920AB06FD5}" type="datetimeFigureOut">
               <a:rPr lang="en-US" smtClean="0"/>
               <a:pPr/>
-              <a:t>5/7/15</a:t>
+              <a:t>5/8/15</a:t>
             </a:fld>
-            <a:endParaRPr lang="en-US"/>
+            <a:endParaRPr lang="en-US" dirty="0"/>
           </a:p>
         </p:txBody>
       </p:sp>
@@ -3693,7 +3252,7 @@
           <a:bodyPr/>
           <a:lstStyle/>
           <a:p>
-            <a:endParaRPr lang="en-US"/>
+            <a:endParaRPr lang="en-US" dirty="0"/>
           </a:p>
         </p:txBody>
       </p:sp>
@@ -3717,14 +3276,14 @@
               <a:pPr/>
               <a:t>‹#›</a:t>
             </a:fld>
-            <a:endParaRPr lang="en-US"/>
+            <a:endParaRPr lang="en-US" dirty="0"/>
           </a:p>
         </p:txBody>
       </p:sp>
     </p:spTree>
     <p:extLst>
       <p:ext uri="{BB962C8B-B14F-4D97-AF65-F5344CB8AC3E}">
-        <p14:creationId xmlns="" xmlns:a="http://schemas.openxmlformats.org/drawingml/2006/main" xmlns:r="http://schemas.openxmlformats.org/officeDocument/2006/relationships" xmlns:p="http://schemas.openxmlformats.org/presentationml/2006/main" xmlns:p14="http://schemas.microsoft.com/office/powerpoint/2010/main" xmlns:mv="urn:schemas-microsoft-com:mac:vml" xmlns:mc="http://schemas.openxmlformats.org/markup-compatibility/2006" val="1254396012"/>
+        <p14:creationId xmlns:mc="http://schemas.openxmlformats.org/markup-compatibility/2006" xmlns:mv="urn:schemas-microsoft-com:mac:vml" xmlns:p14="http://schemas.microsoft.com/office/powerpoint/2010/main" xmlns:p="http://schemas.openxmlformats.org/presentationml/2006/main" xmlns:r="http://schemas.openxmlformats.org/officeDocument/2006/relationships" xmlns:a="http://schemas.openxmlformats.org/drawingml/2006/main" xmlns="" val="1254396012"/>
       </p:ext>
     </p:extLst>
   </p:cSld>
@@ -3854,9 +3413,9 @@
             <a:fld id="{89585FB9-3804-4F2F-A432-68920AB06FD5}" type="datetimeFigureOut">
               <a:rPr lang="en-US" smtClean="0"/>
               <a:pPr/>
-              <a:t>5/7/15</a:t>
+              <a:t>5/8/15</a:t>
             </a:fld>
-            <a:endParaRPr lang="en-US"/>
+            <a:endParaRPr lang="en-US" dirty="0"/>
           </a:p>
         </p:txBody>
       </p:sp>
@@ -3875,7 +3434,7 @@
           <a:bodyPr/>
           <a:lstStyle/>
           <a:p>
-            <a:endParaRPr lang="en-US"/>
+            <a:endParaRPr lang="en-US" dirty="0"/>
           </a:p>
         </p:txBody>
       </p:sp>
@@ -3899,14 +3458,14 @@
               <a:pPr/>
               <a:t>‹#›</a:t>
             </a:fld>
-            <a:endParaRPr lang="en-US"/>
+            <a:endParaRPr lang="en-US" dirty="0"/>
           </a:p>
         </p:txBody>
       </p:sp>
     </p:spTree>
     <p:extLst>
       <p:ext uri="{BB962C8B-B14F-4D97-AF65-F5344CB8AC3E}">
-        <p14:creationId xmlns="" xmlns:a="http://schemas.openxmlformats.org/drawingml/2006/main" xmlns:r="http://schemas.openxmlformats.org/officeDocument/2006/relationships" xmlns:p="http://schemas.openxmlformats.org/presentationml/2006/main" xmlns:p14="http://schemas.microsoft.com/office/powerpoint/2010/main" xmlns:mv="urn:schemas-microsoft-com:mac:vml" xmlns:mc="http://schemas.openxmlformats.org/markup-compatibility/2006" val="1959831598"/>
+        <p14:creationId xmlns:mc="http://schemas.openxmlformats.org/markup-compatibility/2006" xmlns:mv="urn:schemas-microsoft-com:mac:vml" xmlns:p14="http://schemas.microsoft.com/office/powerpoint/2010/main" xmlns:p="http://schemas.openxmlformats.org/presentationml/2006/main" xmlns:r="http://schemas.openxmlformats.org/officeDocument/2006/relationships" xmlns:a="http://schemas.openxmlformats.org/drawingml/2006/main" xmlns="" val="1959831598"/>
       </p:ext>
     </p:extLst>
   </p:cSld>
@@ -4032,9 +3591,9 @@
             <a:fld id="{89585FB9-3804-4F2F-A432-68920AB06FD5}" type="datetimeFigureOut">
               <a:rPr lang="en-US" smtClean="0"/>
               <a:pPr/>
-              <a:t>5/7/15</a:t>
+              <a:t>5/8/15</a:t>
             </a:fld>
-            <a:endParaRPr lang="en-US"/>
+            <a:endParaRPr lang="en-US" dirty="0"/>
           </a:p>
         </p:txBody>
       </p:sp>
@@ -4053,7 +3612,7 @@
           <a:bodyPr/>
           <a:lstStyle/>
           <a:p>
-            <a:endParaRPr lang="en-US"/>
+            <a:endParaRPr lang="en-US" dirty="0"/>
           </a:p>
         </p:txBody>
       </p:sp>
@@ -4077,14 +3636,14 @@
               <a:pPr/>
               <a:t>‹#›</a:t>
             </a:fld>
-            <a:endParaRPr lang="en-US"/>
+            <a:endParaRPr lang="en-US" dirty="0"/>
           </a:p>
         </p:txBody>
       </p:sp>
     </p:spTree>
     <p:extLst>
       <p:ext uri="{BB962C8B-B14F-4D97-AF65-F5344CB8AC3E}">
-        <p14:creationId xmlns="" xmlns:a="http://schemas.openxmlformats.org/drawingml/2006/main" xmlns:r="http://schemas.openxmlformats.org/officeDocument/2006/relationships" xmlns:p="http://schemas.openxmlformats.org/presentationml/2006/main" xmlns:p14="http://schemas.microsoft.com/office/powerpoint/2010/main" xmlns:mv="urn:schemas-microsoft-com:mac:vml" xmlns:mc="http://schemas.openxmlformats.org/markup-compatibility/2006" val="1037308338"/>
+        <p14:creationId xmlns:mc="http://schemas.openxmlformats.org/markup-compatibility/2006" xmlns:mv="urn:schemas-microsoft-com:mac:vml" xmlns:p14="http://schemas.microsoft.com/office/powerpoint/2010/main" xmlns:p="http://schemas.openxmlformats.org/presentationml/2006/main" xmlns:r="http://schemas.openxmlformats.org/officeDocument/2006/relationships" xmlns:a="http://schemas.openxmlformats.org/drawingml/2006/main" xmlns="" val="1037308338"/>
       </p:ext>
     </p:extLst>
   </p:cSld>
@@ -4281,9 +3840,9 @@
             <a:fld id="{89585FB9-3804-4F2F-A432-68920AB06FD5}" type="datetimeFigureOut">
               <a:rPr lang="en-US" smtClean="0"/>
               <a:pPr/>
-              <a:t>5/7/15</a:t>
+              <a:t>5/8/15</a:t>
             </a:fld>
-            <a:endParaRPr lang="en-US"/>
+            <a:endParaRPr lang="en-US" dirty="0"/>
           </a:p>
         </p:txBody>
       </p:sp>
@@ -4302,7 +3861,7 @@
           <a:bodyPr/>
           <a:lstStyle/>
           <a:p>
-            <a:endParaRPr lang="en-US"/>
+            <a:endParaRPr lang="en-US" dirty="0"/>
           </a:p>
         </p:txBody>
       </p:sp>
@@ -4326,14 +3885,14 @@
               <a:pPr/>
               <a:t>‹#›</a:t>
             </a:fld>
-            <a:endParaRPr lang="en-US"/>
+            <a:endParaRPr lang="en-US" dirty="0"/>
           </a:p>
         </p:txBody>
       </p:sp>
     </p:spTree>
     <p:extLst>
       <p:ext uri="{BB962C8B-B14F-4D97-AF65-F5344CB8AC3E}">
-        <p14:creationId xmlns="" xmlns:a="http://schemas.openxmlformats.org/drawingml/2006/main" xmlns:r="http://schemas.openxmlformats.org/officeDocument/2006/relationships" xmlns:p="http://schemas.openxmlformats.org/presentationml/2006/main" xmlns:p14="http://schemas.microsoft.com/office/powerpoint/2010/main" xmlns:mv="urn:schemas-microsoft-com:mac:vml" xmlns:mc="http://schemas.openxmlformats.org/markup-compatibility/2006" val="1433787486"/>
+        <p14:creationId xmlns:mc="http://schemas.openxmlformats.org/markup-compatibility/2006" xmlns:mv="urn:schemas-microsoft-com:mac:vml" xmlns:p14="http://schemas.microsoft.com/office/powerpoint/2010/main" xmlns:p="http://schemas.openxmlformats.org/presentationml/2006/main" xmlns:r="http://schemas.openxmlformats.org/officeDocument/2006/relationships" xmlns:a="http://schemas.openxmlformats.org/drawingml/2006/main" xmlns="" val="1433787486"/>
       </p:ext>
     </p:extLst>
   </p:cSld>
@@ -4515,9 +4074,9 @@
             <a:fld id="{89585FB9-3804-4F2F-A432-68920AB06FD5}" type="datetimeFigureOut">
               <a:rPr lang="en-US" smtClean="0"/>
               <a:pPr/>
-              <a:t>5/7/15</a:t>
+              <a:t>5/8/15</a:t>
             </a:fld>
-            <a:endParaRPr lang="en-US"/>
+            <a:endParaRPr lang="en-US" dirty="0"/>
           </a:p>
         </p:txBody>
       </p:sp>
@@ -4536,7 +4095,7 @@
           <a:bodyPr/>
           <a:lstStyle/>
           <a:p>
-            <a:endParaRPr lang="en-US"/>
+            <a:endParaRPr lang="en-US" dirty="0"/>
           </a:p>
         </p:txBody>
       </p:sp>
@@ -4560,14 +4119,14 @@
               <a:pPr/>
               <a:t>‹#›</a:t>
             </a:fld>
-            <a:endParaRPr lang="en-US"/>
+            <a:endParaRPr lang="en-US" dirty="0"/>
           </a:p>
         </p:txBody>
       </p:sp>
     </p:spTree>
     <p:extLst>
       <p:ext uri="{BB962C8B-B14F-4D97-AF65-F5344CB8AC3E}">
-        <p14:creationId xmlns="" xmlns:a="http://schemas.openxmlformats.org/drawingml/2006/main" xmlns:r="http://schemas.openxmlformats.org/officeDocument/2006/relationships" xmlns:p="http://schemas.openxmlformats.org/presentationml/2006/main" xmlns:p14="http://schemas.microsoft.com/office/powerpoint/2010/main" xmlns:mv="urn:schemas-microsoft-com:mac:vml" xmlns:mc="http://schemas.openxmlformats.org/markup-compatibility/2006" val="3343638220"/>
+        <p14:creationId xmlns:mc="http://schemas.openxmlformats.org/markup-compatibility/2006" xmlns:mv="urn:schemas-microsoft-com:mac:vml" xmlns:p14="http://schemas.microsoft.com/office/powerpoint/2010/main" xmlns:p="http://schemas.openxmlformats.org/presentationml/2006/main" xmlns:r="http://schemas.openxmlformats.org/officeDocument/2006/relationships" xmlns:a="http://schemas.openxmlformats.org/drawingml/2006/main" xmlns="" val="3343638220"/>
       </p:ext>
     </p:extLst>
   </p:cSld>
@@ -4891,9 +4450,9 @@
             <a:fld id="{89585FB9-3804-4F2F-A432-68920AB06FD5}" type="datetimeFigureOut">
               <a:rPr lang="en-US" smtClean="0"/>
               <a:pPr/>
-              <a:t>5/7/15</a:t>
+              <a:t>5/8/15</a:t>
             </a:fld>
-            <a:endParaRPr lang="en-US"/>
+            <a:endParaRPr lang="en-US" dirty="0"/>
           </a:p>
         </p:txBody>
       </p:sp>
@@ -4912,7 +4471,7 @@
           <a:bodyPr/>
           <a:lstStyle/>
           <a:p>
-            <a:endParaRPr lang="en-US"/>
+            <a:endParaRPr lang="en-US" dirty="0"/>
           </a:p>
         </p:txBody>
       </p:sp>
@@ -4936,14 +4495,14 @@
               <a:pPr/>
               <a:t>‹#›</a:t>
             </a:fld>
-            <a:endParaRPr lang="en-US"/>
+            <a:endParaRPr lang="en-US" dirty="0"/>
           </a:p>
         </p:txBody>
       </p:sp>
     </p:spTree>
     <p:extLst>
       <p:ext uri="{BB962C8B-B14F-4D97-AF65-F5344CB8AC3E}">
-        <p14:creationId xmlns="" xmlns:a="http://schemas.openxmlformats.org/drawingml/2006/main" xmlns:r="http://schemas.openxmlformats.org/officeDocument/2006/relationships" xmlns:p="http://schemas.openxmlformats.org/presentationml/2006/main" xmlns:p14="http://schemas.microsoft.com/office/powerpoint/2010/main" xmlns:mv="urn:schemas-microsoft-com:mac:vml" xmlns:mc="http://schemas.openxmlformats.org/markup-compatibility/2006" val="3657773564"/>
+        <p14:creationId xmlns:mc="http://schemas.openxmlformats.org/markup-compatibility/2006" xmlns:mv="urn:schemas-microsoft-com:mac:vml" xmlns:p14="http://schemas.microsoft.com/office/powerpoint/2010/main" xmlns:p="http://schemas.openxmlformats.org/presentationml/2006/main" xmlns:r="http://schemas.openxmlformats.org/officeDocument/2006/relationships" xmlns:a="http://schemas.openxmlformats.org/drawingml/2006/main" xmlns="" val="3657773564"/>
       </p:ext>
     </p:extLst>
   </p:cSld>
@@ -5016,9 +4575,9 @@
             <a:fld id="{89585FB9-3804-4F2F-A432-68920AB06FD5}" type="datetimeFigureOut">
               <a:rPr lang="en-US" smtClean="0"/>
               <a:pPr/>
-              <a:t>5/7/15</a:t>
+              <a:t>5/8/15</a:t>
             </a:fld>
-            <a:endParaRPr lang="en-US"/>
+            <a:endParaRPr lang="en-US" dirty="0"/>
           </a:p>
         </p:txBody>
       </p:sp>
@@ -5037,7 +4596,7 @@
           <a:bodyPr/>
           <a:lstStyle/>
           <a:p>
-            <a:endParaRPr lang="en-US"/>
+            <a:endParaRPr lang="en-US" dirty="0"/>
           </a:p>
         </p:txBody>
       </p:sp>
@@ -5061,14 +4620,14 @@
               <a:pPr/>
               <a:t>‹#›</a:t>
             </a:fld>
-            <a:endParaRPr lang="en-US"/>
+            <a:endParaRPr lang="en-US" dirty="0"/>
           </a:p>
         </p:txBody>
       </p:sp>
     </p:spTree>
     <p:extLst>
       <p:ext uri="{BB962C8B-B14F-4D97-AF65-F5344CB8AC3E}">
-        <p14:creationId xmlns="" xmlns:a="http://schemas.openxmlformats.org/drawingml/2006/main" xmlns:r="http://schemas.openxmlformats.org/officeDocument/2006/relationships" xmlns:p="http://schemas.openxmlformats.org/presentationml/2006/main" xmlns:p14="http://schemas.microsoft.com/office/powerpoint/2010/main" xmlns:mv="urn:schemas-microsoft-com:mac:vml" xmlns:mc="http://schemas.openxmlformats.org/markup-compatibility/2006" val="1859816651"/>
+        <p14:creationId xmlns:mc="http://schemas.openxmlformats.org/markup-compatibility/2006" xmlns:mv="urn:schemas-microsoft-com:mac:vml" xmlns:p14="http://schemas.microsoft.com/office/powerpoint/2010/main" xmlns:p="http://schemas.openxmlformats.org/presentationml/2006/main" xmlns:r="http://schemas.openxmlformats.org/officeDocument/2006/relationships" xmlns:a="http://schemas.openxmlformats.org/drawingml/2006/main" xmlns="" val="1859816651"/>
       </p:ext>
     </p:extLst>
   </p:cSld>
@@ -5113,9 +4672,9 @@
             <a:fld id="{89585FB9-3804-4F2F-A432-68920AB06FD5}" type="datetimeFigureOut">
               <a:rPr lang="en-US" smtClean="0"/>
               <a:pPr/>
-              <a:t>5/7/15</a:t>
+              <a:t>5/8/15</a:t>
             </a:fld>
-            <a:endParaRPr lang="en-US"/>
+            <a:endParaRPr lang="en-US" dirty="0"/>
           </a:p>
         </p:txBody>
       </p:sp>
@@ -5134,7 +4693,7 @@
           <a:bodyPr/>
           <a:lstStyle/>
           <a:p>
-            <a:endParaRPr lang="en-US"/>
+            <a:endParaRPr lang="en-US" dirty="0"/>
           </a:p>
         </p:txBody>
       </p:sp>
@@ -5158,14 +4717,14 @@
               <a:pPr/>
               <a:t>‹#›</a:t>
             </a:fld>
-            <a:endParaRPr lang="en-US"/>
+            <a:endParaRPr lang="en-US" dirty="0"/>
           </a:p>
         </p:txBody>
       </p:sp>
     </p:spTree>
     <p:extLst>
       <p:ext uri="{BB962C8B-B14F-4D97-AF65-F5344CB8AC3E}">
-        <p14:creationId xmlns="" xmlns:a="http://schemas.openxmlformats.org/drawingml/2006/main" xmlns:r="http://schemas.openxmlformats.org/officeDocument/2006/relationships" xmlns:p="http://schemas.openxmlformats.org/presentationml/2006/main" xmlns:p14="http://schemas.microsoft.com/office/powerpoint/2010/main" xmlns:mv="urn:schemas-microsoft-com:mac:vml" xmlns:mc="http://schemas.openxmlformats.org/markup-compatibility/2006" val="3429186225"/>
+        <p14:creationId xmlns:mc="http://schemas.openxmlformats.org/markup-compatibility/2006" xmlns:mv="urn:schemas-microsoft-com:mac:vml" xmlns:p14="http://schemas.microsoft.com/office/powerpoint/2010/main" xmlns:p="http://schemas.openxmlformats.org/presentationml/2006/main" xmlns:r="http://schemas.openxmlformats.org/officeDocument/2006/relationships" xmlns:a="http://schemas.openxmlformats.org/drawingml/2006/main" xmlns="" val="3429186225"/>
       </p:ext>
     </p:extLst>
   </p:cSld>
@@ -5370,9 +4929,9 @@
             <a:fld id="{89585FB9-3804-4F2F-A432-68920AB06FD5}" type="datetimeFigureOut">
               <a:rPr lang="en-US" smtClean="0"/>
               <a:pPr/>
-              <a:t>5/7/15</a:t>
+              <a:t>5/8/15</a:t>
             </a:fld>
-            <a:endParaRPr lang="en-US"/>
+            <a:endParaRPr lang="en-US" dirty="0"/>
           </a:p>
         </p:txBody>
       </p:sp>
@@ -5391,7 +4950,7 @@
           <a:bodyPr/>
           <a:lstStyle/>
           <a:p>
-            <a:endParaRPr lang="en-US"/>
+            <a:endParaRPr lang="en-US" dirty="0"/>
           </a:p>
         </p:txBody>
       </p:sp>
@@ -5415,14 +4974,14 @@
               <a:pPr/>
               <a:t>‹#›</a:t>
             </a:fld>
-            <a:endParaRPr lang="en-US"/>
+            <a:endParaRPr lang="en-US" dirty="0"/>
           </a:p>
         </p:txBody>
       </p:sp>
     </p:spTree>
     <p:extLst>
       <p:ext uri="{BB962C8B-B14F-4D97-AF65-F5344CB8AC3E}">
-        <p14:creationId xmlns="" xmlns:a="http://schemas.openxmlformats.org/drawingml/2006/main" xmlns:r="http://schemas.openxmlformats.org/officeDocument/2006/relationships" xmlns:p="http://schemas.openxmlformats.org/presentationml/2006/main" xmlns:p14="http://schemas.microsoft.com/office/powerpoint/2010/main" xmlns:mv="urn:schemas-microsoft-com:mac:vml" xmlns:mc="http://schemas.openxmlformats.org/markup-compatibility/2006" val="2720025707"/>
+        <p14:creationId xmlns:mc="http://schemas.openxmlformats.org/markup-compatibility/2006" xmlns:mv="urn:schemas-microsoft-com:mac:vml" xmlns:p14="http://schemas.microsoft.com/office/powerpoint/2010/main" xmlns:p="http://schemas.openxmlformats.org/presentationml/2006/main" xmlns:r="http://schemas.openxmlformats.org/officeDocument/2006/relationships" xmlns:a="http://schemas.openxmlformats.org/drawingml/2006/main" xmlns="" val="2720025707"/>
       </p:ext>
     </p:extLst>
   </p:cSld>
@@ -5543,7 +5102,7 @@
           </a:lstStyle>
           <a:p>
             <a:r>
-              <a:rPr lang="en-US" smtClean="0"/>
+              <a:rPr lang="en-US" dirty="0" smtClean="0"/>
               <a:t>Click icon to add picture</a:t>
             </a:r>
             <a:endParaRPr lang="en-US" dirty="0"/>
@@ -5635,9 +5194,9 @@
             <a:fld id="{89585FB9-3804-4F2F-A432-68920AB06FD5}" type="datetimeFigureOut">
               <a:rPr lang="en-US" smtClean="0"/>
               <a:pPr/>
-              <a:t>5/7/15</a:t>
+              <a:t>5/8/15</a:t>
             </a:fld>
-            <a:endParaRPr lang="en-US"/>
+            <a:endParaRPr lang="en-US" dirty="0"/>
           </a:p>
         </p:txBody>
       </p:sp>
@@ -5656,7 +5215,7 @@
           <a:bodyPr/>
           <a:lstStyle/>
           <a:p>
-            <a:endParaRPr lang="en-US"/>
+            <a:endParaRPr lang="en-US" dirty="0"/>
           </a:p>
         </p:txBody>
       </p:sp>
@@ -5680,14 +5239,14 @@
               <a:pPr/>
               <a:t>‹#›</a:t>
             </a:fld>
-            <a:endParaRPr lang="en-US"/>
+            <a:endParaRPr lang="en-US" dirty="0"/>
           </a:p>
         </p:txBody>
       </p:sp>
     </p:spTree>
     <p:extLst>
       <p:ext uri="{BB962C8B-B14F-4D97-AF65-F5344CB8AC3E}">
-        <p14:creationId xmlns="" xmlns:a="http://schemas.openxmlformats.org/drawingml/2006/main" xmlns:r="http://schemas.openxmlformats.org/officeDocument/2006/relationships" xmlns:p="http://schemas.openxmlformats.org/presentationml/2006/main" xmlns:p14="http://schemas.microsoft.com/office/powerpoint/2010/main" xmlns:mv="urn:schemas-microsoft-com:mac:vml" xmlns:mc="http://schemas.openxmlformats.org/markup-compatibility/2006" val="2613492434"/>
+        <p14:creationId xmlns:mc="http://schemas.openxmlformats.org/markup-compatibility/2006" xmlns:mv="urn:schemas-microsoft-com:mac:vml" xmlns:p14="http://schemas.microsoft.com/office/powerpoint/2010/main" xmlns:p="http://schemas.openxmlformats.org/presentationml/2006/main" xmlns:r="http://schemas.openxmlformats.org/officeDocument/2006/relationships" xmlns:a="http://schemas.openxmlformats.org/drawingml/2006/main" xmlns="" val="2613492434"/>
       </p:ext>
     </p:extLst>
   </p:cSld>
@@ -6380,9 +5939,9 @@
             <a:fld id="{89585FB9-3804-4F2F-A432-68920AB06FD5}" type="datetimeFigureOut">
               <a:rPr lang="en-US" smtClean="0"/>
               <a:pPr/>
-              <a:t>5/7/15</a:t>
+              <a:t>5/8/15</a:t>
             </a:fld>
-            <a:endParaRPr lang="en-US"/>
+            <a:endParaRPr lang="en-US" dirty="0"/>
           </a:p>
         </p:txBody>
       </p:sp>
@@ -6419,7 +5978,7 @@
             </a:lvl1pPr>
           </a:lstStyle>
           <a:p>
-            <a:endParaRPr lang="en-US"/>
+            <a:endParaRPr lang="en-US" dirty="0"/>
           </a:p>
         </p:txBody>
       </p:sp>
@@ -6459,14 +6018,14 @@
               <a:pPr/>
               <a:t>‹#›</a:t>
             </a:fld>
-            <a:endParaRPr lang="en-US"/>
+            <a:endParaRPr lang="en-US" dirty="0"/>
           </a:p>
         </p:txBody>
       </p:sp>
     </p:spTree>
     <p:extLst>
       <p:ext uri="{BB962C8B-B14F-4D97-AF65-F5344CB8AC3E}">
-        <p14:creationId xmlns="" xmlns:a="http://schemas.openxmlformats.org/drawingml/2006/main" xmlns:r="http://schemas.openxmlformats.org/officeDocument/2006/relationships" xmlns:p="http://schemas.openxmlformats.org/presentationml/2006/main" xmlns:p14="http://schemas.microsoft.com/office/powerpoint/2010/main" xmlns:mv="urn:schemas-microsoft-com:mac:vml" xmlns:mc="http://schemas.openxmlformats.org/markup-compatibility/2006" val="4009987634"/>
+        <p14:creationId xmlns:mc="http://schemas.openxmlformats.org/markup-compatibility/2006" xmlns:mv="urn:schemas-microsoft-com:mac:vml" xmlns:p14="http://schemas.microsoft.com/office/powerpoint/2010/main" xmlns:p="http://schemas.openxmlformats.org/presentationml/2006/main" xmlns:r="http://schemas.openxmlformats.org/officeDocument/2006/relationships" xmlns:a="http://schemas.openxmlformats.org/drawingml/2006/main" xmlns="" val="4009987634"/>
       </p:ext>
     </p:extLst>
   </p:cSld>
@@ -6959,42 +6518,29 @@
           </a:p>
           <a:p>
             <a:r>
-              <a:rPr lang="en-US" dirty="0" smtClean="0"/>
+              <a:rPr lang="en-US" sz="2400" dirty="0" smtClean="0"/>
               <a:t>By MMED 2015 mentors</a:t>
             </a:r>
           </a:p>
           <a:p>
             <a:r>
-              <a:rPr lang="en-US" dirty="0" smtClean="0"/>
-              <a:t>Eva, Joseph, Roxy &amp; </a:t>
-            </a:r>
-            <a:r>
-              <a:rPr lang="en-US" dirty="0" err="1" smtClean="0"/>
-              <a:t>I</a:t>
-            </a:r>
-            <a:r>
-              <a:rPr lang="en-US" dirty="0" err="1" smtClean="0"/>
-              <a:t>vy</a:t>
-            </a:r>
-            <a:endParaRPr lang="en-US" dirty="0" smtClean="0"/>
-          </a:p>
-          <a:p>
-            <a:r>
-              <a:rPr lang="en-US" dirty="0" smtClean="0"/>
-              <a:t>AIMS – South Africa, </a:t>
-            </a:r>
-            <a:r>
-              <a:rPr lang="en-US" dirty="0" err="1" smtClean="0"/>
-              <a:t>Muizenberg</a:t>
-            </a:r>
-            <a:endParaRPr lang="en-US" dirty="0"/>
+              <a:rPr lang="en-US" sz="2400" dirty="0" smtClean="0"/>
+              <a:t>Eva, Joseph, Roxy &amp; Ivy</a:t>
+            </a:r>
+          </a:p>
+          <a:p>
+            <a:r>
+              <a:rPr lang="en-US" sz="2400" dirty="0" smtClean="0"/>
+              <a:t>AIMS – South Africa, Muizenberg</a:t>
+            </a:r>
+            <a:endParaRPr lang="en-US" sz="2400" dirty="0"/>
           </a:p>
         </p:txBody>
       </p:sp>
     </p:spTree>
     <p:extLst>
       <p:ext uri="{BB962C8B-B14F-4D97-AF65-F5344CB8AC3E}">
-        <p14:creationId xmlns="" xmlns:a="http://schemas.openxmlformats.org/drawingml/2006/main" xmlns:r="http://schemas.openxmlformats.org/officeDocument/2006/relationships" xmlns:p="http://schemas.openxmlformats.org/presentationml/2006/main" xmlns:p14="http://schemas.microsoft.com/office/powerpoint/2010/main" xmlns:mv="urn:schemas-microsoft-com:mac:vml" xmlns:mc="http://schemas.openxmlformats.org/markup-compatibility/2006" val="3087260744"/>
+        <p14:creationId xmlns:mc="http://schemas.openxmlformats.org/markup-compatibility/2006" xmlns:mv="urn:schemas-microsoft-com:mac:vml" xmlns:p14="http://schemas.microsoft.com/office/powerpoint/2010/main" xmlns:p="http://schemas.openxmlformats.org/presentationml/2006/main" xmlns:r="http://schemas.openxmlformats.org/officeDocument/2006/relationships" xmlns:a="http://schemas.openxmlformats.org/drawingml/2006/main" xmlns="" val="3087260744"/>
       </p:ext>
     </p:extLst>
   </p:cSld>
@@ -7040,7 +6586,7 @@
         </p:nvSpPr>
         <p:spPr>
           <a:xfrm>
-            <a:off x="677334" y="609600"/>
+            <a:off x="280443" y="252439"/>
             <a:ext cx="8596668" cy="836815"/>
           </a:xfrm>
         </p:spPr>
@@ -7049,16 +6595,8 @@
           <a:lstStyle/>
           <a:p>
             <a:r>
-              <a:rPr lang="en-US" dirty="0" err="1" smtClean="0"/>
-              <a:t>Git</a:t>
-            </a:r>
-            <a:r>
               <a:rPr lang="en-US" dirty="0" smtClean="0"/>
-              <a:t> </a:t>
-            </a:r>
-            <a:r>
-              <a:rPr lang="en-US" dirty="0" err="1" smtClean="0"/>
-              <a:t>definions</a:t>
+              <a:t>Git command definitions</a:t>
             </a:r>
             <a:endParaRPr lang="en-US" dirty="0"/>
           </a:p>
@@ -7076,8 +6614,8 @@
         </p:nvSpPr>
         <p:spPr>
           <a:xfrm>
-            <a:off x="677334" y="1596044"/>
-            <a:ext cx="8596668" cy="4445319"/>
+            <a:off x="416737" y="1011958"/>
+            <a:ext cx="9942122" cy="5846042"/>
           </a:xfrm>
         </p:spPr>
         <p:txBody>
@@ -7087,184 +6625,184 @@
           <a:lstStyle/>
           <a:p>
             <a:r>
-              <a:rPr lang="en-ZA" dirty="0"/>
+              <a:rPr lang="en-ZA" sz="2400" dirty="0"/>
               <a:t>git </a:t>
             </a:r>
             <a:r>
-              <a:rPr lang="en-ZA" b="1" dirty="0" smtClean="0"/>
+              <a:rPr lang="en-ZA" sz="2400" b="1" dirty="0" smtClean="0"/>
               <a:t>help</a:t>
             </a:r>
           </a:p>
           <a:p>
             <a:r>
-              <a:rPr lang="en-ZA" dirty="0" smtClean="0"/>
+              <a:rPr lang="en-ZA" sz="2400" dirty="0" smtClean="0"/>
               <a:t>git </a:t>
             </a:r>
             <a:r>
-              <a:rPr lang="en-ZA" b="1" dirty="0"/>
+              <a:rPr lang="en-ZA" sz="2400" b="1" dirty="0"/>
               <a:t>status:</a:t>
             </a:r>
             <a:r>
-              <a:rPr lang="en-ZA" dirty="0"/>
-              <a:t> Check the status of your </a:t>
-            </a:r>
-            <a:r>
-              <a:rPr lang="en-ZA" dirty="0" smtClean="0"/>
+              <a:rPr lang="en-ZA" sz="2400" dirty="0"/>
+              <a:t> Checks the status of your </a:t>
+            </a:r>
+            <a:r>
+              <a:rPr lang="en-ZA" sz="2400" dirty="0" smtClean="0"/>
               <a:t>repository </a:t>
             </a:r>
-            <a:endParaRPr lang="en-US" dirty="0"/>
-          </a:p>
-          <a:p>
-            <a:r>
-              <a:rPr lang="en-ZA" dirty="0"/>
+            <a:endParaRPr lang="en-US" sz="2400" dirty="0"/>
+          </a:p>
+          <a:p>
+            <a:r>
+              <a:rPr lang="en-ZA" sz="2400" dirty="0"/>
               <a:t>git </a:t>
             </a:r>
             <a:r>
-              <a:rPr lang="en-ZA" b="1" dirty="0" smtClean="0"/>
+              <a:rPr lang="en-ZA" sz="2400" b="1" dirty="0" smtClean="0"/>
               <a:t>stage:</a:t>
             </a:r>
             <a:r>
-              <a:rPr lang="en-ZA" dirty="0" smtClean="0"/>
+              <a:rPr lang="en-ZA" sz="2400" dirty="0" smtClean="0"/>
               <a:t> Filters files </a:t>
             </a:r>
             <a:r>
-              <a:rPr lang="en-ZA" dirty="0"/>
+              <a:rPr lang="en-ZA" sz="2400" dirty="0"/>
               <a:t>to </a:t>
             </a:r>
             <a:r>
-              <a:rPr lang="en-ZA" dirty="0" smtClean="0"/>
+              <a:rPr lang="en-ZA" sz="2400" dirty="0" smtClean="0"/>
               <a:t>be considered by Git </a:t>
             </a:r>
           </a:p>
           <a:p>
             <a:r>
-              <a:rPr lang="en-ZA" dirty="0" smtClean="0"/>
+              <a:rPr lang="en-ZA" sz="2400" dirty="0" smtClean="0"/>
               <a:t>git </a:t>
             </a:r>
             <a:r>
-              <a:rPr lang="en-ZA" b="1" dirty="0" smtClean="0"/>
+              <a:rPr lang="en-ZA" sz="2400" b="1" dirty="0" smtClean="0"/>
               <a:t>commit:</a:t>
             </a:r>
             <a:r>
-              <a:rPr lang="en-ZA" dirty="0" smtClean="0"/>
-              <a:t> Create a checkable version of the repository </a:t>
-            </a:r>
-          </a:p>
-          <a:p>
-            <a:r>
-              <a:rPr lang="en-ZA" dirty="0" smtClean="0"/>
+              <a:rPr lang="en-ZA" sz="2400" dirty="0" smtClean="0"/>
+              <a:t> Creates a checkable version of the repository </a:t>
+            </a:r>
+          </a:p>
+          <a:p>
+            <a:r>
+              <a:rPr lang="en-ZA" sz="2400" dirty="0" smtClean="0"/>
               <a:t>git </a:t>
             </a:r>
             <a:r>
-              <a:rPr lang="en-ZA" b="1" dirty="0" smtClean="0"/>
+              <a:rPr lang="en-ZA" sz="2400" b="1" dirty="0" smtClean="0"/>
               <a:t>branch: </a:t>
             </a:r>
             <a:r>
-              <a:rPr lang="en-ZA" dirty="0" smtClean="0"/>
-              <a:t>Create a branch of a git repository.</a:t>
-            </a:r>
-            <a:endParaRPr lang="en-US" dirty="0"/>
-          </a:p>
-          <a:p>
-            <a:r>
-              <a:rPr lang="en-ZA" dirty="0" smtClean="0"/>
+              <a:rPr lang="en-ZA" sz="2400" dirty="0" smtClean="0"/>
+              <a:t>Creates a branch of a git repository.</a:t>
+            </a:r>
+            <a:endParaRPr lang="en-US" sz="2400" dirty="0"/>
+          </a:p>
+          <a:p>
+            <a:r>
+              <a:rPr lang="en-ZA" sz="2400" dirty="0" smtClean="0"/>
               <a:t>git </a:t>
             </a:r>
             <a:r>
-              <a:rPr lang="en-ZA" b="1" dirty="0"/>
+              <a:rPr lang="en-ZA" sz="2400" b="1" dirty="0"/>
               <a:t>merge:</a:t>
             </a:r>
             <a:r>
-              <a:rPr lang="en-ZA" dirty="0"/>
+              <a:rPr lang="en-ZA" sz="2400" dirty="0"/>
               <a:t> </a:t>
             </a:r>
             <a:r>
-              <a:rPr lang="en-ZA" dirty="0" smtClean="0"/>
-              <a:t>Add changes made on branched repository to the main/original repository.  </a:t>
-            </a:r>
-            <a:endParaRPr lang="en-US" dirty="0"/>
-          </a:p>
-          <a:p>
-            <a:r>
-              <a:rPr lang="en-ZA" dirty="0"/>
+              <a:rPr lang="en-ZA" sz="2400" dirty="0" smtClean="0"/>
+              <a:t>Adds changes made on branched repository to the main/original repository.  </a:t>
+            </a:r>
+            <a:endParaRPr lang="en-US" sz="2400" dirty="0"/>
+          </a:p>
+          <a:p>
+            <a:r>
+              <a:rPr lang="en-ZA" sz="2400" dirty="0"/>
               <a:t>git </a:t>
             </a:r>
             <a:r>
-              <a:rPr lang="en-ZA" b="1" dirty="0"/>
+              <a:rPr lang="en-ZA" sz="2400" b="1" dirty="0"/>
               <a:t>push:</a:t>
             </a:r>
             <a:r>
-              <a:rPr lang="en-ZA" dirty="0"/>
+              <a:rPr lang="en-ZA" sz="2400" dirty="0"/>
               <a:t> </a:t>
             </a:r>
             <a:r>
-              <a:rPr lang="en-ZA" dirty="0" smtClean="0"/>
-              <a:t>Incorporate your local committed changes to the online GitHub repository. </a:t>
-            </a:r>
-            <a:endParaRPr lang="en-US" dirty="0"/>
-          </a:p>
-          <a:p>
-            <a:r>
-              <a:rPr lang="en-ZA" dirty="0"/>
+              <a:rPr lang="en-ZA" sz="2400" dirty="0" smtClean="0"/>
+              <a:t>Incorporates your local committed changes to the online GitHub repository. </a:t>
+            </a:r>
+            <a:endParaRPr lang="en-US" sz="2400" dirty="0"/>
+          </a:p>
+          <a:p>
+            <a:r>
+              <a:rPr lang="en-ZA" sz="2400" dirty="0"/>
               <a:t>git </a:t>
             </a:r>
             <a:r>
-              <a:rPr lang="en-ZA" b="1" dirty="0"/>
+              <a:rPr lang="en-ZA" sz="2400" b="1" dirty="0"/>
               <a:t>pull</a:t>
             </a:r>
             <a:r>
-              <a:rPr lang="en-ZA" b="1" dirty="0" smtClean="0"/>
+              <a:rPr lang="en-ZA" sz="2400" b="1" dirty="0" smtClean="0"/>
               <a:t>: </a:t>
             </a:r>
             <a:r>
-              <a:rPr lang="en-ZA" dirty="0" smtClean="0"/>
-              <a:t>Incorporate the newest changes of an online repository, to your local repository. </a:t>
-            </a:r>
-          </a:p>
-          <a:p>
-            <a:r>
-              <a:rPr lang="en-ZA" dirty="0"/>
+              <a:rPr lang="en-ZA" sz="2400" dirty="0" smtClean="0"/>
+              <a:t>Incorporates the newest changes of an online repository, to your local repository. </a:t>
+            </a:r>
+          </a:p>
+          <a:p>
+            <a:r>
+              <a:rPr lang="en-ZA" sz="2400" dirty="0"/>
               <a:t>git </a:t>
             </a:r>
             <a:r>
-              <a:rPr lang="en-ZA" b="1" dirty="0"/>
+              <a:rPr lang="en-ZA" sz="2400" b="1" dirty="0"/>
               <a:t>checkout:</a:t>
             </a:r>
             <a:r>
-              <a:rPr lang="en-ZA" dirty="0"/>
+              <a:rPr lang="en-ZA" sz="2400" dirty="0"/>
               <a:t> </a:t>
             </a:r>
             <a:r>
-              <a:rPr lang="en-ZA" dirty="0" smtClean="0"/>
-              <a:t>Navigate to another repository you </a:t>
-            </a:r>
-            <a:r>
-              <a:rPr lang="en-ZA" dirty="0"/>
+              <a:rPr lang="en-ZA" sz="2400" dirty="0" smtClean="0"/>
+              <a:t>Navigates to another repository you </a:t>
+            </a:r>
+            <a:r>
+              <a:rPr lang="en-ZA" sz="2400" dirty="0"/>
               <a:t>want to check. </a:t>
             </a:r>
           </a:p>
           <a:p>
             <a:r>
-              <a:rPr lang="en-ZA" dirty="0"/>
+              <a:rPr lang="en-ZA" sz="2400" dirty="0"/>
               <a:t>git </a:t>
             </a:r>
             <a:r>
-              <a:rPr lang="en-ZA" b="1" dirty="0" smtClean="0"/>
+              <a:rPr lang="en-ZA" sz="2400" b="1" dirty="0" smtClean="0"/>
               <a:t>fetch</a:t>
             </a:r>
             <a:r>
-              <a:rPr lang="en-ZA" dirty="0" smtClean="0"/>
-              <a:t>: Get the </a:t>
-            </a:r>
-            <a:r>
-              <a:rPr lang="en-ZA" dirty="0"/>
+              <a:rPr lang="en-ZA" sz="2400" dirty="0" smtClean="0"/>
+              <a:t>: Gets the </a:t>
+            </a:r>
+            <a:r>
+              <a:rPr lang="en-ZA" sz="2400" dirty="0"/>
               <a:t>newest changes of an online </a:t>
             </a:r>
             <a:r>
-              <a:rPr lang="en-ZA" dirty="0" smtClean="0"/>
+              <a:rPr lang="en-ZA" sz="2400" dirty="0" smtClean="0"/>
               <a:t>repository. </a:t>
             </a:r>
-            <a:endParaRPr lang="en-US" dirty="0"/>
+            <a:endParaRPr lang="en-US" sz="2400" dirty="0"/>
           </a:p>
           <a:p>
             <a:endParaRPr lang="en-US" dirty="0"/>
@@ -7274,7 +6812,7 @@
     </p:spTree>
     <p:extLst>
       <p:ext uri="{BB962C8B-B14F-4D97-AF65-F5344CB8AC3E}">
-        <p14:creationId xmlns="" xmlns:a="http://schemas.openxmlformats.org/drawingml/2006/main" xmlns:r="http://schemas.openxmlformats.org/officeDocument/2006/relationships" xmlns:p="http://schemas.openxmlformats.org/presentationml/2006/main" xmlns:p14="http://schemas.microsoft.com/office/powerpoint/2010/main" xmlns:mv="urn:schemas-microsoft-com:mac:vml" xmlns:mc="http://schemas.openxmlformats.org/markup-compatibility/2006" val="1691310875"/>
+        <p14:creationId xmlns:mc="http://schemas.openxmlformats.org/markup-compatibility/2006" xmlns:mv="urn:schemas-microsoft-com:mac:vml" xmlns:p14="http://schemas.microsoft.com/office/powerpoint/2010/main" xmlns:p="http://schemas.openxmlformats.org/presentationml/2006/main" xmlns:r="http://schemas.openxmlformats.org/officeDocument/2006/relationships" xmlns:a="http://schemas.openxmlformats.org/drawingml/2006/main" xmlns="" val="1691310875"/>
       </p:ext>
     </p:extLst>
   </p:cSld>
@@ -7318,7 +6856,12 @@
             <p:ph type="title"/>
           </p:nvPr>
         </p:nvSpPr>
-        <p:spPr/>
+        <p:spPr>
+          <a:xfrm>
+            <a:off x="280443" y="0"/>
+            <a:ext cx="8596668" cy="1320800"/>
+          </a:xfrm>
+        </p:spPr>
         <p:txBody>
           <a:bodyPr/>
           <a:lstStyle/>
@@ -7343,13 +6886,13 @@
         </p:nvSpPr>
         <p:spPr>
           <a:xfrm>
-            <a:off x="677334" y="1662545"/>
-            <a:ext cx="8596668" cy="4378817"/>
+            <a:off x="399511" y="908537"/>
+            <a:ext cx="9502924" cy="5949463"/>
           </a:xfrm>
         </p:spPr>
         <p:txBody>
           <a:bodyPr>
-            <a:normAutofit fontScale="92500" lnSpcReduction="10000"/>
+            <a:normAutofit/>
           </a:bodyPr>
           <a:lstStyle/>
           <a:p>
@@ -7357,7 +6900,7 @@
               <a:buNone/>
             </a:pPr>
             <a:r>
-              <a:rPr lang="en-ZA" sz="2000" dirty="0" smtClean="0">
+              <a:rPr lang="en-ZA" sz="2595" dirty="0" smtClean="0">
                 <a:solidFill>
                   <a:schemeClr val="accent2">
                     <a:lumMod val="75000"/>
@@ -7369,11 +6912,11 @@
           </a:p>
           <a:p>
             <a:r>
-              <a:rPr lang="en-ZA" dirty="0" smtClean="0"/>
+              <a:rPr lang="en-ZA" sz="2595" dirty="0" smtClean="0"/>
               <a:t>Go on </a:t>
             </a:r>
             <a:r>
-              <a:rPr lang="en-ZA" u="sng" dirty="0" smtClean="0">
+              <a:rPr lang="en-ZA" sz="2595" u="sng" dirty="0" smtClean="0">
                 <a:solidFill>
                   <a:srgbClr val="92D050"/>
                 </a:solidFill>
@@ -7381,7 +6924,7 @@
               <a:t>https</a:t>
             </a:r>
             <a:r>
-              <a:rPr lang="en-ZA" u="sng" dirty="0">
+              <a:rPr lang="en-ZA" sz="2595" u="sng" dirty="0">
                 <a:solidFill>
                   <a:srgbClr val="92D050"/>
                 </a:solidFill>
@@ -7389,7 +6932,7 @@
               <a:t>://</a:t>
             </a:r>
             <a:r>
-              <a:rPr lang="en-ZA" u="sng" dirty="0" smtClean="0">
+              <a:rPr lang="en-ZA" sz="2595" u="sng" dirty="0" smtClean="0">
                 <a:solidFill>
                   <a:srgbClr val="92D050"/>
                 </a:solidFill>
@@ -7397,7 +6940,7 @@
               <a:t>github.com/</a:t>
             </a:r>
             <a:r>
-              <a:rPr lang="en-ZA" dirty="0" smtClean="0"/>
+              <a:rPr lang="en-ZA" sz="2595" dirty="0" smtClean="0"/>
               <a:t> and create a GitHub account.</a:t>
             </a:r>
           </a:p>
@@ -7405,14 +6948,14 @@
             <a:pPr marL="0" indent="0">
               <a:buNone/>
             </a:pPr>
-            <a:endParaRPr lang="en-ZA" dirty="0" smtClean="0"/>
+            <a:endParaRPr lang="en-ZA" sz="2595" dirty="0" smtClean="0"/>
           </a:p>
           <a:p>
             <a:pPr marL="0" indent="0">
               <a:buNone/>
             </a:pPr>
             <a:r>
-              <a:rPr lang="en-ZA" sz="2000" dirty="0" smtClean="0">
+              <a:rPr lang="en-ZA" sz="2595" dirty="0" smtClean="0">
                 <a:solidFill>
                   <a:schemeClr val="accent2">
                     <a:lumMod val="75000"/>
@@ -7421,7 +6964,7 @@
               </a:rPr>
               <a:t>Git</a:t>
             </a:r>
-            <a:endParaRPr lang="en-ZA" sz="2000" dirty="0">
+            <a:endParaRPr lang="en-ZA" sz="2595" dirty="0">
               <a:solidFill>
                 <a:schemeClr val="accent2">
                   <a:lumMod val="75000"/>
@@ -7431,144 +6974,62 @@
           </a:p>
           <a:p>
             <a:r>
-              <a:rPr lang="en-ZA" dirty="0" smtClean="0"/>
+              <a:rPr lang="en-ZA" sz="2595" dirty="0" smtClean="0"/>
               <a:t>Download </a:t>
             </a:r>
             <a:r>
-              <a:rPr lang="en-ZA" dirty="0"/>
+              <a:rPr lang="en-ZA" sz="2595" dirty="0"/>
               <a:t>git from  </a:t>
             </a:r>
             <a:r>
-              <a:rPr lang="en-ZA" u="sng" dirty="0">
-                <a:hlinkClick r:id="rId2"/>
-              </a:rPr>
-              <a:t>http://git-scm.com/downloads</a:t>
-            </a:r>
-            <a:r>
-              <a:rPr lang="en-ZA" dirty="0"/>
-              <a:t>. Install the version corresponding to your OS.</a:t>
-            </a:r>
-            <a:endParaRPr lang="en-US" dirty="0"/>
-          </a:p>
-          <a:p>
-            <a:r>
-              <a:rPr lang="en-ZA" dirty="0" smtClean="0"/>
+              <a:rPr lang="en-US" sz="2595" u="sng" dirty="0"/>
+              <a:t>http://www.syntevo.com/smartgit/</a:t>
+            </a:r>
+            <a:r>
+              <a:rPr lang="en-ZA" sz="2595" dirty="0"/>
+              <a:t>. </a:t>
+            </a:r>
+          </a:p>
+          <a:p>
+            <a:pPr lvl="1"/>
+            <a:r>
+              <a:rPr lang="en-ZA" sz="2395" dirty="0"/>
+              <a:t>Install the version corresponding to your operating system.</a:t>
+            </a:r>
+          </a:p>
+          <a:p>
+            <a:pPr lvl="1">
+              <a:buNone/>
+            </a:pPr>
+            <a:endParaRPr lang="en-US" sz="2395" dirty="0"/>
+          </a:p>
+          <a:p>
+            <a:r>
+              <a:rPr lang="en-ZA" sz="2595" dirty="0" smtClean="0"/>
               <a:t>Introduce yourself to git. </a:t>
             </a:r>
           </a:p>
           <a:p>
-            <a:pPr>
+            <a:pPr lvl="1">
               <a:buFont typeface="Wingdings" panose="05000000000000000000" pitchFamily="2" charset="2"/>
               <a:buChar char="Ø"/>
             </a:pPr>
             <a:r>
-              <a:rPr lang="en-ZA" dirty="0" smtClean="0"/>
-              <a:t>Open a Terminal (Mac &amp; Linux) or Git Shell (Windows). Type </a:t>
-            </a:r>
-            <a:r>
-              <a:rPr lang="en-ZA" dirty="0"/>
-              <a:t>in the following </a:t>
-            </a:r>
-            <a:r>
-              <a:rPr lang="en-ZA" dirty="0" smtClean="0"/>
-              <a:t>code:  </a:t>
-            </a:r>
-          </a:p>
-          <a:p>
-            <a:pPr marL="0" indent="0">
-              <a:buNone/>
-            </a:pPr>
-            <a:r>
-              <a:rPr lang="en-ZA" dirty="0" smtClean="0"/>
-              <a:t>          git </a:t>
-            </a:r>
-            <a:r>
-              <a:rPr lang="en-ZA" dirty="0" err="1"/>
-              <a:t>config</a:t>
-            </a:r>
-            <a:r>
-              <a:rPr lang="en-ZA" dirty="0"/>
-              <a:t> --global user.name </a:t>
-            </a:r>
-            <a:r>
-              <a:rPr lang="en-ZA" dirty="0" smtClean="0"/>
-              <a:t>“</a:t>
-            </a:r>
-            <a:r>
-              <a:rPr lang="en-ZA" dirty="0" err="1" smtClean="0"/>
-              <a:t>YourName</a:t>
-            </a:r>
-            <a:r>
-              <a:rPr lang="en-ZA" dirty="0" smtClean="0"/>
-              <a:t>"</a:t>
-            </a:r>
-            <a:endParaRPr lang="en-US" dirty="0"/>
-          </a:p>
-          <a:p>
-            <a:pPr>
-              <a:buFont typeface="Wingdings" panose="05000000000000000000" pitchFamily="2" charset="2"/>
-              <a:buChar char="Ø"/>
-            </a:pPr>
-            <a:r>
-              <a:rPr lang="en-US" dirty="0" smtClean="0"/>
+              <a:rPr lang="en-US" sz="2395" dirty="0" smtClean="0"/>
               <a:t>Set your email. It has to be the same as the one you used to </a:t>
             </a:r>
             <a:r>
-              <a:rPr lang="en-ZA" dirty="0" smtClean="0"/>
+              <a:rPr lang="en-ZA" sz="2395" dirty="0" smtClean="0"/>
               <a:t>sign </a:t>
             </a:r>
             <a:r>
-              <a:rPr lang="en-ZA" dirty="0"/>
+              <a:rPr lang="en-ZA" sz="2395" dirty="0"/>
               <a:t>up for a GitHub.com </a:t>
             </a:r>
             <a:r>
-              <a:rPr lang="en-ZA" dirty="0" smtClean="0"/>
-              <a:t>account. Type the following command:</a:t>
-            </a:r>
-          </a:p>
-          <a:p>
-            <a:pPr marL="0" indent="0">
-              <a:buNone/>
-            </a:pPr>
-            <a:r>
-              <a:rPr lang="en-ZA" dirty="0"/>
-              <a:t> </a:t>
-            </a:r>
-            <a:r>
-              <a:rPr lang="en-ZA" dirty="0" smtClean="0"/>
-              <a:t>         git </a:t>
-            </a:r>
-            <a:r>
-              <a:rPr lang="en-ZA" dirty="0" err="1"/>
-              <a:t>config</a:t>
-            </a:r>
-            <a:r>
-              <a:rPr lang="en-ZA" dirty="0"/>
-              <a:t> --global </a:t>
-            </a:r>
-            <a:r>
-              <a:rPr lang="en-ZA" dirty="0" err="1"/>
-              <a:t>user.email</a:t>
-            </a:r>
-            <a:r>
-              <a:rPr lang="en-ZA" dirty="0"/>
-              <a:t> </a:t>
-            </a:r>
-            <a:r>
-              <a:rPr lang="en-ZA" dirty="0" smtClean="0"/>
-              <a:t>“</a:t>
-            </a:r>
-            <a:r>
-              <a:rPr lang="en-ZA" dirty="0" err="1" smtClean="0"/>
-              <a:t>your.email.address</a:t>
-            </a:r>
-            <a:r>
-              <a:rPr lang="en-ZA" dirty="0" smtClean="0"/>
-              <a:t>"</a:t>
-            </a:r>
-            <a:endParaRPr lang="en-US" dirty="0"/>
-          </a:p>
-          <a:p>
+              <a:rPr lang="en-ZA" sz="2395" dirty="0" smtClean="0"/>
+              <a:t>account. </a:t>
+            </a:r>
             <a:endParaRPr lang="en-US" dirty="0"/>
           </a:p>
         </p:txBody>
@@ -7576,7 +7037,7 @@
     </p:spTree>
     <p:extLst>
       <p:ext uri="{BB962C8B-B14F-4D97-AF65-F5344CB8AC3E}">
-        <p14:creationId xmlns="" xmlns:a="http://schemas.openxmlformats.org/drawingml/2006/main" xmlns:r="http://schemas.openxmlformats.org/officeDocument/2006/relationships" xmlns:p="http://schemas.openxmlformats.org/presentationml/2006/main" xmlns:p14="http://schemas.microsoft.com/office/powerpoint/2010/main" xmlns:mv="urn:schemas-microsoft-com:mac:vml" xmlns:mc="http://schemas.openxmlformats.org/markup-compatibility/2006" val="2617072906"/>
+        <p14:creationId xmlns:mc="http://schemas.openxmlformats.org/markup-compatibility/2006" xmlns:mv="urn:schemas-microsoft-com:mac:vml" xmlns:p14="http://schemas.microsoft.com/office/powerpoint/2010/main" xmlns:p="http://schemas.openxmlformats.org/presentationml/2006/main" xmlns:r="http://schemas.openxmlformats.org/officeDocument/2006/relationships" xmlns:a="http://schemas.openxmlformats.org/drawingml/2006/main" xmlns="" val="2617072906"/>
       </p:ext>
     </p:extLst>
   </p:cSld>
@@ -7612,217 +7073,79 @@
       </p:grpSpPr>
       <p:sp>
         <p:nvSpPr>
-          <p:cNvPr id="2" name="Title 1"/>
-          <p:cNvSpPr>
-            <a:spLocks noGrp="1"/>
-          </p:cNvSpPr>
-          <p:nvPr>
-            <p:ph type="title"/>
-          </p:nvPr>
-        </p:nvSpPr>
-        <p:spPr/>
-        <p:txBody>
-          <a:bodyPr/>
-          <a:lstStyle/>
-          <a:p>
-            <a:r>
-              <a:rPr lang="en-US" dirty="0" smtClean="0"/>
-              <a:t>Getting started (</a:t>
-            </a:r>
-            <a:r>
-              <a:rPr lang="en-US" dirty="0" err="1" smtClean="0"/>
-              <a:t>cont</a:t>
-            </a:r>
-            <a:r>
-              <a:rPr lang="en-US" dirty="0" smtClean="0"/>
-              <a:t> …)</a:t>
-            </a:r>
-            <a:endParaRPr lang="en-US" dirty="0"/>
-          </a:p>
-        </p:txBody>
-      </p:sp>
-      <p:sp>
-        <p:nvSpPr>
-          <p:cNvPr id="5" name="Content Placeholder 4"/>
-          <p:cNvSpPr>
-            <a:spLocks noGrp="1"/>
-          </p:cNvSpPr>
-          <p:nvPr>
-            <p:ph idx="1"/>
-          </p:nvPr>
+          <p:cNvPr id="5" name="Explosion 1 4"/>
+          <p:cNvSpPr/>
+          <p:nvPr/>
         </p:nvSpPr>
         <p:spPr>
           <a:xfrm>
-            <a:off x="677334" y="1679171"/>
-            <a:ext cx="8596668" cy="4362191"/>
+            <a:off x="0" y="0"/>
+            <a:ext cx="11172486" cy="6858000"/>
           </a:xfrm>
+          <a:prstGeom prst="irregularSeal1">
+            <a:avLst/>
+          </a:prstGeom>
         </p:spPr>
-        <p:txBody>
-          <a:bodyPr>
-            <a:normAutofit/>
+        <p:style>
+          <a:lnRef idx="2">
+            <a:schemeClr val="accent4">
+              <a:shade val="50000"/>
+            </a:schemeClr>
+          </a:lnRef>
+          <a:fillRef idx="1">
+            <a:schemeClr val="accent4"/>
+          </a:fillRef>
+          <a:effectRef idx="0">
+            <a:schemeClr val="accent4"/>
+          </a:effectRef>
+          <a:fontRef idx="minor">
+            <a:schemeClr val="lt1"/>
+          </a:fontRef>
+        </p:style>
+        <p:txBody>
+          <a:bodyPr rtlCol="0" anchor="ctr"/>
+          <a:lstStyle/>
+          <a:p>
+            <a:pPr algn="ctr"/>
+            <a:endParaRPr lang="en-US" dirty="0"/>
+          </a:p>
+        </p:txBody>
+      </p:sp>
+      <p:sp>
+        <p:nvSpPr>
+          <p:cNvPr id="4" name="TextBox 3"/>
+          <p:cNvSpPr txBox="1"/>
+          <p:nvPr/>
+        </p:nvSpPr>
+        <p:spPr>
+          <a:xfrm>
+            <a:off x="1051761" y="2658871"/>
+            <a:ext cx="8533159" cy="1446550"/>
+          </a:xfrm>
+          <a:prstGeom prst="rect">
+            <a:avLst/>
+          </a:prstGeom>
+          <a:noFill/>
+        </p:spPr>
+        <p:txBody>
+          <a:bodyPr wrap="square" rtlCol="0">
+            <a:spAutoFit/>
           </a:bodyPr>
           <a:lstStyle/>
           <a:p>
-            <a:pPr marL="0" indent="0">
-              <a:buNone/>
-            </a:pPr>
-            <a:r>
-              <a:rPr lang="en-US" sz="2000" dirty="0" err="1" smtClean="0">
-                <a:solidFill>
-                  <a:schemeClr val="accent2">
-                    <a:lumMod val="75000"/>
-                  </a:schemeClr>
-                </a:solidFill>
-              </a:rPr>
-              <a:t>SmartGit</a:t>
-            </a:r>
-            <a:endParaRPr lang="en-US" sz="2000" dirty="0" smtClean="0">
-              <a:solidFill>
-                <a:schemeClr val="accent2">
-                  <a:lumMod val="75000"/>
-                </a:schemeClr>
-              </a:solidFill>
-            </a:endParaRPr>
-          </a:p>
-          <a:p>
-            <a:r>
-              <a:rPr lang="en-US" sz="2000" dirty="0" smtClean="0">
-                <a:solidFill>
-                  <a:schemeClr val="tx2"/>
-                </a:solidFill>
-              </a:rPr>
-              <a:t>Go to </a:t>
-            </a:r>
-            <a:r>
-              <a:rPr lang="en-US" dirty="0" smtClean="0">
-                <a:solidFill>
-                  <a:schemeClr val="accent2">
-                    <a:lumMod val="75000"/>
-                  </a:schemeClr>
-                </a:solidFill>
-                <a:hlinkClick r:id="rId2"/>
-              </a:rPr>
-              <a:t>http://www.SmartGitapp.com/</a:t>
-            </a:r>
-            <a:r>
-              <a:rPr lang="en-US" dirty="0" smtClean="0">
-                <a:solidFill>
-                  <a:schemeClr val="accent2">
-                    <a:lumMod val="75000"/>
-                  </a:schemeClr>
-                </a:solidFill>
-              </a:rPr>
-              <a:t>Git</a:t>
-            </a:r>
-          </a:p>
-          <a:p>
-            <a:pPr marL="0" indent="0">
-              <a:buNone/>
-            </a:pPr>
-            <a:r>
-              <a:rPr lang="en-US" dirty="0" smtClean="0">
-                <a:solidFill>
-                  <a:schemeClr val="tx2"/>
-                </a:solidFill>
-              </a:rPr>
-              <a:t>Download the version compatible to your OS (Mac or Windows)</a:t>
-            </a:r>
-          </a:p>
-          <a:p>
-            <a:pPr marL="0" indent="0">
-              <a:buNone/>
-            </a:pPr>
-            <a:r>
-              <a:rPr lang="en-US" dirty="0" smtClean="0">
-                <a:solidFill>
-                  <a:schemeClr val="tx2"/>
-                </a:solidFill>
-              </a:rPr>
-              <a:t>Follow the prompted commands.</a:t>
-            </a:r>
-          </a:p>
-          <a:p>
-            <a:pPr lvl="1"/>
-            <a:r>
-              <a:rPr lang="en-US" dirty="0"/>
-              <a:t>Enter your full name and </a:t>
-            </a:r>
-            <a:r>
-              <a:rPr lang="en-US" dirty="0" smtClean="0"/>
-              <a:t>email</a:t>
-            </a:r>
-            <a:endParaRPr lang="en-US" dirty="0"/>
-          </a:p>
-          <a:p>
-            <a:pPr lvl="1"/>
-            <a:r>
-              <a:rPr lang="en-US" dirty="0"/>
-              <a:t>Choose the option to install the self-contained </a:t>
-            </a:r>
-            <a:r>
-              <a:rPr lang="en-US" dirty="0" err="1"/>
-              <a:t>Git</a:t>
-            </a:r>
-            <a:r>
-              <a:rPr lang="en-US" dirty="0"/>
-              <a:t> version to be used by when prompted</a:t>
-            </a:r>
-          </a:p>
-          <a:p>
-            <a:pPr lvl="1"/>
-            <a:r>
-              <a:rPr lang="en-US" dirty="0"/>
-              <a:t>Skip the Mercurial option</a:t>
-            </a:r>
-          </a:p>
-          <a:p>
-            <a:pPr lvl="1"/>
-            <a:r>
-              <a:rPr lang="en-US" dirty="0"/>
-              <a:t>Choose Putty as SSH option</a:t>
-            </a:r>
-          </a:p>
-          <a:p>
-            <a:pPr lvl="1"/>
-            <a:r>
-              <a:rPr lang="en-US" dirty="0"/>
-              <a:t>Enter your github.com username and </a:t>
-            </a:r>
-            <a:r>
-              <a:rPr lang="en-US" dirty="0" smtClean="0"/>
-              <a:t>password</a:t>
-            </a:r>
-          </a:p>
-          <a:p>
-            <a:r>
-              <a:rPr lang="en-US" b="1" dirty="0" smtClean="0"/>
-              <a:t>Note</a:t>
-            </a:r>
-            <a:r>
-              <a:rPr lang="en-US" dirty="0" smtClean="0"/>
-              <a:t>: Use the same email address as your user name</a:t>
-            </a:r>
-            <a:endParaRPr lang="en-US" dirty="0"/>
+            <a:pPr algn="ctr"/>
+            <a:r>
+              <a:rPr lang="en-US" sz="4400" b="1" dirty="0"/>
+              <a:t>Linux commands if you aren’t using SmartGit</a:t>
+            </a:r>
           </a:p>
         </p:txBody>
       </p:sp>
     </p:spTree>
-    <p:extLst>
-      <p:ext uri="{BB962C8B-B14F-4D97-AF65-F5344CB8AC3E}">
-        <p14:creationId xmlns="" xmlns:a="http://schemas.openxmlformats.org/drawingml/2006/main" xmlns:r="http://schemas.openxmlformats.org/officeDocument/2006/relationships" xmlns:p="http://schemas.openxmlformats.org/presentationml/2006/main" xmlns:p14="http://schemas.microsoft.com/office/powerpoint/2010/main" xmlns:mv="urn:schemas-microsoft-com:mac:vml" xmlns:mc="http://schemas.openxmlformats.org/markup-compatibility/2006" val="2632588230"/>
-      </p:ext>
-    </p:extLst>
   </p:cSld>
   <p:clrMapOvr>
     <a:masterClrMapping/>
   </p:clrMapOvr>
-  <p:timing>
-    <p:tnLst>
-      <p:par>
-        <p:cTn id="1" dur="indefinite" restart="never" nodeType="tmRoot"/>
-      </p:par>
-    </p:tnLst>
-  </p:timing>
 </p:sld>
 </file>
 
@@ -7843,43 +7166,19 @@
           <a:chExt cx="0" cy="0"/>
         </a:xfrm>
       </p:grpSpPr>
-      <p:pic>
-        <p:nvPicPr>
-          <p:cNvPr id="6" name="Picture 5"/>
-          <p:cNvPicPr>
-            <a:picLocks noChangeAspect="1"/>
-          </p:cNvPicPr>
-          <p:nvPr/>
-        </p:nvPicPr>
-        <p:blipFill>
-          <a:blip r:embed="rId3"/>
-          <a:stretch>
-            <a:fillRect/>
-          </a:stretch>
-        </p:blipFill>
+      <p:sp>
+        <p:nvSpPr>
+          <p:cNvPr id="2" name="Title 1"/>
+          <p:cNvSpPr>
+            <a:spLocks noGrp="1"/>
+          </p:cNvSpPr>
+          <p:nvPr>
+            <p:ph type="title"/>
+          </p:nvPr>
+        </p:nvSpPr>
         <p:spPr>
           <a:xfrm>
-            <a:off x="147253" y="1888333"/>
-            <a:ext cx="5817621" cy="3314732"/>
-          </a:xfrm>
-          <a:prstGeom prst="rect">
-            <a:avLst/>
-          </a:prstGeom>
-        </p:spPr>
-      </p:pic>
-      <p:sp>
-        <p:nvSpPr>
-          <p:cNvPr id="2" name="Title 1"/>
-          <p:cNvSpPr>
-            <a:spLocks noGrp="1"/>
-          </p:cNvSpPr>
-          <p:nvPr>
-            <p:ph type="title"/>
-          </p:nvPr>
-        </p:nvSpPr>
-        <p:spPr>
-          <a:xfrm>
-            <a:off x="677334" y="609600"/>
+            <a:off x="320132" y="351650"/>
             <a:ext cx="10866966" cy="824343"/>
           </a:xfrm>
         </p:spPr>
@@ -7910,42 +7209,293 @@
       </p:sp>
       <p:sp>
         <p:nvSpPr>
-          <p:cNvPr id="4" name="Content Placeholder 3"/>
-          <p:cNvSpPr>
-            <a:spLocks noGrp="1"/>
-          </p:cNvSpPr>
-          <p:nvPr>
-            <p:ph sz="half" idx="1"/>
+          <p:cNvPr id="5" name="Content Placeholder 4"/>
+          <p:cNvSpPr>
+            <a:spLocks noGrp="1"/>
+          </p:cNvSpPr>
+          <p:nvPr>
+            <p:ph sz="half" idx="2"/>
           </p:nvPr>
         </p:nvSpPr>
         <p:spPr>
           <a:xfrm>
-            <a:off x="677334" y="1433945"/>
-            <a:ext cx="5432521" cy="4607416"/>
+            <a:off x="456424" y="1241734"/>
+            <a:ext cx="11351741" cy="5616266"/>
           </a:xfrm>
         </p:spPr>
         <p:txBody>
           <a:bodyPr>
-            <a:normAutofit lnSpcReduction="10000"/>
+            <a:normAutofit/>
           </a:bodyPr>
           <a:lstStyle/>
           <a:p>
-            <a:r>
-              <a:rPr lang="en-US" b="1" dirty="0" err="1" smtClean="0">
-                <a:solidFill>
-                  <a:schemeClr val="accent2">
-                    <a:lumMod val="75000"/>
-                  </a:schemeClr>
-                </a:solidFill>
+            <a:pPr>
+              <a:buFont typeface="Wingdings" panose="05000000000000000000" pitchFamily="2" charset="2"/>
+              <a:buChar char="v"/>
+            </a:pPr>
+            <a:r>
+              <a:rPr lang="en-US" sz="2400" dirty="0" smtClean="0">
+                <a:solidFill>
+                  <a:schemeClr val="tx2"/>
+                </a:solidFill>
+                <a:cs typeface="Consolas" panose="020B0609020204030204" pitchFamily="49" charset="0"/>
               </a:rPr>
-              <a:t>SmartGit</a:t>
-            </a:r>
-            <a:endParaRPr lang="en-US" b="1" dirty="0" smtClean="0">
+              <a:t>Create a git new folder similar to online repo:</a:t>
+            </a:r>
+            <a:endParaRPr lang="en-US" sz="2400" dirty="0">
               <a:solidFill>
-                <a:schemeClr val="accent2">
-                  <a:lumMod val="75000"/>
-                </a:schemeClr>
+                <a:schemeClr val="tx2"/>
               </a:solidFill>
+              <a:cs typeface="Consolas" panose="020B0609020204030204" pitchFamily="49" charset="0"/>
+            </a:endParaRPr>
+          </a:p>
+          <a:p>
+            <a:pPr marL="0" indent="0">
+              <a:buNone/>
+            </a:pPr>
+            <a:r>
+              <a:rPr lang="en-US" sz="2400" dirty="0" smtClean="0">
+                <a:solidFill>
+                  <a:schemeClr val="tx1"/>
+                </a:solidFill>
+                <a:latin typeface="Consolas" panose="020B0609020204030204" pitchFamily="49" charset="0"/>
+                <a:cs typeface="Consolas" panose="020B0609020204030204" pitchFamily="49" charset="0"/>
+              </a:rPr>
+              <a:t>git </a:t>
+            </a:r>
+            <a:r>
+              <a:rPr lang="en-US" sz="2400" dirty="0">
+                <a:solidFill>
+                  <a:schemeClr val="tx1"/>
+                </a:solidFill>
+                <a:latin typeface="Consolas" panose="020B0609020204030204" pitchFamily="49" charset="0"/>
+                <a:cs typeface="Consolas" panose="020B0609020204030204" pitchFamily="49" charset="0"/>
+              </a:rPr>
+              <a:t>clone </a:t>
+            </a:r>
+            <a:r>
+              <a:rPr lang="en-US" sz="2400" dirty="0" smtClean="0">
+                <a:solidFill>
+                  <a:schemeClr val="tx1"/>
+                </a:solidFill>
+                <a:latin typeface="Consolas" panose="020B0609020204030204" pitchFamily="49" charset="0"/>
+                <a:cs typeface="Consolas" panose="020B0609020204030204" pitchFamily="49" charset="0"/>
+                <a:hlinkClick r:id="rId3"/>
+              </a:rPr>
+              <a:t>https://github.com/ICI3D/Sandbox</a:t>
+            </a:r>
+          </a:p>
+          <a:p>
+            <a:pPr marL="0" indent="0">
+              <a:buNone/>
+            </a:pPr>
+            <a:r>
+              <a:rPr lang="en-US" sz="2400" dirty="0" smtClean="0">
+                <a:solidFill>
+                  <a:srgbClr val="00B050"/>
+                </a:solidFill>
+                <a:cs typeface="Consolas" panose="020B0609020204030204" pitchFamily="49" charset="0"/>
+              </a:rPr>
+              <a:t>Local Git Repo: Sandbox </a:t>
+            </a:r>
+          </a:p>
+          <a:p>
+            <a:pPr marL="0" indent="0">
+              <a:buNone/>
+            </a:pPr>
+            <a:r>
+              <a:rPr lang="en-US" sz="2400" dirty="0">
+                <a:solidFill>
+                  <a:srgbClr val="00B050"/>
+                </a:solidFill>
+              </a:rPr>
+              <a:t>(Existing project comes with his version history)</a:t>
+            </a:r>
+            <a:endParaRPr lang="en-US" sz="2400" dirty="0" smtClean="0">
+              <a:solidFill>
+                <a:srgbClr val="00B050"/>
+              </a:solidFill>
+              <a:cs typeface="Consolas" panose="020B0609020204030204" pitchFamily="49" charset="0"/>
+            </a:endParaRPr>
+          </a:p>
+          <a:p>
+            <a:pPr marL="0" indent="0">
+              <a:buNone/>
+            </a:pPr>
+            <a:endParaRPr lang="en-US" sz="2400" dirty="0" smtClean="0">
+              <a:solidFill>
+                <a:schemeClr val="tx1"/>
+              </a:solidFill>
+              <a:latin typeface="Consolas" panose="020B0609020204030204" pitchFamily="49" charset="0"/>
+              <a:cs typeface="Consolas" panose="020B0609020204030204" pitchFamily="49" charset="0"/>
+            </a:endParaRPr>
+          </a:p>
+          <a:p>
+            <a:pPr>
+              <a:buFont typeface="Wingdings" panose="05000000000000000000" pitchFamily="2" charset="2"/>
+              <a:buChar char="v"/>
+            </a:pPr>
+            <a:r>
+              <a:rPr lang="en-US" sz="2400" dirty="0" smtClean="0">
+                <a:solidFill>
+                  <a:schemeClr val="tx2"/>
+                </a:solidFill>
+                <a:cs typeface="Consolas" panose="020B0609020204030204" pitchFamily="49" charset="0"/>
+              </a:rPr>
+              <a:t>Make a targeted empty folder similar to a git repository:</a:t>
+            </a:r>
+          </a:p>
+          <a:p>
+            <a:pPr marL="0" indent="0">
+              <a:buNone/>
+            </a:pPr>
+            <a:r>
+              <a:rPr lang="en-US" sz="2400" dirty="0" smtClean="0">
+                <a:latin typeface="Consolas" panose="020B0609020204030204" pitchFamily="49" charset="0"/>
+                <a:cs typeface="Consolas" panose="020B0609020204030204" pitchFamily="49" charset="0"/>
+              </a:rPr>
+              <a:t>git </a:t>
+            </a:r>
+            <a:r>
+              <a:rPr lang="en-US" sz="2400" dirty="0">
+                <a:latin typeface="Consolas" panose="020B0609020204030204" pitchFamily="49" charset="0"/>
+                <a:cs typeface="Consolas" panose="020B0609020204030204" pitchFamily="49" charset="0"/>
+              </a:rPr>
+              <a:t>init</a:t>
+            </a:r>
+          </a:p>
+          <a:p>
+            <a:pPr marL="0" indent="0">
+              <a:buNone/>
+            </a:pPr>
+            <a:r>
+              <a:rPr lang="en-US" sz="2400" dirty="0">
+                <a:latin typeface="Consolas" panose="020B0609020204030204" pitchFamily="49" charset="0"/>
+                <a:cs typeface="Consolas" panose="020B0609020204030204" pitchFamily="49" charset="0"/>
+              </a:rPr>
+              <a:t>git remote add origin </a:t>
+            </a:r>
+            <a:r>
+              <a:rPr lang="en-US" sz="2400" dirty="0" smtClean="0">
+                <a:solidFill>
+                  <a:schemeClr val="tx1"/>
+                </a:solidFill>
+                <a:latin typeface="Consolas" panose="020B0609020204030204" pitchFamily="49" charset="0"/>
+                <a:cs typeface="Consolas" panose="020B0609020204030204" pitchFamily="49" charset="0"/>
+                <a:hlinkClick r:id="rId3"/>
+              </a:rPr>
+              <a:t>https://github.com/ICI3D/Sandbox</a:t>
+            </a:r>
+            <a:endParaRPr lang="en-US" sz="2400" dirty="0" smtClean="0">
+              <a:solidFill>
+                <a:schemeClr val="tx1"/>
+              </a:solidFill>
+              <a:latin typeface="Consolas" panose="020B0609020204030204" pitchFamily="49" charset="0"/>
+              <a:cs typeface="Consolas" panose="020B0609020204030204" pitchFamily="49" charset="0"/>
+            </a:endParaRPr>
+          </a:p>
+          <a:p>
+            <a:pPr marL="0" indent="0">
+              <a:buNone/>
+            </a:pPr>
+            <a:r>
+              <a:rPr lang="en-US" sz="2400" dirty="0" smtClean="0">
+                <a:latin typeface="Consolas" panose="020B0609020204030204" pitchFamily="49" charset="0"/>
+                <a:cs typeface="Consolas" panose="020B0609020204030204" pitchFamily="49" charset="0"/>
+              </a:rPr>
+              <a:t>git </a:t>
+            </a:r>
+            <a:r>
+              <a:rPr lang="en-US" sz="2400" dirty="0">
+                <a:latin typeface="Consolas" panose="020B0609020204030204" pitchFamily="49" charset="0"/>
+                <a:cs typeface="Consolas" panose="020B0609020204030204" pitchFamily="49" charset="0"/>
+              </a:rPr>
+              <a:t>fetch</a:t>
+            </a:r>
+          </a:p>
+          <a:p>
+            <a:pPr marL="0" indent="0">
+              <a:buNone/>
+            </a:pPr>
+            <a:r>
+              <a:rPr lang="en-US" sz="2400" dirty="0">
+                <a:latin typeface="Consolas" panose="020B0609020204030204" pitchFamily="49" charset="0"/>
+                <a:cs typeface="Consolas" panose="020B0609020204030204" pitchFamily="49" charset="0"/>
+              </a:rPr>
+              <a:t>git checkout -t </a:t>
+            </a:r>
+            <a:r>
+              <a:rPr lang="en-US" sz="2400" dirty="0" smtClean="0">
+                <a:latin typeface="Consolas" panose="020B0609020204030204" pitchFamily="49" charset="0"/>
+                <a:cs typeface="Consolas" panose="020B0609020204030204" pitchFamily="49" charset="0"/>
+              </a:rPr>
+              <a:t>origin/master</a:t>
+            </a:r>
+          </a:p>
+          <a:p>
+            <a:pPr marL="0" indent="0">
+              <a:buNone/>
+            </a:pPr>
+            <a:r>
+              <a:rPr lang="en-US" sz="2400" dirty="0" smtClean="0">
+                <a:solidFill>
+                  <a:srgbClr val="00B050"/>
+                </a:solidFill>
+                <a:cs typeface="Consolas" panose="020B0609020204030204" pitchFamily="49" charset="0"/>
+              </a:rPr>
+              <a:t>Local Git Repo: </a:t>
+            </a:r>
+            <a:r>
+              <a:rPr lang="en-US" sz="2400" dirty="0">
+                <a:solidFill>
+                  <a:srgbClr val="00B050"/>
+                </a:solidFill>
+                <a:cs typeface="Consolas" panose="020B0609020204030204" pitchFamily="49" charset="0"/>
+              </a:rPr>
+              <a:t>T</a:t>
+            </a:r>
+            <a:r>
+              <a:rPr lang="en-US" sz="2400" dirty="0" smtClean="0">
+                <a:solidFill>
+                  <a:srgbClr val="00B050"/>
+                </a:solidFill>
+                <a:cs typeface="Consolas" panose="020B0609020204030204" pitchFamily="49" charset="0"/>
+              </a:rPr>
+              <a:t>argeted folder’s name</a:t>
+            </a:r>
+          </a:p>
+          <a:p>
+            <a:pPr marL="0" indent="0">
+              <a:buNone/>
+            </a:pPr>
+            <a:endParaRPr lang="en-US" sz="1600" dirty="0" smtClean="0">
+              <a:solidFill>
+                <a:srgbClr val="00B050"/>
+              </a:solidFill>
+              <a:cs typeface="Consolas" panose="020B0609020204030204" pitchFamily="49" charset="0"/>
+            </a:endParaRPr>
+          </a:p>
+          <a:p>
+            <a:pPr marL="0" indent="0">
+              <a:buNone/>
+            </a:pPr>
+            <a:endParaRPr lang="en-US" sz="1600" dirty="0" smtClean="0">
+              <a:solidFill>
+                <a:srgbClr val="00B050"/>
+              </a:solidFill>
+              <a:cs typeface="Consolas" panose="020B0609020204030204" pitchFamily="49" charset="0"/>
+            </a:endParaRPr>
+          </a:p>
+          <a:p>
+            <a:pPr marL="0" indent="0">
+              <a:buNone/>
+            </a:pPr>
+            <a:endParaRPr lang="en-US" sz="1600" dirty="0">
+              <a:solidFill>
+                <a:schemeClr val="tx1"/>
+              </a:solidFill>
+              <a:latin typeface="Consolas" panose="020B0609020204030204" pitchFamily="49" charset="0"/>
+              <a:cs typeface="Consolas" panose="020B0609020204030204" pitchFamily="49" charset="0"/>
             </a:endParaRPr>
           </a:p>
           <a:p>
@@ -7962,694 +7512,10 @@
           </a:p>
         </p:txBody>
       </p:sp>
-      <p:sp>
-        <p:nvSpPr>
-          <p:cNvPr id="5" name="Content Placeholder 4"/>
-          <p:cNvSpPr>
-            <a:spLocks noGrp="1"/>
-          </p:cNvSpPr>
-          <p:nvPr>
-            <p:ph sz="half" idx="2"/>
-          </p:nvPr>
-        </p:nvSpPr>
-        <p:spPr>
-          <a:xfrm>
-            <a:off x="6079831" y="1460000"/>
-            <a:ext cx="6065692" cy="4966855"/>
-          </a:xfrm>
-        </p:spPr>
-        <p:txBody>
-          <a:bodyPr>
-            <a:normAutofit lnSpcReduction="10000"/>
-          </a:bodyPr>
-          <a:lstStyle/>
-          <a:p>
-            <a:r>
-              <a:rPr lang="en-US" b="1" dirty="0" smtClean="0">
-                <a:solidFill>
-                  <a:schemeClr val="accent2">
-                    <a:lumMod val="75000"/>
-                  </a:schemeClr>
-                </a:solidFill>
-              </a:rPr>
-              <a:t>Linux</a:t>
-            </a:r>
-          </a:p>
-          <a:p>
-            <a:pPr>
-              <a:buFont typeface="Wingdings" panose="05000000000000000000" pitchFamily="2" charset="2"/>
-              <a:buChar char="v"/>
-            </a:pPr>
-            <a:r>
-              <a:rPr lang="en-US" dirty="0" smtClean="0">
-                <a:solidFill>
-                  <a:schemeClr val="tx2"/>
-                </a:solidFill>
-                <a:cs typeface="Consolas" panose="020B0609020204030204" pitchFamily="49" charset="0"/>
-              </a:rPr>
-              <a:t>Create a </a:t>
-            </a:r>
-            <a:r>
-              <a:rPr lang="en-US" dirty="0" err="1" smtClean="0">
-                <a:solidFill>
-                  <a:schemeClr val="tx2"/>
-                </a:solidFill>
-                <a:cs typeface="Consolas" panose="020B0609020204030204" pitchFamily="49" charset="0"/>
-              </a:rPr>
-              <a:t>git</a:t>
-            </a:r>
-            <a:r>
-              <a:rPr lang="en-US" dirty="0" smtClean="0">
-                <a:solidFill>
-                  <a:schemeClr val="tx2"/>
-                </a:solidFill>
-                <a:cs typeface="Consolas" panose="020B0609020204030204" pitchFamily="49" charset="0"/>
-              </a:rPr>
-              <a:t> new folder similar to online repo:</a:t>
-            </a:r>
-            <a:endParaRPr lang="en-US" dirty="0">
-              <a:solidFill>
-                <a:schemeClr val="tx2"/>
-              </a:solidFill>
-              <a:cs typeface="Consolas" panose="020B0609020204030204" pitchFamily="49" charset="0"/>
-            </a:endParaRPr>
-          </a:p>
-          <a:p>
-            <a:pPr marL="0" indent="0">
-              <a:buNone/>
-            </a:pPr>
-            <a:r>
-              <a:rPr lang="en-US" sz="1600" dirty="0" err="1" smtClean="0">
-                <a:solidFill>
-                  <a:schemeClr val="tx1"/>
-                </a:solidFill>
-                <a:latin typeface="Consolas" panose="020B0609020204030204" pitchFamily="49" charset="0"/>
-                <a:cs typeface="Consolas" panose="020B0609020204030204" pitchFamily="49" charset="0"/>
-              </a:rPr>
-              <a:t>git</a:t>
-            </a:r>
-            <a:r>
-              <a:rPr lang="en-US" sz="1600" dirty="0" smtClean="0">
-                <a:solidFill>
-                  <a:schemeClr val="tx1"/>
-                </a:solidFill>
-                <a:latin typeface="Consolas" panose="020B0609020204030204" pitchFamily="49" charset="0"/>
-                <a:cs typeface="Consolas" panose="020B0609020204030204" pitchFamily="49" charset="0"/>
-              </a:rPr>
-              <a:t> </a:t>
-            </a:r>
-            <a:r>
-              <a:rPr lang="en-US" sz="1600" dirty="0">
-                <a:solidFill>
-                  <a:schemeClr val="tx1"/>
-                </a:solidFill>
-                <a:latin typeface="Consolas" panose="020B0609020204030204" pitchFamily="49" charset="0"/>
-                <a:cs typeface="Consolas" panose="020B0609020204030204" pitchFamily="49" charset="0"/>
-              </a:rPr>
-              <a:t>clone </a:t>
-            </a:r>
-            <a:r>
-              <a:rPr lang="en-US" sz="1600" dirty="0" smtClean="0">
-                <a:solidFill>
-                  <a:schemeClr val="tx1"/>
-                </a:solidFill>
-                <a:latin typeface="Consolas" panose="020B0609020204030204" pitchFamily="49" charset="0"/>
-                <a:cs typeface="Consolas" panose="020B0609020204030204" pitchFamily="49" charset="0"/>
-                <a:hlinkClick r:id="rId4"/>
-              </a:rPr>
-              <a:t>https</a:t>
-            </a:r>
-            <a:r>
-              <a:rPr lang="en-US" sz="1600" dirty="0">
-                <a:solidFill>
-                  <a:schemeClr val="tx1"/>
-                </a:solidFill>
-                <a:latin typeface="Consolas" panose="020B0609020204030204" pitchFamily="49" charset="0"/>
-                <a:cs typeface="Consolas" panose="020B0609020204030204" pitchFamily="49" charset="0"/>
-                <a:hlinkClick r:id="rId4"/>
-              </a:rPr>
-              <a:t>://</a:t>
-            </a:r>
-            <a:r>
-              <a:rPr lang="en-US" sz="1600" dirty="0" smtClean="0">
-                <a:solidFill>
-                  <a:schemeClr val="tx1"/>
-                </a:solidFill>
-                <a:latin typeface="Consolas" panose="020B0609020204030204" pitchFamily="49" charset="0"/>
-                <a:cs typeface="Consolas" panose="020B0609020204030204" pitchFamily="49" charset="0"/>
-                <a:hlinkClick r:id="rId4"/>
-              </a:rPr>
-              <a:t>github.com/EvaLiliane/MyRepo.git</a:t>
-            </a:r>
-            <a:endParaRPr lang="en-US" sz="1600" dirty="0" smtClean="0">
-              <a:solidFill>
-                <a:schemeClr val="tx1"/>
-              </a:solidFill>
-              <a:latin typeface="Consolas" panose="020B0609020204030204" pitchFamily="49" charset="0"/>
-              <a:cs typeface="Consolas" panose="020B0609020204030204" pitchFamily="49" charset="0"/>
-            </a:endParaRPr>
-          </a:p>
-          <a:p>
-            <a:pPr marL="0" indent="0">
-              <a:buNone/>
-            </a:pPr>
-            <a:r>
-              <a:rPr lang="en-US" sz="1600" dirty="0" smtClean="0">
-                <a:solidFill>
-                  <a:srgbClr val="00B050"/>
-                </a:solidFill>
-                <a:cs typeface="Consolas" panose="020B0609020204030204" pitchFamily="49" charset="0"/>
-              </a:rPr>
-              <a:t>Local </a:t>
-            </a:r>
-            <a:r>
-              <a:rPr lang="en-US" sz="1600" dirty="0" err="1" smtClean="0">
-                <a:solidFill>
-                  <a:srgbClr val="00B050"/>
-                </a:solidFill>
-                <a:cs typeface="Consolas" panose="020B0609020204030204" pitchFamily="49" charset="0"/>
-              </a:rPr>
-              <a:t>Git</a:t>
-            </a:r>
-            <a:r>
-              <a:rPr lang="en-US" sz="1600" dirty="0" smtClean="0">
-                <a:solidFill>
-                  <a:srgbClr val="00B050"/>
-                </a:solidFill>
-                <a:cs typeface="Consolas" panose="020B0609020204030204" pitchFamily="49" charset="0"/>
-              </a:rPr>
-              <a:t> Repo: </a:t>
-            </a:r>
-            <a:r>
-              <a:rPr lang="en-US" sz="1600" dirty="0" err="1" smtClean="0">
-                <a:solidFill>
-                  <a:srgbClr val="00B050"/>
-                </a:solidFill>
-                <a:cs typeface="Consolas" panose="020B0609020204030204" pitchFamily="49" charset="0"/>
-              </a:rPr>
-              <a:t>MyRepo</a:t>
-            </a:r>
-            <a:r>
-              <a:rPr lang="en-US" sz="1600" dirty="0" smtClean="0">
-                <a:solidFill>
-                  <a:srgbClr val="00B050"/>
-                </a:solidFill>
-                <a:cs typeface="Consolas" panose="020B0609020204030204" pitchFamily="49" charset="0"/>
-              </a:rPr>
-              <a:t> </a:t>
-            </a:r>
-          </a:p>
-          <a:p>
-            <a:pPr marL="0" indent="0">
-              <a:buNone/>
-            </a:pPr>
-            <a:r>
-              <a:rPr lang="en-US" sz="1600" dirty="0">
-                <a:solidFill>
-                  <a:srgbClr val="00B050"/>
-                </a:solidFill>
-              </a:rPr>
-              <a:t>(Existing project comes with his version history)</a:t>
-            </a:r>
-            <a:endParaRPr lang="en-US" sz="1600" dirty="0" smtClean="0">
-              <a:solidFill>
-                <a:srgbClr val="00B050"/>
-              </a:solidFill>
-              <a:cs typeface="Consolas" panose="020B0609020204030204" pitchFamily="49" charset="0"/>
-            </a:endParaRPr>
-          </a:p>
-          <a:p>
-            <a:pPr marL="0" indent="0">
-              <a:buNone/>
-            </a:pPr>
-            <a:endParaRPr lang="en-US" sz="1600" dirty="0" smtClean="0">
-              <a:solidFill>
-                <a:schemeClr val="tx1"/>
-              </a:solidFill>
-              <a:latin typeface="Consolas" panose="020B0609020204030204" pitchFamily="49" charset="0"/>
-              <a:cs typeface="Consolas" panose="020B0609020204030204" pitchFamily="49" charset="0"/>
-            </a:endParaRPr>
-          </a:p>
-          <a:p>
-            <a:pPr>
-              <a:buFont typeface="Wingdings" panose="05000000000000000000" pitchFamily="2" charset="2"/>
-              <a:buChar char="v"/>
-            </a:pPr>
-            <a:r>
-              <a:rPr lang="en-US" dirty="0" smtClean="0">
-                <a:solidFill>
-                  <a:schemeClr val="tx2"/>
-                </a:solidFill>
-                <a:cs typeface="Consolas" panose="020B0609020204030204" pitchFamily="49" charset="0"/>
-              </a:rPr>
-              <a:t>Make a targeted empty folder similar to a </a:t>
-            </a:r>
-            <a:r>
-              <a:rPr lang="en-US" dirty="0" err="1" smtClean="0">
-                <a:solidFill>
-                  <a:schemeClr val="tx2"/>
-                </a:solidFill>
-                <a:cs typeface="Consolas" panose="020B0609020204030204" pitchFamily="49" charset="0"/>
-              </a:rPr>
-              <a:t>git</a:t>
-            </a:r>
-            <a:r>
-              <a:rPr lang="en-US" dirty="0" smtClean="0">
-                <a:solidFill>
-                  <a:schemeClr val="tx2"/>
-                </a:solidFill>
-                <a:cs typeface="Consolas" panose="020B0609020204030204" pitchFamily="49" charset="0"/>
-              </a:rPr>
-              <a:t> repo:</a:t>
-            </a:r>
-          </a:p>
-          <a:p>
-            <a:pPr marL="0" indent="0">
-              <a:buNone/>
-            </a:pPr>
-            <a:r>
-              <a:rPr lang="en-US" sz="1600" dirty="0" err="1" smtClean="0">
-                <a:latin typeface="Consolas" panose="020B0609020204030204" pitchFamily="49" charset="0"/>
-                <a:cs typeface="Consolas" panose="020B0609020204030204" pitchFamily="49" charset="0"/>
-              </a:rPr>
-              <a:t>git</a:t>
-            </a:r>
-            <a:r>
-              <a:rPr lang="en-US" sz="1600" dirty="0" smtClean="0">
-                <a:latin typeface="Consolas" panose="020B0609020204030204" pitchFamily="49" charset="0"/>
-                <a:cs typeface="Consolas" panose="020B0609020204030204" pitchFamily="49" charset="0"/>
-              </a:rPr>
-              <a:t> </a:t>
-            </a:r>
-            <a:r>
-              <a:rPr lang="en-US" sz="1600" dirty="0" err="1">
-                <a:latin typeface="Consolas" panose="020B0609020204030204" pitchFamily="49" charset="0"/>
-                <a:cs typeface="Consolas" panose="020B0609020204030204" pitchFamily="49" charset="0"/>
-              </a:rPr>
-              <a:t>init</a:t>
-            </a:r>
-            <a:endParaRPr lang="en-US" sz="1600" dirty="0">
-              <a:latin typeface="Consolas" panose="020B0609020204030204" pitchFamily="49" charset="0"/>
-              <a:cs typeface="Consolas" panose="020B0609020204030204" pitchFamily="49" charset="0"/>
-            </a:endParaRPr>
-          </a:p>
-          <a:p>
-            <a:pPr marL="0" indent="0">
-              <a:buNone/>
-            </a:pPr>
-            <a:r>
-              <a:rPr lang="en-US" sz="1600" dirty="0" err="1">
-                <a:latin typeface="Consolas" panose="020B0609020204030204" pitchFamily="49" charset="0"/>
-                <a:cs typeface="Consolas" panose="020B0609020204030204" pitchFamily="49" charset="0"/>
-              </a:rPr>
-              <a:t>git</a:t>
-            </a:r>
-            <a:r>
-              <a:rPr lang="en-US" sz="1600" dirty="0">
-                <a:latin typeface="Consolas" panose="020B0609020204030204" pitchFamily="49" charset="0"/>
-                <a:cs typeface="Consolas" panose="020B0609020204030204" pitchFamily="49" charset="0"/>
-              </a:rPr>
-              <a:t> remote add origin </a:t>
-            </a:r>
-            <a:r>
-              <a:rPr lang="en-US" sz="1600" dirty="0">
-                <a:solidFill>
-                  <a:schemeClr val="tx1"/>
-                </a:solidFill>
-                <a:latin typeface="Consolas" panose="020B0609020204030204" pitchFamily="49" charset="0"/>
-                <a:cs typeface="Consolas" panose="020B0609020204030204" pitchFamily="49" charset="0"/>
-                <a:hlinkClick r:id="rId4"/>
-              </a:rPr>
-              <a:t>https://github.com/EvaLiliane/MyRepo.git </a:t>
-            </a:r>
-            <a:endParaRPr lang="en-US" sz="1600" dirty="0" smtClean="0">
-              <a:solidFill>
-                <a:schemeClr val="tx1"/>
-              </a:solidFill>
-              <a:latin typeface="Consolas" panose="020B0609020204030204" pitchFamily="49" charset="0"/>
-              <a:cs typeface="Consolas" panose="020B0609020204030204" pitchFamily="49" charset="0"/>
-            </a:endParaRPr>
-          </a:p>
-          <a:p>
-            <a:pPr marL="0" indent="0">
-              <a:buNone/>
-            </a:pPr>
-            <a:r>
-              <a:rPr lang="en-US" sz="1600" dirty="0" err="1" smtClean="0">
-                <a:latin typeface="Consolas" panose="020B0609020204030204" pitchFamily="49" charset="0"/>
-                <a:cs typeface="Consolas" panose="020B0609020204030204" pitchFamily="49" charset="0"/>
-              </a:rPr>
-              <a:t>git</a:t>
-            </a:r>
-            <a:r>
-              <a:rPr lang="en-US" sz="1600" dirty="0" smtClean="0">
-                <a:latin typeface="Consolas" panose="020B0609020204030204" pitchFamily="49" charset="0"/>
-                <a:cs typeface="Consolas" panose="020B0609020204030204" pitchFamily="49" charset="0"/>
-              </a:rPr>
-              <a:t> </a:t>
-            </a:r>
-            <a:r>
-              <a:rPr lang="en-US" sz="1600" dirty="0">
-                <a:latin typeface="Consolas" panose="020B0609020204030204" pitchFamily="49" charset="0"/>
-                <a:cs typeface="Consolas" panose="020B0609020204030204" pitchFamily="49" charset="0"/>
-              </a:rPr>
-              <a:t>fetch</a:t>
-            </a:r>
-          </a:p>
-          <a:p>
-            <a:pPr marL="0" indent="0">
-              <a:buNone/>
-            </a:pPr>
-            <a:r>
-              <a:rPr lang="en-US" sz="1600" dirty="0" err="1">
-                <a:latin typeface="Consolas" panose="020B0609020204030204" pitchFamily="49" charset="0"/>
-                <a:cs typeface="Consolas" panose="020B0609020204030204" pitchFamily="49" charset="0"/>
-              </a:rPr>
-              <a:t>git</a:t>
-            </a:r>
-            <a:r>
-              <a:rPr lang="en-US" sz="1600" dirty="0">
-                <a:latin typeface="Consolas" panose="020B0609020204030204" pitchFamily="49" charset="0"/>
-                <a:cs typeface="Consolas" panose="020B0609020204030204" pitchFamily="49" charset="0"/>
-              </a:rPr>
-              <a:t> checkout -t </a:t>
-            </a:r>
-            <a:r>
-              <a:rPr lang="en-US" sz="1600" dirty="0" smtClean="0">
-                <a:latin typeface="Consolas" panose="020B0609020204030204" pitchFamily="49" charset="0"/>
-                <a:cs typeface="Consolas" panose="020B0609020204030204" pitchFamily="49" charset="0"/>
-              </a:rPr>
-              <a:t>origin/master</a:t>
-            </a:r>
-          </a:p>
-          <a:p>
-            <a:pPr marL="0" indent="0">
-              <a:buNone/>
-            </a:pPr>
-            <a:r>
-              <a:rPr lang="en-US" sz="1600" dirty="0" smtClean="0">
-                <a:solidFill>
-                  <a:srgbClr val="00B050"/>
-                </a:solidFill>
-                <a:cs typeface="Consolas" panose="020B0609020204030204" pitchFamily="49" charset="0"/>
-              </a:rPr>
-              <a:t>Local </a:t>
-            </a:r>
-            <a:r>
-              <a:rPr lang="en-US" sz="1600" dirty="0" err="1" smtClean="0">
-                <a:solidFill>
-                  <a:srgbClr val="00B050"/>
-                </a:solidFill>
-                <a:cs typeface="Consolas" panose="020B0609020204030204" pitchFamily="49" charset="0"/>
-              </a:rPr>
-              <a:t>Git</a:t>
-            </a:r>
-            <a:r>
-              <a:rPr lang="en-US" sz="1600" dirty="0" smtClean="0">
-                <a:solidFill>
-                  <a:srgbClr val="00B050"/>
-                </a:solidFill>
-                <a:cs typeface="Consolas" panose="020B0609020204030204" pitchFamily="49" charset="0"/>
-              </a:rPr>
-              <a:t> Repo: </a:t>
-            </a:r>
-            <a:r>
-              <a:rPr lang="en-US" sz="1600" dirty="0">
-                <a:solidFill>
-                  <a:srgbClr val="00B050"/>
-                </a:solidFill>
-                <a:cs typeface="Consolas" panose="020B0609020204030204" pitchFamily="49" charset="0"/>
-              </a:rPr>
-              <a:t>T</a:t>
-            </a:r>
-            <a:r>
-              <a:rPr lang="en-US" sz="1600" dirty="0" smtClean="0">
-                <a:solidFill>
-                  <a:srgbClr val="00B050"/>
-                </a:solidFill>
-                <a:cs typeface="Consolas" panose="020B0609020204030204" pitchFamily="49" charset="0"/>
-              </a:rPr>
-              <a:t>argeted folder’s name</a:t>
-            </a:r>
-          </a:p>
-          <a:p>
-            <a:pPr marL="0" indent="0">
-              <a:buNone/>
-            </a:pPr>
-            <a:r>
-              <a:rPr lang="en-US" sz="1600" dirty="0" smtClean="0">
-                <a:solidFill>
-                  <a:srgbClr val="00B050"/>
-                </a:solidFill>
-              </a:rPr>
-              <a:t>(Not sure whether the entire </a:t>
-            </a:r>
-            <a:r>
-              <a:rPr lang="en-US" sz="1600" dirty="0">
-                <a:solidFill>
-                  <a:srgbClr val="00B050"/>
-                </a:solidFill>
-              </a:rPr>
-              <a:t>version </a:t>
-            </a:r>
-            <a:r>
-              <a:rPr lang="en-US" sz="1600" dirty="0" smtClean="0">
-                <a:solidFill>
-                  <a:srgbClr val="00B050"/>
-                </a:solidFill>
-              </a:rPr>
-              <a:t>history get downloaded)</a:t>
-            </a:r>
-            <a:endParaRPr lang="en-US" sz="1600" dirty="0">
-              <a:solidFill>
-                <a:srgbClr val="00B050"/>
-              </a:solidFill>
-              <a:cs typeface="Consolas" panose="020B0609020204030204" pitchFamily="49" charset="0"/>
-            </a:endParaRPr>
-          </a:p>
-          <a:p>
-            <a:pPr marL="0" indent="0">
-              <a:buNone/>
-            </a:pPr>
-            <a:endParaRPr lang="en-US" sz="1600" dirty="0" smtClean="0">
-              <a:solidFill>
-                <a:srgbClr val="00B050"/>
-              </a:solidFill>
-              <a:cs typeface="Consolas" panose="020B0609020204030204" pitchFamily="49" charset="0"/>
-            </a:endParaRPr>
-          </a:p>
-          <a:p>
-            <a:pPr marL="0" indent="0">
-              <a:buNone/>
-            </a:pPr>
-            <a:endParaRPr lang="en-US" sz="1600" dirty="0" smtClean="0">
-              <a:solidFill>
-                <a:srgbClr val="00B050"/>
-              </a:solidFill>
-              <a:cs typeface="Consolas" panose="020B0609020204030204" pitchFamily="49" charset="0"/>
-            </a:endParaRPr>
-          </a:p>
-          <a:p>
-            <a:pPr marL="0" indent="0">
-              <a:buNone/>
-            </a:pPr>
-            <a:endParaRPr lang="en-US" sz="1600" dirty="0">
-              <a:solidFill>
-                <a:schemeClr val="tx1"/>
-              </a:solidFill>
-              <a:latin typeface="Consolas" panose="020B0609020204030204" pitchFamily="49" charset="0"/>
-              <a:cs typeface="Consolas" panose="020B0609020204030204" pitchFamily="49" charset="0"/>
-            </a:endParaRPr>
-          </a:p>
-          <a:p>
-            <a:pPr marL="0" indent="0">
-              <a:buNone/>
-            </a:pPr>
-            <a:endParaRPr lang="en-US" dirty="0">
-              <a:solidFill>
-                <a:schemeClr val="accent2">
-                  <a:lumMod val="75000"/>
-                </a:schemeClr>
-              </a:solidFill>
-            </a:endParaRPr>
-          </a:p>
-        </p:txBody>
-      </p:sp>
-      <p:sp>
-        <p:nvSpPr>
-          <p:cNvPr id="7" name="Rounded Rectangular Callout 6"/>
-          <p:cNvSpPr/>
-          <p:nvPr/>
-        </p:nvSpPr>
-        <p:spPr>
-          <a:xfrm>
-            <a:off x="262210" y="3737653"/>
-            <a:ext cx="922646" cy="612648"/>
-          </a:xfrm>
-          <a:prstGeom prst="wedgeRoundRectCallout">
-            <a:avLst>
-              <a:gd name="adj1" fmla="val -48009"/>
-              <a:gd name="adj2" fmla="val -257029"/>
-              <a:gd name="adj3" fmla="val 16667"/>
-            </a:avLst>
-          </a:prstGeom>
-          <a:noFill/>
-        </p:spPr>
-        <p:style>
-          <a:lnRef idx="2">
-            <a:schemeClr val="accent1">
-              <a:shade val="50000"/>
-            </a:schemeClr>
-          </a:lnRef>
-          <a:fillRef idx="1">
-            <a:schemeClr val="accent1"/>
-          </a:fillRef>
-          <a:effectRef idx="0">
-            <a:schemeClr val="accent1"/>
-          </a:effectRef>
-          <a:fontRef idx="minor">
-            <a:schemeClr val="lt1"/>
-          </a:fontRef>
-        </p:style>
-        <p:txBody>
-          <a:bodyPr rtlCol="0" anchor="ctr"/>
-          <a:lstStyle/>
-          <a:p>
-            <a:pPr algn="ctr"/>
-            <a:r>
-              <a:rPr lang="en-US" dirty="0" smtClean="0">
-                <a:solidFill>
-                  <a:schemeClr val="tx1"/>
-                </a:solidFill>
-              </a:rPr>
-              <a:t>Step 1</a:t>
-            </a:r>
-            <a:endParaRPr lang="en-US" dirty="0">
-              <a:solidFill>
-                <a:schemeClr val="tx1"/>
-              </a:solidFill>
-            </a:endParaRPr>
-          </a:p>
-        </p:txBody>
-      </p:sp>
-      <p:sp>
-        <p:nvSpPr>
-          <p:cNvPr id="9" name="Rounded Rectangular Callout 8"/>
-          <p:cNvSpPr/>
-          <p:nvPr/>
-        </p:nvSpPr>
-        <p:spPr>
-          <a:xfrm>
-            <a:off x="2932271" y="5203702"/>
-            <a:ext cx="922646" cy="612648"/>
-          </a:xfrm>
-          <a:prstGeom prst="wedgeRoundRectCallout">
-            <a:avLst>
-              <a:gd name="adj1" fmla="val 243726"/>
-              <a:gd name="adj2" fmla="val -311685"/>
-              <a:gd name="adj3" fmla="val 16667"/>
-            </a:avLst>
-          </a:prstGeom>
-          <a:noFill/>
-        </p:spPr>
-        <p:style>
-          <a:lnRef idx="2">
-            <a:schemeClr val="accent1">
-              <a:shade val="50000"/>
-            </a:schemeClr>
-          </a:lnRef>
-          <a:fillRef idx="1">
-            <a:schemeClr val="accent1"/>
-          </a:fillRef>
-          <a:effectRef idx="0">
-            <a:schemeClr val="accent1"/>
-          </a:effectRef>
-          <a:fontRef idx="minor">
-            <a:schemeClr val="lt1"/>
-          </a:fontRef>
-        </p:style>
-        <p:txBody>
-          <a:bodyPr rtlCol="0" anchor="ctr"/>
-          <a:lstStyle/>
-          <a:p>
-            <a:pPr algn="ctr"/>
-            <a:r>
-              <a:rPr lang="en-US" dirty="0" smtClean="0">
-                <a:solidFill>
-                  <a:schemeClr val="tx1"/>
-                </a:solidFill>
-              </a:rPr>
-              <a:t>Step 2</a:t>
-            </a:r>
-            <a:endParaRPr lang="en-US" dirty="0">
-              <a:solidFill>
-                <a:schemeClr val="tx1"/>
-              </a:solidFill>
-            </a:endParaRPr>
-          </a:p>
-        </p:txBody>
-      </p:sp>
-      <p:sp>
-        <p:nvSpPr>
-          <p:cNvPr id="10" name="Rounded Rectangular Callout 9"/>
-          <p:cNvSpPr/>
-          <p:nvPr/>
-        </p:nvSpPr>
-        <p:spPr>
-          <a:xfrm>
-            <a:off x="4870700" y="5203702"/>
-            <a:ext cx="922646" cy="612648"/>
-          </a:xfrm>
-          <a:prstGeom prst="wedgeRoundRectCallout">
-            <a:avLst>
-              <a:gd name="adj1" fmla="val 37139"/>
-              <a:gd name="adj2" fmla="val -267540"/>
-              <a:gd name="adj3" fmla="val 16667"/>
-            </a:avLst>
-          </a:prstGeom>
-          <a:noFill/>
-        </p:spPr>
-        <p:style>
-          <a:lnRef idx="2">
-            <a:schemeClr val="accent1">
-              <a:shade val="50000"/>
-            </a:schemeClr>
-          </a:lnRef>
-          <a:fillRef idx="1">
-            <a:schemeClr val="accent1"/>
-          </a:fillRef>
-          <a:effectRef idx="0">
-            <a:schemeClr val="accent1"/>
-          </a:effectRef>
-          <a:fontRef idx="minor">
-            <a:schemeClr val="lt1"/>
-          </a:fontRef>
-        </p:style>
-        <p:txBody>
-          <a:bodyPr rtlCol="0" anchor="ctr"/>
-          <a:lstStyle/>
-          <a:p>
-            <a:pPr algn="ctr"/>
-            <a:r>
-              <a:rPr lang="en-US" dirty="0" smtClean="0">
-                <a:solidFill>
-                  <a:schemeClr val="tx1"/>
-                </a:solidFill>
-              </a:rPr>
-              <a:t>Step 3</a:t>
-            </a:r>
-            <a:endParaRPr lang="en-US" dirty="0">
-              <a:solidFill>
-                <a:schemeClr val="tx1"/>
-              </a:solidFill>
-            </a:endParaRPr>
-          </a:p>
-        </p:txBody>
-      </p:sp>
     </p:spTree>
     <p:extLst>
       <p:ext uri="{BB962C8B-B14F-4D97-AF65-F5344CB8AC3E}">
-        <p14:creationId xmlns="" xmlns:a="http://schemas.openxmlformats.org/drawingml/2006/main" xmlns:r="http://schemas.openxmlformats.org/officeDocument/2006/relationships" xmlns:p="http://schemas.openxmlformats.org/presentationml/2006/main" xmlns:p14="http://schemas.microsoft.com/office/powerpoint/2010/main" xmlns:mv="urn:schemas-microsoft-com:mac:vml" xmlns:mc="http://schemas.openxmlformats.org/markup-compatibility/2006" val="3276086069"/>
+        <p14:creationId xmlns:mc="http://schemas.openxmlformats.org/markup-compatibility/2006" xmlns:mv="urn:schemas-microsoft-com:mac:vml" xmlns:p14="http://schemas.microsoft.com/office/powerpoint/2010/main" xmlns:p="http://schemas.openxmlformats.org/presentationml/2006/main" xmlns:r="http://schemas.openxmlformats.org/officeDocument/2006/relationships" xmlns:a="http://schemas.openxmlformats.org/drawingml/2006/main" xmlns="" val="3276086069"/>
       </p:ext>
     </p:extLst>
   </p:cSld>
@@ -8690,13 +7556,13 @@
             <a:spLocks noGrp="1"/>
           </p:cNvSpPr>
           <p:nvPr>
-            <p:ph type="title"/>
+            <p:ph type="title" idx="4294967295"/>
           </p:nvPr>
         </p:nvSpPr>
         <p:spPr>
           <a:xfrm>
-            <a:off x="677334" y="609600"/>
-            <a:ext cx="8596668" cy="827375"/>
+            <a:off x="323709" y="318096"/>
+            <a:ext cx="8596313" cy="830262"/>
           </a:xfrm>
         </p:spPr>
         <p:txBody>
@@ -8704,12 +7570,8 @@
           <a:lstStyle/>
           <a:p>
             <a:r>
-              <a:rPr lang="en-US" dirty="0"/>
-              <a:t>A</a:t>
-            </a:r>
-            <a:r>
               <a:rPr lang="en-US" dirty="0" smtClean="0"/>
-              <a:t>fter cloning …</a:t>
+              <a:t>Commit</a:t>
             </a:r>
             <a:endParaRPr lang="en-US" dirty="0"/>
           </a:p>
@@ -8722,70 +7584,95 @@
             <a:spLocks noGrp="1"/>
           </p:cNvSpPr>
           <p:nvPr>
-            <p:ph sz="half" idx="1"/>
-          </p:nvPr>
-        </p:nvSpPr>
-        <p:spPr/>
+            <p:ph sz="half" idx="4294967295"/>
+          </p:nvPr>
+        </p:nvSpPr>
+        <p:spPr>
+          <a:xfrm>
+            <a:off x="398411" y="1087238"/>
+            <a:ext cx="10557892" cy="5313362"/>
+          </a:xfrm>
+        </p:spPr>
         <p:txBody>
           <a:bodyPr>
-            <a:normAutofit lnSpcReduction="10000"/>
+            <a:normAutofit/>
           </a:bodyPr>
           <a:lstStyle/>
           <a:p>
-            <a:endParaRPr lang="en-US" dirty="0"/>
-          </a:p>
-        </p:txBody>
-      </p:sp>
-      <p:sp>
-        <p:nvSpPr>
-          <p:cNvPr id="4" name="Content Placeholder 3"/>
-          <p:cNvSpPr>
-            <a:spLocks noGrp="1"/>
-          </p:cNvSpPr>
-          <p:nvPr>
-            <p:ph sz="half" idx="2"/>
-          </p:nvPr>
-        </p:nvSpPr>
-        <p:spPr>
-          <a:xfrm>
-            <a:off x="7324139" y="1065358"/>
-            <a:ext cx="4184034" cy="4987362"/>
-          </a:xfrm>
-        </p:spPr>
-        <p:txBody>
-          <a:bodyPr>
-            <a:normAutofit lnSpcReduction="10000"/>
-          </a:bodyPr>
-          <a:lstStyle/>
-          <a:p>
             <a:pPr marL="0" indent="0">
               <a:buNone/>
             </a:pPr>
             <a:r>
-              <a:rPr lang="en-US" dirty="0" smtClean="0"/>
-              <a:t>Click on</a:t>
-            </a:r>
-            <a:r>
-              <a:rPr lang="en-US" dirty="0"/>
-              <a:t>:</a:t>
-            </a:r>
-            <a:endParaRPr lang="en-US" dirty="0" smtClean="0"/>
+              <a:rPr lang="en-US" sz="2400" dirty="0">
+                <a:solidFill>
+                  <a:schemeClr val="tx2"/>
+                </a:solidFill>
+                <a:latin typeface="Consolas" panose="020B0609020204030204" pitchFamily="49" charset="0"/>
+                <a:cs typeface="Consolas" panose="020B0609020204030204" pitchFamily="49" charset="0"/>
+              </a:rPr>
+              <a:t>git commit –</a:t>
+            </a:r>
+            <a:r>
+              <a:rPr lang="en-US" sz="2400" dirty="0" smtClean="0">
+                <a:solidFill>
+                  <a:schemeClr val="tx2"/>
+                </a:solidFill>
+                <a:latin typeface="Consolas" panose="020B0609020204030204" pitchFamily="49" charset="0"/>
+                <a:cs typeface="Consolas" panose="020B0609020204030204" pitchFamily="49" charset="0"/>
+              </a:rPr>
+              <a:t>a </a:t>
+            </a:r>
           </a:p>
           <a:p>
             <a:pPr marL="0" indent="0">
               <a:buNone/>
             </a:pPr>
             <a:r>
-              <a:rPr lang="en-US" b="1" dirty="0" err="1">
-                <a:solidFill>
-                  <a:schemeClr val="accent2">
-                    <a:lumMod val="75000"/>
-                  </a:schemeClr>
-                </a:solidFill>
+              <a:rPr lang="en-US" sz="2400" dirty="0" smtClean="0">
+                <a:solidFill>
+                  <a:schemeClr val="tx2"/>
+                </a:solidFill>
+                <a:latin typeface="Consolas" panose="020B0609020204030204" pitchFamily="49" charset="0"/>
+                <a:cs typeface="Consolas" panose="020B0609020204030204" pitchFamily="49" charset="0"/>
               </a:rPr>
-              <a:t>SmartGit</a:t>
-            </a:r>
-            <a:endParaRPr lang="en-US" b="1" dirty="0">
+              <a:t>(Stage changes)</a:t>
+            </a:r>
+          </a:p>
+          <a:p>
+            <a:pPr marL="0" indent="0">
+              <a:buNone/>
+            </a:pPr>
+            <a:r>
+              <a:rPr lang="en-US" sz="2400" dirty="0" smtClean="0">
+                <a:solidFill>
+                  <a:schemeClr val="tx2"/>
+                </a:solidFill>
+                <a:latin typeface="Consolas" panose="020B0609020204030204" pitchFamily="49" charset="0"/>
+                <a:cs typeface="Consolas" panose="020B0609020204030204" pitchFamily="49" charset="0"/>
+              </a:rPr>
+              <a:t>git commit –m “</a:t>
+            </a:r>
+            <a:r>
+              <a:rPr lang="en-US" sz="2400" i="1" dirty="0" smtClean="0">
+                <a:solidFill>
+                  <a:schemeClr val="tx2"/>
+                </a:solidFill>
+                <a:latin typeface="Consolas" panose="020B0609020204030204" pitchFamily="49" charset="0"/>
+                <a:cs typeface="Consolas" panose="020B0609020204030204" pitchFamily="49" charset="0"/>
+              </a:rPr>
+              <a:t>Your commit message here</a:t>
+            </a:r>
+            <a:r>
+              <a:rPr lang="en-US" sz="2400" dirty="0" smtClean="0">
+                <a:solidFill>
+                  <a:schemeClr val="tx2"/>
+                </a:solidFill>
+                <a:latin typeface="Consolas" panose="020B0609020204030204" pitchFamily="49" charset="0"/>
+                <a:cs typeface="Consolas" panose="020B0609020204030204" pitchFamily="49" charset="0"/>
+              </a:rPr>
+              <a:t>”</a:t>
+            </a:r>
+            <a:endParaRPr lang="en-US" sz="2400" dirty="0">
               <a:solidFill>
                 <a:schemeClr val="accent2">
                   <a:lumMod val="75000"/>
@@ -8794,256 +7681,202 @@
             </a:endParaRPr>
           </a:p>
           <a:p>
-            <a:pPr>
-              <a:buFont typeface="Wingdings" panose="05000000000000000000" pitchFamily="2" charset="2"/>
-              <a:buChar char="Ø"/>
+            <a:pPr marL="0" indent="0">
+              <a:buNone/>
             </a:pPr>
-            <a:r>
-              <a:rPr lang="en-US" sz="1600" b="1" dirty="0" smtClean="0"/>
-              <a:t>Branches</a:t>
-            </a:r>
-            <a:r>
-              <a:rPr lang="en-US" sz="1600" dirty="0" smtClean="0"/>
-              <a:t>: You find local branches. </a:t>
-            </a:r>
-          </a:p>
-          <a:p>
-            <a:pPr marL="0" indent="0">
-              <a:buNone/>
-            </a:pPr>
-            <a:r>
-              <a:rPr lang="en-US" sz="1600" dirty="0" smtClean="0">
-                <a:solidFill>
-                  <a:srgbClr val="00B050"/>
-                </a:solidFill>
-              </a:rPr>
-              <a:t>Note that </a:t>
-            </a:r>
-            <a:r>
-              <a:rPr lang="en-US" sz="1600" dirty="0">
-                <a:solidFill>
-                  <a:srgbClr val="00B050"/>
-                </a:solidFill>
-              </a:rPr>
-              <a:t>a</a:t>
-            </a:r>
-            <a:r>
-              <a:rPr lang="en-US" sz="1600" dirty="0" smtClean="0">
-                <a:solidFill>
-                  <a:srgbClr val="00B050"/>
-                </a:solidFill>
-              </a:rPr>
-              <a:t>ny commits made on these local branches will  be kept locally</a:t>
-            </a:r>
-          </a:p>
-          <a:p>
-            <a:pPr>
-              <a:buFont typeface="Wingdings" panose="05000000000000000000" pitchFamily="2" charset="2"/>
-              <a:buChar char="Ø"/>
-            </a:pPr>
-            <a:r>
-              <a:rPr lang="en-US" sz="1600" b="1" dirty="0" smtClean="0"/>
-              <a:t>Remotes</a:t>
-            </a:r>
-            <a:r>
-              <a:rPr lang="en-US" sz="1600" dirty="0" smtClean="0"/>
-              <a:t>: Origin—copy of remote repository at GitHub.com</a:t>
-            </a:r>
-          </a:p>
-          <a:p>
-            <a:pPr>
-              <a:buFont typeface="Wingdings" panose="05000000000000000000" pitchFamily="2" charset="2"/>
-              <a:buChar char="Ø"/>
-            </a:pPr>
-            <a:r>
-              <a:rPr lang="en-US" sz="1600" b="1" dirty="0" smtClean="0"/>
-              <a:t>Clean</a:t>
-            </a:r>
-            <a:r>
-              <a:rPr lang="en-US" sz="1600" dirty="0" smtClean="0"/>
-              <a:t>: Bottom right—shows whether you have uncommitted changes </a:t>
-            </a:r>
-          </a:p>
-          <a:p>
-            <a:pPr marL="0" indent="0">
-              <a:buNone/>
-            </a:pPr>
-            <a:r>
-              <a:rPr lang="en-US" b="1" dirty="0" smtClean="0">
-                <a:solidFill>
-                  <a:schemeClr val="accent2">
-                    <a:lumMod val="75000"/>
-                  </a:schemeClr>
-                </a:solidFill>
-              </a:rPr>
-              <a:t>Linux</a:t>
-            </a:r>
-          </a:p>
-          <a:p>
-            <a:pPr marL="0" indent="0">
-              <a:buNone/>
-            </a:pPr>
-            <a:r>
-              <a:rPr lang="en-US" sz="1600" dirty="0" err="1" smtClean="0">
-                <a:solidFill>
-                  <a:schemeClr val="tx1"/>
-                </a:solidFill>
-                <a:latin typeface="Consolas" panose="020B0609020204030204" pitchFamily="49" charset="0"/>
-                <a:cs typeface="Consolas" panose="020B0609020204030204" pitchFamily="49" charset="0"/>
-              </a:rPr>
-              <a:t>git</a:t>
-            </a:r>
-            <a:r>
-              <a:rPr lang="en-US" sz="1600" dirty="0" smtClean="0">
-                <a:solidFill>
-                  <a:schemeClr val="tx1"/>
-                </a:solidFill>
-                <a:latin typeface="Consolas" panose="020B0609020204030204" pitchFamily="49" charset="0"/>
-                <a:cs typeface="Consolas" panose="020B0609020204030204" pitchFamily="49" charset="0"/>
-              </a:rPr>
-              <a:t> branch</a:t>
-            </a:r>
-          </a:p>
-          <a:p>
-            <a:pPr marL="0" indent="0">
-              <a:buNone/>
-            </a:pPr>
-            <a:r>
-              <a:rPr lang="en-US" sz="1600" dirty="0" err="1">
-                <a:solidFill>
-                  <a:schemeClr val="tx1"/>
-                </a:solidFill>
-                <a:latin typeface="Consolas" panose="020B0609020204030204" pitchFamily="49" charset="0"/>
-                <a:cs typeface="Consolas" panose="020B0609020204030204" pitchFamily="49" charset="0"/>
-              </a:rPr>
-              <a:t>g</a:t>
-            </a:r>
-            <a:r>
-              <a:rPr lang="en-US" sz="1600" dirty="0" err="1" smtClean="0">
-                <a:solidFill>
-                  <a:schemeClr val="tx1"/>
-                </a:solidFill>
-                <a:latin typeface="Consolas" panose="020B0609020204030204" pitchFamily="49" charset="0"/>
-                <a:cs typeface="Consolas" panose="020B0609020204030204" pitchFamily="49" charset="0"/>
-              </a:rPr>
-              <a:t>it</a:t>
-            </a:r>
-            <a:r>
-              <a:rPr lang="en-US" sz="1600" dirty="0" smtClean="0">
-                <a:solidFill>
-                  <a:schemeClr val="tx1"/>
-                </a:solidFill>
-                <a:latin typeface="Consolas" panose="020B0609020204030204" pitchFamily="49" charset="0"/>
-                <a:cs typeface="Consolas" panose="020B0609020204030204" pitchFamily="49" charset="0"/>
-              </a:rPr>
-              <a:t> remote</a:t>
-            </a:r>
-          </a:p>
-          <a:p>
-            <a:pPr marL="0" indent="0">
-              <a:buNone/>
-            </a:pPr>
-            <a:r>
-              <a:rPr lang="en-US" sz="1600" b="1" dirty="0" smtClean="0">
-                <a:solidFill>
-                  <a:srgbClr val="FF0000"/>
-                </a:solidFill>
-                <a:cs typeface="Consolas" panose="020B0609020204030204" pitchFamily="49" charset="0"/>
-              </a:rPr>
-              <a:t>Be cautious ! : </a:t>
-            </a:r>
-            <a:r>
-              <a:rPr lang="en-US" sz="1600" dirty="0" err="1" smtClean="0">
-                <a:solidFill>
-                  <a:schemeClr val="tx1"/>
-                </a:solidFill>
-                <a:latin typeface="Consolas" panose="020B0609020204030204" pitchFamily="49" charset="0"/>
-                <a:cs typeface="Consolas" panose="020B0609020204030204" pitchFamily="49" charset="0"/>
-              </a:rPr>
-              <a:t>git</a:t>
-            </a:r>
-            <a:r>
-              <a:rPr lang="en-US" sz="1600" dirty="0" smtClean="0">
-                <a:solidFill>
-                  <a:schemeClr val="tx1"/>
-                </a:solidFill>
-                <a:latin typeface="Consolas" panose="020B0609020204030204" pitchFamily="49" charset="0"/>
-                <a:cs typeface="Consolas" panose="020B0609020204030204" pitchFamily="49" charset="0"/>
-              </a:rPr>
-              <a:t> clean</a:t>
-            </a:r>
-          </a:p>
-          <a:p>
-            <a:pPr marL="0" indent="0">
-              <a:buNone/>
-            </a:pPr>
-            <a:r>
-              <a:rPr lang="en-US" sz="1600" dirty="0" smtClean="0">
-                <a:solidFill>
-                  <a:srgbClr val="00B050"/>
-                </a:solidFill>
-              </a:rPr>
-              <a:t>Unlike </a:t>
-            </a:r>
-            <a:r>
-              <a:rPr lang="en-US" sz="1600" dirty="0" err="1" smtClean="0">
-                <a:solidFill>
-                  <a:srgbClr val="00B050"/>
-                </a:solidFill>
-              </a:rPr>
-              <a:t>SmartGit</a:t>
-            </a:r>
-            <a:r>
-              <a:rPr lang="en-US" sz="1600" dirty="0" smtClean="0">
-                <a:solidFill>
-                  <a:srgbClr val="00B050"/>
-                </a:solidFill>
-              </a:rPr>
-              <a:t>, this will remove all untracked file from that working repo.</a:t>
-            </a:r>
-            <a:endParaRPr lang="en-US" sz="1600" dirty="0">
+            <a:endParaRPr lang="en-US" dirty="0" smtClean="0">
               <a:solidFill>
-                <a:schemeClr val="tx1"/>
+                <a:srgbClr val="00B050"/>
               </a:solidFill>
-              <a:latin typeface="Consolas" panose="020B0609020204030204" pitchFamily="49" charset="0"/>
-              <a:cs typeface="Consolas" panose="020B0609020204030204" pitchFamily="49" charset="0"/>
             </a:endParaRPr>
           </a:p>
         </p:txBody>
       </p:sp>
-      <p:pic>
-        <p:nvPicPr>
-          <p:cNvPr id="6" name="Picture 5"/>
-          <p:cNvPicPr/>
+      <p:sp>
+        <p:nvSpPr>
+          <p:cNvPr id="8" name="Rectangle 7"/>
+          <p:cNvSpPr/>
           <p:nvPr/>
-        </p:nvPicPr>
-        <p:blipFill rotWithShape="1">
-          <a:blip r:embed="rId3"/>
-          <a:srcRect l="160" r="1" b="5644"/>
-          <a:stretch/>
-        </p:blipFill>
-        <p:spPr bwMode="auto">
+        </p:nvSpPr>
+        <p:spPr>
           <a:xfrm>
-            <a:off x="252759" y="1753913"/>
-            <a:ext cx="6646805" cy="4298807"/>
+            <a:off x="533030" y="4094347"/>
+            <a:ext cx="10448173" cy="2677656"/>
           </a:xfrm>
           <a:prstGeom prst="rect">
             <a:avLst/>
           </a:prstGeom>
-          <a:ln>
-            <a:noFill/>
-          </a:ln>
-          <a:extLst>
-            <a:ext uri="{53640926-AAD7-44D8-BBD7-CCE9431645EC}">
-              <a14:shadowObscured xmlns="" xmlns:a="http://schemas.openxmlformats.org/drawingml/2006/main" xmlns:r="http://schemas.openxmlformats.org/officeDocument/2006/relationships" xmlns:p="http://schemas.openxmlformats.org/presentationml/2006/main" xmlns:a14="http://schemas.microsoft.com/office/drawing/2010/main" xmlns:mv="urn:schemas-microsoft-com:mac:vml" xmlns:mc="http://schemas.openxmlformats.org/markup-compatibility/2006"/>
-            </a:ext>
-          </a:extLst>
         </p:spPr>
-      </p:pic>
+        <p:txBody>
+          <a:bodyPr wrap="square">
+            <a:spAutoFit/>
+          </a:bodyPr>
+          <a:lstStyle/>
+          <a:p>
+            <a:pPr>
+              <a:buClr>
+                <a:schemeClr val="accent1"/>
+              </a:buClr>
+              <a:buFont typeface="Wingdings" charset="2"/>
+              <a:buChar char="v"/>
+            </a:pPr>
+            <a:r>
+              <a:rPr lang="en-US" sz="2400" dirty="0" smtClean="0"/>
+              <a:t>Bring changes from online repository  to your local repository</a:t>
+            </a:r>
+          </a:p>
+          <a:p>
+            <a:r>
+              <a:rPr lang="en-US" sz="2400" dirty="0" smtClean="0">
+                <a:latin typeface="Consolas" panose="020B0609020204030204" pitchFamily="49" charset="0"/>
+                <a:cs typeface="Consolas" panose="020B0609020204030204" pitchFamily="49" charset="0"/>
+              </a:rPr>
+              <a:t>   </a:t>
+            </a:r>
+          </a:p>
+          <a:p>
+            <a:r>
+              <a:rPr lang="en-US" sz="2400" dirty="0" smtClean="0">
+                <a:latin typeface="Consolas" panose="020B0609020204030204" pitchFamily="49" charset="0"/>
+                <a:cs typeface="Consolas" panose="020B0609020204030204" pitchFamily="49" charset="0"/>
+              </a:rPr>
+              <a:t>git pull origin</a:t>
+            </a:r>
+          </a:p>
+          <a:p>
+            <a:endParaRPr lang="en-US" sz="2400" dirty="0" smtClean="0">
+              <a:latin typeface="Consolas" panose="020B0609020204030204" pitchFamily="49" charset="0"/>
+              <a:cs typeface="Consolas" panose="020B0609020204030204" pitchFamily="49" charset="0"/>
+            </a:endParaRPr>
+          </a:p>
+          <a:p>
+            <a:pPr>
+              <a:buClr>
+                <a:schemeClr val="accent1"/>
+              </a:buClr>
+              <a:buFont typeface="Wingdings" charset="2"/>
+              <a:buChar char="v"/>
+            </a:pPr>
+            <a:r>
+              <a:rPr lang="en-US" sz="2400" dirty="0" smtClean="0"/>
+              <a:t>Push </a:t>
+            </a:r>
+            <a:r>
+              <a:rPr lang="en-US" sz="2400" dirty="0"/>
+              <a:t>changes from </a:t>
+            </a:r>
+            <a:r>
+              <a:rPr lang="en-US" sz="2400" dirty="0" smtClean="0"/>
+              <a:t>your local </a:t>
+            </a:r>
+            <a:r>
+              <a:rPr lang="en-US" sz="2400" dirty="0"/>
+              <a:t>repository  to </a:t>
+            </a:r>
+            <a:r>
+              <a:rPr lang="en-US" sz="2400" dirty="0" smtClean="0"/>
+              <a:t>the online repository</a:t>
+            </a:r>
+            <a:endParaRPr lang="en-US" sz="2400" dirty="0"/>
+          </a:p>
+          <a:p>
+            <a:r>
+              <a:rPr lang="en-US" sz="2400" dirty="0" smtClean="0">
+                <a:latin typeface="Consolas" panose="020B0609020204030204" pitchFamily="49" charset="0"/>
+                <a:cs typeface="Consolas" panose="020B0609020204030204" pitchFamily="49" charset="0"/>
+              </a:rPr>
+              <a:t>   </a:t>
+            </a:r>
+          </a:p>
+          <a:p>
+            <a:r>
+              <a:rPr lang="en-US" sz="2400" dirty="0" smtClean="0">
+                <a:latin typeface="Consolas" panose="020B0609020204030204" pitchFamily="49" charset="0"/>
+                <a:cs typeface="Consolas" panose="020B0609020204030204" pitchFamily="49" charset="0"/>
+              </a:rPr>
+              <a:t>git push origin master</a:t>
+            </a:r>
+          </a:p>
+        </p:txBody>
+      </p:sp>
+      <p:sp>
+        <p:nvSpPr>
+          <p:cNvPr id="9" name="Title 1"/>
+          <p:cNvSpPr txBox="1">
+            <a:spLocks/>
+          </p:cNvSpPr>
+          <p:nvPr/>
+        </p:nvSpPr>
+        <p:spPr>
+          <a:xfrm>
+            <a:off x="453227" y="3100022"/>
+            <a:ext cx="8596668" cy="1320800"/>
+          </a:xfrm>
+          <a:prstGeom prst="rect">
+            <a:avLst/>
+          </a:prstGeom>
+        </p:spPr>
+        <p:txBody>
+          <a:bodyPr vert="horz" lIns="91440" tIns="45720" rIns="91440" bIns="45720" rtlCol="0" anchor="t">
+            <a:normAutofit/>
+          </a:bodyPr>
+          <a:lstStyle/>
+          <a:p>
+            <a:pPr marL="0" marR="0" lvl="0" indent="0" algn="l" defTabSz="457200" rtl="0" eaLnBrk="1" fontAlgn="auto" latinLnBrk="0" hangingPunct="1">
+              <a:lnSpc>
+                <a:spcPct val="100000"/>
+              </a:lnSpc>
+              <a:spcBef>
+                <a:spcPct val="0"/>
+              </a:spcBef>
+              <a:spcAft>
+                <a:spcPts val="0"/>
+              </a:spcAft>
+              <a:buClrTx/>
+              <a:buSzTx/>
+              <a:buFontTx/>
+              <a:buNone/>
+              <a:tabLst/>
+              <a:defRPr/>
+            </a:pPr>
+            <a:r>
+              <a:rPr kumimoji="0" lang="en-US" sz="3600" b="0" i="0" u="none" strike="noStrike" kern="1200" cap="none" spc="0" normalizeH="0" baseline="0" noProof="0" dirty="0" smtClean="0">
+                <a:ln>
+                  <a:noFill/>
+                </a:ln>
+                <a:solidFill>
+                  <a:schemeClr val="accent1"/>
+                </a:solidFill>
+                <a:effectLst/>
+                <a:uLnTx/>
+                <a:uFillTx/>
+                <a:latin typeface="+mj-lt"/>
+                <a:ea typeface="+mj-ea"/>
+                <a:cs typeface="+mj-cs"/>
+              </a:rPr>
+              <a:t>Push/Pull</a:t>
+            </a:r>
+            <a:endParaRPr kumimoji="0" lang="en-US" sz="3600" b="0" i="0" u="none" strike="noStrike" kern="1200" cap="none" spc="0" normalizeH="0" baseline="0" noProof="0" dirty="0">
+              <a:ln>
+                <a:noFill/>
+              </a:ln>
+              <a:solidFill>
+                <a:schemeClr val="accent1"/>
+              </a:solidFill>
+              <a:effectLst/>
+              <a:uLnTx/>
+              <a:uFillTx/>
+              <a:latin typeface="+mj-lt"/>
+              <a:ea typeface="+mj-ea"/>
+              <a:cs typeface="+mj-cs"/>
+            </a:endParaRPr>
+          </a:p>
+        </p:txBody>
+      </p:sp>
     </p:spTree>
     <p:extLst>
       <p:ext uri="{BB962C8B-B14F-4D97-AF65-F5344CB8AC3E}">
-        <p14:creationId xmlns="" xmlns:a="http://schemas.openxmlformats.org/drawingml/2006/main" xmlns:r="http://schemas.openxmlformats.org/officeDocument/2006/relationships" xmlns:p="http://schemas.openxmlformats.org/presentationml/2006/main" xmlns:p14="http://schemas.microsoft.com/office/powerpoint/2010/main" xmlns:mv="urn:schemas-microsoft-com:mac:vml" xmlns:mc="http://schemas.openxmlformats.org/markup-compatibility/2006" val="1182468617"/>
+        <p14:creationId xmlns:mc="http://schemas.openxmlformats.org/markup-compatibility/2006" xmlns:mv="urn:schemas-microsoft-com:mac:vml" xmlns:p14="http://schemas.microsoft.com/office/powerpoint/2010/main" xmlns:p="http://schemas.openxmlformats.org/presentationml/2006/main" xmlns:r="http://schemas.openxmlformats.org/officeDocument/2006/relationships" xmlns:a="http://schemas.openxmlformats.org/drawingml/2006/main" xmlns="" val="520927691"/>
       </p:ext>
     </p:extLst>
   </p:cSld>
@@ -9087,836 +7920,6 @@
             <p:ph type="title"/>
           </p:nvPr>
         </p:nvSpPr>
-        <p:spPr>
-          <a:xfrm>
-            <a:off x="652807" y="406400"/>
-            <a:ext cx="8596668" cy="830419"/>
-          </a:xfrm>
-        </p:spPr>
-        <p:txBody>
-          <a:bodyPr/>
-          <a:lstStyle/>
-          <a:p>
-            <a:r>
-              <a:rPr lang="en-US" dirty="0" smtClean="0"/>
-              <a:t>Commit</a:t>
-            </a:r>
-            <a:endParaRPr lang="en-US" dirty="0"/>
-          </a:p>
-        </p:txBody>
-      </p:sp>
-      <p:sp>
-        <p:nvSpPr>
-          <p:cNvPr id="3" name="Content Placeholder 2"/>
-          <p:cNvSpPr>
-            <a:spLocks noGrp="1"/>
-          </p:cNvSpPr>
-          <p:nvPr>
-            <p:ph sz="half" idx="1"/>
-          </p:nvPr>
-        </p:nvSpPr>
-        <p:spPr>
-          <a:xfrm>
-            <a:off x="278780" y="1236819"/>
-            <a:ext cx="5135049" cy="5313082"/>
-          </a:xfrm>
-        </p:spPr>
-        <p:txBody>
-          <a:bodyPr>
-            <a:normAutofit lnSpcReduction="10000"/>
-          </a:bodyPr>
-          <a:lstStyle/>
-          <a:p>
-            <a:r>
-              <a:rPr lang="en-US" sz="1900" b="1" dirty="0" smtClean="0">
-                <a:solidFill>
-                  <a:schemeClr val="accent2">
-                    <a:lumMod val="75000"/>
-                  </a:schemeClr>
-                </a:solidFill>
-              </a:rPr>
-              <a:t>Linux</a:t>
-            </a:r>
-          </a:p>
-          <a:p>
-            <a:pPr marL="0" indent="0">
-              <a:buNone/>
-            </a:pPr>
-            <a:r>
-              <a:rPr lang="en-US" sz="1600" dirty="0" err="1">
-                <a:solidFill>
-                  <a:schemeClr val="tx2"/>
-                </a:solidFill>
-                <a:latin typeface="Consolas" panose="020B0609020204030204" pitchFamily="49" charset="0"/>
-                <a:cs typeface="Consolas" panose="020B0609020204030204" pitchFamily="49" charset="0"/>
-              </a:rPr>
-              <a:t>git</a:t>
-            </a:r>
-            <a:r>
-              <a:rPr lang="en-US" sz="1600" dirty="0">
-                <a:solidFill>
-                  <a:schemeClr val="tx2"/>
-                </a:solidFill>
-                <a:latin typeface="Consolas" panose="020B0609020204030204" pitchFamily="49" charset="0"/>
-                <a:cs typeface="Consolas" panose="020B0609020204030204" pitchFamily="49" charset="0"/>
-              </a:rPr>
-              <a:t> commit –</a:t>
-            </a:r>
-            <a:r>
-              <a:rPr lang="en-US" sz="1600" dirty="0" smtClean="0">
-                <a:solidFill>
-                  <a:schemeClr val="tx2"/>
-                </a:solidFill>
-                <a:latin typeface="Consolas" panose="020B0609020204030204" pitchFamily="49" charset="0"/>
-                <a:cs typeface="Consolas" panose="020B0609020204030204" pitchFamily="49" charset="0"/>
-              </a:rPr>
-              <a:t>a </a:t>
-            </a:r>
-          </a:p>
-          <a:p>
-            <a:pPr marL="0" indent="0">
-              <a:buNone/>
-            </a:pPr>
-            <a:r>
-              <a:rPr lang="en-US" sz="1600" dirty="0" smtClean="0">
-                <a:solidFill>
-                  <a:schemeClr val="tx2"/>
-                </a:solidFill>
-                <a:latin typeface="Consolas" panose="020B0609020204030204" pitchFamily="49" charset="0"/>
-                <a:cs typeface="Consolas" panose="020B0609020204030204" pitchFamily="49" charset="0"/>
-              </a:rPr>
-              <a:t>(Stage changes)</a:t>
-            </a:r>
-            <a:endParaRPr lang="en-US" sz="1700" dirty="0" smtClean="0">
-              <a:solidFill>
-                <a:schemeClr val="tx2"/>
-              </a:solidFill>
-              <a:latin typeface="Consolas" panose="020B0609020204030204" pitchFamily="49" charset="0"/>
-              <a:cs typeface="Consolas" panose="020B0609020204030204" pitchFamily="49" charset="0"/>
-            </a:endParaRPr>
-          </a:p>
-          <a:p>
-            <a:pPr marL="0" indent="0">
-              <a:buNone/>
-            </a:pPr>
-            <a:r>
-              <a:rPr lang="en-US" sz="1700" dirty="0" err="1" smtClean="0">
-                <a:solidFill>
-                  <a:schemeClr val="tx2"/>
-                </a:solidFill>
-                <a:latin typeface="Consolas" panose="020B0609020204030204" pitchFamily="49" charset="0"/>
-                <a:cs typeface="Consolas" panose="020B0609020204030204" pitchFamily="49" charset="0"/>
-              </a:rPr>
-              <a:t>git</a:t>
-            </a:r>
-            <a:r>
-              <a:rPr lang="en-US" sz="1700" dirty="0" smtClean="0">
-                <a:solidFill>
-                  <a:schemeClr val="tx2"/>
-                </a:solidFill>
-                <a:latin typeface="Consolas" panose="020B0609020204030204" pitchFamily="49" charset="0"/>
-                <a:cs typeface="Consolas" panose="020B0609020204030204" pitchFamily="49" charset="0"/>
-              </a:rPr>
-              <a:t> commit –m “Your commit message here”</a:t>
-            </a:r>
-            <a:endParaRPr lang="en-US" dirty="0">
-              <a:solidFill>
-                <a:schemeClr val="accent2">
-                  <a:lumMod val="75000"/>
-                </a:schemeClr>
-              </a:solidFill>
-            </a:endParaRPr>
-          </a:p>
-          <a:p>
-            <a:pPr marL="0" indent="0">
-              <a:buNone/>
-            </a:pPr>
-            <a:endParaRPr lang="en-US" dirty="0" smtClean="0">
-              <a:solidFill>
-                <a:srgbClr val="00B050"/>
-              </a:solidFill>
-            </a:endParaRPr>
-          </a:p>
-          <a:p>
-            <a:pPr marL="0" indent="0">
-              <a:buNone/>
-            </a:pPr>
-            <a:r>
-              <a:rPr lang="en-US" dirty="0" smtClean="0">
-                <a:solidFill>
-                  <a:srgbClr val="00B050"/>
-                </a:solidFill>
-              </a:rPr>
-              <a:t>Remember, committing is telling </a:t>
-            </a:r>
-            <a:r>
-              <a:rPr lang="en-US" dirty="0" err="1" smtClean="0">
-                <a:solidFill>
-                  <a:srgbClr val="00B050"/>
-                </a:solidFill>
-              </a:rPr>
-              <a:t>git</a:t>
-            </a:r>
-            <a:r>
-              <a:rPr lang="en-US" dirty="0" smtClean="0">
-                <a:solidFill>
-                  <a:srgbClr val="00B050"/>
-                </a:solidFill>
-              </a:rPr>
-              <a:t> that the current state of all your files is important. Make sure that new files have been added first. </a:t>
-            </a:r>
-          </a:p>
-          <a:p>
-            <a:pPr marL="0" lvl="1" indent="0">
-              <a:buNone/>
-            </a:pPr>
-            <a:r>
-              <a:rPr lang="en-US" sz="1800" b="1" dirty="0">
-                <a:solidFill>
-                  <a:srgbClr val="00B050"/>
-                </a:solidFill>
-              </a:rPr>
-              <a:t>Note</a:t>
-            </a:r>
-            <a:r>
-              <a:rPr lang="en-US" sz="1800" dirty="0">
-                <a:solidFill>
-                  <a:srgbClr val="00B050"/>
-                </a:solidFill>
-              </a:rPr>
-              <a:t>: You need to have made change(s) to a file in the local </a:t>
-            </a:r>
-            <a:r>
-              <a:rPr lang="en-US" sz="1800" dirty="0" smtClean="0">
-                <a:solidFill>
-                  <a:srgbClr val="00B050"/>
-                </a:solidFill>
-              </a:rPr>
-              <a:t>repository.</a:t>
-            </a:r>
-          </a:p>
-          <a:p>
-            <a:pPr marL="0" lvl="1" indent="0">
-              <a:buNone/>
-            </a:pPr>
-            <a:endParaRPr lang="en-US" sz="1800" dirty="0">
-              <a:solidFill>
-                <a:srgbClr val="00B050"/>
-              </a:solidFill>
-            </a:endParaRPr>
-          </a:p>
-          <a:p>
-            <a:r>
-              <a:rPr lang="en-US" sz="1900" b="1" dirty="0" err="1" smtClean="0">
-                <a:solidFill>
-                  <a:schemeClr val="accent2">
-                    <a:lumMod val="75000"/>
-                  </a:schemeClr>
-                </a:solidFill>
-              </a:rPr>
-              <a:t>SmartGit</a:t>
-            </a:r>
-            <a:r>
-              <a:rPr lang="en-US" sz="1900" b="1" dirty="0" smtClean="0">
-                <a:solidFill>
-                  <a:schemeClr val="accent2">
-                    <a:lumMod val="75000"/>
-                  </a:schemeClr>
-                </a:solidFill>
-              </a:rPr>
-              <a:t> </a:t>
-            </a:r>
-          </a:p>
-          <a:p>
-            <a:pPr>
-              <a:buFont typeface="Wingdings" panose="05000000000000000000" pitchFamily="2" charset="2"/>
-              <a:buChar char="Ø"/>
-            </a:pPr>
-            <a:r>
-              <a:rPr lang="en-US" b="1" dirty="0" smtClean="0"/>
-              <a:t>A</a:t>
-            </a:r>
-            <a:r>
-              <a:rPr lang="en-US" dirty="0" smtClean="0"/>
-              <a:t>: Shows you have unsaved changes</a:t>
-            </a:r>
-          </a:p>
-          <a:p>
-            <a:pPr>
-              <a:buFont typeface="Wingdings" panose="05000000000000000000" pitchFamily="2" charset="2"/>
-              <a:buChar char="Ø"/>
-            </a:pPr>
-            <a:r>
-              <a:rPr lang="en-US" b="1" dirty="0" smtClean="0"/>
-              <a:t>B</a:t>
-            </a:r>
-            <a:r>
-              <a:rPr lang="en-US" dirty="0" smtClean="0"/>
-              <a:t>: Allows you to stage changes. First click on the files that you want to commit then click on ‘</a:t>
-            </a:r>
-            <a:r>
-              <a:rPr lang="en-US" b="1" dirty="0" smtClean="0"/>
-              <a:t>B</a:t>
-            </a:r>
-            <a:r>
-              <a:rPr lang="en-US" dirty="0" smtClean="0"/>
-              <a:t>’</a:t>
-            </a:r>
-            <a:endParaRPr lang="en-US" dirty="0"/>
-          </a:p>
-        </p:txBody>
-      </p:sp>
-      <p:pic>
-        <p:nvPicPr>
-          <p:cNvPr id="6" name="Content Placeholder 5"/>
-          <p:cNvPicPr>
-            <a:picLocks noGrp="1" noChangeAspect="1"/>
-          </p:cNvPicPr>
-          <p:nvPr>
-            <p:ph sz="half" idx="2"/>
-          </p:nvPr>
-        </p:nvPicPr>
-        <p:blipFill>
-          <a:blip r:embed="rId3"/>
-          <a:stretch>
-            <a:fillRect/>
-          </a:stretch>
-        </p:blipFill>
-        <p:spPr>
-          <a:xfrm>
-            <a:off x="5523866" y="3521839"/>
-            <a:ext cx="6373813" cy="3028062"/>
-          </a:xfrm>
-          <a:prstGeom prst="rect">
-            <a:avLst/>
-          </a:prstGeom>
-        </p:spPr>
-      </p:pic>
-      <p:sp>
-        <p:nvSpPr>
-          <p:cNvPr id="5" name="Striped Right Arrow 4"/>
-          <p:cNvSpPr/>
-          <p:nvPr/>
-        </p:nvSpPr>
-        <p:spPr>
-          <a:xfrm>
-            <a:off x="2441054" y="4523800"/>
-            <a:ext cx="2263698" cy="323385"/>
-          </a:xfrm>
-          <a:prstGeom prst="stripedRightArrow">
-            <a:avLst/>
-          </a:prstGeom>
-        </p:spPr>
-        <p:style>
-          <a:lnRef idx="2">
-            <a:schemeClr val="accent1">
-              <a:shade val="50000"/>
-            </a:schemeClr>
-          </a:lnRef>
-          <a:fillRef idx="1">
-            <a:schemeClr val="accent1"/>
-          </a:fillRef>
-          <a:effectRef idx="0">
-            <a:schemeClr val="accent1"/>
-          </a:effectRef>
-          <a:fontRef idx="minor">
-            <a:schemeClr val="lt1"/>
-          </a:fontRef>
-        </p:style>
-        <p:txBody>
-          <a:bodyPr rtlCol="0" anchor="ctr"/>
-          <a:lstStyle/>
-          <a:p>
-            <a:pPr algn="ctr"/>
-            <a:endParaRPr lang="en-US"/>
-          </a:p>
-        </p:txBody>
-      </p:sp>
-    </p:spTree>
-    <p:extLst>
-      <p:ext uri="{BB962C8B-B14F-4D97-AF65-F5344CB8AC3E}">
-        <p14:creationId xmlns="" xmlns:a="http://schemas.openxmlformats.org/drawingml/2006/main" xmlns:r="http://schemas.openxmlformats.org/officeDocument/2006/relationships" xmlns:p="http://schemas.openxmlformats.org/presentationml/2006/main" xmlns:p14="http://schemas.microsoft.com/office/powerpoint/2010/main" xmlns:mv="urn:schemas-microsoft-com:mac:vml" xmlns:mc="http://schemas.openxmlformats.org/markup-compatibility/2006" val="520927691"/>
-      </p:ext>
-    </p:extLst>
-  </p:cSld>
-  <p:clrMapOvr>
-    <a:masterClrMapping/>
-  </p:clrMapOvr>
-  <p:timing>
-    <p:tnLst>
-      <p:par>
-        <p:cTn id="1" dur="indefinite" restart="never" nodeType="tmRoot"/>
-      </p:par>
-    </p:tnLst>
-  </p:timing>
-</p:sld>
-</file>
-
-<file path=ppt/slides/slide8.xml><?xml version="1.0" encoding="utf-8"?>
-<p:sld xmlns:a="http://schemas.openxmlformats.org/drawingml/2006/main" xmlns:r="http://schemas.openxmlformats.org/officeDocument/2006/relationships" xmlns:mc="http://schemas.openxmlformats.org/markup-compatibility/2006" xmlns:mv="urn:schemas-microsoft-com:mac:vml" xmlns:p="http://schemas.openxmlformats.org/presentationml/2006/main" mc:Ignorable="mv" mc:PreserveAttributes="mv:*">
-  <p:cSld>
-    <p:spTree>
-      <p:nvGrpSpPr>
-        <p:cNvPr id="1" name=""/>
-        <p:cNvGrpSpPr/>
-        <p:nvPr/>
-      </p:nvGrpSpPr>
-      <p:grpSpPr>
-        <a:xfrm>
-          <a:off x="0" y="0"/>
-          <a:ext cx="0" cy="0"/>
-          <a:chOff x="0" y="0"/>
-          <a:chExt cx="0" cy="0"/>
-        </a:xfrm>
-      </p:grpSpPr>
-      <p:sp>
-        <p:nvSpPr>
-          <p:cNvPr id="2" name="Title 1"/>
-          <p:cNvSpPr>
-            <a:spLocks noGrp="1"/>
-          </p:cNvSpPr>
-          <p:nvPr>
-            <p:ph type="title"/>
-          </p:nvPr>
-        </p:nvSpPr>
-        <p:spPr/>
-        <p:txBody>
-          <a:bodyPr/>
-          <a:lstStyle/>
-          <a:p>
-            <a:r>
-              <a:rPr lang="en-US" dirty="0" smtClean="0"/>
-              <a:t>Push/Pull</a:t>
-            </a:r>
-            <a:endParaRPr lang="en-US" dirty="0"/>
-          </a:p>
-        </p:txBody>
-      </p:sp>
-      <p:sp>
-        <p:nvSpPr>
-          <p:cNvPr id="4" name="Content Placeholder 3"/>
-          <p:cNvSpPr>
-            <a:spLocks noGrp="1"/>
-          </p:cNvSpPr>
-          <p:nvPr>
-            <p:ph sz="half" idx="1"/>
-          </p:nvPr>
-        </p:nvSpPr>
-        <p:spPr>
-          <a:xfrm>
-            <a:off x="677334" y="1505415"/>
-            <a:ext cx="4184035" cy="4535946"/>
-          </a:xfrm>
-        </p:spPr>
-        <p:txBody>
-          <a:bodyPr/>
-          <a:lstStyle/>
-          <a:p>
-            <a:r>
-              <a:rPr lang="en-US" sz="2000" dirty="0" smtClean="0">
-                <a:solidFill>
-                  <a:schemeClr val="accent2">
-                    <a:lumMod val="75000"/>
-                  </a:schemeClr>
-                </a:solidFill>
-              </a:rPr>
-              <a:t>Linux</a:t>
-            </a:r>
-          </a:p>
-          <a:p>
-            <a:pPr marL="0" indent="0">
-              <a:buNone/>
-            </a:pPr>
-            <a:r>
-              <a:rPr lang="en-US" dirty="0" smtClean="0"/>
-              <a:t>Bring changes from online repository  to your local repository</a:t>
-            </a:r>
-          </a:p>
-          <a:p>
-            <a:pPr marL="0" indent="0">
-              <a:buNone/>
-            </a:pPr>
-            <a:r>
-              <a:rPr lang="en-US" sz="1600" dirty="0" smtClean="0">
-                <a:latin typeface="Consolas" panose="020B0609020204030204" pitchFamily="49" charset="0"/>
-                <a:cs typeface="Consolas" panose="020B0609020204030204" pitchFamily="49" charset="0"/>
-              </a:rPr>
-              <a:t>   </a:t>
-            </a:r>
-            <a:r>
-              <a:rPr lang="en-US" sz="1600" dirty="0" err="1" smtClean="0">
-                <a:latin typeface="Consolas" panose="020B0609020204030204" pitchFamily="49" charset="0"/>
-                <a:cs typeface="Consolas" panose="020B0609020204030204" pitchFamily="49" charset="0"/>
-              </a:rPr>
-              <a:t>git</a:t>
-            </a:r>
-            <a:r>
-              <a:rPr lang="en-US" sz="1600" dirty="0" smtClean="0">
-                <a:latin typeface="Consolas" panose="020B0609020204030204" pitchFamily="49" charset="0"/>
-                <a:cs typeface="Consolas" panose="020B0609020204030204" pitchFamily="49" charset="0"/>
-              </a:rPr>
-              <a:t> pull origin</a:t>
-            </a:r>
-          </a:p>
-          <a:p>
-            <a:pPr marL="0" indent="0">
-              <a:buNone/>
-            </a:pPr>
-            <a:r>
-              <a:rPr lang="en-US" dirty="0" smtClean="0"/>
-              <a:t>Push </a:t>
-            </a:r>
-            <a:r>
-              <a:rPr lang="en-US" dirty="0"/>
-              <a:t>changes from </a:t>
-            </a:r>
-            <a:r>
-              <a:rPr lang="en-US" dirty="0" smtClean="0"/>
-              <a:t>your local </a:t>
-            </a:r>
-            <a:r>
-              <a:rPr lang="en-US" dirty="0"/>
-              <a:t>repository  to </a:t>
-            </a:r>
-            <a:r>
-              <a:rPr lang="en-US" dirty="0" smtClean="0"/>
-              <a:t>the online repository</a:t>
-            </a:r>
-            <a:endParaRPr lang="en-US" dirty="0"/>
-          </a:p>
-          <a:p>
-            <a:pPr marL="0" indent="0">
-              <a:buNone/>
-            </a:pPr>
-            <a:r>
-              <a:rPr lang="en-US" sz="1600" dirty="0" smtClean="0">
-                <a:latin typeface="Consolas" panose="020B0609020204030204" pitchFamily="49" charset="0"/>
-                <a:cs typeface="Consolas" panose="020B0609020204030204" pitchFamily="49" charset="0"/>
-              </a:rPr>
-              <a:t>   </a:t>
-            </a:r>
-            <a:r>
-              <a:rPr lang="en-US" sz="1600" dirty="0" err="1" smtClean="0">
-                <a:latin typeface="Consolas" panose="020B0609020204030204" pitchFamily="49" charset="0"/>
-                <a:cs typeface="Consolas" panose="020B0609020204030204" pitchFamily="49" charset="0"/>
-              </a:rPr>
-              <a:t>git</a:t>
-            </a:r>
-            <a:r>
-              <a:rPr lang="en-US" sz="1600" dirty="0" smtClean="0">
-                <a:latin typeface="Consolas" panose="020B0609020204030204" pitchFamily="49" charset="0"/>
-                <a:cs typeface="Consolas" panose="020B0609020204030204" pitchFamily="49" charset="0"/>
-              </a:rPr>
-              <a:t> push origin master</a:t>
-            </a:r>
-          </a:p>
-          <a:p>
-            <a:pPr marL="0" indent="0">
-              <a:buNone/>
-            </a:pPr>
-            <a:endParaRPr lang="en-US" sz="1600" dirty="0">
-              <a:latin typeface="Consolas" panose="020B0609020204030204" pitchFamily="49" charset="0"/>
-              <a:cs typeface="Consolas" panose="020B0609020204030204" pitchFamily="49" charset="0"/>
-            </a:endParaRPr>
-          </a:p>
-          <a:p>
-            <a:r>
-              <a:rPr lang="en-US" sz="2000" dirty="0" err="1" smtClean="0">
-                <a:solidFill>
-                  <a:schemeClr val="accent2">
-                    <a:lumMod val="75000"/>
-                  </a:schemeClr>
-                </a:solidFill>
-                <a:cs typeface="Consolas" panose="020B0609020204030204" pitchFamily="49" charset="0"/>
-              </a:rPr>
-              <a:t>SmartGit</a:t>
-            </a:r>
-            <a:endParaRPr lang="en-US" sz="2000" dirty="0" smtClean="0">
-              <a:solidFill>
-                <a:schemeClr val="accent2">
-                  <a:lumMod val="75000"/>
-                </a:schemeClr>
-              </a:solidFill>
-            </a:endParaRPr>
-          </a:p>
-          <a:p>
-            <a:pPr lvl="1"/>
-            <a:r>
-              <a:rPr lang="en-US" dirty="0" smtClean="0"/>
-              <a:t>Assuming you are working from one station / PC</a:t>
-            </a:r>
-            <a:endParaRPr lang="en-US" dirty="0"/>
-          </a:p>
-          <a:p>
-            <a:pPr marL="0" indent="0">
-              <a:buNone/>
-            </a:pPr>
-            <a:endParaRPr lang="en-US" dirty="0" smtClean="0"/>
-          </a:p>
-          <a:p>
-            <a:endParaRPr lang="en-US" dirty="0"/>
-          </a:p>
-          <a:p>
-            <a:pPr marL="0" indent="0">
-              <a:buNone/>
-            </a:pPr>
-            <a:endParaRPr lang="en-US" dirty="0"/>
-          </a:p>
-        </p:txBody>
-      </p:sp>
-      <p:sp>
-        <p:nvSpPr>
-          <p:cNvPr id="3" name="Striped Right Arrow 2"/>
-          <p:cNvSpPr/>
-          <p:nvPr/>
-        </p:nvSpPr>
-        <p:spPr>
-          <a:xfrm>
-            <a:off x="2930236" y="4436918"/>
-            <a:ext cx="1724891" cy="311727"/>
-          </a:xfrm>
-          <a:prstGeom prst="stripedRightArrow">
-            <a:avLst/>
-          </a:prstGeom>
-        </p:spPr>
-        <p:style>
-          <a:lnRef idx="2">
-            <a:schemeClr val="accent1">
-              <a:shade val="50000"/>
-            </a:schemeClr>
-          </a:lnRef>
-          <a:fillRef idx="1">
-            <a:schemeClr val="accent1"/>
-          </a:fillRef>
-          <a:effectRef idx="0">
-            <a:schemeClr val="accent1"/>
-          </a:effectRef>
-          <a:fontRef idx="minor">
-            <a:schemeClr val="lt1"/>
-          </a:fontRef>
-        </p:style>
-        <p:txBody>
-          <a:bodyPr rtlCol="0" anchor="ctr"/>
-          <a:lstStyle/>
-          <a:p>
-            <a:pPr algn="ctr"/>
-            <a:endParaRPr lang="en-US"/>
-          </a:p>
-        </p:txBody>
-      </p:sp>
-      <p:pic>
-        <p:nvPicPr>
-          <p:cNvPr id="9" name="Content Placeholder 8"/>
-          <p:cNvPicPr>
-            <a:picLocks noGrp="1" noChangeAspect="1"/>
-          </p:cNvPicPr>
-          <p:nvPr>
-            <p:ph sz="half" idx="2"/>
-          </p:nvPr>
-        </p:nvPicPr>
-        <p:blipFill>
-          <a:blip r:embed="rId3"/>
-          <a:stretch>
-            <a:fillRect/>
-          </a:stretch>
-        </p:blipFill>
-        <p:spPr>
-          <a:xfrm>
-            <a:off x="5089525" y="2973602"/>
-            <a:ext cx="4184650" cy="2255408"/>
-          </a:xfrm>
-          <a:prstGeom prst="rect">
-            <a:avLst/>
-          </a:prstGeom>
-        </p:spPr>
-      </p:pic>
-      <p:pic>
-        <p:nvPicPr>
-          <p:cNvPr id="8" name="Picture 7"/>
-          <p:cNvPicPr>
-            <a:picLocks noChangeAspect="1"/>
-          </p:cNvPicPr>
-          <p:nvPr/>
-        </p:nvPicPr>
-        <p:blipFill>
-          <a:blip r:embed="rId4"/>
-          <a:stretch>
-            <a:fillRect/>
-          </a:stretch>
-        </p:blipFill>
-        <p:spPr>
-          <a:xfrm>
-            <a:off x="5380585" y="2188946"/>
-            <a:ext cx="2105025" cy="609600"/>
-          </a:xfrm>
-          <a:prstGeom prst="rect">
-            <a:avLst/>
-          </a:prstGeom>
-        </p:spPr>
-      </p:pic>
-      <p:sp>
-        <p:nvSpPr>
-          <p:cNvPr id="10" name="Oval 9"/>
-          <p:cNvSpPr/>
-          <p:nvPr/>
-        </p:nvSpPr>
-        <p:spPr>
-          <a:xfrm>
-            <a:off x="6052665" y="1251754"/>
-            <a:ext cx="914400" cy="914400"/>
-          </a:xfrm>
-          <a:prstGeom prst="ellipse">
-            <a:avLst/>
-          </a:prstGeom>
-          <a:noFill/>
-          <a:ln>
-            <a:solidFill>
-              <a:srgbClr val="FF0000"/>
-            </a:solidFill>
-          </a:ln>
-        </p:spPr>
-        <p:style>
-          <a:lnRef idx="2">
-            <a:schemeClr val="accent1">
-              <a:shade val="50000"/>
-            </a:schemeClr>
-          </a:lnRef>
-          <a:fillRef idx="1">
-            <a:schemeClr val="accent1"/>
-          </a:fillRef>
-          <a:effectRef idx="0">
-            <a:schemeClr val="accent1"/>
-          </a:effectRef>
-          <a:fontRef idx="minor">
-            <a:schemeClr val="lt1"/>
-          </a:fontRef>
-        </p:style>
-        <p:txBody>
-          <a:bodyPr rtlCol="0" anchor="ctr"/>
-          <a:lstStyle/>
-          <a:p>
-            <a:pPr algn="ctr"/>
-            <a:r>
-              <a:rPr lang="en-US" b="1" dirty="0" smtClean="0">
-                <a:solidFill>
-                  <a:srgbClr val="FF0000"/>
-                </a:solidFill>
-              </a:rPr>
-              <a:t>1</a:t>
-            </a:r>
-            <a:r>
-              <a:rPr lang="en-US" dirty="0" smtClean="0"/>
-              <a:t>1</a:t>
-            </a:r>
-            <a:endParaRPr lang="en-US" dirty="0"/>
-          </a:p>
-        </p:txBody>
-      </p:sp>
-      <p:sp>
-        <p:nvSpPr>
-          <p:cNvPr id="11" name="Oval 10"/>
-          <p:cNvSpPr/>
-          <p:nvPr/>
-        </p:nvSpPr>
-        <p:spPr>
-          <a:xfrm>
-            <a:off x="6908029" y="4139402"/>
-            <a:ext cx="914400" cy="914400"/>
-          </a:xfrm>
-          <a:prstGeom prst="ellipse">
-            <a:avLst/>
-          </a:prstGeom>
-          <a:noFill/>
-          <a:ln>
-            <a:solidFill>
-              <a:srgbClr val="FF0000"/>
-            </a:solidFill>
-          </a:ln>
-        </p:spPr>
-        <p:style>
-          <a:lnRef idx="2">
-            <a:schemeClr val="accent1">
-              <a:shade val="50000"/>
-            </a:schemeClr>
-          </a:lnRef>
-          <a:fillRef idx="1">
-            <a:schemeClr val="accent1"/>
-          </a:fillRef>
-          <a:effectRef idx="0">
-            <a:schemeClr val="accent1"/>
-          </a:effectRef>
-          <a:fontRef idx="minor">
-            <a:schemeClr val="lt1"/>
-          </a:fontRef>
-        </p:style>
-        <p:txBody>
-          <a:bodyPr rtlCol="0" anchor="ctr"/>
-          <a:lstStyle/>
-          <a:p>
-            <a:pPr algn="ctr"/>
-            <a:r>
-              <a:rPr lang="en-US" b="1" dirty="0" smtClean="0">
-                <a:solidFill>
-                  <a:srgbClr val="FF0000"/>
-                </a:solidFill>
-              </a:rPr>
-              <a:t>2</a:t>
-            </a:r>
-            <a:r>
-              <a:rPr lang="en-US" dirty="0" smtClean="0"/>
-              <a:t>1</a:t>
-            </a:r>
-            <a:endParaRPr lang="en-US" dirty="0"/>
-          </a:p>
-        </p:txBody>
-      </p:sp>
-    </p:spTree>
-    <p:extLst>
-      <p:ext uri="{BB962C8B-B14F-4D97-AF65-F5344CB8AC3E}">
-        <p14:creationId xmlns="" xmlns:a="http://schemas.openxmlformats.org/drawingml/2006/main" xmlns:r="http://schemas.openxmlformats.org/officeDocument/2006/relationships" xmlns:p="http://schemas.openxmlformats.org/presentationml/2006/main" xmlns:p14="http://schemas.microsoft.com/office/powerpoint/2010/main" xmlns:mv="urn:schemas-microsoft-com:mac:vml" xmlns:mc="http://schemas.openxmlformats.org/markup-compatibility/2006" val="707713265"/>
-      </p:ext>
-    </p:extLst>
-  </p:cSld>
-  <p:clrMapOvr>
-    <a:masterClrMapping/>
-  </p:clrMapOvr>
-  <p:timing>
-    <p:tnLst>
-      <p:par>
-        <p:cTn id="1" dur="indefinite" restart="never" nodeType="tmRoot"/>
-      </p:par>
-    </p:tnLst>
-  </p:timing>
-</p:sld>
-</file>
-
-<file path=ppt/slides/slide9.xml><?xml version="1.0" encoding="utf-8"?>
-<p:sld xmlns:a="http://schemas.openxmlformats.org/drawingml/2006/main" xmlns:r="http://schemas.openxmlformats.org/officeDocument/2006/relationships" xmlns:mc="http://schemas.openxmlformats.org/markup-compatibility/2006" xmlns:mv="urn:schemas-microsoft-com:mac:vml" xmlns:p="http://schemas.openxmlformats.org/presentationml/2006/main" mc:Ignorable="mv" mc:PreserveAttributes="mv:*">
-  <p:cSld>
-    <p:spTree>
-      <p:nvGrpSpPr>
-        <p:cNvPr id="1" name=""/>
-        <p:cNvGrpSpPr/>
-        <p:nvPr/>
-      </p:nvGrpSpPr>
-      <p:grpSpPr>
-        <a:xfrm>
-          <a:off x="0" y="0"/>
-          <a:ext cx="0" cy="0"/>
-          <a:chOff x="0" y="0"/>
-          <a:chExt cx="0" cy="0"/>
-        </a:xfrm>
-      </p:grpSpPr>
-      <p:sp>
-        <p:nvSpPr>
-          <p:cNvPr id="2" name="Title 1"/>
-          <p:cNvSpPr>
-            <a:spLocks noGrp="1"/>
-          </p:cNvSpPr>
-          <p:nvPr>
-            <p:ph type="title"/>
-          </p:nvPr>
-        </p:nvSpPr>
         <p:spPr/>
         <p:txBody>
           <a:bodyPr/>
@@ -10268,7 +8271,7 @@
     </p:spTree>
     <p:extLst>
       <p:ext uri="{BB962C8B-B14F-4D97-AF65-F5344CB8AC3E}">
-        <p14:creationId xmlns="" xmlns:a="http://schemas.openxmlformats.org/drawingml/2006/main" xmlns:r="http://schemas.openxmlformats.org/officeDocument/2006/relationships" xmlns:p="http://schemas.openxmlformats.org/presentationml/2006/main" xmlns:p14="http://schemas.microsoft.com/office/powerpoint/2010/main" xmlns:mv="urn:schemas-microsoft-com:mac:vml" xmlns:mc="http://schemas.openxmlformats.org/markup-compatibility/2006" val="2955015948"/>
+        <p14:creationId xmlns:mc="http://schemas.openxmlformats.org/markup-compatibility/2006" xmlns:mv="urn:schemas-microsoft-com:mac:vml" xmlns:p14="http://schemas.microsoft.com/office/powerpoint/2010/main" xmlns:p="http://schemas.openxmlformats.org/presentationml/2006/main" xmlns:r="http://schemas.openxmlformats.org/officeDocument/2006/relationships" xmlns:a="http://schemas.openxmlformats.org/drawingml/2006/main" xmlns="" val="2955015948"/>
       </p:ext>
     </p:extLst>
   </p:cSld>
@@ -10536,7 +8539,7 @@
   <a:extraClrSchemeLst/>
   <a:extLst>
     <a:ext uri="{05A4C25C-085E-4340-85A3-A5531E510DB2}">
-      <thm15:themeFamily xmlns="" xmlns:a="http://schemas.openxmlformats.org/drawingml/2006/main" xmlns:thm15="http://schemas.microsoft.com/office/thememl/2012/main" name="Facet" id="{C0C680CD-088A-49FC-A102-D699147F32B2}" vid="{CFBC31BA-B70F-4F30-BCAA-4F3011E16C4D}"/>
+      <thm15:themeFamily xmlns:thm15="http://schemas.microsoft.com/office/thememl/2012/main" xmlns:a="http://schemas.openxmlformats.org/drawingml/2006/main" xmlns="" name="Facet" id="{C0C680CD-088A-49FC-A102-D699147F32B2}" vid="{CFBC31BA-B70F-4F30-BCAA-4F3011E16C4D}"/>
     </a:ext>
   </a:extLst>
 </a:theme>
@@ -10797,7 +8800,7 @@
   <a:extraClrSchemeLst/>
   <a:extLst>
     <a:ext uri="{05A4C25C-085E-4340-85A3-A5531E510DB2}">
-      <thm15:themeFamily xmlns="" xmlns:a="http://schemas.openxmlformats.org/drawingml/2006/main" xmlns:thm15="http://schemas.microsoft.com/office/thememl/2012/main" name="Office Theme" id="{62F939B6-93AF-4DB8-9C6B-D6C7DFDC589F}" vid="{4A3C46E8-61CC-4603-A589-7422A47A8E4A}"/>
+      <thm15:themeFamily xmlns:thm15="http://schemas.microsoft.com/office/thememl/2012/main" xmlns:a="http://schemas.openxmlformats.org/drawingml/2006/main" xmlns="" name="Office Theme" id="{62F939B6-93AF-4DB8-9C6B-D6C7DFDC589F}" vid="{4A3C46E8-61CC-4603-A589-7422A47A8E4A}"/>
     </a:ext>
   </a:extLst>
 </a:theme>

--- a/Appendix for Git-v1.1.pptx
+++ b/Appendix for Git-v1.1.pptx
@@ -115,7 +115,7 @@
   </p:defaultTextStyle>
   <p:extLst>
     <p:ext uri="{EFAFB233-063F-42B5-8137-9DF3F51BA10A}">
-      <p15:sldGuideLst xmlns:mc="http://schemas.openxmlformats.org/markup-compatibility/2006" xmlns:mv="urn:schemas-microsoft-com:mac:vml" xmlns:p15="http://schemas.microsoft.com/office/powerpoint/2012/main" xmlns:p="http://schemas.openxmlformats.org/presentationml/2006/main" xmlns:r="http://schemas.openxmlformats.org/officeDocument/2006/relationships" xmlns:a="http://schemas.openxmlformats.org/drawingml/2006/main" xmlns="">
+      <p15:sldGuideLst xmlns="" xmlns:a="http://schemas.openxmlformats.org/drawingml/2006/main" xmlns:r="http://schemas.openxmlformats.org/officeDocument/2006/relationships" xmlns:p="http://schemas.openxmlformats.org/presentationml/2006/main" xmlns:p15="http://schemas.microsoft.com/office/powerpoint/2012/main" xmlns:mv="urn:schemas-microsoft-com:mac:vml" xmlns:mc="http://schemas.openxmlformats.org/markup-compatibility/2006">
         <p15:guide id="1" orient="horz" pos="2160">
           <p15:clr>
             <a:srgbClr val="A4A3A4"/>
@@ -137,14 +137,14 @@
   <p:cmAuthor id="1" name="Joseph Sempa" initials="JS" lastIdx="7" clrIdx="0">
     <p:extLst>
       <p:ext uri="{19B8F6BF-5375-455C-9EA6-DF929625EA0E}">
-        <p15:presenceInfo xmlns:mc="http://schemas.openxmlformats.org/markup-compatibility/2006" xmlns:mv="urn:schemas-microsoft-com:mac:vml" xmlns:p15="http://schemas.microsoft.com/office/powerpoint/2012/main" xmlns:p="http://schemas.openxmlformats.org/presentationml/2006/main" xmlns:r="http://schemas.openxmlformats.org/officeDocument/2006/relationships" xmlns:a="http://schemas.openxmlformats.org/drawingml/2006/main" xmlns="" userId="6a318720dea0050f" providerId="Windows Live"/>
+        <p15:presenceInfo xmlns="" xmlns:a="http://schemas.openxmlformats.org/drawingml/2006/main" xmlns:r="http://schemas.openxmlformats.org/officeDocument/2006/relationships" xmlns:p="http://schemas.openxmlformats.org/presentationml/2006/main" xmlns:p15="http://schemas.microsoft.com/office/powerpoint/2012/main" xmlns:mv="urn:schemas-microsoft-com:mac:vml" xmlns:mc="http://schemas.openxmlformats.org/markup-compatibility/2006" userId="6a318720dea0050f" providerId="Windows Live"/>
       </p:ext>
     </p:extLst>
   </p:cmAuthor>
   <p:cmAuthor id="2" name="Eva" initials="E" lastIdx="5" clrIdx="1">
     <p:extLst>
       <p:ext uri="{19B8F6BF-5375-455C-9EA6-DF929625EA0E}">
-        <p15:presenceInfo xmlns:mc="http://schemas.openxmlformats.org/markup-compatibility/2006" xmlns:mv="urn:schemas-microsoft-com:mac:vml" xmlns:p15="http://schemas.microsoft.com/office/powerpoint/2012/main" xmlns:p="http://schemas.openxmlformats.org/presentationml/2006/main" xmlns:r="http://schemas.openxmlformats.org/officeDocument/2006/relationships" xmlns:a="http://schemas.openxmlformats.org/drawingml/2006/main" xmlns="" userId="Eva" providerId="None"/>
+        <p15:presenceInfo xmlns="" xmlns:a="http://schemas.openxmlformats.org/drawingml/2006/main" xmlns:r="http://schemas.openxmlformats.org/officeDocument/2006/relationships" xmlns:p="http://schemas.openxmlformats.org/presentationml/2006/main" xmlns:p15="http://schemas.microsoft.com/office/powerpoint/2012/main" xmlns:mv="urn:schemas-microsoft-com:mac:vml" xmlns:mc="http://schemas.openxmlformats.org/markup-compatibility/2006" userId="Eva" providerId="None"/>
       </p:ext>
     </p:extLst>
   </p:cmAuthor>
@@ -404,7 +404,7 @@
     </p:spTree>
     <p:extLst>
       <p:ext uri="{BB962C8B-B14F-4D97-AF65-F5344CB8AC3E}">
-        <p14:creationId xmlns:mc="http://schemas.openxmlformats.org/markup-compatibility/2006" xmlns:mv="urn:schemas-microsoft-com:mac:vml" xmlns:p14="http://schemas.microsoft.com/office/powerpoint/2010/main" xmlns:p="http://schemas.openxmlformats.org/presentationml/2006/main" xmlns:r="http://schemas.openxmlformats.org/officeDocument/2006/relationships" xmlns:a="http://schemas.openxmlformats.org/drawingml/2006/main" xmlns="" val="2700682020"/>
+        <p14:creationId xmlns="" xmlns:a="http://schemas.openxmlformats.org/drawingml/2006/main" xmlns:r="http://schemas.openxmlformats.org/officeDocument/2006/relationships" xmlns:p="http://schemas.openxmlformats.org/presentationml/2006/main" xmlns:p14="http://schemas.microsoft.com/office/powerpoint/2010/main" xmlns:mv="urn:schemas-microsoft-com:mac:vml" xmlns:mc="http://schemas.openxmlformats.org/markup-compatibility/2006" val="2700682020"/>
       </p:ext>
     </p:extLst>
   </p:cSld>
@@ -614,7 +614,7 @@
     </p:spTree>
     <p:extLst>
       <p:ext uri="{BB962C8B-B14F-4D97-AF65-F5344CB8AC3E}">
-        <p14:creationId xmlns:mc="http://schemas.openxmlformats.org/markup-compatibility/2006" xmlns:mv="urn:schemas-microsoft-com:mac:vml" xmlns:p14="http://schemas.microsoft.com/office/powerpoint/2010/main" xmlns:p="http://schemas.openxmlformats.org/presentationml/2006/main" xmlns:r="http://schemas.openxmlformats.org/officeDocument/2006/relationships" xmlns:a="http://schemas.openxmlformats.org/drawingml/2006/main" xmlns="" val="3125911225"/>
+        <p14:creationId xmlns="" xmlns:a="http://schemas.openxmlformats.org/drawingml/2006/main" xmlns:r="http://schemas.openxmlformats.org/officeDocument/2006/relationships" xmlns:p="http://schemas.openxmlformats.org/presentationml/2006/main" xmlns:p14="http://schemas.microsoft.com/office/powerpoint/2010/main" xmlns:mv="urn:schemas-microsoft-com:mac:vml" xmlns:mc="http://schemas.openxmlformats.org/markup-compatibility/2006" val="3125911225"/>
       </p:ext>
     </p:extLst>
   </p:cSld>
@@ -703,7 +703,7 @@
     </p:spTree>
     <p:extLst>
       <p:ext uri="{BB962C8B-B14F-4D97-AF65-F5344CB8AC3E}">
-        <p14:creationId xmlns:mc="http://schemas.openxmlformats.org/markup-compatibility/2006" xmlns:mv="urn:schemas-microsoft-com:mac:vml" xmlns:p14="http://schemas.microsoft.com/office/powerpoint/2010/main" xmlns:p="http://schemas.openxmlformats.org/presentationml/2006/main" xmlns:r="http://schemas.openxmlformats.org/officeDocument/2006/relationships" xmlns:a="http://schemas.openxmlformats.org/drawingml/2006/main" xmlns="" val="639080925"/>
+        <p14:creationId xmlns="" xmlns:a="http://schemas.openxmlformats.org/drawingml/2006/main" xmlns:r="http://schemas.openxmlformats.org/officeDocument/2006/relationships" xmlns:p="http://schemas.openxmlformats.org/presentationml/2006/main" xmlns:p14="http://schemas.microsoft.com/office/powerpoint/2010/main" xmlns:mv="urn:schemas-microsoft-com:mac:vml" xmlns:mc="http://schemas.openxmlformats.org/markup-compatibility/2006" val="639080925"/>
       </p:ext>
     </p:extLst>
   </p:cSld>
@@ -1488,7 +1488,7 @@
     </p:spTree>
     <p:extLst>
       <p:ext uri="{BB962C8B-B14F-4D97-AF65-F5344CB8AC3E}">
-        <p14:creationId xmlns:mc="http://schemas.openxmlformats.org/markup-compatibility/2006" xmlns:mv="urn:schemas-microsoft-com:mac:vml" xmlns:p14="http://schemas.microsoft.com/office/powerpoint/2010/main" xmlns:p="http://schemas.openxmlformats.org/presentationml/2006/main" xmlns:r="http://schemas.openxmlformats.org/officeDocument/2006/relationships" xmlns:a="http://schemas.openxmlformats.org/drawingml/2006/main" xmlns="" val="2241209880"/>
+        <p14:creationId xmlns="" xmlns:a="http://schemas.openxmlformats.org/drawingml/2006/main" xmlns:r="http://schemas.openxmlformats.org/officeDocument/2006/relationships" xmlns:p="http://schemas.openxmlformats.org/presentationml/2006/main" xmlns:p14="http://schemas.microsoft.com/office/powerpoint/2010/main" xmlns:mv="urn:schemas-microsoft-com:mac:vml" xmlns:mc="http://schemas.openxmlformats.org/markup-compatibility/2006" val="2241209880"/>
       </p:ext>
     </p:extLst>
   </p:cSld>
@@ -1741,7 +1741,7 @@
     </p:spTree>
     <p:extLst>
       <p:ext uri="{BB962C8B-B14F-4D97-AF65-F5344CB8AC3E}">
-        <p14:creationId xmlns:mc="http://schemas.openxmlformats.org/markup-compatibility/2006" xmlns:mv="urn:schemas-microsoft-com:mac:vml" xmlns:p14="http://schemas.microsoft.com/office/powerpoint/2010/main" xmlns:p="http://schemas.openxmlformats.org/presentationml/2006/main" xmlns:r="http://schemas.openxmlformats.org/officeDocument/2006/relationships" xmlns:a="http://schemas.openxmlformats.org/drawingml/2006/main" xmlns="" val="2131812249"/>
+        <p14:creationId xmlns="" xmlns:a="http://schemas.openxmlformats.org/drawingml/2006/main" xmlns:r="http://schemas.openxmlformats.org/officeDocument/2006/relationships" xmlns:p="http://schemas.openxmlformats.org/presentationml/2006/main" xmlns:p14="http://schemas.microsoft.com/office/powerpoint/2010/main" xmlns:mv="urn:schemas-microsoft-com:mac:vml" xmlns:mc="http://schemas.openxmlformats.org/markup-compatibility/2006" val="2131812249"/>
       </p:ext>
     </p:extLst>
   </p:cSld>
@@ -2147,7 +2147,7 @@
     </p:spTree>
     <p:extLst>
       <p:ext uri="{BB962C8B-B14F-4D97-AF65-F5344CB8AC3E}">
-        <p14:creationId xmlns:mc="http://schemas.openxmlformats.org/markup-compatibility/2006" xmlns:mv="urn:schemas-microsoft-com:mac:vml" xmlns:p14="http://schemas.microsoft.com/office/powerpoint/2010/main" xmlns:p="http://schemas.openxmlformats.org/presentationml/2006/main" xmlns:r="http://schemas.openxmlformats.org/officeDocument/2006/relationships" xmlns:a="http://schemas.openxmlformats.org/drawingml/2006/main" xmlns="" val="2239895635"/>
+        <p14:creationId xmlns="" xmlns:a="http://schemas.openxmlformats.org/drawingml/2006/main" xmlns:r="http://schemas.openxmlformats.org/officeDocument/2006/relationships" xmlns:p="http://schemas.openxmlformats.org/presentationml/2006/main" xmlns:p14="http://schemas.microsoft.com/office/powerpoint/2010/main" xmlns:mv="urn:schemas-microsoft-com:mac:vml" xmlns:mc="http://schemas.openxmlformats.org/markup-compatibility/2006" val="2239895635"/>
       </p:ext>
     </p:extLst>
   </p:cSld>
@@ -2400,7 +2400,7 @@
     </p:spTree>
     <p:extLst>
       <p:ext uri="{BB962C8B-B14F-4D97-AF65-F5344CB8AC3E}">
-        <p14:creationId xmlns:mc="http://schemas.openxmlformats.org/markup-compatibility/2006" xmlns:mv="urn:schemas-microsoft-com:mac:vml" xmlns:p14="http://schemas.microsoft.com/office/powerpoint/2010/main" xmlns:p="http://schemas.openxmlformats.org/presentationml/2006/main" xmlns:r="http://schemas.openxmlformats.org/officeDocument/2006/relationships" xmlns:a="http://schemas.openxmlformats.org/drawingml/2006/main" xmlns="" val="1147813802"/>
+        <p14:creationId xmlns="" xmlns:a="http://schemas.openxmlformats.org/drawingml/2006/main" xmlns:r="http://schemas.openxmlformats.org/officeDocument/2006/relationships" xmlns:p="http://schemas.openxmlformats.org/presentationml/2006/main" xmlns:p14="http://schemas.microsoft.com/office/powerpoint/2010/main" xmlns:mv="urn:schemas-microsoft-com:mac:vml" xmlns:mc="http://schemas.openxmlformats.org/markup-compatibility/2006" val="1147813802"/>
       </p:ext>
     </p:extLst>
   </p:cSld>
@@ -2798,7 +2798,7 @@
     </p:spTree>
     <p:extLst>
       <p:ext uri="{BB962C8B-B14F-4D97-AF65-F5344CB8AC3E}">
-        <p14:creationId xmlns:mc="http://schemas.openxmlformats.org/markup-compatibility/2006" xmlns:mv="urn:schemas-microsoft-com:mac:vml" xmlns:p14="http://schemas.microsoft.com/office/powerpoint/2010/main" xmlns:p="http://schemas.openxmlformats.org/presentationml/2006/main" xmlns:r="http://schemas.openxmlformats.org/officeDocument/2006/relationships" xmlns:a="http://schemas.openxmlformats.org/drawingml/2006/main" xmlns="" val="211510257"/>
+        <p14:creationId xmlns="" xmlns:a="http://schemas.openxmlformats.org/drawingml/2006/main" xmlns:r="http://schemas.openxmlformats.org/officeDocument/2006/relationships" xmlns:p="http://schemas.openxmlformats.org/presentationml/2006/main" xmlns:p14="http://schemas.microsoft.com/office/powerpoint/2010/main" xmlns:mv="urn:schemas-microsoft-com:mac:vml" xmlns:mc="http://schemas.openxmlformats.org/markup-compatibility/2006" val="211510257"/>
       </p:ext>
     </p:extLst>
   </p:cSld>
@@ -3111,7 +3111,7 @@
     </p:spTree>
     <p:extLst>
       <p:ext uri="{BB962C8B-B14F-4D97-AF65-F5344CB8AC3E}">
-        <p14:creationId xmlns:mc="http://schemas.openxmlformats.org/markup-compatibility/2006" xmlns:mv="urn:schemas-microsoft-com:mac:vml" xmlns:p14="http://schemas.microsoft.com/office/powerpoint/2010/main" xmlns:p="http://schemas.openxmlformats.org/presentationml/2006/main" xmlns:r="http://schemas.openxmlformats.org/officeDocument/2006/relationships" xmlns:a="http://schemas.openxmlformats.org/drawingml/2006/main" xmlns="" val="2904196083"/>
+        <p14:creationId xmlns="" xmlns:a="http://schemas.openxmlformats.org/drawingml/2006/main" xmlns:r="http://schemas.openxmlformats.org/officeDocument/2006/relationships" xmlns:p="http://schemas.openxmlformats.org/presentationml/2006/main" xmlns:p14="http://schemas.microsoft.com/office/powerpoint/2010/main" xmlns:mv="urn:schemas-microsoft-com:mac:vml" xmlns:mc="http://schemas.openxmlformats.org/markup-compatibility/2006" val="2904196083"/>
       </p:ext>
     </p:extLst>
   </p:cSld>
@@ -3283,7 +3283,7 @@
     </p:spTree>
     <p:extLst>
       <p:ext uri="{BB962C8B-B14F-4D97-AF65-F5344CB8AC3E}">
-        <p14:creationId xmlns:mc="http://schemas.openxmlformats.org/markup-compatibility/2006" xmlns:mv="urn:schemas-microsoft-com:mac:vml" xmlns:p14="http://schemas.microsoft.com/office/powerpoint/2010/main" xmlns:p="http://schemas.openxmlformats.org/presentationml/2006/main" xmlns:r="http://schemas.openxmlformats.org/officeDocument/2006/relationships" xmlns:a="http://schemas.openxmlformats.org/drawingml/2006/main" xmlns="" val="1254396012"/>
+        <p14:creationId xmlns="" xmlns:a="http://schemas.openxmlformats.org/drawingml/2006/main" xmlns:r="http://schemas.openxmlformats.org/officeDocument/2006/relationships" xmlns:p="http://schemas.openxmlformats.org/presentationml/2006/main" xmlns:p14="http://schemas.microsoft.com/office/powerpoint/2010/main" xmlns:mv="urn:schemas-microsoft-com:mac:vml" xmlns:mc="http://schemas.openxmlformats.org/markup-compatibility/2006" val="1254396012"/>
       </p:ext>
     </p:extLst>
   </p:cSld>
@@ -3465,7 +3465,7 @@
     </p:spTree>
     <p:extLst>
       <p:ext uri="{BB962C8B-B14F-4D97-AF65-F5344CB8AC3E}">
-        <p14:creationId xmlns:mc="http://schemas.openxmlformats.org/markup-compatibility/2006" xmlns:mv="urn:schemas-microsoft-com:mac:vml" xmlns:p14="http://schemas.microsoft.com/office/powerpoint/2010/main" xmlns:p="http://schemas.openxmlformats.org/presentationml/2006/main" xmlns:r="http://schemas.openxmlformats.org/officeDocument/2006/relationships" xmlns:a="http://schemas.openxmlformats.org/drawingml/2006/main" xmlns="" val="1959831598"/>
+        <p14:creationId xmlns="" xmlns:a="http://schemas.openxmlformats.org/drawingml/2006/main" xmlns:r="http://schemas.openxmlformats.org/officeDocument/2006/relationships" xmlns:p="http://schemas.openxmlformats.org/presentationml/2006/main" xmlns:p14="http://schemas.microsoft.com/office/powerpoint/2010/main" xmlns:mv="urn:schemas-microsoft-com:mac:vml" xmlns:mc="http://schemas.openxmlformats.org/markup-compatibility/2006" val="1959831598"/>
       </p:ext>
     </p:extLst>
   </p:cSld>
@@ -3643,7 +3643,7 @@
     </p:spTree>
     <p:extLst>
       <p:ext uri="{BB962C8B-B14F-4D97-AF65-F5344CB8AC3E}">
-        <p14:creationId xmlns:mc="http://schemas.openxmlformats.org/markup-compatibility/2006" xmlns:mv="urn:schemas-microsoft-com:mac:vml" xmlns:p14="http://schemas.microsoft.com/office/powerpoint/2010/main" xmlns:p="http://schemas.openxmlformats.org/presentationml/2006/main" xmlns:r="http://schemas.openxmlformats.org/officeDocument/2006/relationships" xmlns:a="http://schemas.openxmlformats.org/drawingml/2006/main" xmlns="" val="1037308338"/>
+        <p14:creationId xmlns="" xmlns:a="http://schemas.openxmlformats.org/drawingml/2006/main" xmlns:r="http://schemas.openxmlformats.org/officeDocument/2006/relationships" xmlns:p="http://schemas.openxmlformats.org/presentationml/2006/main" xmlns:p14="http://schemas.microsoft.com/office/powerpoint/2010/main" xmlns:mv="urn:schemas-microsoft-com:mac:vml" xmlns:mc="http://schemas.openxmlformats.org/markup-compatibility/2006" val="1037308338"/>
       </p:ext>
     </p:extLst>
   </p:cSld>
@@ -3892,7 +3892,7 @@
     </p:spTree>
     <p:extLst>
       <p:ext uri="{BB962C8B-B14F-4D97-AF65-F5344CB8AC3E}">
-        <p14:creationId xmlns:mc="http://schemas.openxmlformats.org/markup-compatibility/2006" xmlns:mv="urn:schemas-microsoft-com:mac:vml" xmlns:p14="http://schemas.microsoft.com/office/powerpoint/2010/main" xmlns:p="http://schemas.openxmlformats.org/presentationml/2006/main" xmlns:r="http://schemas.openxmlformats.org/officeDocument/2006/relationships" xmlns:a="http://schemas.openxmlformats.org/drawingml/2006/main" xmlns="" val="1433787486"/>
+        <p14:creationId xmlns="" xmlns:a="http://schemas.openxmlformats.org/drawingml/2006/main" xmlns:r="http://schemas.openxmlformats.org/officeDocument/2006/relationships" xmlns:p="http://schemas.openxmlformats.org/presentationml/2006/main" xmlns:p14="http://schemas.microsoft.com/office/powerpoint/2010/main" xmlns:mv="urn:schemas-microsoft-com:mac:vml" xmlns:mc="http://schemas.openxmlformats.org/markup-compatibility/2006" val="1433787486"/>
       </p:ext>
     </p:extLst>
   </p:cSld>
@@ -4126,7 +4126,7 @@
     </p:spTree>
     <p:extLst>
       <p:ext uri="{BB962C8B-B14F-4D97-AF65-F5344CB8AC3E}">
-        <p14:creationId xmlns:mc="http://schemas.openxmlformats.org/markup-compatibility/2006" xmlns:mv="urn:schemas-microsoft-com:mac:vml" xmlns:p14="http://schemas.microsoft.com/office/powerpoint/2010/main" xmlns:p="http://schemas.openxmlformats.org/presentationml/2006/main" xmlns:r="http://schemas.openxmlformats.org/officeDocument/2006/relationships" xmlns:a="http://schemas.openxmlformats.org/drawingml/2006/main" xmlns="" val="3343638220"/>
+        <p14:creationId xmlns="" xmlns:a="http://schemas.openxmlformats.org/drawingml/2006/main" xmlns:r="http://schemas.openxmlformats.org/officeDocument/2006/relationships" xmlns:p="http://schemas.openxmlformats.org/presentationml/2006/main" xmlns:p14="http://schemas.microsoft.com/office/powerpoint/2010/main" xmlns:mv="urn:schemas-microsoft-com:mac:vml" xmlns:mc="http://schemas.openxmlformats.org/markup-compatibility/2006" val="3343638220"/>
       </p:ext>
     </p:extLst>
   </p:cSld>
@@ -4502,7 +4502,7 @@
     </p:spTree>
     <p:extLst>
       <p:ext uri="{BB962C8B-B14F-4D97-AF65-F5344CB8AC3E}">
-        <p14:creationId xmlns:mc="http://schemas.openxmlformats.org/markup-compatibility/2006" xmlns:mv="urn:schemas-microsoft-com:mac:vml" xmlns:p14="http://schemas.microsoft.com/office/powerpoint/2010/main" xmlns:p="http://schemas.openxmlformats.org/presentationml/2006/main" xmlns:r="http://schemas.openxmlformats.org/officeDocument/2006/relationships" xmlns:a="http://schemas.openxmlformats.org/drawingml/2006/main" xmlns="" val="3657773564"/>
+        <p14:creationId xmlns="" xmlns:a="http://schemas.openxmlformats.org/drawingml/2006/main" xmlns:r="http://schemas.openxmlformats.org/officeDocument/2006/relationships" xmlns:p="http://schemas.openxmlformats.org/presentationml/2006/main" xmlns:p14="http://schemas.microsoft.com/office/powerpoint/2010/main" xmlns:mv="urn:schemas-microsoft-com:mac:vml" xmlns:mc="http://schemas.openxmlformats.org/markup-compatibility/2006" val="3657773564"/>
       </p:ext>
     </p:extLst>
   </p:cSld>
@@ -4627,7 +4627,7 @@
     </p:spTree>
     <p:extLst>
       <p:ext uri="{BB962C8B-B14F-4D97-AF65-F5344CB8AC3E}">
-        <p14:creationId xmlns:mc="http://schemas.openxmlformats.org/markup-compatibility/2006" xmlns:mv="urn:schemas-microsoft-com:mac:vml" xmlns:p14="http://schemas.microsoft.com/office/powerpoint/2010/main" xmlns:p="http://schemas.openxmlformats.org/presentationml/2006/main" xmlns:r="http://schemas.openxmlformats.org/officeDocument/2006/relationships" xmlns:a="http://schemas.openxmlformats.org/drawingml/2006/main" xmlns="" val="1859816651"/>
+        <p14:creationId xmlns="" xmlns:a="http://schemas.openxmlformats.org/drawingml/2006/main" xmlns:r="http://schemas.openxmlformats.org/officeDocument/2006/relationships" xmlns:p="http://schemas.openxmlformats.org/presentationml/2006/main" xmlns:p14="http://schemas.microsoft.com/office/powerpoint/2010/main" xmlns:mv="urn:schemas-microsoft-com:mac:vml" xmlns:mc="http://schemas.openxmlformats.org/markup-compatibility/2006" val="1859816651"/>
       </p:ext>
     </p:extLst>
   </p:cSld>
@@ -4724,7 +4724,7 @@
     </p:spTree>
     <p:extLst>
       <p:ext uri="{BB962C8B-B14F-4D97-AF65-F5344CB8AC3E}">
-        <p14:creationId xmlns:mc="http://schemas.openxmlformats.org/markup-compatibility/2006" xmlns:mv="urn:schemas-microsoft-com:mac:vml" xmlns:p14="http://schemas.microsoft.com/office/powerpoint/2010/main" xmlns:p="http://schemas.openxmlformats.org/presentationml/2006/main" xmlns:r="http://schemas.openxmlformats.org/officeDocument/2006/relationships" xmlns:a="http://schemas.openxmlformats.org/drawingml/2006/main" xmlns="" val="3429186225"/>
+        <p14:creationId xmlns="" xmlns:a="http://schemas.openxmlformats.org/drawingml/2006/main" xmlns:r="http://schemas.openxmlformats.org/officeDocument/2006/relationships" xmlns:p="http://schemas.openxmlformats.org/presentationml/2006/main" xmlns:p14="http://schemas.microsoft.com/office/powerpoint/2010/main" xmlns:mv="urn:schemas-microsoft-com:mac:vml" xmlns:mc="http://schemas.openxmlformats.org/markup-compatibility/2006" val="3429186225"/>
       </p:ext>
     </p:extLst>
   </p:cSld>
@@ -4981,7 +4981,7 @@
     </p:spTree>
     <p:extLst>
       <p:ext uri="{BB962C8B-B14F-4D97-AF65-F5344CB8AC3E}">
-        <p14:creationId xmlns:mc="http://schemas.openxmlformats.org/markup-compatibility/2006" xmlns:mv="urn:schemas-microsoft-com:mac:vml" xmlns:p14="http://schemas.microsoft.com/office/powerpoint/2010/main" xmlns:p="http://schemas.openxmlformats.org/presentationml/2006/main" xmlns:r="http://schemas.openxmlformats.org/officeDocument/2006/relationships" xmlns:a="http://schemas.openxmlformats.org/drawingml/2006/main" xmlns="" val="2720025707"/>
+        <p14:creationId xmlns="" xmlns:a="http://schemas.openxmlformats.org/drawingml/2006/main" xmlns:r="http://schemas.openxmlformats.org/officeDocument/2006/relationships" xmlns:p="http://schemas.openxmlformats.org/presentationml/2006/main" xmlns:p14="http://schemas.microsoft.com/office/powerpoint/2010/main" xmlns:mv="urn:schemas-microsoft-com:mac:vml" xmlns:mc="http://schemas.openxmlformats.org/markup-compatibility/2006" val="2720025707"/>
       </p:ext>
     </p:extLst>
   </p:cSld>
@@ -5246,7 +5246,7 @@
     </p:spTree>
     <p:extLst>
       <p:ext uri="{BB962C8B-B14F-4D97-AF65-F5344CB8AC3E}">
-        <p14:creationId xmlns:mc="http://schemas.openxmlformats.org/markup-compatibility/2006" xmlns:mv="urn:schemas-microsoft-com:mac:vml" xmlns:p14="http://schemas.microsoft.com/office/powerpoint/2010/main" xmlns:p="http://schemas.openxmlformats.org/presentationml/2006/main" xmlns:r="http://schemas.openxmlformats.org/officeDocument/2006/relationships" xmlns:a="http://schemas.openxmlformats.org/drawingml/2006/main" xmlns="" val="2613492434"/>
+        <p14:creationId xmlns="" xmlns:a="http://schemas.openxmlformats.org/drawingml/2006/main" xmlns:r="http://schemas.openxmlformats.org/officeDocument/2006/relationships" xmlns:p="http://schemas.openxmlformats.org/presentationml/2006/main" xmlns:p14="http://schemas.microsoft.com/office/powerpoint/2010/main" xmlns:mv="urn:schemas-microsoft-com:mac:vml" xmlns:mc="http://schemas.openxmlformats.org/markup-compatibility/2006" val="2613492434"/>
       </p:ext>
     </p:extLst>
   </p:cSld>
@@ -6025,7 +6025,7 @@
     </p:spTree>
     <p:extLst>
       <p:ext uri="{BB962C8B-B14F-4D97-AF65-F5344CB8AC3E}">
-        <p14:creationId xmlns:mc="http://schemas.openxmlformats.org/markup-compatibility/2006" xmlns:mv="urn:schemas-microsoft-com:mac:vml" xmlns:p14="http://schemas.microsoft.com/office/powerpoint/2010/main" xmlns:p="http://schemas.openxmlformats.org/presentationml/2006/main" xmlns:r="http://schemas.openxmlformats.org/officeDocument/2006/relationships" xmlns:a="http://schemas.openxmlformats.org/drawingml/2006/main" xmlns="" val="4009987634"/>
+        <p14:creationId xmlns="" xmlns:a="http://schemas.openxmlformats.org/drawingml/2006/main" xmlns:r="http://schemas.openxmlformats.org/officeDocument/2006/relationships" xmlns:p="http://schemas.openxmlformats.org/presentationml/2006/main" xmlns:p14="http://schemas.microsoft.com/office/powerpoint/2010/main" xmlns:mv="urn:schemas-microsoft-com:mac:vml" xmlns:mc="http://schemas.openxmlformats.org/markup-compatibility/2006" val="4009987634"/>
       </p:ext>
     </p:extLst>
   </p:cSld>
@@ -6476,8 +6476,8 @@
         </p:nvSpPr>
         <p:spPr>
           <a:xfrm>
-            <a:off x="1507067" y="1739517"/>
-            <a:ext cx="7766936" cy="1646302"/>
+            <a:off x="793782" y="1779201"/>
+            <a:ext cx="8519910" cy="1646302"/>
           </a:xfrm>
         </p:spPr>
         <p:txBody>
@@ -6540,7 +6540,7 @@
     </p:spTree>
     <p:extLst>
       <p:ext uri="{BB962C8B-B14F-4D97-AF65-F5344CB8AC3E}">
-        <p14:creationId xmlns:mc="http://schemas.openxmlformats.org/markup-compatibility/2006" xmlns:mv="urn:schemas-microsoft-com:mac:vml" xmlns:p14="http://schemas.microsoft.com/office/powerpoint/2010/main" xmlns:p="http://schemas.openxmlformats.org/presentationml/2006/main" xmlns:r="http://schemas.openxmlformats.org/officeDocument/2006/relationships" xmlns:a="http://schemas.openxmlformats.org/drawingml/2006/main" xmlns="" val="3087260744"/>
+        <p14:creationId xmlns="" xmlns:a="http://schemas.openxmlformats.org/drawingml/2006/main" xmlns:r="http://schemas.openxmlformats.org/officeDocument/2006/relationships" xmlns:p="http://schemas.openxmlformats.org/presentationml/2006/main" xmlns:p14="http://schemas.microsoft.com/office/powerpoint/2010/main" xmlns:mv="urn:schemas-microsoft-com:mac:vml" xmlns:mc="http://schemas.openxmlformats.org/markup-compatibility/2006" val="3087260744"/>
       </p:ext>
     </p:extLst>
   </p:cSld>
@@ -6812,7 +6812,7 @@
     </p:spTree>
     <p:extLst>
       <p:ext uri="{BB962C8B-B14F-4D97-AF65-F5344CB8AC3E}">
-        <p14:creationId xmlns:mc="http://schemas.openxmlformats.org/markup-compatibility/2006" xmlns:mv="urn:schemas-microsoft-com:mac:vml" xmlns:p14="http://schemas.microsoft.com/office/powerpoint/2010/main" xmlns:p="http://schemas.openxmlformats.org/presentationml/2006/main" xmlns:r="http://schemas.openxmlformats.org/officeDocument/2006/relationships" xmlns:a="http://schemas.openxmlformats.org/drawingml/2006/main" xmlns="" val="1691310875"/>
+        <p14:creationId xmlns="" xmlns:a="http://schemas.openxmlformats.org/drawingml/2006/main" xmlns:r="http://schemas.openxmlformats.org/officeDocument/2006/relationships" xmlns:p="http://schemas.openxmlformats.org/presentationml/2006/main" xmlns:p14="http://schemas.microsoft.com/office/powerpoint/2010/main" xmlns:mv="urn:schemas-microsoft-com:mac:vml" xmlns:mc="http://schemas.openxmlformats.org/markup-compatibility/2006" val="1691310875"/>
       </p:ext>
     </p:extLst>
   </p:cSld>
@@ -7037,7 +7037,7 @@
     </p:spTree>
     <p:extLst>
       <p:ext uri="{BB962C8B-B14F-4D97-AF65-F5344CB8AC3E}">
-        <p14:creationId xmlns:mc="http://schemas.openxmlformats.org/markup-compatibility/2006" xmlns:mv="urn:schemas-microsoft-com:mac:vml" xmlns:p14="http://schemas.microsoft.com/office/powerpoint/2010/main" xmlns:p="http://schemas.openxmlformats.org/presentationml/2006/main" xmlns:r="http://schemas.openxmlformats.org/officeDocument/2006/relationships" xmlns:a="http://schemas.openxmlformats.org/drawingml/2006/main" xmlns="" val="2617072906"/>
+        <p14:creationId xmlns="" xmlns:a="http://schemas.openxmlformats.org/drawingml/2006/main" xmlns:r="http://schemas.openxmlformats.org/officeDocument/2006/relationships" xmlns:p="http://schemas.openxmlformats.org/presentationml/2006/main" xmlns:p14="http://schemas.microsoft.com/office/powerpoint/2010/main" xmlns:mv="urn:schemas-microsoft-com:mac:vml" xmlns:mc="http://schemas.openxmlformats.org/markup-compatibility/2006" val="2617072906"/>
       </p:ext>
     </p:extLst>
   </p:cSld>
@@ -7515,7 +7515,7 @@
     </p:spTree>
     <p:extLst>
       <p:ext uri="{BB962C8B-B14F-4D97-AF65-F5344CB8AC3E}">
-        <p14:creationId xmlns:mc="http://schemas.openxmlformats.org/markup-compatibility/2006" xmlns:mv="urn:schemas-microsoft-com:mac:vml" xmlns:p14="http://schemas.microsoft.com/office/powerpoint/2010/main" xmlns:p="http://schemas.openxmlformats.org/presentationml/2006/main" xmlns:r="http://schemas.openxmlformats.org/officeDocument/2006/relationships" xmlns:a="http://schemas.openxmlformats.org/drawingml/2006/main" xmlns="" val="3276086069"/>
+        <p14:creationId xmlns="" xmlns:a="http://schemas.openxmlformats.org/drawingml/2006/main" xmlns:r="http://schemas.openxmlformats.org/officeDocument/2006/relationships" xmlns:p="http://schemas.openxmlformats.org/presentationml/2006/main" xmlns:p14="http://schemas.microsoft.com/office/powerpoint/2010/main" xmlns:mv="urn:schemas-microsoft-com:mac:vml" xmlns:mc="http://schemas.openxmlformats.org/markup-compatibility/2006" val="3276086069"/>
       </p:ext>
     </p:extLst>
   </p:cSld>
@@ -7876,7 +7876,7 @@
     </p:spTree>
     <p:extLst>
       <p:ext uri="{BB962C8B-B14F-4D97-AF65-F5344CB8AC3E}">
-        <p14:creationId xmlns:mc="http://schemas.openxmlformats.org/markup-compatibility/2006" xmlns:mv="urn:schemas-microsoft-com:mac:vml" xmlns:p14="http://schemas.microsoft.com/office/powerpoint/2010/main" xmlns:p="http://schemas.openxmlformats.org/presentationml/2006/main" xmlns:r="http://schemas.openxmlformats.org/officeDocument/2006/relationships" xmlns:a="http://schemas.openxmlformats.org/drawingml/2006/main" xmlns="" val="520927691"/>
+        <p14:creationId xmlns="" xmlns:a="http://schemas.openxmlformats.org/drawingml/2006/main" xmlns:r="http://schemas.openxmlformats.org/officeDocument/2006/relationships" xmlns:p="http://schemas.openxmlformats.org/presentationml/2006/main" xmlns:p14="http://schemas.microsoft.com/office/powerpoint/2010/main" xmlns:mv="urn:schemas-microsoft-com:mac:vml" xmlns:mc="http://schemas.openxmlformats.org/markup-compatibility/2006" val="520927691"/>
       </p:ext>
     </p:extLst>
   </p:cSld>
@@ -8271,7 +8271,7 @@
     </p:spTree>
     <p:extLst>
       <p:ext uri="{BB962C8B-B14F-4D97-AF65-F5344CB8AC3E}">
-        <p14:creationId xmlns:mc="http://schemas.openxmlformats.org/markup-compatibility/2006" xmlns:mv="urn:schemas-microsoft-com:mac:vml" xmlns:p14="http://schemas.microsoft.com/office/powerpoint/2010/main" xmlns:p="http://schemas.openxmlformats.org/presentationml/2006/main" xmlns:r="http://schemas.openxmlformats.org/officeDocument/2006/relationships" xmlns:a="http://schemas.openxmlformats.org/drawingml/2006/main" xmlns="" val="2955015948"/>
+        <p14:creationId xmlns="" xmlns:a="http://schemas.openxmlformats.org/drawingml/2006/main" xmlns:r="http://schemas.openxmlformats.org/officeDocument/2006/relationships" xmlns:p="http://schemas.openxmlformats.org/presentationml/2006/main" xmlns:p14="http://schemas.microsoft.com/office/powerpoint/2010/main" xmlns:mv="urn:schemas-microsoft-com:mac:vml" xmlns:mc="http://schemas.openxmlformats.org/markup-compatibility/2006" val="2955015948"/>
       </p:ext>
     </p:extLst>
   </p:cSld>
@@ -8539,7 +8539,7 @@
   <a:extraClrSchemeLst/>
   <a:extLst>
     <a:ext uri="{05A4C25C-085E-4340-85A3-A5531E510DB2}">
-      <thm15:themeFamily xmlns:thm15="http://schemas.microsoft.com/office/thememl/2012/main" xmlns:a="http://schemas.openxmlformats.org/drawingml/2006/main" xmlns="" name="Facet" id="{C0C680CD-088A-49FC-A102-D699147F32B2}" vid="{CFBC31BA-B70F-4F30-BCAA-4F3011E16C4D}"/>
+      <thm15:themeFamily xmlns="" xmlns:a="http://schemas.openxmlformats.org/drawingml/2006/main" xmlns:thm15="http://schemas.microsoft.com/office/thememl/2012/main" name="Facet" id="{C0C680CD-088A-49FC-A102-D699147F32B2}" vid="{CFBC31BA-B70F-4F30-BCAA-4F3011E16C4D}"/>
     </a:ext>
   </a:extLst>
 </a:theme>
@@ -8800,7 +8800,7 @@
   <a:extraClrSchemeLst/>
   <a:extLst>
     <a:ext uri="{05A4C25C-085E-4340-85A3-A5531E510DB2}">
-      <thm15:themeFamily xmlns:thm15="http://schemas.microsoft.com/office/thememl/2012/main" xmlns:a="http://schemas.openxmlformats.org/drawingml/2006/main" xmlns="" name="Office Theme" id="{62F939B6-93AF-4DB8-9C6B-D6C7DFDC589F}" vid="{4A3C46E8-61CC-4603-A589-7422A47A8E4A}"/>
+      <thm15:themeFamily xmlns="" xmlns:a="http://schemas.openxmlformats.org/drawingml/2006/main" xmlns:thm15="http://schemas.microsoft.com/office/thememl/2012/main" name="Office Theme" id="{62F939B6-93AF-4DB8-9C6B-D6C7DFDC589F}" vid="{4A3C46E8-61CC-4603-A589-7422A47A8E4A}"/>
     </a:ext>
   </a:extLst>
 </a:theme>

--- a/Appendix for Git-v1.1.pptx
+++ b/Appendix for Git-v1.1.pptx
@@ -1,6 +1,6 @@
 
 <file path=ppt/presentation.xml><?xml version="1.0" encoding="utf-8"?>
-<p:presentation xmlns:a="http://schemas.openxmlformats.org/drawingml/2006/main" xmlns:r="http://schemas.openxmlformats.org/officeDocument/2006/relationships" xmlns:mc="http://schemas.openxmlformats.org/markup-compatibility/2006" xmlns:mv="urn:schemas-microsoft-com:mac:vml" xmlns:p="http://schemas.openxmlformats.org/presentationml/2006/main" mc:Ignorable="mv" mc:PreserveAttributes="mv:*" saveSubsetFonts="1">
+<p:presentation xmlns:a="http://schemas.openxmlformats.org/drawingml/2006/main" xmlns:r="http://schemas.openxmlformats.org/officeDocument/2006/relationships" xmlns:p="http://schemas.openxmlformats.org/presentationml/2006/main" saveSubsetFonts="1">
   <p:sldMasterIdLst>
     <p:sldMasterId id="2147483707" r:id="rId1"/>
   </p:sldMasterIdLst>
@@ -115,7 +115,7 @@
   </p:defaultTextStyle>
   <p:extLst>
     <p:ext uri="{EFAFB233-063F-42B5-8137-9DF3F51BA10A}">
-      <p15:sldGuideLst xmlns="" xmlns:a="http://schemas.openxmlformats.org/drawingml/2006/main" xmlns:r="http://schemas.openxmlformats.org/officeDocument/2006/relationships" xmlns:p="http://schemas.openxmlformats.org/presentationml/2006/main" xmlns:p15="http://schemas.microsoft.com/office/powerpoint/2012/main" xmlns:mv="urn:schemas-microsoft-com:mac:vml" xmlns:mc="http://schemas.openxmlformats.org/markup-compatibility/2006">
+      <p15:sldGuideLst xmlns:p15="http://schemas.microsoft.com/office/powerpoint/2012/main">
         <p15:guide id="1" orient="horz" pos="2160">
           <p15:clr>
             <a:srgbClr val="A4A3A4"/>
@@ -133,18 +133,18 @@
 </file>
 
 <file path=ppt/commentAuthors.xml><?xml version="1.0" encoding="utf-8"?>
-<p:cmAuthorLst xmlns:a="http://schemas.openxmlformats.org/drawingml/2006/main" xmlns:r="http://schemas.openxmlformats.org/officeDocument/2006/relationships" xmlns:mc="http://schemas.openxmlformats.org/markup-compatibility/2006" xmlns:mv="urn:schemas-microsoft-com:mac:vml" xmlns:p="http://schemas.openxmlformats.org/presentationml/2006/main" mc:Ignorable="mv" mc:PreserveAttributes="mv:*">
+<p:cmAuthorLst xmlns:a="http://schemas.openxmlformats.org/drawingml/2006/main" xmlns:r="http://schemas.openxmlformats.org/officeDocument/2006/relationships" xmlns:p="http://schemas.openxmlformats.org/presentationml/2006/main">
   <p:cmAuthor id="1" name="Joseph Sempa" initials="JS" lastIdx="7" clrIdx="0">
     <p:extLst>
       <p:ext uri="{19B8F6BF-5375-455C-9EA6-DF929625EA0E}">
-        <p15:presenceInfo xmlns="" xmlns:a="http://schemas.openxmlformats.org/drawingml/2006/main" xmlns:r="http://schemas.openxmlformats.org/officeDocument/2006/relationships" xmlns:p="http://schemas.openxmlformats.org/presentationml/2006/main" xmlns:p15="http://schemas.microsoft.com/office/powerpoint/2012/main" xmlns:mv="urn:schemas-microsoft-com:mac:vml" xmlns:mc="http://schemas.openxmlformats.org/markup-compatibility/2006" userId="6a318720dea0050f" providerId="Windows Live"/>
+        <p15:presenceInfo xmlns:p15="http://schemas.microsoft.com/office/powerpoint/2012/main" userId="6a318720dea0050f" providerId="Windows Live"/>
       </p:ext>
     </p:extLst>
   </p:cmAuthor>
   <p:cmAuthor id="2" name="Eva" initials="E" lastIdx="5" clrIdx="1">
     <p:extLst>
       <p:ext uri="{19B8F6BF-5375-455C-9EA6-DF929625EA0E}">
-        <p15:presenceInfo xmlns="" xmlns:a="http://schemas.openxmlformats.org/drawingml/2006/main" xmlns:r="http://schemas.openxmlformats.org/officeDocument/2006/relationships" xmlns:p="http://schemas.openxmlformats.org/presentationml/2006/main" xmlns:p15="http://schemas.microsoft.com/office/powerpoint/2012/main" xmlns:mv="urn:schemas-microsoft-com:mac:vml" xmlns:mc="http://schemas.openxmlformats.org/markup-compatibility/2006" userId="Eva" providerId="None"/>
+        <p15:presenceInfo xmlns:p15="http://schemas.microsoft.com/office/powerpoint/2012/main" userId="Eva" providerId="None"/>
       </p:ext>
     </p:extLst>
   </p:cmAuthor>
@@ -153,7 +153,7 @@
 </file>
 
 <file path=ppt/notesMasters/notesMaster1.xml><?xml version="1.0" encoding="utf-8"?>
-<p:notesMaster xmlns:a="http://schemas.openxmlformats.org/drawingml/2006/main" xmlns:r="http://schemas.openxmlformats.org/officeDocument/2006/relationships" xmlns:mc="http://schemas.openxmlformats.org/markup-compatibility/2006" xmlns:mv="urn:schemas-microsoft-com:mac:vml" xmlns:p="http://schemas.openxmlformats.org/presentationml/2006/main" mc:Ignorable="mv" mc:PreserveAttributes="mv:*">
+<p:notesMaster xmlns:a="http://schemas.openxmlformats.org/drawingml/2006/main" xmlns:r="http://schemas.openxmlformats.org/officeDocument/2006/relationships" xmlns:p="http://schemas.openxmlformats.org/presentationml/2006/main">
   <p:cSld>
     <p:bg>
       <p:bgRef idx="1001">
@@ -235,7 +235,7 @@
             <a:fld id="{12320EBB-C57D-4679-B90E-3AE205263646}" type="datetimeFigureOut">
               <a:rPr lang="en-US" smtClean="0"/>
               <a:pPr/>
-              <a:t>5/8/15</a:t>
+              <a:t>11-May-15</a:t>
             </a:fld>
             <a:endParaRPr lang="en-US" dirty="0"/>
           </a:p>
@@ -404,7 +404,7 @@
     </p:spTree>
     <p:extLst>
       <p:ext uri="{BB962C8B-B14F-4D97-AF65-F5344CB8AC3E}">
-        <p14:creationId xmlns="" xmlns:a="http://schemas.openxmlformats.org/drawingml/2006/main" xmlns:r="http://schemas.openxmlformats.org/officeDocument/2006/relationships" xmlns:p="http://schemas.openxmlformats.org/presentationml/2006/main" xmlns:p14="http://schemas.microsoft.com/office/powerpoint/2010/main" xmlns:mv="urn:schemas-microsoft-com:mac:vml" xmlns:mc="http://schemas.openxmlformats.org/markup-compatibility/2006" val="2700682020"/>
+        <p14:creationId xmlns:p14="http://schemas.microsoft.com/office/powerpoint/2010/main" val="2700682020"/>
       </p:ext>
     </p:extLst>
   </p:cSld>
@@ -505,7 +505,7 @@
 </file>
 
 <file path=ppt/notesSlides/notesSlide1.xml><?xml version="1.0" encoding="utf-8"?>
-<p:notes xmlns:a="http://schemas.openxmlformats.org/drawingml/2006/main" xmlns:r="http://schemas.openxmlformats.org/officeDocument/2006/relationships" xmlns:mc="http://schemas.openxmlformats.org/markup-compatibility/2006" xmlns:mv="urn:schemas-microsoft-com:mac:vml" xmlns:p="http://schemas.openxmlformats.org/presentationml/2006/main" mc:Ignorable="mv" mc:PreserveAttributes="mv:*">
+<p:notes xmlns:a="http://schemas.openxmlformats.org/drawingml/2006/main" xmlns:r="http://schemas.openxmlformats.org/officeDocument/2006/relationships" xmlns:p="http://schemas.openxmlformats.org/presentationml/2006/main">
   <p:cSld>
     <p:spTree>
       <p:nvGrpSpPr>
@@ -548,41 +548,6 @@
           <a:bodyPr/>
           <a:lstStyle/>
           <a:p>
-            <a:r>
-              <a:rPr lang="en-US" dirty="0" smtClean="0"/>
-              <a:t>Open</a:t>
-            </a:r>
-            <a:r>
-              <a:rPr lang="en-US" baseline="0" dirty="0" smtClean="0"/>
-              <a:t> SmartGit and while there do the following</a:t>
-            </a:r>
-          </a:p>
-          <a:p>
-            <a:r>
-              <a:rPr lang="en-US" baseline="0" dirty="0" smtClean="0"/>
-              <a:t>Step 1: Click on Clone / New to bring up the dialogue box “Clone / Add / Create Repository”</a:t>
-            </a:r>
-          </a:p>
-          <a:p>
-            <a:r>
-              <a:rPr lang="en-US" baseline="0" dirty="0" smtClean="0"/>
-              <a:t>Step 2: Click on the most right icon opposite “Source Path/ URL”. This will take you to a list of your online repositories under your username. While there pick the repository you want to clone</a:t>
-            </a:r>
-          </a:p>
-          <a:p>
-            <a:r>
-              <a:rPr lang="en-US" baseline="0" dirty="0" smtClean="0"/>
-              <a:t>Step 3: Click on the most right icon opposite “Destination Path”. This will help you choose a local folder on your machine where you want to host the repository. This folder MUST be empty else you will receive an error message</a:t>
-            </a:r>
-          </a:p>
-          <a:p>
-            <a:endParaRPr lang="en-US" baseline="0" dirty="0" smtClean="0"/>
-          </a:p>
-          <a:p>
-            <a:r>
-              <a:rPr lang="en-US" baseline="0" dirty="0" smtClean="0"/>
-              <a:t>After process to click on Clone</a:t>
-            </a:r>
             <a:endParaRPr lang="en-US" dirty="0"/>
           </a:p>
         </p:txBody>
@@ -614,7 +579,7 @@
     </p:spTree>
     <p:extLst>
       <p:ext uri="{BB962C8B-B14F-4D97-AF65-F5344CB8AC3E}">
-        <p14:creationId xmlns="" xmlns:a="http://schemas.openxmlformats.org/drawingml/2006/main" xmlns:r="http://schemas.openxmlformats.org/officeDocument/2006/relationships" xmlns:p="http://schemas.openxmlformats.org/presentationml/2006/main" xmlns:p14="http://schemas.microsoft.com/office/powerpoint/2010/main" xmlns:mv="urn:schemas-microsoft-com:mac:vml" xmlns:mc="http://schemas.openxmlformats.org/markup-compatibility/2006" val="3125911225"/>
+        <p14:creationId xmlns:p14="http://schemas.microsoft.com/office/powerpoint/2010/main" val="3125911225"/>
       </p:ext>
     </p:extLst>
   </p:cSld>
@@ -625,7 +590,7 @@
 </file>
 
 <file path=ppt/notesSlides/notesSlide2.xml><?xml version="1.0" encoding="utf-8"?>
-<p:notes xmlns:a="http://schemas.openxmlformats.org/drawingml/2006/main" xmlns:r="http://schemas.openxmlformats.org/officeDocument/2006/relationships" xmlns:mc="http://schemas.openxmlformats.org/markup-compatibility/2006" xmlns:mv="urn:schemas-microsoft-com:mac:vml" xmlns:p="http://schemas.openxmlformats.org/presentationml/2006/main" mc:Ignorable="mv" mc:PreserveAttributes="mv:*">
+<p:notes xmlns:a="http://schemas.openxmlformats.org/drawingml/2006/main" xmlns:r="http://schemas.openxmlformats.org/officeDocument/2006/relationships" xmlns:p="http://schemas.openxmlformats.org/presentationml/2006/main">
   <p:cSld>
     <p:spTree>
       <p:nvGrpSpPr>
@@ -703,7 +668,7 @@
     </p:spTree>
     <p:extLst>
       <p:ext uri="{BB962C8B-B14F-4D97-AF65-F5344CB8AC3E}">
-        <p14:creationId xmlns="" xmlns:a="http://schemas.openxmlformats.org/drawingml/2006/main" xmlns:r="http://schemas.openxmlformats.org/officeDocument/2006/relationships" xmlns:p="http://schemas.openxmlformats.org/presentationml/2006/main" xmlns:p14="http://schemas.microsoft.com/office/powerpoint/2010/main" xmlns:mv="urn:schemas-microsoft-com:mac:vml" xmlns:mc="http://schemas.openxmlformats.org/markup-compatibility/2006" val="639080925"/>
+        <p14:creationId xmlns:p14="http://schemas.microsoft.com/office/powerpoint/2010/main" val="639080925"/>
       </p:ext>
     </p:extLst>
   </p:cSld>
@@ -714,7 +679,7 @@
 </file>
 
 <file path=ppt/slideLayouts/slideLayout1.xml><?xml version="1.0" encoding="utf-8"?>
-<p:sldLayout xmlns:a="http://schemas.openxmlformats.org/drawingml/2006/main" xmlns:r="http://schemas.openxmlformats.org/officeDocument/2006/relationships" xmlns:mc="http://schemas.openxmlformats.org/markup-compatibility/2006" xmlns:mv="urn:schemas-microsoft-com:mac:vml" xmlns:p="http://schemas.openxmlformats.org/presentationml/2006/main" mc:Ignorable="mv" mc:PreserveAttributes="mv:*" showMasterSp="0" type="title" preserve="1">
+<p:sldLayout xmlns:a="http://schemas.openxmlformats.org/drawingml/2006/main" xmlns:r="http://schemas.openxmlformats.org/officeDocument/2006/relationships" xmlns:p="http://schemas.openxmlformats.org/presentationml/2006/main" showMasterSp="0" type="title" preserve="1">
   <p:cSld name="Title Slide">
     <p:spTree>
       <p:nvGrpSpPr>
@@ -1436,7 +1401,7 @@
             <a:fld id="{89585FB9-3804-4F2F-A432-68920AB06FD5}" type="datetimeFigureOut">
               <a:rPr lang="en-US" smtClean="0"/>
               <a:pPr/>
-              <a:t>5/8/15</a:t>
+              <a:t>11-May-15</a:t>
             </a:fld>
             <a:endParaRPr lang="en-US" dirty="0"/>
           </a:p>
@@ -1488,7 +1453,7 @@
     </p:spTree>
     <p:extLst>
       <p:ext uri="{BB962C8B-B14F-4D97-AF65-F5344CB8AC3E}">
-        <p14:creationId xmlns="" xmlns:a="http://schemas.openxmlformats.org/drawingml/2006/main" xmlns:r="http://schemas.openxmlformats.org/officeDocument/2006/relationships" xmlns:p="http://schemas.openxmlformats.org/presentationml/2006/main" xmlns:p14="http://schemas.microsoft.com/office/powerpoint/2010/main" xmlns:mv="urn:schemas-microsoft-com:mac:vml" xmlns:mc="http://schemas.openxmlformats.org/markup-compatibility/2006" val="2241209880"/>
+        <p14:creationId xmlns:p14="http://schemas.microsoft.com/office/powerpoint/2010/main" val="2241209880"/>
       </p:ext>
     </p:extLst>
   </p:cSld>
@@ -1499,7 +1464,7 @@
 </file>
 
 <file path=ppt/slideLayouts/slideLayout10.xml><?xml version="1.0" encoding="utf-8"?>
-<p:sldLayout xmlns:a="http://schemas.openxmlformats.org/drawingml/2006/main" xmlns:r="http://schemas.openxmlformats.org/officeDocument/2006/relationships" xmlns:mc="http://schemas.openxmlformats.org/markup-compatibility/2006" xmlns:mv="urn:schemas-microsoft-com:mac:vml" xmlns:p="http://schemas.openxmlformats.org/presentationml/2006/main" mc:Ignorable="mv" mc:PreserveAttributes="mv:*" preserve="1">
+<p:sldLayout xmlns:a="http://schemas.openxmlformats.org/drawingml/2006/main" xmlns:r="http://schemas.openxmlformats.org/officeDocument/2006/relationships" xmlns:p="http://schemas.openxmlformats.org/presentationml/2006/main" preserve="1">
   <p:cSld name="Title and Caption">
     <p:spTree>
       <p:nvGrpSpPr>
@@ -1689,7 +1654,7 @@
             <a:fld id="{89585FB9-3804-4F2F-A432-68920AB06FD5}" type="datetimeFigureOut">
               <a:rPr lang="en-US" smtClean="0"/>
               <a:pPr/>
-              <a:t>5/8/15</a:t>
+              <a:t>11-May-15</a:t>
             </a:fld>
             <a:endParaRPr lang="en-US" dirty="0"/>
           </a:p>
@@ -1741,7 +1706,7 @@
     </p:spTree>
     <p:extLst>
       <p:ext uri="{BB962C8B-B14F-4D97-AF65-F5344CB8AC3E}">
-        <p14:creationId xmlns="" xmlns:a="http://schemas.openxmlformats.org/drawingml/2006/main" xmlns:r="http://schemas.openxmlformats.org/officeDocument/2006/relationships" xmlns:p="http://schemas.openxmlformats.org/presentationml/2006/main" xmlns:p14="http://schemas.microsoft.com/office/powerpoint/2010/main" xmlns:mv="urn:schemas-microsoft-com:mac:vml" xmlns:mc="http://schemas.openxmlformats.org/markup-compatibility/2006" val="2131812249"/>
+        <p14:creationId xmlns:p14="http://schemas.microsoft.com/office/powerpoint/2010/main" val="2131812249"/>
       </p:ext>
     </p:extLst>
   </p:cSld>
@@ -1752,7 +1717,7 @@
 </file>
 
 <file path=ppt/slideLayouts/slideLayout11.xml><?xml version="1.0" encoding="utf-8"?>
-<p:sldLayout xmlns:a="http://schemas.openxmlformats.org/drawingml/2006/main" xmlns:r="http://schemas.openxmlformats.org/officeDocument/2006/relationships" xmlns:mc="http://schemas.openxmlformats.org/markup-compatibility/2006" xmlns:mv="urn:schemas-microsoft-com:mac:vml" xmlns:p="http://schemas.openxmlformats.org/presentationml/2006/main" mc:Ignorable="mv" mc:PreserveAttributes="mv:*" preserve="1">
+<p:sldLayout xmlns:a="http://schemas.openxmlformats.org/drawingml/2006/main" xmlns:r="http://schemas.openxmlformats.org/officeDocument/2006/relationships" xmlns:p="http://schemas.openxmlformats.org/presentationml/2006/main" preserve="1">
   <p:cSld name="Quote with Caption">
     <p:spTree>
       <p:nvGrpSpPr>
@@ -2005,7 +1970,7 @@
             <a:fld id="{89585FB9-3804-4F2F-A432-68920AB06FD5}" type="datetimeFigureOut">
               <a:rPr lang="en-US" smtClean="0"/>
               <a:pPr/>
-              <a:t>5/8/15</a:t>
+              <a:t>11-May-15</a:t>
             </a:fld>
             <a:endParaRPr lang="en-US" dirty="0"/>
           </a:p>
@@ -2147,7 +2112,7 @@
     </p:spTree>
     <p:extLst>
       <p:ext uri="{BB962C8B-B14F-4D97-AF65-F5344CB8AC3E}">
-        <p14:creationId xmlns="" xmlns:a="http://schemas.openxmlformats.org/drawingml/2006/main" xmlns:r="http://schemas.openxmlformats.org/officeDocument/2006/relationships" xmlns:p="http://schemas.openxmlformats.org/presentationml/2006/main" xmlns:p14="http://schemas.microsoft.com/office/powerpoint/2010/main" xmlns:mv="urn:schemas-microsoft-com:mac:vml" xmlns:mc="http://schemas.openxmlformats.org/markup-compatibility/2006" val="2239895635"/>
+        <p14:creationId xmlns:p14="http://schemas.microsoft.com/office/powerpoint/2010/main" val="2239895635"/>
       </p:ext>
     </p:extLst>
   </p:cSld>
@@ -2158,7 +2123,7 @@
 </file>
 
 <file path=ppt/slideLayouts/slideLayout12.xml><?xml version="1.0" encoding="utf-8"?>
-<p:sldLayout xmlns:a="http://schemas.openxmlformats.org/drawingml/2006/main" xmlns:r="http://schemas.openxmlformats.org/officeDocument/2006/relationships" xmlns:mc="http://schemas.openxmlformats.org/markup-compatibility/2006" xmlns:mv="urn:schemas-microsoft-com:mac:vml" xmlns:p="http://schemas.openxmlformats.org/presentationml/2006/main" mc:Ignorable="mv" mc:PreserveAttributes="mv:*" preserve="1">
+<p:sldLayout xmlns:a="http://schemas.openxmlformats.org/drawingml/2006/main" xmlns:r="http://schemas.openxmlformats.org/officeDocument/2006/relationships" xmlns:p="http://schemas.openxmlformats.org/presentationml/2006/main" preserve="1">
   <p:cSld name="Name Card">
     <p:spTree>
       <p:nvGrpSpPr>
@@ -2348,7 +2313,7 @@
             <a:fld id="{89585FB9-3804-4F2F-A432-68920AB06FD5}" type="datetimeFigureOut">
               <a:rPr lang="en-US" smtClean="0"/>
               <a:pPr/>
-              <a:t>5/8/15</a:t>
+              <a:t>11-May-15</a:t>
             </a:fld>
             <a:endParaRPr lang="en-US" dirty="0"/>
           </a:p>
@@ -2400,7 +2365,7 @@
     </p:spTree>
     <p:extLst>
       <p:ext uri="{BB962C8B-B14F-4D97-AF65-F5344CB8AC3E}">
-        <p14:creationId xmlns="" xmlns:a="http://schemas.openxmlformats.org/drawingml/2006/main" xmlns:r="http://schemas.openxmlformats.org/officeDocument/2006/relationships" xmlns:p="http://schemas.openxmlformats.org/presentationml/2006/main" xmlns:p14="http://schemas.microsoft.com/office/powerpoint/2010/main" xmlns:mv="urn:schemas-microsoft-com:mac:vml" xmlns:mc="http://schemas.openxmlformats.org/markup-compatibility/2006" val="1147813802"/>
+        <p14:creationId xmlns:p14="http://schemas.microsoft.com/office/powerpoint/2010/main" val="1147813802"/>
       </p:ext>
     </p:extLst>
   </p:cSld>
@@ -2411,7 +2376,7 @@
 </file>
 
 <file path=ppt/slideLayouts/slideLayout13.xml><?xml version="1.0" encoding="utf-8"?>
-<p:sldLayout xmlns:a="http://schemas.openxmlformats.org/drawingml/2006/main" xmlns:r="http://schemas.openxmlformats.org/officeDocument/2006/relationships" xmlns:mc="http://schemas.openxmlformats.org/markup-compatibility/2006" xmlns:mv="urn:schemas-microsoft-com:mac:vml" xmlns:p="http://schemas.openxmlformats.org/presentationml/2006/main" mc:Ignorable="mv" mc:PreserveAttributes="mv:*" preserve="1">
+<p:sldLayout xmlns:a="http://schemas.openxmlformats.org/drawingml/2006/main" xmlns:r="http://schemas.openxmlformats.org/officeDocument/2006/relationships" xmlns:p="http://schemas.openxmlformats.org/presentationml/2006/main" preserve="1">
   <p:cSld name="Quote Name Card">
     <p:spTree>
       <p:nvGrpSpPr>
@@ -2664,7 +2629,7 @@
             <a:fld id="{89585FB9-3804-4F2F-A432-68920AB06FD5}" type="datetimeFigureOut">
               <a:rPr lang="en-US" smtClean="0"/>
               <a:pPr/>
-              <a:t>5/8/15</a:t>
+              <a:t>11-May-15</a:t>
             </a:fld>
             <a:endParaRPr lang="en-US" dirty="0"/>
           </a:p>
@@ -2798,7 +2763,7 @@
     </p:spTree>
     <p:extLst>
       <p:ext uri="{BB962C8B-B14F-4D97-AF65-F5344CB8AC3E}">
-        <p14:creationId xmlns="" xmlns:a="http://schemas.openxmlformats.org/drawingml/2006/main" xmlns:r="http://schemas.openxmlformats.org/officeDocument/2006/relationships" xmlns:p="http://schemas.openxmlformats.org/presentationml/2006/main" xmlns:p14="http://schemas.microsoft.com/office/powerpoint/2010/main" xmlns:mv="urn:schemas-microsoft-com:mac:vml" xmlns:mc="http://schemas.openxmlformats.org/markup-compatibility/2006" val="211510257"/>
+        <p14:creationId xmlns:p14="http://schemas.microsoft.com/office/powerpoint/2010/main" val="211510257"/>
       </p:ext>
     </p:extLst>
   </p:cSld>
@@ -2809,7 +2774,7 @@
 </file>
 
 <file path=ppt/slideLayouts/slideLayout14.xml><?xml version="1.0" encoding="utf-8"?>
-<p:sldLayout xmlns:a="http://schemas.openxmlformats.org/drawingml/2006/main" xmlns:r="http://schemas.openxmlformats.org/officeDocument/2006/relationships" xmlns:mc="http://schemas.openxmlformats.org/markup-compatibility/2006" xmlns:mv="urn:schemas-microsoft-com:mac:vml" xmlns:p="http://schemas.openxmlformats.org/presentationml/2006/main" mc:Ignorable="mv" mc:PreserveAttributes="mv:*" preserve="1">
+<p:sldLayout xmlns:a="http://schemas.openxmlformats.org/drawingml/2006/main" xmlns:r="http://schemas.openxmlformats.org/officeDocument/2006/relationships" xmlns:p="http://schemas.openxmlformats.org/presentationml/2006/main" preserve="1">
   <p:cSld name="True or False">
     <p:spTree>
       <p:nvGrpSpPr>
@@ -3059,7 +3024,7 @@
             <a:fld id="{89585FB9-3804-4F2F-A432-68920AB06FD5}" type="datetimeFigureOut">
               <a:rPr lang="en-US" smtClean="0"/>
               <a:pPr/>
-              <a:t>5/8/15</a:t>
+              <a:t>11-May-15</a:t>
             </a:fld>
             <a:endParaRPr lang="en-US" dirty="0"/>
           </a:p>
@@ -3111,7 +3076,7 @@
     </p:spTree>
     <p:extLst>
       <p:ext uri="{BB962C8B-B14F-4D97-AF65-F5344CB8AC3E}">
-        <p14:creationId xmlns="" xmlns:a="http://schemas.openxmlformats.org/drawingml/2006/main" xmlns:r="http://schemas.openxmlformats.org/officeDocument/2006/relationships" xmlns:p="http://schemas.openxmlformats.org/presentationml/2006/main" xmlns:p14="http://schemas.microsoft.com/office/powerpoint/2010/main" xmlns:mv="urn:schemas-microsoft-com:mac:vml" xmlns:mc="http://schemas.openxmlformats.org/markup-compatibility/2006" val="2904196083"/>
+        <p14:creationId xmlns:p14="http://schemas.microsoft.com/office/powerpoint/2010/main" val="2904196083"/>
       </p:ext>
     </p:extLst>
   </p:cSld>
@@ -3122,7 +3087,7 @@
 </file>
 
 <file path=ppt/slideLayouts/slideLayout15.xml><?xml version="1.0" encoding="utf-8"?>
-<p:sldLayout xmlns:a="http://schemas.openxmlformats.org/drawingml/2006/main" xmlns:r="http://schemas.openxmlformats.org/officeDocument/2006/relationships" xmlns:mc="http://schemas.openxmlformats.org/markup-compatibility/2006" xmlns:mv="urn:schemas-microsoft-com:mac:vml" xmlns:p="http://schemas.openxmlformats.org/presentationml/2006/main" mc:Ignorable="mv" mc:PreserveAttributes="mv:*" type="vertTx" preserve="1">
+<p:sldLayout xmlns:a="http://schemas.openxmlformats.org/drawingml/2006/main" xmlns:r="http://schemas.openxmlformats.org/officeDocument/2006/relationships" xmlns:p="http://schemas.openxmlformats.org/presentationml/2006/main" type="vertTx" preserve="1">
   <p:cSld name="Title and Vertical Text">
     <p:spTree>
       <p:nvGrpSpPr>
@@ -3231,7 +3196,7 @@
             <a:fld id="{89585FB9-3804-4F2F-A432-68920AB06FD5}" type="datetimeFigureOut">
               <a:rPr lang="en-US" smtClean="0"/>
               <a:pPr/>
-              <a:t>5/8/15</a:t>
+              <a:t>11-May-15</a:t>
             </a:fld>
             <a:endParaRPr lang="en-US" dirty="0"/>
           </a:p>
@@ -3283,7 +3248,7 @@
     </p:spTree>
     <p:extLst>
       <p:ext uri="{BB962C8B-B14F-4D97-AF65-F5344CB8AC3E}">
-        <p14:creationId xmlns="" xmlns:a="http://schemas.openxmlformats.org/drawingml/2006/main" xmlns:r="http://schemas.openxmlformats.org/officeDocument/2006/relationships" xmlns:p="http://schemas.openxmlformats.org/presentationml/2006/main" xmlns:p14="http://schemas.microsoft.com/office/powerpoint/2010/main" xmlns:mv="urn:schemas-microsoft-com:mac:vml" xmlns:mc="http://schemas.openxmlformats.org/markup-compatibility/2006" val="1254396012"/>
+        <p14:creationId xmlns:p14="http://schemas.microsoft.com/office/powerpoint/2010/main" val="1254396012"/>
       </p:ext>
     </p:extLst>
   </p:cSld>
@@ -3294,7 +3259,7 @@
 </file>
 
 <file path=ppt/slideLayouts/slideLayout16.xml><?xml version="1.0" encoding="utf-8"?>
-<p:sldLayout xmlns:a="http://schemas.openxmlformats.org/drawingml/2006/main" xmlns:r="http://schemas.openxmlformats.org/officeDocument/2006/relationships" xmlns:mc="http://schemas.openxmlformats.org/markup-compatibility/2006" xmlns:mv="urn:schemas-microsoft-com:mac:vml" xmlns:p="http://schemas.openxmlformats.org/presentationml/2006/main" mc:Ignorable="mv" mc:PreserveAttributes="mv:*" type="vertTitleAndTx" preserve="1">
+<p:sldLayout xmlns:a="http://schemas.openxmlformats.org/drawingml/2006/main" xmlns:r="http://schemas.openxmlformats.org/officeDocument/2006/relationships" xmlns:p="http://schemas.openxmlformats.org/presentationml/2006/main" type="vertTitleAndTx" preserve="1">
   <p:cSld name="Vertical Title and Text">
     <p:spTree>
       <p:nvGrpSpPr>
@@ -3413,7 +3378,7 @@
             <a:fld id="{89585FB9-3804-4F2F-A432-68920AB06FD5}" type="datetimeFigureOut">
               <a:rPr lang="en-US" smtClean="0"/>
               <a:pPr/>
-              <a:t>5/8/15</a:t>
+              <a:t>11-May-15</a:t>
             </a:fld>
             <a:endParaRPr lang="en-US" dirty="0"/>
           </a:p>
@@ -3465,7 +3430,7 @@
     </p:spTree>
     <p:extLst>
       <p:ext uri="{BB962C8B-B14F-4D97-AF65-F5344CB8AC3E}">
-        <p14:creationId xmlns="" xmlns:a="http://schemas.openxmlformats.org/drawingml/2006/main" xmlns:r="http://schemas.openxmlformats.org/officeDocument/2006/relationships" xmlns:p="http://schemas.openxmlformats.org/presentationml/2006/main" xmlns:p14="http://schemas.microsoft.com/office/powerpoint/2010/main" xmlns:mv="urn:schemas-microsoft-com:mac:vml" xmlns:mc="http://schemas.openxmlformats.org/markup-compatibility/2006" val="1959831598"/>
+        <p14:creationId xmlns:p14="http://schemas.microsoft.com/office/powerpoint/2010/main" val="1959831598"/>
       </p:ext>
     </p:extLst>
   </p:cSld>
@@ -3476,7 +3441,7 @@
 </file>
 
 <file path=ppt/slideLayouts/slideLayout2.xml><?xml version="1.0" encoding="utf-8"?>
-<p:sldLayout xmlns:a="http://schemas.openxmlformats.org/drawingml/2006/main" xmlns:r="http://schemas.openxmlformats.org/officeDocument/2006/relationships" xmlns:mc="http://schemas.openxmlformats.org/markup-compatibility/2006" xmlns:mv="urn:schemas-microsoft-com:mac:vml" xmlns:p="http://schemas.openxmlformats.org/presentationml/2006/main" mc:Ignorable="mv" mc:PreserveAttributes="mv:*" type="obj" preserve="1">
+<p:sldLayout xmlns:a="http://schemas.openxmlformats.org/drawingml/2006/main" xmlns:r="http://schemas.openxmlformats.org/officeDocument/2006/relationships" xmlns:p="http://schemas.openxmlformats.org/presentationml/2006/main" type="obj" preserve="1">
   <p:cSld name="Title and Content">
     <p:spTree>
       <p:nvGrpSpPr>
@@ -3591,7 +3556,7 @@
             <a:fld id="{89585FB9-3804-4F2F-A432-68920AB06FD5}" type="datetimeFigureOut">
               <a:rPr lang="en-US" smtClean="0"/>
               <a:pPr/>
-              <a:t>5/8/15</a:t>
+              <a:t>11-May-15</a:t>
             </a:fld>
             <a:endParaRPr lang="en-US" dirty="0"/>
           </a:p>
@@ -3643,7 +3608,7 @@
     </p:spTree>
     <p:extLst>
       <p:ext uri="{BB962C8B-B14F-4D97-AF65-F5344CB8AC3E}">
-        <p14:creationId xmlns="" xmlns:a="http://schemas.openxmlformats.org/drawingml/2006/main" xmlns:r="http://schemas.openxmlformats.org/officeDocument/2006/relationships" xmlns:p="http://schemas.openxmlformats.org/presentationml/2006/main" xmlns:p14="http://schemas.microsoft.com/office/powerpoint/2010/main" xmlns:mv="urn:schemas-microsoft-com:mac:vml" xmlns:mc="http://schemas.openxmlformats.org/markup-compatibility/2006" val="1037308338"/>
+        <p14:creationId xmlns:p14="http://schemas.microsoft.com/office/powerpoint/2010/main" val="1037308338"/>
       </p:ext>
     </p:extLst>
   </p:cSld>
@@ -3654,7 +3619,7 @@
 </file>
 
 <file path=ppt/slideLayouts/slideLayout3.xml><?xml version="1.0" encoding="utf-8"?>
-<p:sldLayout xmlns:a="http://schemas.openxmlformats.org/drawingml/2006/main" xmlns:r="http://schemas.openxmlformats.org/officeDocument/2006/relationships" xmlns:mc="http://schemas.openxmlformats.org/markup-compatibility/2006" xmlns:mv="urn:schemas-microsoft-com:mac:vml" xmlns:p="http://schemas.openxmlformats.org/presentationml/2006/main" mc:Ignorable="mv" mc:PreserveAttributes="mv:*" type="secHead" preserve="1">
+<p:sldLayout xmlns:a="http://schemas.openxmlformats.org/drawingml/2006/main" xmlns:r="http://schemas.openxmlformats.org/officeDocument/2006/relationships" xmlns:p="http://schemas.openxmlformats.org/presentationml/2006/main" type="secHead" preserve="1">
   <p:cSld name="Section Header">
     <p:spTree>
       <p:nvGrpSpPr>
@@ -3840,7 +3805,7 @@
             <a:fld id="{89585FB9-3804-4F2F-A432-68920AB06FD5}" type="datetimeFigureOut">
               <a:rPr lang="en-US" smtClean="0"/>
               <a:pPr/>
-              <a:t>5/8/15</a:t>
+              <a:t>11-May-15</a:t>
             </a:fld>
             <a:endParaRPr lang="en-US" dirty="0"/>
           </a:p>
@@ -3892,7 +3857,7 @@
     </p:spTree>
     <p:extLst>
       <p:ext uri="{BB962C8B-B14F-4D97-AF65-F5344CB8AC3E}">
-        <p14:creationId xmlns="" xmlns:a="http://schemas.openxmlformats.org/drawingml/2006/main" xmlns:r="http://schemas.openxmlformats.org/officeDocument/2006/relationships" xmlns:p="http://schemas.openxmlformats.org/presentationml/2006/main" xmlns:p14="http://schemas.microsoft.com/office/powerpoint/2010/main" xmlns:mv="urn:schemas-microsoft-com:mac:vml" xmlns:mc="http://schemas.openxmlformats.org/markup-compatibility/2006" val="1433787486"/>
+        <p14:creationId xmlns:p14="http://schemas.microsoft.com/office/powerpoint/2010/main" val="1433787486"/>
       </p:ext>
     </p:extLst>
   </p:cSld>
@@ -3903,7 +3868,7 @@
 </file>
 
 <file path=ppt/slideLayouts/slideLayout4.xml><?xml version="1.0" encoding="utf-8"?>
-<p:sldLayout xmlns:a="http://schemas.openxmlformats.org/drawingml/2006/main" xmlns:r="http://schemas.openxmlformats.org/officeDocument/2006/relationships" xmlns:mc="http://schemas.openxmlformats.org/markup-compatibility/2006" xmlns:mv="urn:schemas-microsoft-com:mac:vml" xmlns:p="http://schemas.openxmlformats.org/presentationml/2006/main" mc:Ignorable="mv" mc:PreserveAttributes="mv:*" type="twoObj" preserve="1">
+<p:sldLayout xmlns:a="http://schemas.openxmlformats.org/drawingml/2006/main" xmlns:r="http://schemas.openxmlformats.org/officeDocument/2006/relationships" xmlns:p="http://schemas.openxmlformats.org/presentationml/2006/main" type="twoObj" preserve="1">
   <p:cSld name="Two Content">
     <p:spTree>
       <p:nvGrpSpPr>
@@ -4074,7 +4039,7 @@
             <a:fld id="{89585FB9-3804-4F2F-A432-68920AB06FD5}" type="datetimeFigureOut">
               <a:rPr lang="en-US" smtClean="0"/>
               <a:pPr/>
-              <a:t>5/8/15</a:t>
+              <a:t>11-May-15</a:t>
             </a:fld>
             <a:endParaRPr lang="en-US" dirty="0"/>
           </a:p>
@@ -4126,7 +4091,7 @@
     </p:spTree>
     <p:extLst>
       <p:ext uri="{BB962C8B-B14F-4D97-AF65-F5344CB8AC3E}">
-        <p14:creationId xmlns="" xmlns:a="http://schemas.openxmlformats.org/drawingml/2006/main" xmlns:r="http://schemas.openxmlformats.org/officeDocument/2006/relationships" xmlns:p="http://schemas.openxmlformats.org/presentationml/2006/main" xmlns:p14="http://schemas.microsoft.com/office/powerpoint/2010/main" xmlns:mv="urn:schemas-microsoft-com:mac:vml" xmlns:mc="http://schemas.openxmlformats.org/markup-compatibility/2006" val="3343638220"/>
+        <p14:creationId xmlns:p14="http://schemas.microsoft.com/office/powerpoint/2010/main" val="3343638220"/>
       </p:ext>
     </p:extLst>
   </p:cSld>
@@ -4137,7 +4102,7 @@
 </file>
 
 <file path=ppt/slideLayouts/slideLayout5.xml><?xml version="1.0" encoding="utf-8"?>
-<p:sldLayout xmlns:a="http://schemas.openxmlformats.org/drawingml/2006/main" xmlns:r="http://schemas.openxmlformats.org/officeDocument/2006/relationships" xmlns:mc="http://schemas.openxmlformats.org/markup-compatibility/2006" xmlns:mv="urn:schemas-microsoft-com:mac:vml" xmlns:p="http://schemas.openxmlformats.org/presentationml/2006/main" mc:Ignorable="mv" mc:PreserveAttributes="mv:*" type="twoTxTwoObj" preserve="1">
+<p:sldLayout xmlns:a="http://schemas.openxmlformats.org/drawingml/2006/main" xmlns:r="http://schemas.openxmlformats.org/officeDocument/2006/relationships" xmlns:p="http://schemas.openxmlformats.org/presentationml/2006/main" type="twoTxTwoObj" preserve="1">
   <p:cSld name="Comparison">
     <p:spTree>
       <p:nvGrpSpPr>
@@ -4450,7 +4415,7 @@
             <a:fld id="{89585FB9-3804-4F2F-A432-68920AB06FD5}" type="datetimeFigureOut">
               <a:rPr lang="en-US" smtClean="0"/>
               <a:pPr/>
-              <a:t>5/8/15</a:t>
+              <a:t>11-May-15</a:t>
             </a:fld>
             <a:endParaRPr lang="en-US" dirty="0"/>
           </a:p>
@@ -4502,7 +4467,7 @@
     </p:spTree>
     <p:extLst>
       <p:ext uri="{BB962C8B-B14F-4D97-AF65-F5344CB8AC3E}">
-        <p14:creationId xmlns="" xmlns:a="http://schemas.openxmlformats.org/drawingml/2006/main" xmlns:r="http://schemas.openxmlformats.org/officeDocument/2006/relationships" xmlns:p="http://schemas.openxmlformats.org/presentationml/2006/main" xmlns:p14="http://schemas.microsoft.com/office/powerpoint/2010/main" xmlns:mv="urn:schemas-microsoft-com:mac:vml" xmlns:mc="http://schemas.openxmlformats.org/markup-compatibility/2006" val="3657773564"/>
+        <p14:creationId xmlns:p14="http://schemas.microsoft.com/office/powerpoint/2010/main" val="3657773564"/>
       </p:ext>
     </p:extLst>
   </p:cSld>
@@ -4513,7 +4478,7 @@
 </file>
 
 <file path=ppt/slideLayouts/slideLayout6.xml><?xml version="1.0" encoding="utf-8"?>
-<p:sldLayout xmlns:a="http://schemas.openxmlformats.org/drawingml/2006/main" xmlns:r="http://schemas.openxmlformats.org/officeDocument/2006/relationships" xmlns:mc="http://schemas.openxmlformats.org/markup-compatibility/2006" xmlns:mv="urn:schemas-microsoft-com:mac:vml" xmlns:p="http://schemas.openxmlformats.org/presentationml/2006/main" mc:Ignorable="mv" mc:PreserveAttributes="mv:*" type="titleOnly" preserve="1">
+<p:sldLayout xmlns:a="http://schemas.openxmlformats.org/drawingml/2006/main" xmlns:r="http://schemas.openxmlformats.org/officeDocument/2006/relationships" xmlns:p="http://schemas.openxmlformats.org/presentationml/2006/main" type="titleOnly" preserve="1">
   <p:cSld name="Title Only">
     <p:spTree>
       <p:nvGrpSpPr>
@@ -4575,7 +4540,7 @@
             <a:fld id="{89585FB9-3804-4F2F-A432-68920AB06FD5}" type="datetimeFigureOut">
               <a:rPr lang="en-US" smtClean="0"/>
               <a:pPr/>
-              <a:t>5/8/15</a:t>
+              <a:t>11-May-15</a:t>
             </a:fld>
             <a:endParaRPr lang="en-US" dirty="0"/>
           </a:p>
@@ -4627,7 +4592,7 @@
     </p:spTree>
     <p:extLst>
       <p:ext uri="{BB962C8B-B14F-4D97-AF65-F5344CB8AC3E}">
-        <p14:creationId xmlns="" xmlns:a="http://schemas.openxmlformats.org/drawingml/2006/main" xmlns:r="http://schemas.openxmlformats.org/officeDocument/2006/relationships" xmlns:p="http://schemas.openxmlformats.org/presentationml/2006/main" xmlns:p14="http://schemas.microsoft.com/office/powerpoint/2010/main" xmlns:mv="urn:schemas-microsoft-com:mac:vml" xmlns:mc="http://schemas.openxmlformats.org/markup-compatibility/2006" val="1859816651"/>
+        <p14:creationId xmlns:p14="http://schemas.microsoft.com/office/powerpoint/2010/main" val="1859816651"/>
       </p:ext>
     </p:extLst>
   </p:cSld>
@@ -4638,7 +4603,7 @@
 </file>
 
 <file path=ppt/slideLayouts/slideLayout7.xml><?xml version="1.0" encoding="utf-8"?>
-<p:sldLayout xmlns:a="http://schemas.openxmlformats.org/drawingml/2006/main" xmlns:r="http://schemas.openxmlformats.org/officeDocument/2006/relationships" xmlns:mc="http://schemas.openxmlformats.org/markup-compatibility/2006" xmlns:mv="urn:schemas-microsoft-com:mac:vml" xmlns:p="http://schemas.openxmlformats.org/presentationml/2006/main" mc:Ignorable="mv" mc:PreserveAttributes="mv:*" type="blank" preserve="1">
+<p:sldLayout xmlns:a="http://schemas.openxmlformats.org/drawingml/2006/main" xmlns:r="http://schemas.openxmlformats.org/officeDocument/2006/relationships" xmlns:p="http://schemas.openxmlformats.org/presentationml/2006/main" type="blank" preserve="1">
   <p:cSld name="Blank">
     <p:spTree>
       <p:nvGrpSpPr>
@@ -4672,7 +4637,7 @@
             <a:fld id="{89585FB9-3804-4F2F-A432-68920AB06FD5}" type="datetimeFigureOut">
               <a:rPr lang="en-US" smtClean="0"/>
               <a:pPr/>
-              <a:t>5/8/15</a:t>
+              <a:t>11-May-15</a:t>
             </a:fld>
             <a:endParaRPr lang="en-US" dirty="0"/>
           </a:p>
@@ -4724,7 +4689,7 @@
     </p:spTree>
     <p:extLst>
       <p:ext uri="{BB962C8B-B14F-4D97-AF65-F5344CB8AC3E}">
-        <p14:creationId xmlns="" xmlns:a="http://schemas.openxmlformats.org/drawingml/2006/main" xmlns:r="http://schemas.openxmlformats.org/officeDocument/2006/relationships" xmlns:p="http://schemas.openxmlformats.org/presentationml/2006/main" xmlns:p14="http://schemas.microsoft.com/office/powerpoint/2010/main" xmlns:mv="urn:schemas-microsoft-com:mac:vml" xmlns:mc="http://schemas.openxmlformats.org/markup-compatibility/2006" val="3429186225"/>
+        <p14:creationId xmlns:p14="http://schemas.microsoft.com/office/powerpoint/2010/main" val="3429186225"/>
       </p:ext>
     </p:extLst>
   </p:cSld>
@@ -4735,7 +4700,7 @@
 </file>
 
 <file path=ppt/slideLayouts/slideLayout8.xml><?xml version="1.0" encoding="utf-8"?>
-<p:sldLayout xmlns:a="http://schemas.openxmlformats.org/drawingml/2006/main" xmlns:r="http://schemas.openxmlformats.org/officeDocument/2006/relationships" xmlns:mc="http://schemas.openxmlformats.org/markup-compatibility/2006" xmlns:mv="urn:schemas-microsoft-com:mac:vml" xmlns:p="http://schemas.openxmlformats.org/presentationml/2006/main" mc:Ignorable="mv" mc:PreserveAttributes="mv:*" type="objTx" preserve="1">
+<p:sldLayout xmlns:a="http://schemas.openxmlformats.org/drawingml/2006/main" xmlns:r="http://schemas.openxmlformats.org/officeDocument/2006/relationships" xmlns:p="http://schemas.openxmlformats.org/presentationml/2006/main" type="objTx" preserve="1">
   <p:cSld name="Content with Caption">
     <p:spTree>
       <p:nvGrpSpPr>
@@ -4929,7 +4894,7 @@
             <a:fld id="{89585FB9-3804-4F2F-A432-68920AB06FD5}" type="datetimeFigureOut">
               <a:rPr lang="en-US" smtClean="0"/>
               <a:pPr/>
-              <a:t>5/8/15</a:t>
+              <a:t>11-May-15</a:t>
             </a:fld>
             <a:endParaRPr lang="en-US" dirty="0"/>
           </a:p>
@@ -4981,7 +4946,7 @@
     </p:spTree>
     <p:extLst>
       <p:ext uri="{BB962C8B-B14F-4D97-AF65-F5344CB8AC3E}">
-        <p14:creationId xmlns="" xmlns:a="http://schemas.openxmlformats.org/drawingml/2006/main" xmlns:r="http://schemas.openxmlformats.org/officeDocument/2006/relationships" xmlns:p="http://schemas.openxmlformats.org/presentationml/2006/main" xmlns:p14="http://schemas.microsoft.com/office/powerpoint/2010/main" xmlns:mv="urn:schemas-microsoft-com:mac:vml" xmlns:mc="http://schemas.openxmlformats.org/markup-compatibility/2006" val="2720025707"/>
+        <p14:creationId xmlns:p14="http://schemas.microsoft.com/office/powerpoint/2010/main" val="2720025707"/>
       </p:ext>
     </p:extLst>
   </p:cSld>
@@ -4992,7 +4957,7 @@
 </file>
 
 <file path=ppt/slideLayouts/slideLayout9.xml><?xml version="1.0" encoding="utf-8"?>
-<p:sldLayout xmlns:a="http://schemas.openxmlformats.org/drawingml/2006/main" xmlns:r="http://schemas.openxmlformats.org/officeDocument/2006/relationships" xmlns:mc="http://schemas.openxmlformats.org/markup-compatibility/2006" xmlns:mv="urn:schemas-microsoft-com:mac:vml" xmlns:p="http://schemas.openxmlformats.org/presentationml/2006/main" mc:Ignorable="mv" mc:PreserveAttributes="mv:*" type="picTx" preserve="1">
+<p:sldLayout xmlns:a="http://schemas.openxmlformats.org/drawingml/2006/main" xmlns:r="http://schemas.openxmlformats.org/officeDocument/2006/relationships" xmlns:p="http://schemas.openxmlformats.org/presentationml/2006/main" type="picTx" preserve="1">
   <p:cSld name="Picture with Caption">
     <p:spTree>
       <p:nvGrpSpPr>
@@ -5194,7 +5159,7 @@
             <a:fld id="{89585FB9-3804-4F2F-A432-68920AB06FD5}" type="datetimeFigureOut">
               <a:rPr lang="en-US" smtClean="0"/>
               <a:pPr/>
-              <a:t>5/8/15</a:t>
+              <a:t>11-May-15</a:t>
             </a:fld>
             <a:endParaRPr lang="en-US" dirty="0"/>
           </a:p>
@@ -5246,7 +5211,7 @@
     </p:spTree>
     <p:extLst>
       <p:ext uri="{BB962C8B-B14F-4D97-AF65-F5344CB8AC3E}">
-        <p14:creationId xmlns="" xmlns:a="http://schemas.openxmlformats.org/drawingml/2006/main" xmlns:r="http://schemas.openxmlformats.org/officeDocument/2006/relationships" xmlns:p="http://schemas.openxmlformats.org/presentationml/2006/main" xmlns:p14="http://schemas.microsoft.com/office/powerpoint/2010/main" xmlns:mv="urn:schemas-microsoft-com:mac:vml" xmlns:mc="http://schemas.openxmlformats.org/markup-compatibility/2006" val="2613492434"/>
+        <p14:creationId xmlns:p14="http://schemas.microsoft.com/office/powerpoint/2010/main" val="2613492434"/>
       </p:ext>
     </p:extLst>
   </p:cSld>
@@ -5257,7 +5222,7 @@
 </file>
 
 <file path=ppt/slideMasters/slideMaster1.xml><?xml version="1.0" encoding="utf-8"?>
-<p:sldMaster xmlns:a="http://schemas.openxmlformats.org/drawingml/2006/main" xmlns:r="http://schemas.openxmlformats.org/officeDocument/2006/relationships" xmlns:mc="http://schemas.openxmlformats.org/markup-compatibility/2006" xmlns:mv="urn:schemas-microsoft-com:mac:vml" xmlns:p="http://schemas.openxmlformats.org/presentationml/2006/main" mc:Ignorable="mv" mc:PreserveAttributes="mv:*">
+<p:sldMaster xmlns:a="http://schemas.openxmlformats.org/drawingml/2006/main" xmlns:r="http://schemas.openxmlformats.org/officeDocument/2006/relationships" xmlns:p="http://schemas.openxmlformats.org/presentationml/2006/main">
   <p:cSld>
     <p:bg>
       <p:bgRef idx="1001">
@@ -5939,7 +5904,7 @@
             <a:fld id="{89585FB9-3804-4F2F-A432-68920AB06FD5}" type="datetimeFigureOut">
               <a:rPr lang="en-US" smtClean="0"/>
               <a:pPr/>
-              <a:t>5/8/15</a:t>
+              <a:t>11-May-15</a:t>
             </a:fld>
             <a:endParaRPr lang="en-US" dirty="0"/>
           </a:p>
@@ -6025,7 +5990,7 @@
     </p:spTree>
     <p:extLst>
       <p:ext uri="{BB962C8B-B14F-4D97-AF65-F5344CB8AC3E}">
-        <p14:creationId xmlns="" xmlns:a="http://schemas.openxmlformats.org/drawingml/2006/main" xmlns:r="http://schemas.openxmlformats.org/officeDocument/2006/relationships" xmlns:p="http://schemas.openxmlformats.org/presentationml/2006/main" xmlns:p14="http://schemas.microsoft.com/office/powerpoint/2010/main" xmlns:mv="urn:schemas-microsoft-com:mac:vml" xmlns:mc="http://schemas.openxmlformats.org/markup-compatibility/2006" val="4009987634"/>
+        <p14:creationId xmlns:p14="http://schemas.microsoft.com/office/powerpoint/2010/main" val="4009987634"/>
       </p:ext>
     </p:extLst>
   </p:cSld>
@@ -6448,7 +6413,7 @@
 </file>
 
 <file path=ppt/slides/slide1.xml><?xml version="1.0" encoding="utf-8"?>
-<p:sld xmlns:a="http://schemas.openxmlformats.org/drawingml/2006/main" xmlns:r="http://schemas.openxmlformats.org/officeDocument/2006/relationships" xmlns:mc="http://schemas.openxmlformats.org/markup-compatibility/2006" xmlns:mv="urn:schemas-microsoft-com:mac:vml" xmlns:p="http://schemas.openxmlformats.org/presentationml/2006/main" mc:Ignorable="mv" mc:PreserveAttributes="mv:*">
+<p:sld xmlns:a="http://schemas.openxmlformats.org/drawingml/2006/main" xmlns:r="http://schemas.openxmlformats.org/officeDocument/2006/relationships" xmlns:p="http://schemas.openxmlformats.org/presentationml/2006/main">
   <p:cSld>
     <p:spTree>
       <p:nvGrpSpPr>
@@ -6540,7 +6505,7 @@
     </p:spTree>
     <p:extLst>
       <p:ext uri="{BB962C8B-B14F-4D97-AF65-F5344CB8AC3E}">
-        <p14:creationId xmlns="" xmlns:a="http://schemas.openxmlformats.org/drawingml/2006/main" xmlns:r="http://schemas.openxmlformats.org/officeDocument/2006/relationships" xmlns:p="http://schemas.openxmlformats.org/presentationml/2006/main" xmlns:p14="http://schemas.microsoft.com/office/powerpoint/2010/main" xmlns:mv="urn:schemas-microsoft-com:mac:vml" xmlns:mc="http://schemas.openxmlformats.org/markup-compatibility/2006" val="3087260744"/>
+        <p14:creationId xmlns:p14="http://schemas.microsoft.com/office/powerpoint/2010/main" val="3087260744"/>
       </p:ext>
     </p:extLst>
   </p:cSld>
@@ -6558,7 +6523,7 @@
 </file>
 
 <file path=ppt/slides/slide2.xml><?xml version="1.0" encoding="utf-8"?>
-<p:sld xmlns:a="http://schemas.openxmlformats.org/drawingml/2006/main" xmlns:r="http://schemas.openxmlformats.org/officeDocument/2006/relationships" xmlns:mc="http://schemas.openxmlformats.org/markup-compatibility/2006" xmlns:mv="urn:schemas-microsoft-com:mac:vml" xmlns:p="http://schemas.openxmlformats.org/presentationml/2006/main" mc:Ignorable="mv" mc:PreserveAttributes="mv:*">
+<p:sld xmlns:a="http://schemas.openxmlformats.org/drawingml/2006/main" xmlns:r="http://schemas.openxmlformats.org/officeDocument/2006/relationships" xmlns:p="http://schemas.openxmlformats.org/presentationml/2006/main">
   <p:cSld>
     <p:spTree>
       <p:nvGrpSpPr>
@@ -6699,7 +6664,11 @@
             </a:r>
             <a:r>
               <a:rPr lang="en-ZA" sz="2400" dirty="0" smtClean="0"/>
-              <a:t>Creates a branch of a git repository.</a:t>
+              <a:t>Creates a branch of a git </a:t>
+            </a:r>
+            <a:r>
+              <a:rPr lang="en-ZA" sz="2400" dirty="0" smtClean="0"/>
+              <a:t>repository</a:t>
             </a:r>
             <a:endParaRPr lang="en-US" sz="2400" dirty="0"/>
           </a:p>
@@ -6718,7 +6687,11 @@
             </a:r>
             <a:r>
               <a:rPr lang="en-ZA" sz="2400" dirty="0" smtClean="0"/>
-              <a:t>Adds changes made on branched repository to the main/original repository.  </a:t>
+              <a:t>Adds changes made on branched repository to the main/original </a:t>
+            </a:r>
+            <a:r>
+              <a:rPr lang="en-ZA" sz="2400" dirty="0" smtClean="0"/>
+              <a:t>repository </a:t>
             </a:r>
             <a:endParaRPr lang="en-US" sz="2400" dirty="0"/>
           </a:p>
@@ -6737,7 +6710,11 @@
             </a:r>
             <a:r>
               <a:rPr lang="en-ZA" sz="2400" dirty="0" smtClean="0"/>
-              <a:t>Incorporates your local committed changes to the online GitHub repository. </a:t>
+              <a:t>Incorporates your local committed changes to the online GitHub </a:t>
+            </a:r>
+            <a:r>
+              <a:rPr lang="en-ZA" sz="2400" dirty="0" smtClean="0"/>
+              <a:t>repository </a:t>
             </a:r>
             <a:endParaRPr lang="en-US" sz="2400" dirty="0"/>
           </a:p>
@@ -6756,8 +6733,13 @@
             </a:r>
             <a:r>
               <a:rPr lang="en-ZA" sz="2400" dirty="0" smtClean="0"/>
-              <a:t>Incorporates the newest changes of an online repository, to your local repository. </a:t>
-            </a:r>
+              <a:t>Incorporates the newest changes of an online repository, to your local </a:t>
+            </a:r>
+            <a:r>
+              <a:rPr lang="en-ZA" sz="2400" dirty="0" smtClean="0"/>
+              <a:t>repository</a:t>
+            </a:r>
+            <a:endParaRPr lang="en-ZA" sz="2400" dirty="0" smtClean="0"/>
           </a:p>
           <a:p>
             <a:r>
@@ -6778,8 +6760,13 @@
             </a:r>
             <a:r>
               <a:rPr lang="en-ZA" sz="2400" dirty="0"/>
-              <a:t>want to check. </a:t>
-            </a:r>
+              <a:t>want to </a:t>
+            </a:r>
+            <a:r>
+              <a:rPr lang="en-ZA" sz="2400" dirty="0" smtClean="0"/>
+              <a:t>check </a:t>
+            </a:r>
+            <a:endParaRPr lang="en-ZA" sz="2400" dirty="0"/>
           </a:p>
           <a:p>
             <a:r>
@@ -6800,7 +6787,7 @@
             </a:r>
             <a:r>
               <a:rPr lang="en-ZA" sz="2400" dirty="0" smtClean="0"/>
-              <a:t>repository. </a:t>
+              <a:t>repository</a:t>
             </a:r>
             <a:endParaRPr lang="en-US" sz="2400" dirty="0"/>
           </a:p>
@@ -6812,7 +6799,7 @@
     </p:spTree>
     <p:extLst>
       <p:ext uri="{BB962C8B-B14F-4D97-AF65-F5344CB8AC3E}">
-        <p14:creationId xmlns="" xmlns:a="http://schemas.openxmlformats.org/drawingml/2006/main" xmlns:r="http://schemas.openxmlformats.org/officeDocument/2006/relationships" xmlns:p="http://schemas.openxmlformats.org/presentationml/2006/main" xmlns:p14="http://schemas.microsoft.com/office/powerpoint/2010/main" xmlns:mv="urn:schemas-microsoft-com:mac:vml" xmlns:mc="http://schemas.openxmlformats.org/markup-compatibility/2006" val="1691310875"/>
+        <p14:creationId xmlns:p14="http://schemas.microsoft.com/office/powerpoint/2010/main" val="1691310875"/>
       </p:ext>
     </p:extLst>
   </p:cSld>
@@ -6830,7 +6817,7 @@
 </file>
 
 <file path=ppt/slides/slide3.xml><?xml version="1.0" encoding="utf-8"?>
-<p:sld xmlns:a="http://schemas.openxmlformats.org/drawingml/2006/main" xmlns:r="http://schemas.openxmlformats.org/officeDocument/2006/relationships" xmlns:mc="http://schemas.openxmlformats.org/markup-compatibility/2006" xmlns:mv="urn:schemas-microsoft-com:mac:vml" xmlns:p="http://schemas.openxmlformats.org/presentationml/2006/main" mc:Ignorable="mv" mc:PreserveAttributes="mv:*">
+<p:sld xmlns:a="http://schemas.openxmlformats.org/drawingml/2006/main" xmlns:r="http://schemas.openxmlformats.org/officeDocument/2006/relationships" xmlns:p="http://schemas.openxmlformats.org/presentationml/2006/main">
   <p:cSld>
     <p:spTree>
       <p:nvGrpSpPr>
@@ -6941,8 +6928,13 @@
             </a:r>
             <a:r>
               <a:rPr lang="en-ZA" sz="2595" dirty="0" smtClean="0"/>
-              <a:t> and create a GitHub account.</a:t>
-            </a:r>
+              <a:t> and create a GitHub </a:t>
+            </a:r>
+            <a:r>
+              <a:rPr lang="en-ZA" sz="2595" dirty="0" smtClean="0"/>
+              <a:t>account</a:t>
+            </a:r>
+            <a:endParaRPr lang="en-ZA" sz="2595" dirty="0" smtClean="0"/>
           </a:p>
           <a:p>
             <a:pPr marL="0" indent="0">
@@ -6983,19 +6975,29 @@
             </a:r>
             <a:r>
               <a:rPr lang="en-US" sz="2595" u="sng" dirty="0"/>
-              <a:t>http://www.syntevo.com/smartgit/</a:t>
-            </a:r>
-            <a:r>
-              <a:rPr lang="en-ZA" sz="2595" dirty="0"/>
-              <a:t>. </a:t>
-            </a:r>
+              <a:t>http://www.syntevo.com/smartgit</a:t>
+            </a:r>
+            <a:r>
+              <a:rPr lang="en-US" sz="2595" u="sng" dirty="0" smtClean="0"/>
+              <a:t>/</a:t>
+            </a:r>
+            <a:r>
+              <a:rPr lang="en-ZA" sz="2595" dirty="0" smtClean="0"/>
+              <a:t> </a:t>
+            </a:r>
+            <a:endParaRPr lang="en-ZA" sz="2595" dirty="0"/>
           </a:p>
           <a:p>
             <a:pPr lvl="1"/>
             <a:r>
               <a:rPr lang="en-ZA" sz="2395" dirty="0"/>
-              <a:t>Install the version corresponding to your operating system.</a:t>
-            </a:r>
+              <a:t>Install the version corresponding to your operating </a:t>
+            </a:r>
+            <a:r>
+              <a:rPr lang="en-ZA" sz="2395" dirty="0" smtClean="0"/>
+              <a:t>system</a:t>
+            </a:r>
+            <a:endParaRPr lang="en-ZA" sz="2395" dirty="0"/>
           </a:p>
           <a:p>
             <a:pPr lvl="1">
@@ -7006,8 +7008,13 @@
           <a:p>
             <a:r>
               <a:rPr lang="en-ZA" sz="2595" dirty="0" smtClean="0"/>
-              <a:t>Introduce yourself to git. </a:t>
-            </a:r>
+              <a:t>Introduce yourself to </a:t>
+            </a:r>
+            <a:r>
+              <a:rPr lang="en-ZA" sz="2595" dirty="0" smtClean="0"/>
+              <a:t>git</a:t>
+            </a:r>
+            <a:endParaRPr lang="en-ZA" sz="2595" dirty="0" smtClean="0"/>
           </a:p>
           <a:p>
             <a:pPr lvl="1">
@@ -7028,7 +7035,7 @@
             </a:r>
             <a:r>
               <a:rPr lang="en-ZA" sz="2395" dirty="0" smtClean="0"/>
-              <a:t>account. </a:t>
+              <a:t>account</a:t>
             </a:r>
             <a:endParaRPr lang="en-US" dirty="0"/>
           </a:p>
@@ -7037,7 +7044,7 @@
     </p:spTree>
     <p:extLst>
       <p:ext uri="{BB962C8B-B14F-4D97-AF65-F5344CB8AC3E}">
-        <p14:creationId xmlns="" xmlns:a="http://schemas.openxmlformats.org/drawingml/2006/main" xmlns:r="http://schemas.openxmlformats.org/officeDocument/2006/relationships" xmlns:p="http://schemas.openxmlformats.org/presentationml/2006/main" xmlns:p14="http://schemas.microsoft.com/office/powerpoint/2010/main" xmlns:mv="urn:schemas-microsoft-com:mac:vml" xmlns:mc="http://schemas.openxmlformats.org/markup-compatibility/2006" val="2617072906"/>
+        <p14:creationId xmlns:p14="http://schemas.microsoft.com/office/powerpoint/2010/main" val="2617072906"/>
       </p:ext>
     </p:extLst>
   </p:cSld>
@@ -7055,7 +7062,7 @@
 </file>
 
 <file path=ppt/slides/slide4.xml><?xml version="1.0" encoding="utf-8"?>
-<p:sld xmlns:a="http://schemas.openxmlformats.org/drawingml/2006/main" xmlns:r="http://schemas.openxmlformats.org/officeDocument/2006/relationships" xmlns:mc="http://schemas.openxmlformats.org/markup-compatibility/2006" xmlns:mv="urn:schemas-microsoft-com:mac:vml" xmlns:p="http://schemas.openxmlformats.org/presentationml/2006/main" mc:Ignorable="mv" mc:PreserveAttributes="mv:*">
+<p:sld xmlns:a="http://schemas.openxmlformats.org/drawingml/2006/main" xmlns:r="http://schemas.openxmlformats.org/officeDocument/2006/relationships" xmlns:p="http://schemas.openxmlformats.org/presentationml/2006/main">
   <p:cSld>
     <p:spTree>
       <p:nvGrpSpPr>
@@ -7150,7 +7157,7 @@
 </file>
 
 <file path=ppt/slides/slide5.xml><?xml version="1.0" encoding="utf-8"?>
-<p:sld xmlns:a="http://schemas.openxmlformats.org/drawingml/2006/main" xmlns:r="http://schemas.openxmlformats.org/officeDocument/2006/relationships" xmlns:mc="http://schemas.openxmlformats.org/markup-compatibility/2006" xmlns:mv="urn:schemas-microsoft-com:mac:vml" xmlns:p="http://schemas.openxmlformats.org/presentationml/2006/main" mc:Ignorable="mv" mc:PreserveAttributes="mv:*">
+<p:sld xmlns:a="http://schemas.openxmlformats.org/drawingml/2006/main" xmlns:r="http://schemas.openxmlformats.org/officeDocument/2006/relationships" xmlns:p="http://schemas.openxmlformats.org/presentationml/2006/main">
   <p:cSld>
     <p:spTree>
       <p:nvGrpSpPr>
@@ -7515,7 +7522,7 @@
     </p:spTree>
     <p:extLst>
       <p:ext uri="{BB962C8B-B14F-4D97-AF65-F5344CB8AC3E}">
-        <p14:creationId xmlns="" xmlns:a="http://schemas.openxmlformats.org/drawingml/2006/main" xmlns:r="http://schemas.openxmlformats.org/officeDocument/2006/relationships" xmlns:p="http://schemas.openxmlformats.org/presentationml/2006/main" xmlns:p14="http://schemas.microsoft.com/office/powerpoint/2010/main" xmlns:mv="urn:schemas-microsoft-com:mac:vml" xmlns:mc="http://schemas.openxmlformats.org/markup-compatibility/2006" val="3276086069"/>
+        <p14:creationId xmlns:p14="http://schemas.microsoft.com/office/powerpoint/2010/main" val="3276086069"/>
       </p:ext>
     </p:extLst>
   </p:cSld>
@@ -7533,7 +7540,7 @@
 </file>
 
 <file path=ppt/slides/slide6.xml><?xml version="1.0" encoding="utf-8"?>
-<p:sld xmlns:a="http://schemas.openxmlformats.org/drawingml/2006/main" xmlns:r="http://schemas.openxmlformats.org/officeDocument/2006/relationships" xmlns:mc="http://schemas.openxmlformats.org/markup-compatibility/2006" xmlns:mv="urn:schemas-microsoft-com:mac:vml" xmlns:p="http://schemas.openxmlformats.org/presentationml/2006/main" mc:Ignorable="mv" mc:PreserveAttributes="mv:*">
+<p:sld xmlns:a="http://schemas.openxmlformats.org/drawingml/2006/main" xmlns:r="http://schemas.openxmlformats.org/officeDocument/2006/relationships" xmlns:p="http://schemas.openxmlformats.org/presentationml/2006/main">
   <p:cSld>
     <p:spTree>
       <p:nvGrpSpPr>
@@ -7876,7 +7883,7 @@
     </p:spTree>
     <p:extLst>
       <p:ext uri="{BB962C8B-B14F-4D97-AF65-F5344CB8AC3E}">
-        <p14:creationId xmlns="" xmlns:a="http://schemas.openxmlformats.org/drawingml/2006/main" xmlns:r="http://schemas.openxmlformats.org/officeDocument/2006/relationships" xmlns:p="http://schemas.openxmlformats.org/presentationml/2006/main" xmlns:p14="http://schemas.microsoft.com/office/powerpoint/2010/main" xmlns:mv="urn:schemas-microsoft-com:mac:vml" xmlns:mc="http://schemas.openxmlformats.org/markup-compatibility/2006" val="520927691"/>
+        <p14:creationId xmlns:p14="http://schemas.microsoft.com/office/powerpoint/2010/main" val="520927691"/>
       </p:ext>
     </p:extLst>
   </p:cSld>
@@ -7894,7 +7901,7 @@
 </file>
 
 <file path=ppt/slides/slide7.xml><?xml version="1.0" encoding="utf-8"?>
-<p:sld xmlns:a="http://schemas.openxmlformats.org/drawingml/2006/main" xmlns:r="http://schemas.openxmlformats.org/officeDocument/2006/relationships" xmlns:mc="http://schemas.openxmlformats.org/markup-compatibility/2006" xmlns:mv="urn:schemas-microsoft-com:mac:vml" xmlns:p="http://schemas.openxmlformats.org/presentationml/2006/main" mc:Ignorable="mv" mc:PreserveAttributes="mv:*">
+<p:sld xmlns:a="http://schemas.openxmlformats.org/drawingml/2006/main" xmlns:r="http://schemas.openxmlformats.org/officeDocument/2006/relationships" xmlns:p="http://schemas.openxmlformats.org/presentationml/2006/main">
   <p:cSld>
     <p:spTree>
       <p:nvGrpSpPr>
@@ -7951,7 +7958,7 @@
         </p:spPr>
         <p:txBody>
           <a:bodyPr>
-            <a:normAutofit fontScale="85000" lnSpcReduction="20000"/>
+            <a:normAutofit fontScale="92500" lnSpcReduction="20000"/>
           </a:bodyPr>
           <a:lstStyle/>
           <a:p>
@@ -8122,7 +8129,7 @@
                 </a:solidFill>
                 <a:hlinkClick r:id="rId8"/>
               </a:rPr>
-              <a:t>http://</a:t>
+              <a:t>http://nyuccl.org/pages/gittutorial</a:t>
             </a:r>
             <a:r>
               <a:rPr lang="en-ZA" dirty="0" smtClean="0">
@@ -8131,26 +8138,18 @@
                 </a:solidFill>
                 <a:hlinkClick r:id="rId8"/>
               </a:rPr>
-              <a:t>developers.useflashpunk.net/t/how-to-use-</a:t>
-            </a:r>
-            <a:r>
-              <a:rPr lang="en-US" dirty="0" smtClean="0">
+              <a:t>/</a:t>
+            </a:r>
+            <a:r>
+              <a:rPr lang="en-ZA" dirty="0" smtClean="0">
                 <a:solidFill>
                   <a:srgbClr val="00B050"/>
                 </a:solidFill>
-                <a:hlinkClick r:id="rId8"/>
               </a:rPr>
-              <a:t>SmartGit</a:t>
-            </a:r>
-            <a:r>
-              <a:rPr lang="en-ZA" dirty="0" smtClean="0">
-                <a:solidFill>
-                  <a:srgbClr val="00B050"/>
-                </a:solidFill>
-                <a:hlinkClick r:id="rId8"/>
-              </a:rPr>
-              <a:t>-and-github-to-send-your-fp-modifications-pull-requests/1586</a:t>
-            </a:r>
+              <a:t> </a:t>
+            </a:r>
+          </a:p>
+          <a:p>
             <a:endParaRPr lang="en-ZA" dirty="0" smtClean="0">
               <a:solidFill>
                 <a:srgbClr val="00B050"/>
@@ -8158,6 +8157,24 @@
             </a:endParaRPr>
           </a:p>
           <a:p>
+            <a:pPr marL="0" indent="0">
+              <a:buNone/>
+            </a:pPr>
+            <a:r>
+              <a:rPr lang="en-ZA" dirty="0" smtClean="0">
+                <a:solidFill>
+                  <a:schemeClr val="tx2"/>
+                </a:solidFill>
+              </a:rPr>
+              <a:t>Cheat Sheets</a:t>
+            </a:r>
+            <a:endParaRPr lang="en-US" dirty="0">
+              <a:solidFill>
+                <a:schemeClr val="tx2"/>
+              </a:solidFill>
+            </a:endParaRPr>
+          </a:p>
+          <a:p>
             <a:r>
               <a:rPr lang="en-ZA" dirty="0">
                 <a:solidFill>
@@ -8165,25 +8182,16 @@
                 </a:solidFill>
                 <a:hlinkClick r:id="rId9"/>
               </a:rPr>
-              <a:t>http://dexterlin.com/programming/creating-local-git-repositories-with-</a:t>
-            </a:r>
-            <a:r>
-              <a:rPr lang="en-US" dirty="0">
+              <a:t>http://</a:t>
+            </a:r>
+            <a:r>
+              <a:rPr lang="en-ZA" dirty="0" smtClean="0">
                 <a:solidFill>
                   <a:srgbClr val="00B050"/>
                 </a:solidFill>
                 <a:hlinkClick r:id="rId9"/>
               </a:rPr>
-              <a:t>SmartGit</a:t>
-            </a:r>
-            <a:r>
-              <a:rPr lang="en-ZA" dirty="0" smtClean="0">
-                <a:solidFill>
-                  <a:srgbClr val="00B050"/>
-                </a:solidFill>
-                <a:hlinkClick r:id="rId9"/>
-              </a:rPr>
-              <a:t>/</a:t>
+              <a:t>rogerdudler.github.io/git-guide/files/git_cheat_sheet.pdf</a:t>
             </a:r>
             <a:endParaRPr lang="en-ZA" dirty="0" smtClean="0">
               <a:solidFill>
@@ -8192,62 +8200,12 @@
             </a:endParaRPr>
           </a:p>
           <a:p>
-            <a:endParaRPr lang="en-ZA" dirty="0" smtClean="0">
-              <a:solidFill>
-                <a:srgbClr val="00B050"/>
-              </a:solidFill>
-            </a:endParaRPr>
-          </a:p>
-          <a:p>
-            <a:pPr marL="0" indent="0">
-              <a:buNone/>
-            </a:pPr>
-            <a:r>
-              <a:rPr lang="en-ZA" dirty="0" smtClean="0">
-                <a:solidFill>
-                  <a:schemeClr val="tx2"/>
-                </a:solidFill>
-              </a:rPr>
-              <a:t>Cheat Sheets</a:t>
-            </a:r>
-            <a:endParaRPr lang="en-US" dirty="0">
-              <a:solidFill>
-                <a:schemeClr val="tx2"/>
-              </a:solidFill>
-            </a:endParaRPr>
-          </a:p>
-          <a:p>
             <a:r>
               <a:rPr lang="en-ZA" dirty="0">
                 <a:solidFill>
                   <a:srgbClr val="00B050"/>
                 </a:solidFill>
                 <a:hlinkClick r:id="rId10"/>
-              </a:rPr>
-              <a:t>http://</a:t>
-            </a:r>
-            <a:r>
-              <a:rPr lang="en-ZA" dirty="0" smtClean="0">
-                <a:solidFill>
-                  <a:srgbClr val="00B050"/>
-                </a:solidFill>
-                <a:hlinkClick r:id="rId10"/>
-              </a:rPr>
-              <a:t>rogerdudler.github.io/git-guide/files/git_cheat_sheet.pdf</a:t>
-            </a:r>
-            <a:endParaRPr lang="en-ZA" dirty="0" smtClean="0">
-              <a:solidFill>
-                <a:srgbClr val="00B050"/>
-              </a:solidFill>
-            </a:endParaRPr>
-          </a:p>
-          <a:p>
-            <a:r>
-              <a:rPr lang="en-ZA" dirty="0">
-                <a:solidFill>
-                  <a:srgbClr val="00B050"/>
-                </a:solidFill>
-                <a:hlinkClick r:id="rId11"/>
               </a:rPr>
               <a:t>https://training.github.com/kit/downloads/github-git-cheat-sheet.pdf</a:t>
             </a:r>
@@ -8271,7 +8229,7 @@
     </p:spTree>
     <p:extLst>
       <p:ext uri="{BB962C8B-B14F-4D97-AF65-F5344CB8AC3E}">
-        <p14:creationId xmlns="" xmlns:a="http://schemas.openxmlformats.org/drawingml/2006/main" xmlns:r="http://schemas.openxmlformats.org/officeDocument/2006/relationships" xmlns:p="http://schemas.openxmlformats.org/presentationml/2006/main" xmlns:p14="http://schemas.microsoft.com/office/powerpoint/2010/main" xmlns:mv="urn:schemas-microsoft-com:mac:vml" xmlns:mc="http://schemas.openxmlformats.org/markup-compatibility/2006" val="2955015948"/>
+        <p14:creationId xmlns:p14="http://schemas.microsoft.com/office/powerpoint/2010/main" val="2955015948"/>
       </p:ext>
     </p:extLst>
   </p:cSld>
@@ -8539,7 +8497,7 @@
   <a:extraClrSchemeLst/>
   <a:extLst>
     <a:ext uri="{05A4C25C-085E-4340-85A3-A5531E510DB2}">
-      <thm15:themeFamily xmlns="" xmlns:a="http://schemas.openxmlformats.org/drawingml/2006/main" xmlns:thm15="http://schemas.microsoft.com/office/thememl/2012/main" name="Facet" id="{C0C680CD-088A-49FC-A102-D699147F32B2}" vid="{CFBC31BA-B70F-4F30-BCAA-4F3011E16C4D}"/>
+      <thm15:themeFamily xmlns:thm15="http://schemas.microsoft.com/office/thememl/2012/main" name="Facet" id="{C0C680CD-088A-49FC-A102-D699147F32B2}" vid="{CFBC31BA-B70F-4F30-BCAA-4F3011E16C4D}"/>
     </a:ext>
   </a:extLst>
 </a:theme>
@@ -8800,7 +8758,7 @@
   <a:extraClrSchemeLst/>
   <a:extLst>
     <a:ext uri="{05A4C25C-085E-4340-85A3-A5531E510DB2}">
-      <thm15:themeFamily xmlns="" xmlns:a="http://schemas.openxmlformats.org/drawingml/2006/main" xmlns:thm15="http://schemas.microsoft.com/office/thememl/2012/main" name="Office Theme" id="{62F939B6-93AF-4DB8-9C6B-D6C7DFDC589F}" vid="{4A3C46E8-61CC-4603-A589-7422A47A8E4A}"/>
+      <thm15:themeFamily xmlns:thm15="http://schemas.microsoft.com/office/thememl/2012/main" name="Office Theme" id="{62F939B6-93AF-4DB8-9C6B-D6C7DFDC589F}" vid="{4A3C46E8-61CC-4603-A589-7422A47A8E4A}"/>
     </a:ext>
   </a:extLst>
 </a:theme>

--- a/Appendix for Git-v1.1.pptx
+++ b/Appendix for Git-v1.1.pptx
@@ -1,6 +1,6 @@
 
 <file path=ppt/presentation.xml><?xml version="1.0" encoding="utf-8"?>
-<p:presentation xmlns:a="http://schemas.openxmlformats.org/drawingml/2006/main" xmlns:r="http://schemas.openxmlformats.org/officeDocument/2006/relationships" xmlns:p="http://schemas.openxmlformats.org/presentationml/2006/main" saveSubsetFonts="1">
+<p:presentation xmlns:a="http://schemas.openxmlformats.org/drawingml/2006/main" xmlns:r="http://schemas.openxmlformats.org/officeDocument/2006/relationships" xmlns:mc="http://schemas.openxmlformats.org/markup-compatibility/2006" xmlns:mv="urn:schemas-microsoft-com:mac:vml" xmlns:p="http://schemas.openxmlformats.org/presentationml/2006/main" mc:Ignorable="mv" mc:PreserveAttributes="mv:*" saveSubsetFonts="1">
   <p:sldMasterIdLst>
     <p:sldMasterId id="2147483707" r:id="rId1"/>
   </p:sldMasterIdLst>
@@ -115,7 +115,7 @@
   </p:defaultTextStyle>
   <p:extLst>
     <p:ext uri="{EFAFB233-063F-42B5-8137-9DF3F51BA10A}">
-      <p15:sldGuideLst xmlns:p15="http://schemas.microsoft.com/office/powerpoint/2012/main">
+      <p15:sldGuideLst xmlns:p15="http://schemas.microsoft.com/office/powerpoint/2012/main" xmlns:p="http://schemas.openxmlformats.org/presentationml/2006/main" xmlns:r="http://schemas.openxmlformats.org/officeDocument/2006/relationships" xmlns:a="http://schemas.openxmlformats.org/drawingml/2006/main" xmlns="">
         <p15:guide id="1" orient="horz" pos="2160">
           <p15:clr>
             <a:srgbClr val="A4A3A4"/>
@@ -133,18 +133,18 @@
 </file>
 
 <file path=ppt/commentAuthors.xml><?xml version="1.0" encoding="utf-8"?>
-<p:cmAuthorLst xmlns:a="http://schemas.openxmlformats.org/drawingml/2006/main" xmlns:r="http://schemas.openxmlformats.org/officeDocument/2006/relationships" xmlns:p="http://schemas.openxmlformats.org/presentationml/2006/main">
+<p:cmAuthorLst xmlns:a="http://schemas.openxmlformats.org/drawingml/2006/main" xmlns:r="http://schemas.openxmlformats.org/officeDocument/2006/relationships" xmlns:mc="http://schemas.openxmlformats.org/markup-compatibility/2006" xmlns:mv="urn:schemas-microsoft-com:mac:vml" xmlns:p="http://schemas.openxmlformats.org/presentationml/2006/main" mc:Ignorable="mv" mc:PreserveAttributes="mv:*">
   <p:cmAuthor id="1" name="Joseph Sempa" initials="JS" lastIdx="7" clrIdx="0">
     <p:extLst>
       <p:ext uri="{19B8F6BF-5375-455C-9EA6-DF929625EA0E}">
-        <p15:presenceInfo xmlns:p15="http://schemas.microsoft.com/office/powerpoint/2012/main" userId="6a318720dea0050f" providerId="Windows Live"/>
+        <p15:presenceInfo xmlns:p15="http://schemas.microsoft.com/office/powerpoint/2012/main" xmlns:p="http://schemas.openxmlformats.org/presentationml/2006/main" xmlns:r="http://schemas.openxmlformats.org/officeDocument/2006/relationships" xmlns:a="http://schemas.openxmlformats.org/drawingml/2006/main" xmlns="" userId="6a318720dea0050f" providerId="Windows Live"/>
       </p:ext>
     </p:extLst>
   </p:cmAuthor>
   <p:cmAuthor id="2" name="Eva" initials="E" lastIdx="5" clrIdx="1">
     <p:extLst>
       <p:ext uri="{19B8F6BF-5375-455C-9EA6-DF929625EA0E}">
-        <p15:presenceInfo xmlns:p15="http://schemas.microsoft.com/office/powerpoint/2012/main" userId="Eva" providerId="None"/>
+        <p15:presenceInfo xmlns:p15="http://schemas.microsoft.com/office/powerpoint/2012/main" xmlns:p="http://schemas.openxmlformats.org/presentationml/2006/main" xmlns:r="http://schemas.openxmlformats.org/officeDocument/2006/relationships" xmlns:a="http://schemas.openxmlformats.org/drawingml/2006/main" xmlns="" userId="Eva" providerId="None"/>
       </p:ext>
     </p:extLst>
   </p:cmAuthor>
@@ -153,7 +153,7 @@
 </file>
 
 <file path=ppt/notesMasters/notesMaster1.xml><?xml version="1.0" encoding="utf-8"?>
-<p:notesMaster xmlns:a="http://schemas.openxmlformats.org/drawingml/2006/main" xmlns:r="http://schemas.openxmlformats.org/officeDocument/2006/relationships" xmlns:p="http://schemas.openxmlformats.org/presentationml/2006/main">
+<p:notesMaster xmlns:a="http://schemas.openxmlformats.org/drawingml/2006/main" xmlns:r="http://schemas.openxmlformats.org/officeDocument/2006/relationships" xmlns:mc="http://schemas.openxmlformats.org/markup-compatibility/2006" xmlns:mv="urn:schemas-microsoft-com:mac:vml" xmlns:p="http://schemas.openxmlformats.org/presentationml/2006/main" mc:Ignorable="mv" mc:PreserveAttributes="mv:*">
   <p:cSld>
     <p:bg>
       <p:bgRef idx="1001">
@@ -235,7 +235,7 @@
             <a:fld id="{12320EBB-C57D-4679-B90E-3AE205263646}" type="datetimeFigureOut">
               <a:rPr lang="en-US" smtClean="0"/>
               <a:pPr/>
-              <a:t>11-May-15</a:t>
+              <a:t>5/12/15</a:t>
             </a:fld>
             <a:endParaRPr lang="en-US" dirty="0"/>
           </a:p>
@@ -404,7 +404,7 @@
     </p:spTree>
     <p:extLst>
       <p:ext uri="{BB962C8B-B14F-4D97-AF65-F5344CB8AC3E}">
-        <p14:creationId xmlns:p14="http://schemas.microsoft.com/office/powerpoint/2010/main" val="2700682020"/>
+        <p14:creationId xmlns:p14="http://schemas.microsoft.com/office/powerpoint/2010/main" xmlns:p="http://schemas.openxmlformats.org/presentationml/2006/main" xmlns:r="http://schemas.openxmlformats.org/officeDocument/2006/relationships" xmlns:a="http://schemas.openxmlformats.org/drawingml/2006/main" xmlns="" val="2700682020"/>
       </p:ext>
     </p:extLst>
   </p:cSld>
@@ -505,7 +505,7 @@
 </file>
 
 <file path=ppt/notesSlides/notesSlide1.xml><?xml version="1.0" encoding="utf-8"?>
-<p:notes xmlns:a="http://schemas.openxmlformats.org/drawingml/2006/main" xmlns:r="http://schemas.openxmlformats.org/officeDocument/2006/relationships" xmlns:p="http://schemas.openxmlformats.org/presentationml/2006/main">
+<p:notes xmlns:a="http://schemas.openxmlformats.org/drawingml/2006/main" xmlns:r="http://schemas.openxmlformats.org/officeDocument/2006/relationships" xmlns:mc="http://schemas.openxmlformats.org/markup-compatibility/2006" xmlns:mv="urn:schemas-microsoft-com:mac:vml" xmlns:p="http://schemas.openxmlformats.org/presentationml/2006/main" mc:Ignorable="mv" mc:PreserveAttributes="mv:*">
   <p:cSld>
     <p:spTree>
       <p:nvGrpSpPr>
@@ -579,7 +579,7 @@
     </p:spTree>
     <p:extLst>
       <p:ext uri="{BB962C8B-B14F-4D97-AF65-F5344CB8AC3E}">
-        <p14:creationId xmlns:p14="http://schemas.microsoft.com/office/powerpoint/2010/main" val="3125911225"/>
+        <p14:creationId xmlns:p14="http://schemas.microsoft.com/office/powerpoint/2010/main" xmlns:p="http://schemas.openxmlformats.org/presentationml/2006/main" xmlns:r="http://schemas.openxmlformats.org/officeDocument/2006/relationships" xmlns:a="http://schemas.openxmlformats.org/drawingml/2006/main" xmlns="" val="3125911225"/>
       </p:ext>
     </p:extLst>
   </p:cSld>
@@ -590,7 +590,7 @@
 </file>
 
 <file path=ppt/notesSlides/notesSlide2.xml><?xml version="1.0" encoding="utf-8"?>
-<p:notes xmlns:a="http://schemas.openxmlformats.org/drawingml/2006/main" xmlns:r="http://schemas.openxmlformats.org/officeDocument/2006/relationships" xmlns:p="http://schemas.openxmlformats.org/presentationml/2006/main">
+<p:notes xmlns:a="http://schemas.openxmlformats.org/drawingml/2006/main" xmlns:r="http://schemas.openxmlformats.org/officeDocument/2006/relationships" xmlns:mc="http://schemas.openxmlformats.org/markup-compatibility/2006" xmlns:mv="urn:schemas-microsoft-com:mac:vml" xmlns:p="http://schemas.openxmlformats.org/presentationml/2006/main" mc:Ignorable="mv" mc:PreserveAttributes="mv:*">
   <p:cSld>
     <p:spTree>
       <p:nvGrpSpPr>
@@ -668,7 +668,7 @@
     </p:spTree>
     <p:extLst>
       <p:ext uri="{BB962C8B-B14F-4D97-AF65-F5344CB8AC3E}">
-        <p14:creationId xmlns:p14="http://schemas.microsoft.com/office/powerpoint/2010/main" val="639080925"/>
+        <p14:creationId xmlns:p14="http://schemas.microsoft.com/office/powerpoint/2010/main" xmlns:p="http://schemas.openxmlformats.org/presentationml/2006/main" xmlns:r="http://schemas.openxmlformats.org/officeDocument/2006/relationships" xmlns:a="http://schemas.openxmlformats.org/drawingml/2006/main" xmlns="" val="639080925"/>
       </p:ext>
     </p:extLst>
   </p:cSld>
@@ -679,7 +679,7 @@
 </file>
 
 <file path=ppt/slideLayouts/slideLayout1.xml><?xml version="1.0" encoding="utf-8"?>
-<p:sldLayout xmlns:a="http://schemas.openxmlformats.org/drawingml/2006/main" xmlns:r="http://schemas.openxmlformats.org/officeDocument/2006/relationships" xmlns:p="http://schemas.openxmlformats.org/presentationml/2006/main" showMasterSp="0" type="title" preserve="1">
+<p:sldLayout xmlns:a="http://schemas.openxmlformats.org/drawingml/2006/main" xmlns:r="http://schemas.openxmlformats.org/officeDocument/2006/relationships" xmlns:mc="http://schemas.openxmlformats.org/markup-compatibility/2006" xmlns:mv="urn:schemas-microsoft-com:mac:vml" xmlns:p="http://schemas.openxmlformats.org/presentationml/2006/main" mc:Ignorable="mv" mc:PreserveAttributes="mv:*" showMasterSp="0" type="title" preserve="1">
   <p:cSld name="Title Slide">
     <p:spTree>
       <p:nvGrpSpPr>
@@ -1401,7 +1401,7 @@
             <a:fld id="{89585FB9-3804-4F2F-A432-68920AB06FD5}" type="datetimeFigureOut">
               <a:rPr lang="en-US" smtClean="0"/>
               <a:pPr/>
-              <a:t>11-May-15</a:t>
+              <a:t>5/12/15</a:t>
             </a:fld>
             <a:endParaRPr lang="en-US" dirty="0"/>
           </a:p>
@@ -1453,7 +1453,7 @@
     </p:spTree>
     <p:extLst>
       <p:ext uri="{BB962C8B-B14F-4D97-AF65-F5344CB8AC3E}">
-        <p14:creationId xmlns:p14="http://schemas.microsoft.com/office/powerpoint/2010/main" val="2241209880"/>
+        <p14:creationId xmlns:p14="http://schemas.microsoft.com/office/powerpoint/2010/main" xmlns:p="http://schemas.openxmlformats.org/presentationml/2006/main" xmlns:r="http://schemas.openxmlformats.org/officeDocument/2006/relationships" xmlns:a="http://schemas.openxmlformats.org/drawingml/2006/main" xmlns="" val="2241209880"/>
       </p:ext>
     </p:extLst>
   </p:cSld>
@@ -1464,7 +1464,7 @@
 </file>
 
 <file path=ppt/slideLayouts/slideLayout10.xml><?xml version="1.0" encoding="utf-8"?>
-<p:sldLayout xmlns:a="http://schemas.openxmlformats.org/drawingml/2006/main" xmlns:r="http://schemas.openxmlformats.org/officeDocument/2006/relationships" xmlns:p="http://schemas.openxmlformats.org/presentationml/2006/main" preserve="1">
+<p:sldLayout xmlns:a="http://schemas.openxmlformats.org/drawingml/2006/main" xmlns:r="http://schemas.openxmlformats.org/officeDocument/2006/relationships" xmlns:mc="http://schemas.openxmlformats.org/markup-compatibility/2006" xmlns:mv="urn:schemas-microsoft-com:mac:vml" xmlns:p="http://schemas.openxmlformats.org/presentationml/2006/main" mc:Ignorable="mv" mc:PreserveAttributes="mv:*" preserve="1">
   <p:cSld name="Title and Caption">
     <p:spTree>
       <p:nvGrpSpPr>
@@ -1654,7 +1654,7 @@
             <a:fld id="{89585FB9-3804-4F2F-A432-68920AB06FD5}" type="datetimeFigureOut">
               <a:rPr lang="en-US" smtClean="0"/>
               <a:pPr/>
-              <a:t>11-May-15</a:t>
+              <a:t>5/12/15</a:t>
             </a:fld>
             <a:endParaRPr lang="en-US" dirty="0"/>
           </a:p>
@@ -1706,7 +1706,7 @@
     </p:spTree>
     <p:extLst>
       <p:ext uri="{BB962C8B-B14F-4D97-AF65-F5344CB8AC3E}">
-        <p14:creationId xmlns:p14="http://schemas.microsoft.com/office/powerpoint/2010/main" val="2131812249"/>
+        <p14:creationId xmlns:p14="http://schemas.microsoft.com/office/powerpoint/2010/main" xmlns:p="http://schemas.openxmlformats.org/presentationml/2006/main" xmlns:r="http://schemas.openxmlformats.org/officeDocument/2006/relationships" xmlns:a="http://schemas.openxmlformats.org/drawingml/2006/main" xmlns="" val="2131812249"/>
       </p:ext>
     </p:extLst>
   </p:cSld>
@@ -1717,7 +1717,7 @@
 </file>
 
 <file path=ppt/slideLayouts/slideLayout11.xml><?xml version="1.0" encoding="utf-8"?>
-<p:sldLayout xmlns:a="http://schemas.openxmlformats.org/drawingml/2006/main" xmlns:r="http://schemas.openxmlformats.org/officeDocument/2006/relationships" xmlns:p="http://schemas.openxmlformats.org/presentationml/2006/main" preserve="1">
+<p:sldLayout xmlns:a="http://schemas.openxmlformats.org/drawingml/2006/main" xmlns:r="http://schemas.openxmlformats.org/officeDocument/2006/relationships" xmlns:mc="http://schemas.openxmlformats.org/markup-compatibility/2006" xmlns:mv="urn:schemas-microsoft-com:mac:vml" xmlns:p="http://schemas.openxmlformats.org/presentationml/2006/main" mc:Ignorable="mv" mc:PreserveAttributes="mv:*" preserve="1">
   <p:cSld name="Quote with Caption">
     <p:spTree>
       <p:nvGrpSpPr>
@@ -1970,7 +1970,7 @@
             <a:fld id="{89585FB9-3804-4F2F-A432-68920AB06FD5}" type="datetimeFigureOut">
               <a:rPr lang="en-US" smtClean="0"/>
               <a:pPr/>
-              <a:t>11-May-15</a:t>
+              <a:t>5/12/15</a:t>
             </a:fld>
             <a:endParaRPr lang="en-US" dirty="0"/>
           </a:p>
@@ -2112,7 +2112,7 @@
     </p:spTree>
     <p:extLst>
       <p:ext uri="{BB962C8B-B14F-4D97-AF65-F5344CB8AC3E}">
-        <p14:creationId xmlns:p14="http://schemas.microsoft.com/office/powerpoint/2010/main" val="2239895635"/>
+        <p14:creationId xmlns:p14="http://schemas.microsoft.com/office/powerpoint/2010/main" xmlns:p="http://schemas.openxmlformats.org/presentationml/2006/main" xmlns:r="http://schemas.openxmlformats.org/officeDocument/2006/relationships" xmlns:a="http://schemas.openxmlformats.org/drawingml/2006/main" xmlns="" val="2239895635"/>
       </p:ext>
     </p:extLst>
   </p:cSld>
@@ -2123,7 +2123,7 @@
 </file>
 
 <file path=ppt/slideLayouts/slideLayout12.xml><?xml version="1.0" encoding="utf-8"?>
-<p:sldLayout xmlns:a="http://schemas.openxmlformats.org/drawingml/2006/main" xmlns:r="http://schemas.openxmlformats.org/officeDocument/2006/relationships" xmlns:p="http://schemas.openxmlformats.org/presentationml/2006/main" preserve="1">
+<p:sldLayout xmlns:a="http://schemas.openxmlformats.org/drawingml/2006/main" xmlns:r="http://schemas.openxmlformats.org/officeDocument/2006/relationships" xmlns:mc="http://schemas.openxmlformats.org/markup-compatibility/2006" xmlns:mv="urn:schemas-microsoft-com:mac:vml" xmlns:p="http://schemas.openxmlformats.org/presentationml/2006/main" mc:Ignorable="mv" mc:PreserveAttributes="mv:*" preserve="1">
   <p:cSld name="Name Card">
     <p:spTree>
       <p:nvGrpSpPr>
@@ -2313,7 +2313,7 @@
             <a:fld id="{89585FB9-3804-4F2F-A432-68920AB06FD5}" type="datetimeFigureOut">
               <a:rPr lang="en-US" smtClean="0"/>
               <a:pPr/>
-              <a:t>11-May-15</a:t>
+              <a:t>5/12/15</a:t>
             </a:fld>
             <a:endParaRPr lang="en-US" dirty="0"/>
           </a:p>
@@ -2365,7 +2365,7 @@
     </p:spTree>
     <p:extLst>
       <p:ext uri="{BB962C8B-B14F-4D97-AF65-F5344CB8AC3E}">
-        <p14:creationId xmlns:p14="http://schemas.microsoft.com/office/powerpoint/2010/main" val="1147813802"/>
+        <p14:creationId xmlns:p14="http://schemas.microsoft.com/office/powerpoint/2010/main" xmlns:p="http://schemas.openxmlformats.org/presentationml/2006/main" xmlns:r="http://schemas.openxmlformats.org/officeDocument/2006/relationships" xmlns:a="http://schemas.openxmlformats.org/drawingml/2006/main" xmlns="" val="1147813802"/>
       </p:ext>
     </p:extLst>
   </p:cSld>
@@ -2376,7 +2376,7 @@
 </file>
 
 <file path=ppt/slideLayouts/slideLayout13.xml><?xml version="1.0" encoding="utf-8"?>
-<p:sldLayout xmlns:a="http://schemas.openxmlformats.org/drawingml/2006/main" xmlns:r="http://schemas.openxmlformats.org/officeDocument/2006/relationships" xmlns:p="http://schemas.openxmlformats.org/presentationml/2006/main" preserve="1">
+<p:sldLayout xmlns:a="http://schemas.openxmlformats.org/drawingml/2006/main" xmlns:r="http://schemas.openxmlformats.org/officeDocument/2006/relationships" xmlns:mc="http://schemas.openxmlformats.org/markup-compatibility/2006" xmlns:mv="urn:schemas-microsoft-com:mac:vml" xmlns:p="http://schemas.openxmlformats.org/presentationml/2006/main" mc:Ignorable="mv" mc:PreserveAttributes="mv:*" preserve="1">
   <p:cSld name="Quote Name Card">
     <p:spTree>
       <p:nvGrpSpPr>
@@ -2629,7 +2629,7 @@
             <a:fld id="{89585FB9-3804-4F2F-A432-68920AB06FD5}" type="datetimeFigureOut">
               <a:rPr lang="en-US" smtClean="0"/>
               <a:pPr/>
-              <a:t>11-May-15</a:t>
+              <a:t>5/12/15</a:t>
             </a:fld>
             <a:endParaRPr lang="en-US" dirty="0"/>
           </a:p>
@@ -2763,7 +2763,7 @@
     </p:spTree>
     <p:extLst>
       <p:ext uri="{BB962C8B-B14F-4D97-AF65-F5344CB8AC3E}">
-        <p14:creationId xmlns:p14="http://schemas.microsoft.com/office/powerpoint/2010/main" val="211510257"/>
+        <p14:creationId xmlns:p14="http://schemas.microsoft.com/office/powerpoint/2010/main" xmlns:p="http://schemas.openxmlformats.org/presentationml/2006/main" xmlns:r="http://schemas.openxmlformats.org/officeDocument/2006/relationships" xmlns:a="http://schemas.openxmlformats.org/drawingml/2006/main" xmlns="" val="211510257"/>
       </p:ext>
     </p:extLst>
   </p:cSld>
@@ -2774,7 +2774,7 @@
 </file>
 
 <file path=ppt/slideLayouts/slideLayout14.xml><?xml version="1.0" encoding="utf-8"?>
-<p:sldLayout xmlns:a="http://schemas.openxmlformats.org/drawingml/2006/main" xmlns:r="http://schemas.openxmlformats.org/officeDocument/2006/relationships" xmlns:p="http://schemas.openxmlformats.org/presentationml/2006/main" preserve="1">
+<p:sldLayout xmlns:a="http://schemas.openxmlformats.org/drawingml/2006/main" xmlns:r="http://schemas.openxmlformats.org/officeDocument/2006/relationships" xmlns:mc="http://schemas.openxmlformats.org/markup-compatibility/2006" xmlns:mv="urn:schemas-microsoft-com:mac:vml" xmlns:p="http://schemas.openxmlformats.org/presentationml/2006/main" mc:Ignorable="mv" mc:PreserveAttributes="mv:*" preserve="1">
   <p:cSld name="True or False">
     <p:spTree>
       <p:nvGrpSpPr>
@@ -3024,7 +3024,7 @@
             <a:fld id="{89585FB9-3804-4F2F-A432-68920AB06FD5}" type="datetimeFigureOut">
               <a:rPr lang="en-US" smtClean="0"/>
               <a:pPr/>
-              <a:t>11-May-15</a:t>
+              <a:t>5/12/15</a:t>
             </a:fld>
             <a:endParaRPr lang="en-US" dirty="0"/>
           </a:p>
@@ -3076,7 +3076,7 @@
     </p:spTree>
     <p:extLst>
       <p:ext uri="{BB962C8B-B14F-4D97-AF65-F5344CB8AC3E}">
-        <p14:creationId xmlns:p14="http://schemas.microsoft.com/office/powerpoint/2010/main" val="2904196083"/>
+        <p14:creationId xmlns:p14="http://schemas.microsoft.com/office/powerpoint/2010/main" xmlns:p="http://schemas.openxmlformats.org/presentationml/2006/main" xmlns:r="http://schemas.openxmlformats.org/officeDocument/2006/relationships" xmlns:a="http://schemas.openxmlformats.org/drawingml/2006/main" xmlns="" val="2904196083"/>
       </p:ext>
     </p:extLst>
   </p:cSld>
@@ -3087,7 +3087,7 @@
 </file>
 
 <file path=ppt/slideLayouts/slideLayout15.xml><?xml version="1.0" encoding="utf-8"?>
-<p:sldLayout xmlns:a="http://schemas.openxmlformats.org/drawingml/2006/main" xmlns:r="http://schemas.openxmlformats.org/officeDocument/2006/relationships" xmlns:p="http://schemas.openxmlformats.org/presentationml/2006/main" type="vertTx" preserve="1">
+<p:sldLayout xmlns:a="http://schemas.openxmlformats.org/drawingml/2006/main" xmlns:r="http://schemas.openxmlformats.org/officeDocument/2006/relationships" xmlns:mc="http://schemas.openxmlformats.org/markup-compatibility/2006" xmlns:mv="urn:schemas-microsoft-com:mac:vml" xmlns:p="http://schemas.openxmlformats.org/presentationml/2006/main" mc:Ignorable="mv" mc:PreserveAttributes="mv:*" type="vertTx" preserve="1">
   <p:cSld name="Title and Vertical Text">
     <p:spTree>
       <p:nvGrpSpPr>
@@ -3196,7 +3196,7 @@
             <a:fld id="{89585FB9-3804-4F2F-A432-68920AB06FD5}" type="datetimeFigureOut">
               <a:rPr lang="en-US" smtClean="0"/>
               <a:pPr/>
-              <a:t>11-May-15</a:t>
+              <a:t>5/12/15</a:t>
             </a:fld>
             <a:endParaRPr lang="en-US" dirty="0"/>
           </a:p>
@@ -3248,7 +3248,7 @@
     </p:spTree>
     <p:extLst>
       <p:ext uri="{BB962C8B-B14F-4D97-AF65-F5344CB8AC3E}">
-        <p14:creationId xmlns:p14="http://schemas.microsoft.com/office/powerpoint/2010/main" val="1254396012"/>
+        <p14:creationId xmlns:p14="http://schemas.microsoft.com/office/powerpoint/2010/main" xmlns:p="http://schemas.openxmlformats.org/presentationml/2006/main" xmlns:r="http://schemas.openxmlformats.org/officeDocument/2006/relationships" xmlns:a="http://schemas.openxmlformats.org/drawingml/2006/main" xmlns="" val="1254396012"/>
       </p:ext>
     </p:extLst>
   </p:cSld>
@@ -3259,7 +3259,7 @@
 </file>
 
 <file path=ppt/slideLayouts/slideLayout16.xml><?xml version="1.0" encoding="utf-8"?>
-<p:sldLayout xmlns:a="http://schemas.openxmlformats.org/drawingml/2006/main" xmlns:r="http://schemas.openxmlformats.org/officeDocument/2006/relationships" xmlns:p="http://schemas.openxmlformats.org/presentationml/2006/main" type="vertTitleAndTx" preserve="1">
+<p:sldLayout xmlns:a="http://schemas.openxmlformats.org/drawingml/2006/main" xmlns:r="http://schemas.openxmlformats.org/officeDocument/2006/relationships" xmlns:mc="http://schemas.openxmlformats.org/markup-compatibility/2006" xmlns:mv="urn:schemas-microsoft-com:mac:vml" xmlns:p="http://schemas.openxmlformats.org/presentationml/2006/main" mc:Ignorable="mv" mc:PreserveAttributes="mv:*" type="vertTitleAndTx" preserve="1">
   <p:cSld name="Vertical Title and Text">
     <p:spTree>
       <p:nvGrpSpPr>
@@ -3378,7 +3378,7 @@
             <a:fld id="{89585FB9-3804-4F2F-A432-68920AB06FD5}" type="datetimeFigureOut">
               <a:rPr lang="en-US" smtClean="0"/>
               <a:pPr/>
-              <a:t>11-May-15</a:t>
+              <a:t>5/12/15</a:t>
             </a:fld>
             <a:endParaRPr lang="en-US" dirty="0"/>
           </a:p>
@@ -3430,7 +3430,7 @@
     </p:spTree>
     <p:extLst>
       <p:ext uri="{BB962C8B-B14F-4D97-AF65-F5344CB8AC3E}">
-        <p14:creationId xmlns:p14="http://schemas.microsoft.com/office/powerpoint/2010/main" val="1959831598"/>
+        <p14:creationId xmlns:p14="http://schemas.microsoft.com/office/powerpoint/2010/main" xmlns:p="http://schemas.openxmlformats.org/presentationml/2006/main" xmlns:r="http://schemas.openxmlformats.org/officeDocument/2006/relationships" xmlns:a="http://schemas.openxmlformats.org/drawingml/2006/main" xmlns="" val="1959831598"/>
       </p:ext>
     </p:extLst>
   </p:cSld>
@@ -3441,7 +3441,7 @@
 </file>
 
 <file path=ppt/slideLayouts/slideLayout2.xml><?xml version="1.0" encoding="utf-8"?>
-<p:sldLayout xmlns:a="http://schemas.openxmlformats.org/drawingml/2006/main" xmlns:r="http://schemas.openxmlformats.org/officeDocument/2006/relationships" xmlns:p="http://schemas.openxmlformats.org/presentationml/2006/main" type="obj" preserve="1">
+<p:sldLayout xmlns:a="http://schemas.openxmlformats.org/drawingml/2006/main" xmlns:r="http://schemas.openxmlformats.org/officeDocument/2006/relationships" xmlns:mc="http://schemas.openxmlformats.org/markup-compatibility/2006" xmlns:mv="urn:schemas-microsoft-com:mac:vml" xmlns:p="http://schemas.openxmlformats.org/presentationml/2006/main" mc:Ignorable="mv" mc:PreserveAttributes="mv:*" type="obj" preserve="1">
   <p:cSld name="Title and Content">
     <p:spTree>
       <p:nvGrpSpPr>
@@ -3556,7 +3556,7 @@
             <a:fld id="{89585FB9-3804-4F2F-A432-68920AB06FD5}" type="datetimeFigureOut">
               <a:rPr lang="en-US" smtClean="0"/>
               <a:pPr/>
-              <a:t>11-May-15</a:t>
+              <a:t>5/12/15</a:t>
             </a:fld>
             <a:endParaRPr lang="en-US" dirty="0"/>
           </a:p>
@@ -3608,7 +3608,7 @@
     </p:spTree>
     <p:extLst>
       <p:ext uri="{BB962C8B-B14F-4D97-AF65-F5344CB8AC3E}">
-        <p14:creationId xmlns:p14="http://schemas.microsoft.com/office/powerpoint/2010/main" val="1037308338"/>
+        <p14:creationId xmlns:p14="http://schemas.microsoft.com/office/powerpoint/2010/main" xmlns:p="http://schemas.openxmlformats.org/presentationml/2006/main" xmlns:r="http://schemas.openxmlformats.org/officeDocument/2006/relationships" xmlns:a="http://schemas.openxmlformats.org/drawingml/2006/main" xmlns="" val="1037308338"/>
       </p:ext>
     </p:extLst>
   </p:cSld>
@@ -3619,7 +3619,7 @@
 </file>
 
 <file path=ppt/slideLayouts/slideLayout3.xml><?xml version="1.0" encoding="utf-8"?>
-<p:sldLayout xmlns:a="http://schemas.openxmlformats.org/drawingml/2006/main" xmlns:r="http://schemas.openxmlformats.org/officeDocument/2006/relationships" xmlns:p="http://schemas.openxmlformats.org/presentationml/2006/main" type="secHead" preserve="1">
+<p:sldLayout xmlns:a="http://schemas.openxmlformats.org/drawingml/2006/main" xmlns:r="http://schemas.openxmlformats.org/officeDocument/2006/relationships" xmlns:mc="http://schemas.openxmlformats.org/markup-compatibility/2006" xmlns:mv="urn:schemas-microsoft-com:mac:vml" xmlns:p="http://schemas.openxmlformats.org/presentationml/2006/main" mc:Ignorable="mv" mc:PreserveAttributes="mv:*" type="secHead" preserve="1">
   <p:cSld name="Section Header">
     <p:spTree>
       <p:nvGrpSpPr>
@@ -3805,7 +3805,7 @@
             <a:fld id="{89585FB9-3804-4F2F-A432-68920AB06FD5}" type="datetimeFigureOut">
               <a:rPr lang="en-US" smtClean="0"/>
               <a:pPr/>
-              <a:t>11-May-15</a:t>
+              <a:t>5/12/15</a:t>
             </a:fld>
             <a:endParaRPr lang="en-US" dirty="0"/>
           </a:p>
@@ -3857,7 +3857,7 @@
     </p:spTree>
     <p:extLst>
       <p:ext uri="{BB962C8B-B14F-4D97-AF65-F5344CB8AC3E}">
-        <p14:creationId xmlns:p14="http://schemas.microsoft.com/office/powerpoint/2010/main" val="1433787486"/>
+        <p14:creationId xmlns:p14="http://schemas.microsoft.com/office/powerpoint/2010/main" xmlns:p="http://schemas.openxmlformats.org/presentationml/2006/main" xmlns:r="http://schemas.openxmlformats.org/officeDocument/2006/relationships" xmlns:a="http://schemas.openxmlformats.org/drawingml/2006/main" xmlns="" val="1433787486"/>
       </p:ext>
     </p:extLst>
   </p:cSld>
@@ -3868,7 +3868,7 @@
 </file>
 
 <file path=ppt/slideLayouts/slideLayout4.xml><?xml version="1.0" encoding="utf-8"?>
-<p:sldLayout xmlns:a="http://schemas.openxmlformats.org/drawingml/2006/main" xmlns:r="http://schemas.openxmlformats.org/officeDocument/2006/relationships" xmlns:p="http://schemas.openxmlformats.org/presentationml/2006/main" type="twoObj" preserve="1">
+<p:sldLayout xmlns:a="http://schemas.openxmlformats.org/drawingml/2006/main" xmlns:r="http://schemas.openxmlformats.org/officeDocument/2006/relationships" xmlns:mc="http://schemas.openxmlformats.org/markup-compatibility/2006" xmlns:mv="urn:schemas-microsoft-com:mac:vml" xmlns:p="http://schemas.openxmlformats.org/presentationml/2006/main" mc:Ignorable="mv" mc:PreserveAttributes="mv:*" type="twoObj" preserve="1">
   <p:cSld name="Two Content">
     <p:spTree>
       <p:nvGrpSpPr>
@@ -4039,7 +4039,7 @@
             <a:fld id="{89585FB9-3804-4F2F-A432-68920AB06FD5}" type="datetimeFigureOut">
               <a:rPr lang="en-US" smtClean="0"/>
               <a:pPr/>
-              <a:t>11-May-15</a:t>
+              <a:t>5/12/15</a:t>
             </a:fld>
             <a:endParaRPr lang="en-US" dirty="0"/>
           </a:p>
@@ -4091,7 +4091,7 @@
     </p:spTree>
     <p:extLst>
       <p:ext uri="{BB962C8B-B14F-4D97-AF65-F5344CB8AC3E}">
-        <p14:creationId xmlns:p14="http://schemas.microsoft.com/office/powerpoint/2010/main" val="3343638220"/>
+        <p14:creationId xmlns:p14="http://schemas.microsoft.com/office/powerpoint/2010/main" xmlns:p="http://schemas.openxmlformats.org/presentationml/2006/main" xmlns:r="http://schemas.openxmlformats.org/officeDocument/2006/relationships" xmlns:a="http://schemas.openxmlformats.org/drawingml/2006/main" xmlns="" val="3343638220"/>
       </p:ext>
     </p:extLst>
   </p:cSld>
@@ -4102,7 +4102,7 @@
 </file>
 
 <file path=ppt/slideLayouts/slideLayout5.xml><?xml version="1.0" encoding="utf-8"?>
-<p:sldLayout xmlns:a="http://schemas.openxmlformats.org/drawingml/2006/main" xmlns:r="http://schemas.openxmlformats.org/officeDocument/2006/relationships" xmlns:p="http://schemas.openxmlformats.org/presentationml/2006/main" type="twoTxTwoObj" preserve="1">
+<p:sldLayout xmlns:a="http://schemas.openxmlformats.org/drawingml/2006/main" xmlns:r="http://schemas.openxmlformats.org/officeDocument/2006/relationships" xmlns:mc="http://schemas.openxmlformats.org/markup-compatibility/2006" xmlns:mv="urn:schemas-microsoft-com:mac:vml" xmlns:p="http://schemas.openxmlformats.org/presentationml/2006/main" mc:Ignorable="mv" mc:PreserveAttributes="mv:*" type="twoTxTwoObj" preserve="1">
   <p:cSld name="Comparison">
     <p:spTree>
       <p:nvGrpSpPr>
@@ -4415,7 +4415,7 @@
             <a:fld id="{89585FB9-3804-4F2F-A432-68920AB06FD5}" type="datetimeFigureOut">
               <a:rPr lang="en-US" smtClean="0"/>
               <a:pPr/>
-              <a:t>11-May-15</a:t>
+              <a:t>5/12/15</a:t>
             </a:fld>
             <a:endParaRPr lang="en-US" dirty="0"/>
           </a:p>
@@ -4467,7 +4467,7 @@
     </p:spTree>
     <p:extLst>
       <p:ext uri="{BB962C8B-B14F-4D97-AF65-F5344CB8AC3E}">
-        <p14:creationId xmlns:p14="http://schemas.microsoft.com/office/powerpoint/2010/main" val="3657773564"/>
+        <p14:creationId xmlns:p14="http://schemas.microsoft.com/office/powerpoint/2010/main" xmlns:p="http://schemas.openxmlformats.org/presentationml/2006/main" xmlns:r="http://schemas.openxmlformats.org/officeDocument/2006/relationships" xmlns:a="http://schemas.openxmlformats.org/drawingml/2006/main" xmlns="" val="3657773564"/>
       </p:ext>
     </p:extLst>
   </p:cSld>
@@ -4478,7 +4478,7 @@
 </file>
 
 <file path=ppt/slideLayouts/slideLayout6.xml><?xml version="1.0" encoding="utf-8"?>
-<p:sldLayout xmlns:a="http://schemas.openxmlformats.org/drawingml/2006/main" xmlns:r="http://schemas.openxmlformats.org/officeDocument/2006/relationships" xmlns:p="http://schemas.openxmlformats.org/presentationml/2006/main" type="titleOnly" preserve="1">
+<p:sldLayout xmlns:a="http://schemas.openxmlformats.org/drawingml/2006/main" xmlns:r="http://schemas.openxmlformats.org/officeDocument/2006/relationships" xmlns:mc="http://schemas.openxmlformats.org/markup-compatibility/2006" xmlns:mv="urn:schemas-microsoft-com:mac:vml" xmlns:p="http://schemas.openxmlformats.org/presentationml/2006/main" mc:Ignorable="mv" mc:PreserveAttributes="mv:*" type="titleOnly" preserve="1">
   <p:cSld name="Title Only">
     <p:spTree>
       <p:nvGrpSpPr>
@@ -4540,7 +4540,7 @@
             <a:fld id="{89585FB9-3804-4F2F-A432-68920AB06FD5}" type="datetimeFigureOut">
               <a:rPr lang="en-US" smtClean="0"/>
               <a:pPr/>
-              <a:t>11-May-15</a:t>
+              <a:t>5/12/15</a:t>
             </a:fld>
             <a:endParaRPr lang="en-US" dirty="0"/>
           </a:p>
@@ -4592,7 +4592,7 @@
     </p:spTree>
     <p:extLst>
       <p:ext uri="{BB962C8B-B14F-4D97-AF65-F5344CB8AC3E}">
-        <p14:creationId xmlns:p14="http://schemas.microsoft.com/office/powerpoint/2010/main" val="1859816651"/>
+        <p14:creationId xmlns:p14="http://schemas.microsoft.com/office/powerpoint/2010/main" xmlns:p="http://schemas.openxmlformats.org/presentationml/2006/main" xmlns:r="http://schemas.openxmlformats.org/officeDocument/2006/relationships" xmlns:a="http://schemas.openxmlformats.org/drawingml/2006/main" xmlns="" val="1859816651"/>
       </p:ext>
     </p:extLst>
   </p:cSld>
@@ -4603,7 +4603,7 @@
 </file>
 
 <file path=ppt/slideLayouts/slideLayout7.xml><?xml version="1.0" encoding="utf-8"?>
-<p:sldLayout xmlns:a="http://schemas.openxmlformats.org/drawingml/2006/main" xmlns:r="http://schemas.openxmlformats.org/officeDocument/2006/relationships" xmlns:p="http://schemas.openxmlformats.org/presentationml/2006/main" type="blank" preserve="1">
+<p:sldLayout xmlns:a="http://schemas.openxmlformats.org/drawingml/2006/main" xmlns:r="http://schemas.openxmlformats.org/officeDocument/2006/relationships" xmlns:mc="http://schemas.openxmlformats.org/markup-compatibility/2006" xmlns:mv="urn:schemas-microsoft-com:mac:vml" xmlns:p="http://schemas.openxmlformats.org/presentationml/2006/main" mc:Ignorable="mv" mc:PreserveAttributes="mv:*" type="blank" preserve="1">
   <p:cSld name="Blank">
     <p:spTree>
       <p:nvGrpSpPr>
@@ -4637,7 +4637,7 @@
             <a:fld id="{89585FB9-3804-4F2F-A432-68920AB06FD5}" type="datetimeFigureOut">
               <a:rPr lang="en-US" smtClean="0"/>
               <a:pPr/>
-              <a:t>11-May-15</a:t>
+              <a:t>5/12/15</a:t>
             </a:fld>
             <a:endParaRPr lang="en-US" dirty="0"/>
           </a:p>
@@ -4689,7 +4689,7 @@
     </p:spTree>
     <p:extLst>
       <p:ext uri="{BB962C8B-B14F-4D97-AF65-F5344CB8AC3E}">
-        <p14:creationId xmlns:p14="http://schemas.microsoft.com/office/powerpoint/2010/main" val="3429186225"/>
+        <p14:creationId xmlns:p14="http://schemas.microsoft.com/office/powerpoint/2010/main" xmlns:p="http://schemas.openxmlformats.org/presentationml/2006/main" xmlns:r="http://schemas.openxmlformats.org/officeDocument/2006/relationships" xmlns:a="http://schemas.openxmlformats.org/drawingml/2006/main" xmlns="" val="3429186225"/>
       </p:ext>
     </p:extLst>
   </p:cSld>
@@ -4700,7 +4700,7 @@
 </file>
 
 <file path=ppt/slideLayouts/slideLayout8.xml><?xml version="1.0" encoding="utf-8"?>
-<p:sldLayout xmlns:a="http://schemas.openxmlformats.org/drawingml/2006/main" xmlns:r="http://schemas.openxmlformats.org/officeDocument/2006/relationships" xmlns:p="http://schemas.openxmlformats.org/presentationml/2006/main" type="objTx" preserve="1">
+<p:sldLayout xmlns:a="http://schemas.openxmlformats.org/drawingml/2006/main" xmlns:r="http://schemas.openxmlformats.org/officeDocument/2006/relationships" xmlns:mc="http://schemas.openxmlformats.org/markup-compatibility/2006" xmlns:mv="urn:schemas-microsoft-com:mac:vml" xmlns:p="http://schemas.openxmlformats.org/presentationml/2006/main" mc:Ignorable="mv" mc:PreserveAttributes="mv:*" type="objTx" preserve="1">
   <p:cSld name="Content with Caption">
     <p:spTree>
       <p:nvGrpSpPr>
@@ -4894,7 +4894,7 @@
             <a:fld id="{89585FB9-3804-4F2F-A432-68920AB06FD5}" type="datetimeFigureOut">
               <a:rPr lang="en-US" smtClean="0"/>
               <a:pPr/>
-              <a:t>11-May-15</a:t>
+              <a:t>5/12/15</a:t>
             </a:fld>
             <a:endParaRPr lang="en-US" dirty="0"/>
           </a:p>
@@ -4946,7 +4946,7 @@
     </p:spTree>
     <p:extLst>
       <p:ext uri="{BB962C8B-B14F-4D97-AF65-F5344CB8AC3E}">
-        <p14:creationId xmlns:p14="http://schemas.microsoft.com/office/powerpoint/2010/main" val="2720025707"/>
+        <p14:creationId xmlns:p14="http://schemas.microsoft.com/office/powerpoint/2010/main" xmlns:p="http://schemas.openxmlformats.org/presentationml/2006/main" xmlns:r="http://schemas.openxmlformats.org/officeDocument/2006/relationships" xmlns:a="http://schemas.openxmlformats.org/drawingml/2006/main" xmlns="" val="2720025707"/>
       </p:ext>
     </p:extLst>
   </p:cSld>
@@ -4957,7 +4957,7 @@
 </file>
 
 <file path=ppt/slideLayouts/slideLayout9.xml><?xml version="1.0" encoding="utf-8"?>
-<p:sldLayout xmlns:a="http://schemas.openxmlformats.org/drawingml/2006/main" xmlns:r="http://schemas.openxmlformats.org/officeDocument/2006/relationships" xmlns:p="http://schemas.openxmlformats.org/presentationml/2006/main" type="picTx" preserve="1">
+<p:sldLayout xmlns:a="http://schemas.openxmlformats.org/drawingml/2006/main" xmlns:r="http://schemas.openxmlformats.org/officeDocument/2006/relationships" xmlns:mc="http://schemas.openxmlformats.org/markup-compatibility/2006" xmlns:mv="urn:schemas-microsoft-com:mac:vml" xmlns:p="http://schemas.openxmlformats.org/presentationml/2006/main" mc:Ignorable="mv" mc:PreserveAttributes="mv:*" type="picTx" preserve="1">
   <p:cSld name="Picture with Caption">
     <p:spTree>
       <p:nvGrpSpPr>
@@ -5159,7 +5159,7 @@
             <a:fld id="{89585FB9-3804-4F2F-A432-68920AB06FD5}" type="datetimeFigureOut">
               <a:rPr lang="en-US" smtClean="0"/>
               <a:pPr/>
-              <a:t>11-May-15</a:t>
+              <a:t>5/12/15</a:t>
             </a:fld>
             <a:endParaRPr lang="en-US" dirty="0"/>
           </a:p>
@@ -5211,7 +5211,7 @@
     </p:spTree>
     <p:extLst>
       <p:ext uri="{BB962C8B-B14F-4D97-AF65-F5344CB8AC3E}">
-        <p14:creationId xmlns:p14="http://schemas.microsoft.com/office/powerpoint/2010/main" val="2613492434"/>
+        <p14:creationId xmlns:p14="http://schemas.microsoft.com/office/powerpoint/2010/main" xmlns:p="http://schemas.openxmlformats.org/presentationml/2006/main" xmlns:r="http://schemas.openxmlformats.org/officeDocument/2006/relationships" xmlns:a="http://schemas.openxmlformats.org/drawingml/2006/main" xmlns="" val="2613492434"/>
       </p:ext>
     </p:extLst>
   </p:cSld>
@@ -5222,7 +5222,7 @@
 </file>
 
 <file path=ppt/slideMasters/slideMaster1.xml><?xml version="1.0" encoding="utf-8"?>
-<p:sldMaster xmlns:a="http://schemas.openxmlformats.org/drawingml/2006/main" xmlns:r="http://schemas.openxmlformats.org/officeDocument/2006/relationships" xmlns:p="http://schemas.openxmlformats.org/presentationml/2006/main">
+<p:sldMaster xmlns:a="http://schemas.openxmlformats.org/drawingml/2006/main" xmlns:r="http://schemas.openxmlformats.org/officeDocument/2006/relationships" xmlns:mc="http://schemas.openxmlformats.org/markup-compatibility/2006" xmlns:mv="urn:schemas-microsoft-com:mac:vml" xmlns:p="http://schemas.openxmlformats.org/presentationml/2006/main" mc:Ignorable="mv" mc:PreserveAttributes="mv:*">
   <p:cSld>
     <p:bg>
       <p:bgRef idx="1001">
@@ -5904,7 +5904,7 @@
             <a:fld id="{89585FB9-3804-4F2F-A432-68920AB06FD5}" type="datetimeFigureOut">
               <a:rPr lang="en-US" smtClean="0"/>
               <a:pPr/>
-              <a:t>11-May-15</a:t>
+              <a:t>5/12/15</a:t>
             </a:fld>
             <a:endParaRPr lang="en-US" dirty="0"/>
           </a:p>
@@ -5990,7 +5990,7 @@
     </p:spTree>
     <p:extLst>
       <p:ext uri="{BB962C8B-B14F-4D97-AF65-F5344CB8AC3E}">
-        <p14:creationId xmlns:p14="http://schemas.microsoft.com/office/powerpoint/2010/main" val="4009987634"/>
+        <p14:creationId xmlns:p14="http://schemas.microsoft.com/office/powerpoint/2010/main" xmlns:p="http://schemas.openxmlformats.org/presentationml/2006/main" xmlns:r="http://schemas.openxmlformats.org/officeDocument/2006/relationships" xmlns:a="http://schemas.openxmlformats.org/drawingml/2006/main" xmlns="" val="4009987634"/>
       </p:ext>
     </p:extLst>
   </p:cSld>
@@ -6413,7 +6413,7 @@
 </file>
 
 <file path=ppt/slides/slide1.xml><?xml version="1.0" encoding="utf-8"?>
-<p:sld xmlns:a="http://schemas.openxmlformats.org/drawingml/2006/main" xmlns:r="http://schemas.openxmlformats.org/officeDocument/2006/relationships" xmlns:p="http://schemas.openxmlformats.org/presentationml/2006/main">
+<p:sld xmlns:a="http://schemas.openxmlformats.org/drawingml/2006/main" xmlns:r="http://schemas.openxmlformats.org/officeDocument/2006/relationships" xmlns:mc="http://schemas.openxmlformats.org/markup-compatibility/2006" xmlns:mv="urn:schemas-microsoft-com:mac:vml" xmlns:p="http://schemas.openxmlformats.org/presentationml/2006/main" mc:Ignorable="mv" mc:PreserveAttributes="mv:*">
   <p:cSld>
     <p:spTree>
       <p:nvGrpSpPr>
@@ -6505,7 +6505,7 @@
     </p:spTree>
     <p:extLst>
       <p:ext uri="{BB962C8B-B14F-4D97-AF65-F5344CB8AC3E}">
-        <p14:creationId xmlns:p14="http://schemas.microsoft.com/office/powerpoint/2010/main" val="3087260744"/>
+        <p14:creationId xmlns:p14="http://schemas.microsoft.com/office/powerpoint/2010/main" xmlns:p="http://schemas.openxmlformats.org/presentationml/2006/main" xmlns:r="http://schemas.openxmlformats.org/officeDocument/2006/relationships" xmlns:a="http://schemas.openxmlformats.org/drawingml/2006/main" xmlns="" val="3087260744"/>
       </p:ext>
     </p:extLst>
   </p:cSld>
@@ -6523,7 +6523,7 @@
 </file>
 
 <file path=ppt/slides/slide2.xml><?xml version="1.0" encoding="utf-8"?>
-<p:sld xmlns:a="http://schemas.openxmlformats.org/drawingml/2006/main" xmlns:r="http://schemas.openxmlformats.org/officeDocument/2006/relationships" xmlns:p="http://schemas.openxmlformats.org/presentationml/2006/main">
+<p:sld xmlns:a="http://schemas.openxmlformats.org/drawingml/2006/main" xmlns:r="http://schemas.openxmlformats.org/officeDocument/2006/relationships" xmlns:mc="http://schemas.openxmlformats.org/markup-compatibility/2006" xmlns:mv="urn:schemas-microsoft-com:mac:vml" xmlns:p="http://schemas.openxmlformats.org/presentationml/2006/main" mc:Ignorable="mv" mc:PreserveAttributes="mv:*">
   <p:cSld>
     <p:spTree>
       <p:nvGrpSpPr>
@@ -6664,11 +6664,7 @@
             </a:r>
             <a:r>
               <a:rPr lang="en-ZA" sz="2400" dirty="0" smtClean="0"/>
-              <a:t>Creates a branch of a git </a:t>
-            </a:r>
-            <a:r>
-              <a:rPr lang="en-ZA" sz="2400" dirty="0" smtClean="0"/>
-              <a:t>repository</a:t>
+              <a:t>Creates a branch of a git repository</a:t>
             </a:r>
             <a:endParaRPr lang="en-US" sz="2400" dirty="0"/>
           </a:p>
@@ -6687,11 +6683,7 @@
             </a:r>
             <a:r>
               <a:rPr lang="en-ZA" sz="2400" dirty="0" smtClean="0"/>
-              <a:t>Adds changes made on branched repository to the main/original </a:t>
-            </a:r>
-            <a:r>
-              <a:rPr lang="en-ZA" sz="2400" dirty="0" smtClean="0"/>
-              <a:t>repository </a:t>
+              <a:t>Adds changes made on branched repository to the main/original repository </a:t>
             </a:r>
             <a:endParaRPr lang="en-US" sz="2400" dirty="0"/>
           </a:p>
@@ -6710,11 +6702,7 @@
             </a:r>
             <a:r>
               <a:rPr lang="en-ZA" sz="2400" dirty="0" smtClean="0"/>
-              <a:t>Incorporates your local committed changes to the online GitHub </a:t>
-            </a:r>
-            <a:r>
-              <a:rPr lang="en-ZA" sz="2400" dirty="0" smtClean="0"/>
-              <a:t>repository </a:t>
+              <a:t>Incorporates your local committed changes to the online GitHub repository </a:t>
             </a:r>
             <a:endParaRPr lang="en-US" sz="2400" dirty="0"/>
           </a:p>
@@ -6733,13 +6721,8 @@
             </a:r>
             <a:r>
               <a:rPr lang="en-ZA" sz="2400" dirty="0" smtClean="0"/>
-              <a:t>Incorporates the newest changes of an online repository, to your local </a:t>
-            </a:r>
-            <a:r>
-              <a:rPr lang="en-ZA" sz="2400" dirty="0" smtClean="0"/>
-              <a:t>repository</a:t>
-            </a:r>
-            <a:endParaRPr lang="en-ZA" sz="2400" dirty="0" smtClean="0"/>
+              <a:t>Incorporates the newest changes of an online repository, to your local repository</a:t>
+            </a:r>
           </a:p>
           <a:p>
             <a:r>
@@ -6799,7 +6782,7 @@
     </p:spTree>
     <p:extLst>
       <p:ext uri="{BB962C8B-B14F-4D97-AF65-F5344CB8AC3E}">
-        <p14:creationId xmlns:p14="http://schemas.microsoft.com/office/powerpoint/2010/main" val="1691310875"/>
+        <p14:creationId xmlns:p14="http://schemas.microsoft.com/office/powerpoint/2010/main" xmlns:p="http://schemas.openxmlformats.org/presentationml/2006/main" xmlns:r="http://schemas.openxmlformats.org/officeDocument/2006/relationships" xmlns:a="http://schemas.openxmlformats.org/drawingml/2006/main" xmlns="" val="1691310875"/>
       </p:ext>
     </p:extLst>
   </p:cSld>
@@ -6817,7 +6800,7 @@
 </file>
 
 <file path=ppt/slides/slide3.xml><?xml version="1.0" encoding="utf-8"?>
-<p:sld xmlns:a="http://schemas.openxmlformats.org/drawingml/2006/main" xmlns:r="http://schemas.openxmlformats.org/officeDocument/2006/relationships" xmlns:p="http://schemas.openxmlformats.org/presentationml/2006/main">
+<p:sld xmlns:a="http://schemas.openxmlformats.org/drawingml/2006/main" xmlns:r="http://schemas.openxmlformats.org/officeDocument/2006/relationships" xmlns:mc="http://schemas.openxmlformats.org/markup-compatibility/2006" xmlns:mv="urn:schemas-microsoft-com:mac:vml" xmlns:p="http://schemas.openxmlformats.org/presentationml/2006/main" mc:Ignorable="mv" mc:PreserveAttributes="mv:*">
   <p:cSld>
     <p:spTree>
       <p:nvGrpSpPr>
@@ -6928,13 +6911,8 @@
             </a:r>
             <a:r>
               <a:rPr lang="en-ZA" sz="2595" dirty="0" smtClean="0"/>
-              <a:t> and create a GitHub </a:t>
-            </a:r>
-            <a:r>
-              <a:rPr lang="en-ZA" sz="2595" dirty="0" smtClean="0"/>
-              <a:t>account</a:t>
-            </a:r>
-            <a:endParaRPr lang="en-ZA" sz="2595" dirty="0" smtClean="0"/>
+              <a:t> and create a GitHub account</a:t>
+            </a:r>
           </a:p>
           <a:p>
             <a:pPr marL="0" indent="0">
@@ -7008,13 +6986,8 @@
           <a:p>
             <a:r>
               <a:rPr lang="en-ZA" sz="2595" dirty="0" smtClean="0"/>
-              <a:t>Introduce yourself to </a:t>
-            </a:r>
-            <a:r>
-              <a:rPr lang="en-ZA" sz="2595" dirty="0" smtClean="0"/>
-              <a:t>git</a:t>
-            </a:r>
-            <a:endParaRPr lang="en-ZA" sz="2595" dirty="0" smtClean="0"/>
+              <a:t>Introduce yourself to git</a:t>
+            </a:r>
           </a:p>
           <a:p>
             <a:pPr lvl="1">
@@ -7044,7 +7017,7 @@
     </p:spTree>
     <p:extLst>
       <p:ext uri="{BB962C8B-B14F-4D97-AF65-F5344CB8AC3E}">
-        <p14:creationId xmlns:p14="http://schemas.microsoft.com/office/powerpoint/2010/main" val="2617072906"/>
+        <p14:creationId xmlns:p14="http://schemas.microsoft.com/office/powerpoint/2010/main" xmlns:p="http://schemas.openxmlformats.org/presentationml/2006/main" xmlns:r="http://schemas.openxmlformats.org/officeDocument/2006/relationships" xmlns:a="http://schemas.openxmlformats.org/drawingml/2006/main" xmlns="" val="2617072906"/>
       </p:ext>
     </p:extLst>
   </p:cSld>
@@ -7062,7 +7035,7 @@
 </file>
 
 <file path=ppt/slides/slide4.xml><?xml version="1.0" encoding="utf-8"?>
-<p:sld xmlns:a="http://schemas.openxmlformats.org/drawingml/2006/main" xmlns:r="http://schemas.openxmlformats.org/officeDocument/2006/relationships" xmlns:p="http://schemas.openxmlformats.org/presentationml/2006/main">
+<p:sld xmlns:a="http://schemas.openxmlformats.org/drawingml/2006/main" xmlns:r="http://schemas.openxmlformats.org/officeDocument/2006/relationships" xmlns:mc="http://schemas.openxmlformats.org/markup-compatibility/2006" xmlns:mv="urn:schemas-microsoft-com:mac:vml" xmlns:p="http://schemas.openxmlformats.org/presentationml/2006/main" mc:Ignorable="mv" mc:PreserveAttributes="mv:*">
   <p:cSld>
     <p:spTree>
       <p:nvGrpSpPr>
@@ -7157,7 +7130,7 @@
 </file>
 
 <file path=ppt/slides/slide5.xml><?xml version="1.0" encoding="utf-8"?>
-<p:sld xmlns:a="http://schemas.openxmlformats.org/drawingml/2006/main" xmlns:r="http://schemas.openxmlformats.org/officeDocument/2006/relationships" xmlns:p="http://schemas.openxmlformats.org/presentationml/2006/main">
+<p:sld xmlns:a="http://schemas.openxmlformats.org/drawingml/2006/main" xmlns:r="http://schemas.openxmlformats.org/officeDocument/2006/relationships" xmlns:mc="http://schemas.openxmlformats.org/markup-compatibility/2006" xmlns:mv="urn:schemas-microsoft-com:mac:vml" xmlns:p="http://schemas.openxmlformats.org/presentationml/2006/main" mc:Ignorable="mv" mc:PreserveAttributes="mv:*">
   <p:cSld>
     <p:spTree>
       <p:nvGrpSpPr>
@@ -7522,7 +7495,7 @@
     </p:spTree>
     <p:extLst>
       <p:ext uri="{BB962C8B-B14F-4D97-AF65-F5344CB8AC3E}">
-        <p14:creationId xmlns:p14="http://schemas.microsoft.com/office/powerpoint/2010/main" val="3276086069"/>
+        <p14:creationId xmlns:p14="http://schemas.microsoft.com/office/powerpoint/2010/main" xmlns:p="http://schemas.openxmlformats.org/presentationml/2006/main" xmlns:r="http://schemas.openxmlformats.org/officeDocument/2006/relationships" xmlns:a="http://schemas.openxmlformats.org/drawingml/2006/main" xmlns="" val="3276086069"/>
       </p:ext>
     </p:extLst>
   </p:cSld>
@@ -7540,7 +7513,7 @@
 </file>
 
 <file path=ppt/slides/slide6.xml><?xml version="1.0" encoding="utf-8"?>
-<p:sld xmlns:a="http://schemas.openxmlformats.org/drawingml/2006/main" xmlns:r="http://schemas.openxmlformats.org/officeDocument/2006/relationships" xmlns:p="http://schemas.openxmlformats.org/presentationml/2006/main">
+<p:sld xmlns:a="http://schemas.openxmlformats.org/drawingml/2006/main" xmlns:r="http://schemas.openxmlformats.org/officeDocument/2006/relationships" xmlns:mc="http://schemas.openxmlformats.org/markup-compatibility/2006" xmlns:mv="urn:schemas-microsoft-com:mac:vml" xmlns:p="http://schemas.openxmlformats.org/presentationml/2006/main" mc:Ignorable="mv" mc:PreserveAttributes="mv:*">
   <p:cSld>
     <p:spTree>
       <p:nvGrpSpPr>
@@ -7883,7 +7856,7 @@
     </p:spTree>
     <p:extLst>
       <p:ext uri="{BB962C8B-B14F-4D97-AF65-F5344CB8AC3E}">
-        <p14:creationId xmlns:p14="http://schemas.microsoft.com/office/powerpoint/2010/main" val="520927691"/>
+        <p14:creationId xmlns:p14="http://schemas.microsoft.com/office/powerpoint/2010/main" xmlns:p="http://schemas.openxmlformats.org/presentationml/2006/main" xmlns:r="http://schemas.openxmlformats.org/officeDocument/2006/relationships" xmlns:a="http://schemas.openxmlformats.org/drawingml/2006/main" xmlns="" val="520927691"/>
       </p:ext>
     </p:extLst>
   </p:cSld>
@@ -7901,7 +7874,7 @@
 </file>
 
 <file path=ppt/slides/slide7.xml><?xml version="1.0" encoding="utf-8"?>
-<p:sld xmlns:a="http://schemas.openxmlformats.org/drawingml/2006/main" xmlns:r="http://schemas.openxmlformats.org/officeDocument/2006/relationships" xmlns:p="http://schemas.openxmlformats.org/presentationml/2006/main">
+<p:sld xmlns:a="http://schemas.openxmlformats.org/drawingml/2006/main" xmlns:r="http://schemas.openxmlformats.org/officeDocument/2006/relationships" xmlns:mc="http://schemas.openxmlformats.org/markup-compatibility/2006" xmlns:mv="urn:schemas-microsoft-com:mac:vml" xmlns:p="http://schemas.openxmlformats.org/presentationml/2006/main" mc:Ignorable="mv" mc:PreserveAttributes="mv:*">
   <p:cSld>
     <p:spTree>
       <p:nvGrpSpPr>
@@ -8229,7 +8202,7 @@
     </p:spTree>
     <p:extLst>
       <p:ext uri="{BB962C8B-B14F-4D97-AF65-F5344CB8AC3E}">
-        <p14:creationId xmlns:p14="http://schemas.microsoft.com/office/powerpoint/2010/main" val="2955015948"/>
+        <p14:creationId xmlns:p14="http://schemas.microsoft.com/office/powerpoint/2010/main" xmlns:p="http://schemas.openxmlformats.org/presentationml/2006/main" xmlns:r="http://schemas.openxmlformats.org/officeDocument/2006/relationships" xmlns:a="http://schemas.openxmlformats.org/drawingml/2006/main" xmlns="" val="2955015948"/>
       </p:ext>
     </p:extLst>
   </p:cSld>
@@ -8497,7 +8470,7 @@
   <a:extraClrSchemeLst/>
   <a:extLst>
     <a:ext uri="{05A4C25C-085E-4340-85A3-A5531E510DB2}">
-      <thm15:themeFamily xmlns:thm15="http://schemas.microsoft.com/office/thememl/2012/main" name="Facet" id="{C0C680CD-088A-49FC-A102-D699147F32B2}" vid="{CFBC31BA-B70F-4F30-BCAA-4F3011E16C4D}"/>
+      <thm15:themeFamily xmlns:thm15="http://schemas.microsoft.com/office/thememl/2012/main" xmlns:a="http://schemas.openxmlformats.org/drawingml/2006/main" xmlns="" name="Facet" id="{C0C680CD-088A-49FC-A102-D699147F32B2}" vid="{CFBC31BA-B70F-4F30-BCAA-4F3011E16C4D}"/>
     </a:ext>
   </a:extLst>
 </a:theme>
@@ -8758,7 +8731,7 @@
   <a:extraClrSchemeLst/>
   <a:extLst>
     <a:ext uri="{05A4C25C-085E-4340-85A3-A5531E510DB2}">
-      <thm15:themeFamily xmlns:thm15="http://schemas.microsoft.com/office/thememl/2012/main" name="Office Theme" id="{62F939B6-93AF-4DB8-9C6B-D6C7DFDC589F}" vid="{4A3C46E8-61CC-4603-A589-7422A47A8E4A}"/>
+      <thm15:themeFamily xmlns:thm15="http://schemas.microsoft.com/office/thememl/2012/main" xmlns:a="http://schemas.openxmlformats.org/drawingml/2006/main" xmlns="" name="Office Theme" id="{62F939B6-93AF-4DB8-9C6B-D6C7DFDC589F}" vid="{4A3C46E8-61CC-4603-A589-7422A47A8E4A}"/>
     </a:ext>
   </a:extLst>
 </a:theme>
